--- a/ComparativeProteinSequence.pptx
+++ b/ComparativeProteinSequence.pptx
@@ -2,13 +2,25 @@
 <file path=ppt/presentation.xml><?xml version="1.0" encoding="utf-8"?>
 <p:presentation xmlns:a="http://schemas.openxmlformats.org/drawingml/2006/main" xmlns:r="http://schemas.openxmlformats.org/officeDocument/2006/relationships" xmlns:p="http://schemas.openxmlformats.org/presentationml/2006/main" saveSubsetFonts="1">
   <p:sldMasterIdLst>
-    <p:sldMasterId id="2147483648" r:id="rId1"/>
+    <p:sldMasterId id="2147483707" r:id="rId1"/>
   </p:sldMasterIdLst>
+  <p:notesMasterIdLst>
+    <p:notesMasterId r:id="rId15"/>
+  </p:notesMasterIdLst>
   <p:sldIdLst>
-    <p:sldId id="259" r:id="rId2"/>
-    <p:sldId id="260" r:id="rId3"/>
-    <p:sldId id="262" r:id="rId4"/>
-    <p:sldId id="261" r:id="rId5"/>
+    <p:sldId id="263" r:id="rId2"/>
+    <p:sldId id="264" r:id="rId3"/>
+    <p:sldId id="268" r:id="rId4"/>
+    <p:sldId id="269" r:id="rId5"/>
+    <p:sldId id="270" r:id="rId6"/>
+    <p:sldId id="271" r:id="rId7"/>
+    <p:sldId id="259" r:id="rId8"/>
+    <p:sldId id="260" r:id="rId9"/>
+    <p:sldId id="262" r:id="rId10"/>
+    <p:sldId id="261" r:id="rId11"/>
+    <p:sldId id="265" r:id="rId12"/>
+    <p:sldId id="266" r:id="rId13"/>
+    <p:sldId id="267" r:id="rId14"/>
   </p:sldIdLst>
   <p:sldSz cx="12192000" cy="6858000"/>
   <p:notesSz cx="6858000" cy="9144000"/>
@@ -136,13 +148,19 @@
           <a:lstStyle/>
           <a:p>
             <a:pPr>
-              <a:defRPr sz="1600" b="1" i="0" u="none" strike="noStrike" kern="1200" cap="all" spc="120" normalizeH="0" baseline="0">
-                <a:solidFill>
-                  <a:schemeClr val="tx1">
-                    <a:lumMod val="65000"/>
-                    <a:lumOff val="35000"/>
+              <a:defRPr sz="2128" b="1" i="0" u="none" strike="noStrike" kern="1200" spc="100" baseline="0">
+                <a:solidFill>
+                  <a:schemeClr val="lt1">
+                    <a:lumMod val="95000"/>
                   </a:schemeClr>
                 </a:solidFill>
+                <a:effectLst>
+                  <a:outerShdw blurRad="50800" dist="38100" dir="5400000" algn="t" rotWithShape="0">
+                    <a:prstClr val="black">
+                      <a:alpha val="40000"/>
+                    </a:prstClr>
+                  </a:outerShdw>
+                </a:effectLst>
                 <a:latin typeface="+mn-lt"/>
                 <a:ea typeface="+mn-ea"/>
                 <a:cs typeface="+mn-cs"/>
@@ -168,13 +186,19 @@
         <a:lstStyle/>
         <a:p>
           <a:pPr>
-            <a:defRPr sz="1600" b="1" i="0" u="none" strike="noStrike" kern="1200" cap="all" spc="120" normalizeH="0" baseline="0">
+            <a:defRPr sz="2128" b="1" i="0" u="none" strike="noStrike" kern="1200" spc="100" baseline="0">
               <a:solidFill>
-                <a:schemeClr val="tx1">
-                  <a:lumMod val="65000"/>
-                  <a:lumOff val="35000"/>
+                <a:schemeClr val="lt1">
+                  <a:lumMod val="95000"/>
                 </a:schemeClr>
               </a:solidFill>
+              <a:effectLst>
+                <a:outerShdw blurRad="50800" dist="38100" dir="5400000" algn="t" rotWithShape="0">
+                  <a:prstClr val="black">
+                    <a:alpha val="40000"/>
+                  </a:prstClr>
+                </a:outerShdw>
+              </a:effectLst>
               <a:latin typeface="+mn-lt"/>
               <a:ea typeface="+mn-ea"/>
               <a:cs typeface="+mn-cs"/>
@@ -186,7 +210,17 @@
     </c:title>
     <c:autoTitleDeleted val="0"/>
     <c:plotArea>
-      <c:layout/>
+      <c:layout>
+        <c:manualLayout>
+          <c:layoutTarget val="inner"/>
+          <c:xMode val="edge"/>
+          <c:yMode val="edge"/>
+          <c:x val="9.3710080950667018E-2"/>
+          <c:y val="9.4251877914184587E-2"/>
+          <c:w val="0.89624119813809422"/>
+          <c:h val="0.67675329395394201"/>
+        </c:manualLayout>
+      </c:layout>
       <c:barChart>
         <c:barDir val="col"/>
         <c:grouping val="clustered"/>
@@ -196,7 +230,7 @@
           <c:order val="0"/>
           <c:tx>
             <c:strRef>
-              <c:f>Sheet1!$B$1</c:f>
+              <c:f>[ComporativeProteinModelling.xlsx]Sheet1!$B$1</c:f>
               <c:strCache>
                 <c:ptCount val="1"/>
                 <c:pt idx="0">
@@ -206,16 +240,46 @@
             </c:strRef>
           </c:tx>
           <c:spPr>
-            <a:solidFill>
-              <a:schemeClr val="accent1"/>
-            </a:solidFill>
+            <a:gradFill rotWithShape="1">
+              <a:gsLst>
+                <a:gs pos="0">
+                  <a:schemeClr val="accent1">
+                    <a:satMod val="103000"/>
+                    <a:lumMod val="102000"/>
+                    <a:tint val="94000"/>
+                  </a:schemeClr>
+                </a:gs>
+                <a:gs pos="50000">
+                  <a:schemeClr val="accent1">
+                    <a:satMod val="110000"/>
+                    <a:lumMod val="100000"/>
+                    <a:shade val="100000"/>
+                  </a:schemeClr>
+                </a:gs>
+                <a:gs pos="100000">
+                  <a:schemeClr val="accent1">
+                    <a:lumMod val="99000"/>
+                    <a:satMod val="120000"/>
+                    <a:shade val="78000"/>
+                  </a:schemeClr>
+                </a:gs>
+              </a:gsLst>
+              <a:lin ang="5400000" scaled="0"/>
+            </a:gradFill>
             <a:ln>
               <a:noFill/>
             </a:ln>
-            <a:effectLst/>
+            <a:effectLst>
+              <a:outerShdw blurRad="57150" dist="19050" dir="5400000" algn="ctr" rotWithShape="0">
+                <a:srgbClr val="000000">
+                  <a:alpha val="63000"/>
+                </a:srgbClr>
+              </a:outerShdw>
+            </a:effectLst>
           </c:spPr>
           <c:invertIfNegative val="0"/>
           <c:dLbls>
+            <c:numFmt formatCode="#,##0.00" sourceLinked="0"/>
             <c:spPr>
               <a:noFill/>
               <a:ln>
@@ -224,17 +288,16 @@
               <a:effectLst/>
             </c:spPr>
             <c:txPr>
-              <a:bodyPr rot="-5400000" spcFirstLastPara="1" vertOverflow="clip" horzOverflow="clip" vert="horz" wrap="square" lIns="38100" tIns="19050" rIns="38100" bIns="19050" anchor="ctr" anchorCtr="1">
+              <a:bodyPr rot="0" spcFirstLastPara="1" vertOverflow="ellipsis" vert="horz" wrap="square" lIns="38100" tIns="19050" rIns="38100" bIns="19050" anchor="ctr" anchorCtr="1">
                 <a:spAutoFit/>
               </a:bodyPr>
               <a:lstStyle/>
               <a:p>
                 <a:pPr>
-                  <a:defRPr sz="800" b="0" i="0" u="none" strike="noStrike" kern="1200" baseline="0">
+                  <a:defRPr sz="1197" b="0" i="0" u="none" strike="noStrike" kern="1200" baseline="0">
                     <a:solidFill>
-                      <a:schemeClr val="tx1">
-                        <a:lumMod val="50000"/>
-                        <a:lumOff val="50000"/>
+                      <a:schemeClr val="lt1">
+                        <a:lumMod val="85000"/>
                       </a:schemeClr>
                     </a:solidFill>
                     <a:latin typeface="+mn-lt"/>
@@ -260,9 +323,9 @@
                   <c:spPr>
                     <a:ln w="9525">
                       <a:solidFill>
-                        <a:schemeClr val="tx1">
-                          <a:lumMod val="35000"/>
-                          <a:lumOff val="65000"/>
+                        <a:schemeClr val="lt1">
+                          <a:lumMod val="95000"/>
+                          <a:alpha val="54000"/>
                         </a:schemeClr>
                       </a:solidFill>
                     </a:ln>
@@ -274,7 +337,7 @@
           </c:dLbls>
           <c:cat>
             <c:strRef>
-              <c:f>Sheet1!$A$2:$A$8</c:f>
+              <c:f>[ComporativeProteinModelling.xlsx]Sheet1!$A$2:$A$8</c:f>
               <c:strCache>
                 <c:ptCount val="7"/>
                 <c:pt idx="0">
@@ -303,7 +366,7 @@
           </c:cat>
           <c:val>
             <c:numRef>
-              <c:f>Sheet1!$B$2:$B$8</c:f>
+              <c:f>[ComporativeProteinModelling.xlsx]Sheet1!$B$2:$B$8</c:f>
               <c:numCache>
                 <c:formatCode>General</c:formatCode>
                 <c:ptCount val="7"/>
@@ -333,7 +396,7 @@
           </c:val>
           <c:extLst>
             <c:ext xmlns:c16="http://schemas.microsoft.com/office/drawing/2014/chart" uri="{C3380CC4-5D6E-409C-BE32-E72D297353CC}">
-              <c16:uniqueId val="{00000000-96D8-4D77-AA9F-ADBC8DC7998A}"/>
+              <c16:uniqueId val="{00000000-0329-4194-8188-22BEA16CD26A}"/>
             </c:ext>
           </c:extLst>
         </c:ser>
@@ -342,7 +405,7 @@
           <c:order val="1"/>
           <c:tx>
             <c:strRef>
-              <c:f>Sheet1!$C$1</c:f>
+              <c:f>[ComporativeProteinModelling.xlsx]Sheet1!$C$1</c:f>
               <c:strCache>
                 <c:ptCount val="1"/>
                 <c:pt idx="0">
@@ -352,13 +415,42 @@
             </c:strRef>
           </c:tx>
           <c:spPr>
-            <a:solidFill>
-              <a:schemeClr val="accent2"/>
-            </a:solidFill>
+            <a:gradFill rotWithShape="1">
+              <a:gsLst>
+                <a:gs pos="0">
+                  <a:schemeClr val="accent2">
+                    <a:satMod val="103000"/>
+                    <a:lumMod val="102000"/>
+                    <a:tint val="94000"/>
+                  </a:schemeClr>
+                </a:gs>
+                <a:gs pos="50000">
+                  <a:schemeClr val="accent2">
+                    <a:satMod val="110000"/>
+                    <a:lumMod val="100000"/>
+                    <a:shade val="100000"/>
+                  </a:schemeClr>
+                </a:gs>
+                <a:gs pos="100000">
+                  <a:schemeClr val="accent2">
+                    <a:lumMod val="99000"/>
+                    <a:satMod val="120000"/>
+                    <a:shade val="78000"/>
+                  </a:schemeClr>
+                </a:gs>
+              </a:gsLst>
+              <a:lin ang="5400000" scaled="0"/>
+            </a:gradFill>
             <a:ln>
               <a:noFill/>
             </a:ln>
-            <a:effectLst/>
+            <a:effectLst>
+              <a:outerShdw blurRad="57150" dist="19050" dir="5400000" algn="ctr" rotWithShape="0">
+                <a:srgbClr val="000000">
+                  <a:alpha val="63000"/>
+                </a:srgbClr>
+              </a:outerShdw>
+            </a:effectLst>
           </c:spPr>
           <c:invertIfNegative val="0"/>
           <c:dLbls>
@@ -370,17 +462,16 @@
               <a:effectLst/>
             </c:spPr>
             <c:txPr>
-              <a:bodyPr rot="-5400000" spcFirstLastPara="1" vertOverflow="clip" horzOverflow="clip" vert="horz" wrap="square" lIns="38100" tIns="19050" rIns="38100" bIns="19050" anchor="ctr" anchorCtr="1">
+              <a:bodyPr rot="0" spcFirstLastPara="1" vertOverflow="ellipsis" vert="horz" wrap="square" lIns="38100" tIns="19050" rIns="38100" bIns="19050" anchor="ctr" anchorCtr="1">
                 <a:spAutoFit/>
               </a:bodyPr>
               <a:lstStyle/>
               <a:p>
                 <a:pPr>
-                  <a:defRPr sz="800" b="0" i="0" u="none" strike="noStrike" kern="1200" baseline="0">
+                  <a:defRPr sz="1197" b="0" i="0" u="none" strike="noStrike" kern="1200" baseline="0">
                     <a:solidFill>
-                      <a:schemeClr val="tx1">
-                        <a:lumMod val="50000"/>
-                        <a:lumOff val="50000"/>
+                      <a:schemeClr val="lt1">
+                        <a:lumMod val="85000"/>
                       </a:schemeClr>
                     </a:solidFill>
                     <a:latin typeface="+mn-lt"/>
@@ -406,9 +497,9 @@
                   <c:spPr>
                     <a:ln w="9525">
                       <a:solidFill>
-                        <a:schemeClr val="tx1">
-                          <a:lumMod val="35000"/>
-                          <a:lumOff val="65000"/>
+                        <a:schemeClr val="lt1">
+                          <a:lumMod val="95000"/>
+                          <a:alpha val="54000"/>
                         </a:schemeClr>
                       </a:solidFill>
                     </a:ln>
@@ -420,7 +511,7 @@
           </c:dLbls>
           <c:cat>
             <c:strRef>
-              <c:f>Sheet1!$A$2:$A$8</c:f>
+              <c:f>[ComporativeProteinModelling.xlsx]Sheet1!$A$2:$A$8</c:f>
               <c:strCache>
                 <c:ptCount val="7"/>
                 <c:pt idx="0">
@@ -449,7 +540,7 @@
           </c:cat>
           <c:val>
             <c:numRef>
-              <c:f>Sheet1!$C$2:$C$8</c:f>
+              <c:f>[ComporativeProteinModelling.xlsx]Sheet1!$C$2:$C$8</c:f>
               <c:numCache>
                 <c:formatCode>General</c:formatCode>
                 <c:ptCount val="7"/>
@@ -462,6 +553,9 @@
                 <c:pt idx="2">
                   <c:v>0.79</c:v>
                 </c:pt>
+                <c:pt idx="3">
+                  <c:v>0.82940000000000003</c:v>
+                </c:pt>
                 <c:pt idx="5">
                   <c:v>0.76</c:v>
                 </c:pt>
@@ -470,7 +564,7 @@
           </c:val>
           <c:extLst>
             <c:ext xmlns:c16="http://schemas.microsoft.com/office/drawing/2014/chart" uri="{C3380CC4-5D6E-409C-BE32-E72D297353CC}">
-              <c16:uniqueId val="{00000001-96D8-4D77-AA9F-ADBC8DC7998A}"/>
+              <c16:uniqueId val="{00000001-0329-4194-8188-22BEA16CD26A}"/>
             </c:ext>
           </c:extLst>
         </c:ser>
@@ -483,25 +577,75 @@
           <c:showPercent val="0"/>
           <c:showBubbleSize val="0"/>
         </c:dLbls>
-        <c:gapWidth val="155"/>
-        <c:overlap val="-4"/>
-        <c:axId val="457294256"/>
-        <c:axId val="457294584"/>
+        <c:gapWidth val="100"/>
+        <c:overlap val="-24"/>
+        <c:axId val="316038312"/>
+        <c:axId val="316044544"/>
       </c:barChart>
       <c:catAx>
-        <c:axId val="457294256"/>
+        <c:axId val="316038312"/>
         <c:scaling>
           <c:orientation val="minMax"/>
         </c:scaling>
         <c:delete val="0"/>
         <c:axPos val="b"/>
+        <c:numFmt formatCode="General" sourceLinked="1"/>
+        <c:majorTickMark val="none"/>
+        <c:minorTickMark val="none"/>
+        <c:tickLblPos val="nextTo"/>
+        <c:spPr>
+          <a:noFill/>
+          <a:ln w="12700" cap="flat" cmpd="sng" algn="ctr">
+            <a:solidFill>
+              <a:schemeClr val="lt1">
+                <a:lumMod val="95000"/>
+                <a:alpha val="54000"/>
+              </a:schemeClr>
+            </a:solidFill>
+            <a:round/>
+          </a:ln>
+          <a:effectLst/>
+        </c:spPr>
+        <c:txPr>
+          <a:bodyPr rot="-60000000" spcFirstLastPara="1" vertOverflow="ellipsis" vert="horz" wrap="square" anchor="ctr" anchorCtr="1"/>
+          <a:lstStyle/>
+          <a:p>
+            <a:pPr>
+              <a:defRPr sz="1197" b="0" i="0" u="none" strike="noStrike" kern="1200" baseline="0">
+                <a:solidFill>
+                  <a:schemeClr val="lt1">
+                    <a:lumMod val="85000"/>
+                  </a:schemeClr>
+                </a:solidFill>
+                <a:latin typeface="+mn-lt"/>
+                <a:ea typeface="+mn-ea"/>
+                <a:cs typeface="+mn-cs"/>
+              </a:defRPr>
+            </a:pPr>
+            <a:endParaRPr lang="en-US"/>
+          </a:p>
+        </c:txPr>
+        <c:crossAx val="316044544"/>
+        <c:crosses val="autoZero"/>
+        <c:auto val="1"/>
+        <c:lblAlgn val="ctr"/>
+        <c:lblOffset val="100"/>
+        <c:noMultiLvlLbl val="0"/>
+      </c:catAx>
+      <c:valAx>
+        <c:axId val="316044544"/>
+        <c:scaling>
+          <c:orientation val="minMax"/>
+        </c:scaling>
+        <c:delete val="0"/>
+        <c:axPos val="l"/>
         <c:majorGridlines>
           <c:spPr>
             <a:ln w="9525" cap="flat" cmpd="sng" algn="ctr">
               <a:solidFill>
-                <a:schemeClr val="tx1">
-                  <a:lumMod val="15000"/>
-                  <a:lumOff val="85000"/>
+                <a:schemeClr val="lt1">
+                  <a:lumMod val="95000"/>
+                  <a:alpha val="10000"/>
                 </a:schemeClr>
               </a:solidFill>
               <a:round/>
@@ -515,14 +659,8 @@
         <c:tickLblPos val="nextTo"/>
         <c:spPr>
           <a:noFill/>
-          <a:ln w="9525" cap="flat" cmpd="sng" algn="ctr">
-            <a:solidFill>
-              <a:schemeClr val="tx1">
-                <a:lumMod val="15000"/>
-                <a:lumOff val="85000"/>
-              </a:schemeClr>
-            </a:solidFill>
-            <a:round/>
+          <a:ln>
+            <a:noFill/>
           </a:ln>
           <a:effectLst/>
         </c:spPr>
@@ -531,11 +669,10 @@
           <a:lstStyle/>
           <a:p>
             <a:pPr>
-              <a:defRPr sz="800" b="0" i="0" u="none" strike="noStrike" kern="1200" cap="all" spc="120" normalizeH="0" baseline="0">
-                <a:solidFill>
-                  <a:schemeClr val="tx1">
-                    <a:lumMod val="65000"/>
-                    <a:lumOff val="35000"/>
+              <a:defRPr sz="1197" b="0" i="0" u="none" strike="noStrike" kern="1200" baseline="0">
+                <a:solidFill>
+                  <a:schemeClr val="lt1">
+                    <a:lumMod val="85000"/>
                   </a:schemeClr>
                 </a:solidFill>
                 <a:latin typeface="+mn-lt"/>
@@ -546,25 +683,7 @@
             <a:endParaRPr lang="en-US"/>
           </a:p>
         </c:txPr>
-        <c:crossAx val="457294584"/>
-        <c:crosses val="autoZero"/>
-        <c:auto val="1"/>
-        <c:lblAlgn val="ctr"/>
-        <c:lblOffset val="100"/>
-        <c:noMultiLvlLbl val="0"/>
-      </c:catAx>
-      <c:valAx>
-        <c:axId val="457294584"/>
-        <c:scaling>
-          <c:orientation val="minMax"/>
-        </c:scaling>
-        <c:delete val="1"/>
-        <c:axPos val="l"/>
-        <c:numFmt formatCode="General" sourceLinked="1"/>
-        <c:majorTickMark val="none"/>
-        <c:minorTickMark val="none"/>
-        <c:tickLblPos val="nextTo"/>
-        <c:crossAx val="457294256"/>
+        <c:crossAx val="316038312"/>
         <c:crosses val="autoZero"/>
         <c:crossBetween val="between"/>
       </c:valAx>
@@ -577,9 +696,9 @@
           <a:noFill/>
           <a:ln w="9525">
             <a:solidFill>
-              <a:schemeClr val="tx1">
-                <a:lumMod val="15000"/>
-                <a:lumOff val="85000"/>
+              <a:schemeClr val="lt1">
+                <a:lumMod val="95000"/>
+                <a:alpha val="54000"/>
               </a:schemeClr>
             </a:solidFill>
           </a:ln>
@@ -590,14 +709,10 @@
           <a:lstStyle/>
           <a:p>
             <a:pPr rtl="0">
-              <a:defRPr sz="900" b="0" i="0" u="none" strike="noStrike" kern="1200" baseline="0">
-                <a:ln>
-                  <a:noFill/>
-                </a:ln>
-                <a:solidFill>
-                  <a:schemeClr val="tx1">
-                    <a:lumMod val="65000"/>
-                    <a:lumOff val="35000"/>
+              <a:defRPr sz="1197" b="0" i="0" u="none" strike="noStrike" kern="1200" baseline="0">
+                <a:solidFill>
+                  <a:schemeClr val="lt1">
+                    <a:lumMod val="85000"/>
                   </a:schemeClr>
                 </a:solidFill>
                 <a:latin typeface="+mn-lt"/>
@@ -618,7 +733,7 @@
       </c:spPr>
     </c:plotArea>
     <c:legend>
-      <c:legendPos val="t"/>
+      <c:legendPos val="b"/>
       <c:overlay val="0"/>
       <c:spPr>
         <a:noFill/>
@@ -632,11 +747,10 @@
         <a:lstStyle/>
         <a:p>
           <a:pPr>
-            <a:defRPr sz="900" b="0" i="0" u="none" strike="noStrike" kern="1200" baseline="0">
+            <a:defRPr sz="1197" b="0" i="0" u="none" strike="noStrike" kern="1200" baseline="0">
               <a:solidFill>
-                <a:schemeClr val="tx1">
-                  <a:lumMod val="65000"/>
-                  <a:lumOff val="35000"/>
+                <a:schemeClr val="lt1">
+                  <a:lumMod val="85000"/>
                 </a:schemeClr>
               </a:solidFill>
               <a:latin typeface="+mn-lt"/>
@@ -653,7 +767,26 @@
     <c:showDLblsOverMax val="0"/>
   </c:chart>
   <c:spPr>
-    <a:noFill/>
+    <a:gradFill flip="none" rotWithShape="1">
+      <a:gsLst>
+        <a:gs pos="0">
+          <a:schemeClr val="dk1">
+            <a:lumMod val="65000"/>
+            <a:lumOff val="35000"/>
+          </a:schemeClr>
+        </a:gs>
+        <a:gs pos="100000">
+          <a:schemeClr val="dk1">
+            <a:lumMod val="85000"/>
+            <a:lumOff val="15000"/>
+          </a:schemeClr>
+        </a:gs>
+      </a:gsLst>
+      <a:path path="circle">
+        <a:fillToRect l="50000" t="50000" r="50000" b="50000"/>
+      </a:path>
+      <a:tileRect/>
+    </a:gradFill>
     <a:ln>
       <a:noFill/>
     </a:ln>
@@ -1142,43 +1275,41 @@
 </file>
 
 <file path=ppt/charts/style1.xml><?xml version="1.0" encoding="utf-8"?>
-<cs:chartStyle xmlns:cs="http://schemas.microsoft.com/office/drawing/2012/chartStyle" xmlns:a="http://schemas.openxmlformats.org/drawingml/2006/main" id="202">
+<cs:chartStyle xmlns:cs="http://schemas.microsoft.com/office/drawing/2012/chartStyle" xmlns:a="http://schemas.openxmlformats.org/drawingml/2006/main" id="209">
   <cs:axisTitle>
     <cs:lnRef idx="0"/>
     <cs:fillRef idx="0"/>
     <cs:effectRef idx="0"/>
     <cs:fontRef idx="minor">
-      <a:schemeClr val="tx1">
-        <a:lumMod val="65000"/>
-        <a:lumOff val="35000"/>
+      <a:schemeClr val="lt1">
+        <a:lumMod val="85000"/>
       </a:schemeClr>
     </cs:fontRef>
-    <cs:defRPr sz="900" kern="1200" cap="all"/>
+    <cs:defRPr sz="1197" b="1" kern="1200" cap="all"/>
   </cs:axisTitle>
   <cs:categoryAxis>
     <cs:lnRef idx="0"/>
     <cs:fillRef idx="0"/>
     <cs:effectRef idx="0"/>
     <cs:fontRef idx="minor">
-      <a:schemeClr val="tx1">
-        <a:lumMod val="65000"/>
-        <a:lumOff val="35000"/>
+      <a:schemeClr val="lt1">
+        <a:lumMod val="85000"/>
       </a:schemeClr>
     </cs:fontRef>
     <cs:spPr>
-      <a:ln w="9525" cap="flat" cmpd="sng" algn="ctr">
+      <a:ln w="12700" cap="flat" cmpd="sng" algn="ctr">
         <a:solidFill>
-          <a:schemeClr val="tx1">
-            <a:lumMod val="15000"/>
-            <a:lumOff val="85000"/>
+          <a:schemeClr val="lt1">
+            <a:lumMod val="95000"/>
+            <a:alpha val="54000"/>
           </a:schemeClr>
         </a:solidFill>
         <a:round/>
       </a:ln>
     </cs:spPr>
-    <cs:defRPr sz="800" kern="1200" cap="all" spc="120" normalizeH="0" baseline="0"/>
+    <cs:defRPr sz="1197" kern="1200"/>
   </cs:categoryAxis>
-  <cs:chartArea mods="allowNoFillOverride allowNoLineOverride">
+  <cs:chartArea>
     <cs:lnRef idx="0"/>
     <cs:fillRef idx="0"/>
     <cs:effectRef idx="0"/>
@@ -1186,35 +1317,39 @@
       <a:schemeClr val="dk1"/>
     </cs:fontRef>
     <cs:spPr>
-      <a:solidFill>
-        <a:schemeClr val="lt1"/>
-      </a:solidFill>
-      <a:ln w="9525" cap="flat" cmpd="sng" algn="ctr">
-        <a:solidFill>
-          <a:schemeClr val="tx1">
-            <a:lumMod val="15000"/>
-            <a:lumOff val="85000"/>
-          </a:schemeClr>
-        </a:solidFill>
-        <a:round/>
-      </a:ln>
+      <a:gradFill flip="none" rotWithShape="1">
+        <a:gsLst>
+          <a:gs pos="0">
+            <a:schemeClr val="dk1">
+              <a:lumMod val="65000"/>
+              <a:lumOff val="35000"/>
+            </a:schemeClr>
+          </a:gs>
+          <a:gs pos="100000">
+            <a:schemeClr val="dk1">
+              <a:lumMod val="85000"/>
+              <a:lumOff val="15000"/>
+            </a:schemeClr>
+          </a:gs>
+        </a:gsLst>
+        <a:path path="circle">
+          <a:fillToRect l="50000" t="50000" r="50000" b="50000"/>
+        </a:path>
+        <a:tileRect/>
+      </a:gradFill>
     </cs:spPr>
-    <cs:defRPr sz="900" kern="1200"/>
+    <cs:defRPr sz="1330" kern="1200"/>
   </cs:chartArea>
   <cs:dataLabel>
     <cs:lnRef idx="0"/>
     <cs:fillRef idx="0"/>
     <cs:effectRef idx="0"/>
     <cs:fontRef idx="minor">
-      <a:schemeClr val="tx1">
-        <a:lumMod val="50000"/>
-        <a:lumOff val="50000"/>
+      <a:schemeClr val="lt1">
+        <a:lumMod val="85000"/>
       </a:schemeClr>
     </cs:fontRef>
-    <cs:defRPr sz="800" b="0" i="0" u="none" strike="noStrike" kern="1200" baseline="0"/>
-    <cs:bodyPr rot="-5400000" spcFirstLastPara="1" vertOverflow="clip" horzOverflow="clip" vert="horz" wrap="square" lIns="38100" tIns="19050" rIns="38100" bIns="19050" anchor="ctr" anchorCtr="1">
-      <a:spAutoFit/>
-    </cs:bodyPr>
+    <cs:defRPr sz="1197" kern="1200"/>
   </cs:dataLabel>
   <cs:dataLabelCallout>
     <cs:lnRef idx="0"/>
@@ -1230,61 +1365,43 @@
       <a:solidFill>
         <a:schemeClr val="lt1"/>
       </a:solidFill>
-      <a:ln>
-        <a:solidFill>
-          <a:schemeClr val="dk1">
-            <a:lumMod val="25000"/>
-            <a:lumOff val="75000"/>
-          </a:schemeClr>
-        </a:solidFill>
-      </a:ln>
     </cs:spPr>
-    <cs:defRPr sz="900" kern="1200"/>
+    <cs:defRPr sz="1197" kern="1200"/>
     <cs:bodyPr rot="0" spcFirstLastPara="1" vertOverflow="clip" horzOverflow="clip" vert="horz" wrap="square" lIns="36576" tIns="18288" rIns="36576" bIns="18288" anchor="ctr" anchorCtr="1">
       <a:spAutoFit/>
     </cs:bodyPr>
   </cs:dataLabelCallout>
   <cs:dataPoint>
     <cs:lnRef idx="0"/>
-    <cs:fillRef idx="0">
+    <cs:fillRef idx="3">
       <cs:styleClr val="auto"/>
     </cs:fillRef>
-    <cs:effectRef idx="0"/>
+    <cs:effectRef idx="3"/>
     <cs:fontRef idx="minor">
-      <a:schemeClr val="dk1"/>
+      <a:schemeClr val="lt1"/>
     </cs:fontRef>
-    <cs:spPr>
-      <a:solidFill>
-        <a:schemeClr val="phClr"/>
-      </a:solidFill>
-    </cs:spPr>
   </cs:dataPoint>
   <cs:dataPoint3D>
     <cs:lnRef idx="0"/>
-    <cs:fillRef idx="0">
+    <cs:fillRef idx="3">
       <cs:styleClr val="auto"/>
     </cs:fillRef>
-    <cs:effectRef idx="0"/>
+    <cs:effectRef idx="3"/>
     <cs:fontRef idx="minor">
-      <a:schemeClr val="dk1"/>
+      <a:schemeClr val="lt1"/>
     </cs:fontRef>
-    <cs:spPr>
-      <a:solidFill>
-        <a:schemeClr val="phClr"/>
-      </a:solidFill>
-    </cs:spPr>
   </cs:dataPoint3D>
   <cs:dataPointLine>
     <cs:lnRef idx="0">
       <cs:styleClr val="auto"/>
     </cs:lnRef>
-    <cs:fillRef idx="0"/>
-    <cs:effectRef idx="0"/>
+    <cs:fillRef idx="3"/>
+    <cs:effectRef idx="3"/>
     <cs:fontRef idx="minor">
-      <a:schemeClr val="dk1"/>
+      <a:schemeClr val="lt1"/>
     </cs:fontRef>
     <cs:spPr>
-      <a:ln w="22225" cap="rnd">
+      <a:ln w="34925" cap="rnd">
         <a:solidFill>
           <a:schemeClr val="phClr"/>
         </a:solidFill>
@@ -1296,17 +1413,14 @@
     <cs:lnRef idx="0">
       <cs:styleClr val="auto"/>
     </cs:lnRef>
-    <cs:fillRef idx="0">
+    <cs:fillRef idx="3">
       <cs:styleClr val="auto"/>
     </cs:fillRef>
-    <cs:effectRef idx="0"/>
+    <cs:effectRef idx="3"/>
     <cs:fontRef idx="minor">
-      <a:schemeClr val="dk1"/>
+      <a:schemeClr val="lt1"/>
     </cs:fontRef>
     <cs:spPr>
-      <a:solidFill>
-        <a:schemeClr val="phClr"/>
-      </a:solidFill>
       <a:ln w="9525">
         <a:solidFill>
           <a:schemeClr val="phClr"/>
@@ -1315,15 +1429,15 @@
       </a:ln>
     </cs:spPr>
   </cs:dataPointMarker>
-  <cs:dataPointMarkerLayout size="6"/>
+  <cs:dataPointMarkerLayout symbol="circle" size="6"/>
   <cs:dataPointWireframe>
     <cs:lnRef idx="0">
       <cs:styleClr val="auto"/>
     </cs:lnRef>
-    <cs:fillRef idx="0"/>
-    <cs:effectRef idx="0"/>
+    <cs:fillRef idx="3"/>
+    <cs:effectRef idx="3"/>
     <cs:fontRef idx="minor">
-      <a:schemeClr val="dk1"/>
+      <a:schemeClr val="lt1"/>
     </cs:fontRef>
     <cs:spPr>
       <a:ln w="9525" cap="rnd">
@@ -1339,29 +1453,28 @@
     <cs:fillRef idx="0"/>
     <cs:effectRef idx="0"/>
     <cs:fontRef idx="minor">
-      <a:schemeClr val="tx1">
-        <a:lumMod val="65000"/>
-        <a:lumOff val="35000"/>
+      <a:schemeClr val="lt1">
+        <a:lumMod val="85000"/>
       </a:schemeClr>
     </cs:fontRef>
     <cs:spPr>
       <a:ln w="9525">
         <a:solidFill>
-          <a:schemeClr val="tx1">
-            <a:lumMod val="15000"/>
-            <a:lumOff val="85000"/>
+          <a:schemeClr val="lt1">
+            <a:lumMod val="95000"/>
+            <a:alpha val="54000"/>
           </a:schemeClr>
         </a:solidFill>
       </a:ln>
     </cs:spPr>
-    <cs:defRPr sz="900" kern="1200"/>
+    <cs:defRPr sz="1197" kern="1200"/>
   </cs:dataTable>
   <cs:downBar>
     <cs:lnRef idx="0"/>
     <cs:fillRef idx="0"/>
     <cs:effectRef idx="0"/>
     <cs:fontRef idx="minor">
-      <a:schemeClr val="dk1"/>
+      <a:schemeClr val="lt1"/>
     </cs:fontRef>
     <cs:spPr>
       <a:solidFill>
@@ -1372,9 +1485,9 @@
       </a:solidFill>
       <a:ln w="9525">
         <a:solidFill>
-          <a:schemeClr val="tx1">
-            <a:lumMod val="15000"/>
-            <a:lumOff val="85000"/>
+          <a:schemeClr val="lt1">
+            <a:lumMod val="95000"/>
+            <a:alpha val="54000"/>
           </a:schemeClr>
         </a:solidFill>
       </a:ln>
@@ -1385,16 +1498,17 @@
     <cs:fillRef idx="0"/>
     <cs:effectRef idx="0"/>
     <cs:fontRef idx="minor">
-      <a:schemeClr val="dk1"/>
+      <a:schemeClr val="lt1"/>
     </cs:fontRef>
     <cs:spPr>
       <a:ln w="9525">
         <a:solidFill>
-          <a:schemeClr val="tx1">
-            <a:lumMod val="35000"/>
-            <a:lumOff val="65000"/>
+          <a:schemeClr val="lt1">
+            <a:lumMod val="95000"/>
+            <a:alpha val="54000"/>
           </a:schemeClr>
         </a:solidFill>
+        <a:prstDash val="dash"/>
       </a:ln>
     </cs:spPr>
   </cs:dropLine>
@@ -1403,14 +1517,13 @@
     <cs:fillRef idx="0"/>
     <cs:effectRef idx="0"/>
     <cs:fontRef idx="minor">
-      <a:schemeClr val="dk1"/>
+      <a:schemeClr val="lt1"/>
     </cs:fontRef>
     <cs:spPr>
-      <a:ln w="9525">
+      <a:ln w="9525" cap="flat" cmpd="sng" algn="ctr">
         <a:solidFill>
-          <a:schemeClr val="tx1">
-            <a:lumMod val="65000"/>
-            <a:lumOff val="35000"/>
+          <a:schemeClr val="lt1">
+            <a:lumMod val="95000"/>
           </a:schemeClr>
         </a:solidFill>
         <a:round/>
@@ -1422,7 +1535,7 @@
     <cs:fillRef idx="0"/>
     <cs:effectRef idx="0"/>
     <cs:fontRef idx="minor">
-      <a:schemeClr val="dk1"/>
+      <a:schemeClr val="lt1"/>
     </cs:fontRef>
   </cs:floor>
   <cs:gridlineMajor>
@@ -1430,14 +1543,14 @@
     <cs:fillRef idx="0"/>
     <cs:effectRef idx="0"/>
     <cs:fontRef idx="minor">
-      <a:schemeClr val="dk1"/>
+      <a:schemeClr val="lt1"/>
     </cs:fontRef>
     <cs:spPr>
       <a:ln w="9525" cap="flat" cmpd="sng" algn="ctr">
         <a:solidFill>
-          <a:schemeClr val="tx1">
-            <a:lumMod val="15000"/>
-            <a:lumOff val="85000"/>
+          <a:schemeClr val="lt1">
+            <a:lumMod val="95000"/>
+            <a:alpha val="10000"/>
           </a:schemeClr>
         </a:solidFill>
         <a:round/>
@@ -1449,14 +1562,14 @@
     <cs:fillRef idx="0"/>
     <cs:effectRef idx="0"/>
     <cs:fontRef idx="minor">
-      <a:schemeClr val="dk1"/>
+      <a:schemeClr val="lt1"/>
     </cs:fontRef>
     <cs:spPr>
       <a:ln>
         <a:solidFill>
-          <a:schemeClr val="tx1">
-            <a:lumMod val="5000"/>
-            <a:lumOff val="95000"/>
+          <a:schemeClr val="lt1">
+            <a:lumMod val="95000"/>
+            <a:alpha val="5000"/>
           </a:schemeClr>
         </a:solidFill>
       </a:ln>
@@ -1467,16 +1580,17 @@
     <cs:fillRef idx="0"/>
     <cs:effectRef idx="0"/>
     <cs:fontRef idx="minor">
-      <a:schemeClr val="dk1"/>
+      <a:schemeClr val="lt1"/>
     </cs:fontRef>
     <cs:spPr>
       <a:ln w="9525">
         <a:solidFill>
-          <a:schemeClr val="tx1">
-            <a:lumMod val="50000"/>
-            <a:lumOff val="50000"/>
+          <a:schemeClr val="lt1">
+            <a:lumMod val="95000"/>
+            <a:alpha val="54000"/>
           </a:schemeClr>
         </a:solidFill>
+        <a:prstDash val="dash"/>
       </a:ln>
     </cs:spPr>
   </cs:hiLoLine>
@@ -1485,14 +1599,14 @@
     <cs:fillRef idx="0"/>
     <cs:effectRef idx="0"/>
     <cs:fontRef idx="minor">
-      <a:schemeClr val="dk1"/>
+      <a:schemeClr val="lt1"/>
     </cs:fontRef>
     <cs:spPr>
       <a:ln w="9525">
         <a:solidFill>
-          <a:schemeClr val="tx1">
-            <a:lumMod val="35000"/>
-            <a:lumOff val="65000"/>
+          <a:schemeClr val="lt1">
+            <a:lumMod val="95000"/>
+            <a:alpha val="54000"/>
           </a:schemeClr>
         </a:solidFill>
       </a:ln>
@@ -1503,27 +1617,26 @@
     <cs:fillRef idx="0"/>
     <cs:effectRef idx="0"/>
     <cs:fontRef idx="minor">
-      <a:schemeClr val="tx1">
-        <a:lumMod val="65000"/>
-        <a:lumOff val="35000"/>
+      <a:schemeClr val="lt1">
+        <a:lumMod val="85000"/>
       </a:schemeClr>
     </cs:fontRef>
-    <cs:defRPr sz="900" kern="1200"/>
+    <cs:defRPr sz="1197" kern="1200"/>
   </cs:legend>
-  <cs:plotArea mods="allowNoFillOverride allowNoLineOverride">
+  <cs:plotArea>
     <cs:lnRef idx="0"/>
     <cs:fillRef idx="0"/>
     <cs:effectRef idx="0"/>
     <cs:fontRef idx="minor">
-      <a:schemeClr val="dk1"/>
+      <a:schemeClr val="lt1"/>
     </cs:fontRef>
   </cs:plotArea>
-  <cs:plotArea3D mods="allowNoFillOverride allowNoLineOverride">
+  <cs:plotArea3D>
     <cs:lnRef idx="0"/>
     <cs:fillRef idx="0"/>
     <cs:effectRef idx="0"/>
     <cs:fontRef idx="minor">
-      <a:schemeClr val="dk1"/>
+      <a:schemeClr val="lt1"/>
     </cs:fontRef>
   </cs:plotArea3D>
   <cs:seriesAxis>
@@ -1531,37 +1644,36 @@
     <cs:fillRef idx="0"/>
     <cs:effectRef idx="0"/>
     <cs:fontRef idx="minor">
-      <a:schemeClr val="tx1">
-        <a:lumMod val="65000"/>
-        <a:lumOff val="35000"/>
+      <a:schemeClr val="lt1">
+        <a:lumMod val="85000"/>
       </a:schemeClr>
     </cs:fontRef>
     <cs:spPr>
-      <a:ln w="9525" cap="flat" cmpd="sng" algn="ctr">
+      <a:ln w="12700" cap="flat" cmpd="sng" algn="ctr">
         <a:solidFill>
-          <a:schemeClr val="tx1">
-            <a:lumMod val="15000"/>
-            <a:lumOff val="85000"/>
+          <a:schemeClr val="lt1">
+            <a:lumMod val="95000"/>
+            <a:alpha val="54000"/>
           </a:schemeClr>
         </a:solidFill>
         <a:round/>
       </a:ln>
     </cs:spPr>
-    <cs:defRPr sz="900" kern="1200"/>
+    <cs:defRPr sz="1197" kern="1200"/>
   </cs:seriesAxis>
   <cs:seriesLine>
     <cs:lnRef idx="0"/>
     <cs:fillRef idx="0"/>
     <cs:effectRef idx="0"/>
     <cs:fontRef idx="minor">
-      <a:schemeClr val="dk1"/>
+      <a:schemeClr val="lt1"/>
     </cs:fontRef>
     <cs:spPr>
-      <a:ln w="9525">
+      <a:ln w="9525" cap="flat" cmpd="sng" algn="ctr">
         <a:solidFill>
-          <a:schemeClr val="tx1">
-            <a:lumMod val="35000"/>
-            <a:lumOff val="65000"/>
+          <a:schemeClr val="lt1">
+            <a:lumMod val="95000"/>
+            <a:alpha val="54000"/>
           </a:schemeClr>
         </a:solidFill>
         <a:round/>
@@ -1573,12 +1685,19 @@
     <cs:fillRef idx="0"/>
     <cs:effectRef idx="0"/>
     <cs:fontRef idx="minor">
-      <a:schemeClr val="tx1">
-        <a:lumMod val="65000"/>
-        <a:lumOff val="35000"/>
+      <a:schemeClr val="lt1">
+        <a:lumMod val="95000"/>
       </a:schemeClr>
     </cs:fontRef>
-    <cs:defRPr sz="1600" b="1" kern="1200" cap="all" spc="120" normalizeH="0" baseline="0"/>
+    <cs:defRPr sz="2128" b="1" kern="1200" spc="100" baseline="0">
+      <a:effectLst>
+        <a:outerShdw blurRad="50800" dist="38100" dir="5400000" algn="t" rotWithShape="0">
+          <a:prstClr val="black">
+            <a:alpha val="40000"/>
+          </a:prstClr>
+        </a:outerShdw>
+      </a:effectLst>
+    </cs:defRPr>
   </cs:title>
   <cs:trendline>
     <cs:lnRef idx="0">
@@ -1587,14 +1706,13 @@
     <cs:fillRef idx="0"/>
     <cs:effectRef idx="0"/>
     <cs:fontRef idx="minor">
-      <a:schemeClr val="dk1"/>
+      <a:schemeClr val="lt1"/>
     </cs:fontRef>
     <cs:spPr>
       <a:ln w="19050" cap="rnd">
         <a:solidFill>
           <a:schemeClr val="phClr"/>
         </a:solidFill>
-        <a:prstDash val="sysDash"/>
       </a:ln>
     </cs:spPr>
   </cs:trendline>
@@ -1603,19 +1721,18 @@
     <cs:fillRef idx="0"/>
     <cs:effectRef idx="0"/>
     <cs:fontRef idx="minor">
-      <a:schemeClr val="tx1">
-        <a:lumMod val="65000"/>
-        <a:lumOff val="35000"/>
+      <a:schemeClr val="lt1">
+        <a:lumMod val="85000"/>
       </a:schemeClr>
     </cs:fontRef>
-    <cs:defRPr sz="800" kern="1200"/>
+    <cs:defRPr sz="1197" kern="1200"/>
   </cs:trendlineLabel>
   <cs:upBar>
     <cs:lnRef idx="0"/>
     <cs:fillRef idx="0"/>
     <cs:effectRef idx="0"/>
     <cs:fontRef idx="minor">
-      <a:schemeClr val="dk1"/>
+      <a:schemeClr val="lt1"/>
     </cs:fontRef>
     <cs:spPr>
       <a:solidFill>
@@ -1623,9 +1740,9 @@
       </a:solidFill>
       <a:ln w="9525">
         <a:solidFill>
-          <a:schemeClr val="tx1">
-            <a:lumMod val="65000"/>
-            <a:lumOff val="35000"/>
+          <a:schemeClr val="lt1">
+            <a:lumMod val="95000"/>
+            <a:alpha val="54000"/>
           </a:schemeClr>
         </a:solidFill>
       </a:ln>
@@ -1636,30 +1753,18 @@
     <cs:fillRef idx="0"/>
     <cs:effectRef idx="0"/>
     <cs:fontRef idx="minor">
-      <a:schemeClr val="tx1">
-        <a:lumMod val="65000"/>
-        <a:lumOff val="35000"/>
+      <a:schemeClr val="lt1">
+        <a:lumMod val="85000"/>
       </a:schemeClr>
     </cs:fontRef>
-    <cs:spPr>
-      <a:ln w="9525" cap="flat" cmpd="sng" algn="ctr">
-        <a:solidFill>
-          <a:schemeClr val="dk1">
-            <a:lumMod val="15000"/>
-            <a:lumOff val="85000"/>
-          </a:schemeClr>
-        </a:solidFill>
-        <a:round/>
-      </a:ln>
-    </cs:spPr>
-    <cs:defRPr sz="900" kern="1200"/>
+    <cs:defRPr sz="1197" kern="1200"/>
   </cs:valueAxis>
   <cs:wall>
     <cs:lnRef idx="0"/>
     <cs:fillRef idx="0"/>
     <cs:effectRef idx="0"/>
     <cs:fontRef idx="minor">
-      <a:schemeClr val="dk1"/>
+      <a:schemeClr val="lt1"/>
     </cs:fontRef>
   </cs:wall>
 </cs:chartStyle>
@@ -2161,6 +2266,355 @@
 </cs:chartStyle>
 </file>
 
+<file path=ppt/notesMasters/notesMaster1.xml><?xml version="1.0" encoding="utf-8"?>
+<p:notesMaster xmlns:a="http://schemas.openxmlformats.org/drawingml/2006/main" xmlns:r="http://schemas.openxmlformats.org/officeDocument/2006/relationships" xmlns:p="http://schemas.openxmlformats.org/presentationml/2006/main">
+  <p:cSld>
+    <p:bg>
+      <p:bgRef idx="1001">
+        <a:schemeClr val="bg1"/>
+      </p:bgRef>
+    </p:bg>
+    <p:spTree>
+      <p:nvGrpSpPr>
+        <p:cNvPr id="1" name=""/>
+        <p:cNvGrpSpPr/>
+        <p:nvPr/>
+      </p:nvGrpSpPr>
+      <p:grpSpPr>
+        <a:xfrm>
+          <a:off x="0" y="0"/>
+          <a:ext cx="0" cy="0"/>
+          <a:chOff x="0" y="0"/>
+          <a:chExt cx="0" cy="0"/>
+        </a:xfrm>
+      </p:grpSpPr>
+      <p:sp>
+        <p:nvSpPr>
+          <p:cNvPr id="2" name="Header Placeholder 1"/>
+          <p:cNvSpPr>
+            <a:spLocks noGrp="1"/>
+          </p:cNvSpPr>
+          <p:nvPr>
+            <p:ph type="hdr" sz="quarter"/>
+          </p:nvPr>
+        </p:nvSpPr>
+        <p:spPr>
+          <a:xfrm>
+            <a:off x="0" y="0"/>
+            <a:ext cx="2971800" cy="458788"/>
+          </a:xfrm>
+          <a:prstGeom prst="rect">
+            <a:avLst/>
+          </a:prstGeom>
+        </p:spPr>
+        <p:txBody>
+          <a:bodyPr vert="horz" lIns="91440" tIns="45720" rIns="91440" bIns="45720" rtlCol="0"/>
+          <a:lstStyle>
+            <a:lvl1pPr algn="l">
+              <a:defRPr sz="1200"/>
+            </a:lvl1pPr>
+          </a:lstStyle>
+          <a:p>
+            <a:endParaRPr lang="en-US"/>
+          </a:p>
+        </p:txBody>
+      </p:sp>
+      <p:sp>
+        <p:nvSpPr>
+          <p:cNvPr id="3" name="Date Placeholder 2"/>
+          <p:cNvSpPr>
+            <a:spLocks noGrp="1"/>
+          </p:cNvSpPr>
+          <p:nvPr>
+            <p:ph type="dt" idx="1"/>
+          </p:nvPr>
+        </p:nvSpPr>
+        <p:spPr>
+          <a:xfrm>
+            <a:off x="3884613" y="0"/>
+            <a:ext cx="2971800" cy="458788"/>
+          </a:xfrm>
+          <a:prstGeom prst="rect">
+            <a:avLst/>
+          </a:prstGeom>
+        </p:spPr>
+        <p:txBody>
+          <a:bodyPr vert="horz" lIns="91440" tIns="45720" rIns="91440" bIns="45720" rtlCol="0"/>
+          <a:lstStyle>
+            <a:lvl1pPr algn="r">
+              <a:defRPr sz="1200"/>
+            </a:lvl1pPr>
+          </a:lstStyle>
+          <a:p>
+            <a:fld id="{4AE80D50-86C4-4E75-A9A5-E37063E4CC22}" type="datetimeFigureOut">
+              <a:rPr lang="en-US" smtClean="0"/>
+              <a:t>11/30/2016</a:t>
+            </a:fld>
+            <a:endParaRPr lang="en-US"/>
+          </a:p>
+        </p:txBody>
+      </p:sp>
+      <p:sp>
+        <p:nvSpPr>
+          <p:cNvPr id="4" name="Slide Image Placeholder 3"/>
+          <p:cNvSpPr>
+            <a:spLocks noGrp="1" noRot="1" noChangeAspect="1"/>
+          </p:cNvSpPr>
+          <p:nvPr>
+            <p:ph type="sldImg" idx="2"/>
+          </p:nvPr>
+        </p:nvSpPr>
+        <p:spPr>
+          <a:xfrm>
+            <a:off x="685800" y="1143000"/>
+            <a:ext cx="5486400" cy="3086100"/>
+          </a:xfrm>
+          <a:prstGeom prst="rect">
+            <a:avLst/>
+          </a:prstGeom>
+          <a:noFill/>
+          <a:ln w="12700">
+            <a:solidFill>
+              <a:prstClr val="black"/>
+            </a:solidFill>
+          </a:ln>
+        </p:spPr>
+        <p:txBody>
+          <a:bodyPr vert="horz" lIns="91440" tIns="45720" rIns="91440" bIns="45720" rtlCol="0" anchor="ctr"/>
+          <a:lstStyle/>
+          <a:p>
+            <a:endParaRPr lang="en-US"/>
+          </a:p>
+        </p:txBody>
+      </p:sp>
+      <p:sp>
+        <p:nvSpPr>
+          <p:cNvPr id="5" name="Notes Placeholder 4"/>
+          <p:cNvSpPr>
+            <a:spLocks noGrp="1"/>
+          </p:cNvSpPr>
+          <p:nvPr>
+            <p:ph type="body" sz="quarter" idx="3"/>
+          </p:nvPr>
+        </p:nvSpPr>
+        <p:spPr>
+          <a:xfrm>
+            <a:off x="685800" y="4400550"/>
+            <a:ext cx="5486400" cy="3600450"/>
+          </a:xfrm>
+          <a:prstGeom prst="rect">
+            <a:avLst/>
+          </a:prstGeom>
+        </p:spPr>
+        <p:txBody>
+          <a:bodyPr vert="horz" lIns="91440" tIns="45720" rIns="91440" bIns="45720" rtlCol="0"/>
+          <a:lstStyle/>
+          <a:p>
+            <a:pPr lvl="0"/>
+            <a:r>
+              <a:rPr lang="en-US"/>
+              <a:t>Edit Master text styles</a:t>
+            </a:r>
+          </a:p>
+          <a:p>
+            <a:pPr lvl="1"/>
+            <a:r>
+              <a:rPr lang="en-US"/>
+              <a:t>Second level</a:t>
+            </a:r>
+          </a:p>
+          <a:p>
+            <a:pPr lvl="2"/>
+            <a:r>
+              <a:rPr lang="en-US"/>
+              <a:t>Third level</a:t>
+            </a:r>
+          </a:p>
+          <a:p>
+            <a:pPr lvl="3"/>
+            <a:r>
+              <a:rPr lang="en-US"/>
+              <a:t>Fourth level</a:t>
+            </a:r>
+          </a:p>
+          <a:p>
+            <a:pPr lvl="4"/>
+            <a:r>
+              <a:rPr lang="en-US"/>
+              <a:t>Fifth level</a:t>
+            </a:r>
+          </a:p>
+        </p:txBody>
+      </p:sp>
+      <p:sp>
+        <p:nvSpPr>
+          <p:cNvPr id="6" name="Footer Placeholder 5"/>
+          <p:cNvSpPr>
+            <a:spLocks noGrp="1"/>
+          </p:cNvSpPr>
+          <p:nvPr>
+            <p:ph type="ftr" sz="quarter" idx="4"/>
+          </p:nvPr>
+        </p:nvSpPr>
+        <p:spPr>
+          <a:xfrm>
+            <a:off x="0" y="8685213"/>
+            <a:ext cx="2971800" cy="458787"/>
+          </a:xfrm>
+          <a:prstGeom prst="rect">
+            <a:avLst/>
+          </a:prstGeom>
+        </p:spPr>
+        <p:txBody>
+          <a:bodyPr vert="horz" lIns="91440" tIns="45720" rIns="91440" bIns="45720" rtlCol="0" anchor="b"/>
+          <a:lstStyle>
+            <a:lvl1pPr algn="l">
+              <a:defRPr sz="1200"/>
+            </a:lvl1pPr>
+          </a:lstStyle>
+          <a:p>
+            <a:endParaRPr lang="en-US"/>
+          </a:p>
+        </p:txBody>
+      </p:sp>
+      <p:sp>
+        <p:nvSpPr>
+          <p:cNvPr id="7" name="Slide Number Placeholder 6"/>
+          <p:cNvSpPr>
+            <a:spLocks noGrp="1"/>
+          </p:cNvSpPr>
+          <p:nvPr>
+            <p:ph type="sldNum" sz="quarter" idx="5"/>
+          </p:nvPr>
+        </p:nvSpPr>
+        <p:spPr>
+          <a:xfrm>
+            <a:off x="3884613" y="8685213"/>
+            <a:ext cx="2971800" cy="458787"/>
+          </a:xfrm>
+          <a:prstGeom prst="rect">
+            <a:avLst/>
+          </a:prstGeom>
+        </p:spPr>
+        <p:txBody>
+          <a:bodyPr vert="horz" lIns="91440" tIns="45720" rIns="91440" bIns="45720" rtlCol="0" anchor="b"/>
+          <a:lstStyle>
+            <a:lvl1pPr algn="r">
+              <a:defRPr sz="1200"/>
+            </a:lvl1pPr>
+          </a:lstStyle>
+          <a:p>
+            <a:fld id="{75FE15C6-7F03-49B6-96F6-02055DD01760}" type="slidenum">
+              <a:rPr lang="en-US" smtClean="0"/>
+              <a:t>‹#›</a:t>
+            </a:fld>
+            <a:endParaRPr lang="en-US"/>
+          </a:p>
+        </p:txBody>
+      </p:sp>
+    </p:spTree>
+    <p:extLst>
+      <p:ext uri="{BB962C8B-B14F-4D97-AF65-F5344CB8AC3E}">
+        <p14:creationId xmlns:p14="http://schemas.microsoft.com/office/powerpoint/2010/main" val="4032250075"/>
+      </p:ext>
+    </p:extLst>
+  </p:cSld>
+  <p:clrMap bg1="lt1" tx1="dk1" bg2="lt2" tx2="dk2" accent1="accent1" accent2="accent2" accent3="accent3" accent4="accent4" accent5="accent5" accent6="accent6" hlink="hlink" folHlink="folHlink"/>
+  <p:notesStyle>
+    <a:lvl1pPr marL="0" algn="l" defTabSz="914400" rtl="0" eaLnBrk="1" latinLnBrk="0" hangingPunct="1">
+      <a:defRPr sz="1200" kern="1200">
+        <a:solidFill>
+          <a:schemeClr val="tx1"/>
+        </a:solidFill>
+        <a:latin typeface="+mn-lt"/>
+        <a:ea typeface="+mn-ea"/>
+        <a:cs typeface="+mn-cs"/>
+      </a:defRPr>
+    </a:lvl1pPr>
+    <a:lvl2pPr marL="457200" algn="l" defTabSz="914400" rtl="0" eaLnBrk="1" latinLnBrk="0" hangingPunct="1">
+      <a:defRPr sz="1200" kern="1200">
+        <a:solidFill>
+          <a:schemeClr val="tx1"/>
+        </a:solidFill>
+        <a:latin typeface="+mn-lt"/>
+        <a:ea typeface="+mn-ea"/>
+        <a:cs typeface="+mn-cs"/>
+      </a:defRPr>
+    </a:lvl2pPr>
+    <a:lvl3pPr marL="914400" algn="l" defTabSz="914400" rtl="0" eaLnBrk="1" latinLnBrk="0" hangingPunct="1">
+      <a:defRPr sz="1200" kern="1200">
+        <a:solidFill>
+          <a:schemeClr val="tx1"/>
+        </a:solidFill>
+        <a:latin typeface="+mn-lt"/>
+        <a:ea typeface="+mn-ea"/>
+        <a:cs typeface="+mn-cs"/>
+      </a:defRPr>
+    </a:lvl3pPr>
+    <a:lvl4pPr marL="1371600" algn="l" defTabSz="914400" rtl="0" eaLnBrk="1" latinLnBrk="0" hangingPunct="1">
+      <a:defRPr sz="1200" kern="1200">
+        <a:solidFill>
+          <a:schemeClr val="tx1"/>
+        </a:solidFill>
+        <a:latin typeface="+mn-lt"/>
+        <a:ea typeface="+mn-ea"/>
+        <a:cs typeface="+mn-cs"/>
+      </a:defRPr>
+    </a:lvl4pPr>
+    <a:lvl5pPr marL="1828800" algn="l" defTabSz="914400" rtl="0" eaLnBrk="1" latinLnBrk="0" hangingPunct="1">
+      <a:defRPr sz="1200" kern="1200">
+        <a:solidFill>
+          <a:schemeClr val="tx1"/>
+        </a:solidFill>
+        <a:latin typeface="+mn-lt"/>
+        <a:ea typeface="+mn-ea"/>
+        <a:cs typeface="+mn-cs"/>
+      </a:defRPr>
+    </a:lvl5pPr>
+    <a:lvl6pPr marL="2286000" algn="l" defTabSz="914400" rtl="0" eaLnBrk="1" latinLnBrk="0" hangingPunct="1">
+      <a:defRPr sz="1200" kern="1200">
+        <a:solidFill>
+          <a:schemeClr val="tx1"/>
+        </a:solidFill>
+        <a:latin typeface="+mn-lt"/>
+        <a:ea typeface="+mn-ea"/>
+        <a:cs typeface="+mn-cs"/>
+      </a:defRPr>
+    </a:lvl6pPr>
+    <a:lvl7pPr marL="2743200" algn="l" defTabSz="914400" rtl="0" eaLnBrk="1" latinLnBrk="0" hangingPunct="1">
+      <a:defRPr sz="1200" kern="1200">
+        <a:solidFill>
+          <a:schemeClr val="tx1"/>
+        </a:solidFill>
+        <a:latin typeface="+mn-lt"/>
+        <a:ea typeface="+mn-ea"/>
+        <a:cs typeface="+mn-cs"/>
+      </a:defRPr>
+    </a:lvl7pPr>
+    <a:lvl8pPr marL="3200400" algn="l" defTabSz="914400" rtl="0" eaLnBrk="1" latinLnBrk="0" hangingPunct="1">
+      <a:defRPr sz="1200" kern="1200">
+        <a:solidFill>
+          <a:schemeClr val="tx1"/>
+        </a:solidFill>
+        <a:latin typeface="+mn-lt"/>
+        <a:ea typeface="+mn-ea"/>
+        <a:cs typeface="+mn-cs"/>
+      </a:defRPr>
+    </a:lvl8pPr>
+    <a:lvl9pPr marL="3657600" algn="l" defTabSz="914400" rtl="0" eaLnBrk="1" latinLnBrk="0" hangingPunct="1">
+      <a:defRPr sz="1200" kern="1200">
+        <a:solidFill>
+          <a:schemeClr val="tx1"/>
+        </a:solidFill>
+        <a:latin typeface="+mn-lt"/>
+        <a:ea typeface="+mn-ea"/>
+        <a:cs typeface="+mn-cs"/>
+      </a:defRPr>
+    </a:lvl9pPr>
+  </p:notesStyle>
+</p:notesMaster>
+</file>
+
 <file path=ppt/slideLayouts/slideLayout1.xml><?xml version="1.0" encoding="utf-8"?>
 <p:sldLayout xmlns:a="http://schemas.openxmlformats.org/drawingml/2006/main" xmlns:r="http://schemas.openxmlformats.org/officeDocument/2006/relationships" xmlns:p="http://schemas.openxmlformats.org/presentationml/2006/main" type="title" preserve="1">
   <p:cSld name="Title Slide">
@@ -2288,9 +2742,9 @@
           <a:bodyPr/>
           <a:lstStyle/>
           <a:p>
-            <a:fld id="{D3CDB4BD-6BCF-4325-A065-59090B8E54B8}" type="datetimeFigureOut">
+            <a:fld id="{30C66A6D-F989-4EC4-8F9E-A3329706D682}" type="datetime1">
               <a:rPr lang="en-US" smtClean="0"/>
-              <a:t>11/29/2016</a:t>
+              <a:t>11/30/2016</a:t>
             </a:fld>
             <a:endParaRPr lang="en-US"/>
           </a:p>
@@ -2311,7 +2765,10 @@
           <a:bodyPr/>
           <a:lstStyle/>
           <a:p>
-            <a:endParaRPr lang="en-US"/>
+            <a:r>
+              <a:rPr lang="en-US"/>
+              <a:t>Comparative Protein Modelling</a:t>
+            </a:r>
           </a:p>
         </p:txBody>
       </p:sp>
@@ -2341,7 +2798,7 @@
     </p:spTree>
     <p:extLst>
       <p:ext uri="{BB962C8B-B14F-4D97-AF65-F5344CB8AC3E}">
-        <p14:creationId xmlns:p14="http://schemas.microsoft.com/office/powerpoint/2010/main" val="4189338135"/>
+        <p14:creationId xmlns:p14="http://schemas.microsoft.com/office/powerpoint/2010/main" val="3127981015"/>
       </p:ext>
     </p:extLst>
   </p:cSld>
@@ -2456,9 +2913,9 @@
           <a:bodyPr/>
           <a:lstStyle/>
           <a:p>
-            <a:fld id="{D3CDB4BD-6BCF-4325-A065-59090B8E54B8}" type="datetimeFigureOut">
+            <a:fld id="{244054AA-5E0C-497D-AC9E-2D24CD6655C1}" type="datetime1">
               <a:rPr lang="en-US" smtClean="0"/>
-              <a:t>11/29/2016</a:t>
+              <a:t>11/30/2016</a:t>
             </a:fld>
             <a:endParaRPr lang="en-US"/>
           </a:p>
@@ -2479,7 +2936,10 @@
           <a:bodyPr/>
           <a:lstStyle/>
           <a:p>
-            <a:endParaRPr lang="en-US"/>
+            <a:r>
+              <a:rPr lang="en-US"/>
+              <a:t>Comparative Protein Modelling</a:t>
+            </a:r>
           </a:p>
         </p:txBody>
       </p:sp>
@@ -2509,7 +2969,7 @@
     </p:spTree>
     <p:extLst>
       <p:ext uri="{BB962C8B-B14F-4D97-AF65-F5344CB8AC3E}">
-        <p14:creationId xmlns:p14="http://schemas.microsoft.com/office/powerpoint/2010/main" val="1536079856"/>
+        <p14:creationId xmlns:p14="http://schemas.microsoft.com/office/powerpoint/2010/main" val="2501482581"/>
       </p:ext>
     </p:extLst>
   </p:cSld>
@@ -2634,9 +3094,9 @@
           <a:bodyPr/>
           <a:lstStyle/>
           <a:p>
-            <a:fld id="{D3CDB4BD-6BCF-4325-A065-59090B8E54B8}" type="datetimeFigureOut">
+            <a:fld id="{DD9FB7E8-0E6C-4955-A9F3-7AE291B03E0B}" type="datetime1">
               <a:rPr lang="en-US" smtClean="0"/>
-              <a:t>11/29/2016</a:t>
+              <a:t>11/30/2016</a:t>
             </a:fld>
             <a:endParaRPr lang="en-US"/>
           </a:p>
@@ -2657,7 +3117,10 @@
           <a:bodyPr/>
           <a:lstStyle/>
           <a:p>
-            <a:endParaRPr lang="en-US"/>
+            <a:r>
+              <a:rPr lang="en-US"/>
+              <a:t>Comparative Protein Modelling</a:t>
+            </a:r>
           </a:p>
         </p:txBody>
       </p:sp>
@@ -2687,7 +3150,7 @@
     </p:spTree>
     <p:extLst>
       <p:ext uri="{BB962C8B-B14F-4D97-AF65-F5344CB8AC3E}">
-        <p14:creationId xmlns:p14="http://schemas.microsoft.com/office/powerpoint/2010/main" val="220767339"/>
+        <p14:creationId xmlns:p14="http://schemas.microsoft.com/office/powerpoint/2010/main" val="2942585658"/>
       </p:ext>
     </p:extLst>
   </p:cSld>
@@ -2802,9 +3265,9 @@
           <a:bodyPr/>
           <a:lstStyle/>
           <a:p>
-            <a:fld id="{D3CDB4BD-6BCF-4325-A065-59090B8E54B8}" type="datetimeFigureOut">
+            <a:fld id="{39A7CB58-BB33-46F7-A434-F97A7221B99C}" type="datetime1">
               <a:rPr lang="en-US" smtClean="0"/>
-              <a:t>11/29/2016</a:t>
+              <a:t>11/30/2016</a:t>
             </a:fld>
             <a:endParaRPr lang="en-US"/>
           </a:p>
@@ -2825,7 +3288,10 @@
           <a:bodyPr/>
           <a:lstStyle/>
           <a:p>
-            <a:endParaRPr lang="en-US"/>
+            <a:r>
+              <a:rPr lang="en-US"/>
+              <a:t>Comparative Protein Modelling</a:t>
+            </a:r>
           </a:p>
         </p:txBody>
       </p:sp>
@@ -2855,7 +3321,7 @@
     </p:spTree>
     <p:extLst>
       <p:ext uri="{BB962C8B-B14F-4D97-AF65-F5344CB8AC3E}">
-        <p14:creationId xmlns:p14="http://schemas.microsoft.com/office/powerpoint/2010/main" val="1156225696"/>
+        <p14:creationId xmlns:p14="http://schemas.microsoft.com/office/powerpoint/2010/main" val="353151602"/>
       </p:ext>
     </p:extLst>
   </p:cSld>
@@ -3047,9 +3513,9 @@
           <a:bodyPr/>
           <a:lstStyle/>
           <a:p>
-            <a:fld id="{D3CDB4BD-6BCF-4325-A065-59090B8E54B8}" type="datetimeFigureOut">
+            <a:fld id="{5D3C9F66-72DB-4234-A775-F9D2C9277BDF}" type="datetime1">
               <a:rPr lang="en-US" smtClean="0"/>
-              <a:t>11/29/2016</a:t>
+              <a:t>11/30/2016</a:t>
             </a:fld>
             <a:endParaRPr lang="en-US"/>
           </a:p>
@@ -3070,7 +3536,10 @@
           <a:bodyPr/>
           <a:lstStyle/>
           <a:p>
-            <a:endParaRPr lang="en-US"/>
+            <a:r>
+              <a:rPr lang="en-US"/>
+              <a:t>Comparative Protein Modelling</a:t>
+            </a:r>
           </a:p>
         </p:txBody>
       </p:sp>
@@ -3100,7 +3569,7 @@
     </p:spTree>
     <p:extLst>
       <p:ext uri="{BB962C8B-B14F-4D97-AF65-F5344CB8AC3E}">
-        <p14:creationId xmlns:p14="http://schemas.microsoft.com/office/powerpoint/2010/main" val="207592640"/>
+        <p14:creationId xmlns:p14="http://schemas.microsoft.com/office/powerpoint/2010/main" val="3830252352"/>
       </p:ext>
     </p:extLst>
   </p:cSld>
@@ -3276,9 +3745,9 @@
           <a:bodyPr/>
           <a:lstStyle/>
           <a:p>
-            <a:fld id="{D3CDB4BD-6BCF-4325-A065-59090B8E54B8}" type="datetimeFigureOut">
+            <a:fld id="{D475F186-8ABA-4E59-9DF1-94CD3EA439A1}" type="datetime1">
               <a:rPr lang="en-US" smtClean="0"/>
-              <a:t>11/29/2016</a:t>
+              <a:t>11/30/2016</a:t>
             </a:fld>
             <a:endParaRPr lang="en-US"/>
           </a:p>
@@ -3299,7 +3768,10 @@
           <a:bodyPr/>
           <a:lstStyle/>
           <a:p>
-            <a:endParaRPr lang="en-US"/>
+            <a:r>
+              <a:rPr lang="en-US"/>
+              <a:t>Comparative Protein Modelling</a:t>
+            </a:r>
           </a:p>
         </p:txBody>
       </p:sp>
@@ -3329,7 +3801,7 @@
     </p:spTree>
     <p:extLst>
       <p:ext uri="{BB962C8B-B14F-4D97-AF65-F5344CB8AC3E}">
-        <p14:creationId xmlns:p14="http://schemas.microsoft.com/office/powerpoint/2010/main" val="3811042836"/>
+        <p14:creationId xmlns:p14="http://schemas.microsoft.com/office/powerpoint/2010/main" val="3885667731"/>
       </p:ext>
     </p:extLst>
   </p:cSld>
@@ -3640,9 +4112,9 @@
           <a:bodyPr/>
           <a:lstStyle/>
           <a:p>
-            <a:fld id="{D3CDB4BD-6BCF-4325-A065-59090B8E54B8}" type="datetimeFigureOut">
+            <a:fld id="{6377FFB3-418B-4222-8F57-C109B964DAB2}" type="datetime1">
               <a:rPr lang="en-US" smtClean="0"/>
-              <a:t>11/29/2016</a:t>
+              <a:t>11/30/2016</a:t>
             </a:fld>
             <a:endParaRPr lang="en-US"/>
           </a:p>
@@ -3663,7 +4135,10 @@
           <a:bodyPr/>
           <a:lstStyle/>
           <a:p>
-            <a:endParaRPr lang="en-US"/>
+            <a:r>
+              <a:rPr lang="en-US"/>
+              <a:t>Comparative Protein Modelling</a:t>
+            </a:r>
           </a:p>
         </p:txBody>
       </p:sp>
@@ -3693,7 +4168,7 @@
     </p:spTree>
     <p:extLst>
       <p:ext uri="{BB962C8B-B14F-4D97-AF65-F5344CB8AC3E}">
-        <p14:creationId xmlns:p14="http://schemas.microsoft.com/office/powerpoint/2010/main" val="3617394240"/>
+        <p14:creationId xmlns:p14="http://schemas.microsoft.com/office/powerpoint/2010/main" val="3089229220"/>
       </p:ext>
     </p:extLst>
   </p:cSld>
@@ -3757,9 +4232,9 @@
           <a:bodyPr/>
           <a:lstStyle/>
           <a:p>
-            <a:fld id="{D3CDB4BD-6BCF-4325-A065-59090B8E54B8}" type="datetimeFigureOut">
+            <a:fld id="{3BF838BC-2FC5-41BC-BF5C-329976C828BA}" type="datetime1">
               <a:rPr lang="en-US" smtClean="0"/>
-              <a:t>11/29/2016</a:t>
+              <a:t>11/30/2016</a:t>
             </a:fld>
             <a:endParaRPr lang="en-US"/>
           </a:p>
@@ -3780,7 +4255,10 @@
           <a:bodyPr/>
           <a:lstStyle/>
           <a:p>
-            <a:endParaRPr lang="en-US"/>
+            <a:r>
+              <a:rPr lang="en-US"/>
+              <a:t>Comparative Protein Modelling</a:t>
+            </a:r>
           </a:p>
         </p:txBody>
       </p:sp>
@@ -3810,7 +4288,7 @@
     </p:spTree>
     <p:extLst>
       <p:ext uri="{BB962C8B-B14F-4D97-AF65-F5344CB8AC3E}">
-        <p14:creationId xmlns:p14="http://schemas.microsoft.com/office/powerpoint/2010/main" val="805939088"/>
+        <p14:creationId xmlns:p14="http://schemas.microsoft.com/office/powerpoint/2010/main" val="4115342204"/>
       </p:ext>
     </p:extLst>
   </p:cSld>
@@ -3852,9 +4330,9 @@
           <a:bodyPr/>
           <a:lstStyle/>
           <a:p>
-            <a:fld id="{D3CDB4BD-6BCF-4325-A065-59090B8E54B8}" type="datetimeFigureOut">
+            <a:fld id="{9825A280-D773-4BB8-9766-11B38554BEFB}" type="datetime1">
               <a:rPr lang="en-US" smtClean="0"/>
-              <a:t>11/29/2016</a:t>
+              <a:t>11/30/2016</a:t>
             </a:fld>
             <a:endParaRPr lang="en-US"/>
           </a:p>
@@ -3875,7 +4353,10 @@
           <a:bodyPr/>
           <a:lstStyle/>
           <a:p>
-            <a:endParaRPr lang="en-US"/>
+            <a:r>
+              <a:rPr lang="en-US"/>
+              <a:t>Comparative Protein Modelling</a:t>
+            </a:r>
           </a:p>
         </p:txBody>
       </p:sp>
@@ -3905,7 +4386,7 @@
     </p:spTree>
     <p:extLst>
       <p:ext uri="{BB962C8B-B14F-4D97-AF65-F5344CB8AC3E}">
-        <p14:creationId xmlns:p14="http://schemas.microsoft.com/office/powerpoint/2010/main" val="3723693898"/>
+        <p14:creationId xmlns:p14="http://schemas.microsoft.com/office/powerpoint/2010/main" val="2983649375"/>
       </p:ext>
     </p:extLst>
   </p:cSld>
@@ -4127,9 +4608,9 @@
           <a:bodyPr/>
           <a:lstStyle/>
           <a:p>
-            <a:fld id="{D3CDB4BD-6BCF-4325-A065-59090B8E54B8}" type="datetimeFigureOut">
+            <a:fld id="{02B8B5FD-45D2-4366-B800-F542608F3406}" type="datetime1">
               <a:rPr lang="en-US" smtClean="0"/>
-              <a:t>11/29/2016</a:t>
+              <a:t>11/30/2016</a:t>
             </a:fld>
             <a:endParaRPr lang="en-US"/>
           </a:p>
@@ -4150,7 +4631,10 @@
           <a:bodyPr/>
           <a:lstStyle/>
           <a:p>
-            <a:endParaRPr lang="en-US"/>
+            <a:r>
+              <a:rPr lang="en-US"/>
+              <a:t>Comparative Protein Modelling</a:t>
+            </a:r>
           </a:p>
         </p:txBody>
       </p:sp>
@@ -4180,7 +4664,7 @@
     </p:spTree>
     <p:extLst>
       <p:ext uri="{BB962C8B-B14F-4D97-AF65-F5344CB8AC3E}">
-        <p14:creationId xmlns:p14="http://schemas.microsoft.com/office/powerpoint/2010/main" val="2598204530"/>
+        <p14:creationId xmlns:p14="http://schemas.microsoft.com/office/powerpoint/2010/main" val="2412087801"/>
       </p:ext>
     </p:extLst>
   </p:cSld>
@@ -4379,9 +4863,9 @@
           <a:bodyPr/>
           <a:lstStyle/>
           <a:p>
-            <a:fld id="{D3CDB4BD-6BCF-4325-A065-59090B8E54B8}" type="datetimeFigureOut">
+            <a:fld id="{21DBE8E5-7384-457D-AA2E-746548A2AE9F}" type="datetime1">
               <a:rPr lang="en-US" smtClean="0"/>
-              <a:t>11/29/2016</a:t>
+              <a:t>11/30/2016</a:t>
             </a:fld>
             <a:endParaRPr lang="en-US"/>
           </a:p>
@@ -4402,7 +4886,10 @@
           <a:bodyPr/>
           <a:lstStyle/>
           <a:p>
-            <a:endParaRPr lang="en-US"/>
+            <a:r>
+              <a:rPr lang="en-US"/>
+              <a:t>Comparative Protein Modelling</a:t>
+            </a:r>
           </a:p>
         </p:txBody>
       </p:sp>
@@ -4432,7 +4919,7 @@
     </p:spTree>
     <p:extLst>
       <p:ext uri="{BB962C8B-B14F-4D97-AF65-F5344CB8AC3E}">
-        <p14:creationId xmlns:p14="http://schemas.microsoft.com/office/powerpoint/2010/main" val="1067932227"/>
+        <p14:creationId xmlns:p14="http://schemas.microsoft.com/office/powerpoint/2010/main" val="236419875"/>
       </p:ext>
     </p:extLst>
   </p:cSld>
@@ -4590,9 +5077,9 @@
             </a:lvl1pPr>
           </a:lstStyle>
           <a:p>
-            <a:fld id="{D3CDB4BD-6BCF-4325-A065-59090B8E54B8}" type="datetimeFigureOut">
+            <a:fld id="{F1B85748-94F4-4614-9A48-7C67C90F9DB8}" type="datetime1">
               <a:rPr lang="en-US" smtClean="0"/>
-              <a:t>11/29/2016</a:t>
+              <a:t>11/30/2016</a:t>
             </a:fld>
             <a:endParaRPr lang="en-US"/>
           </a:p>
@@ -4631,7 +5118,10 @@
             </a:lvl1pPr>
           </a:lstStyle>
           <a:p>
-            <a:endParaRPr lang="en-US"/>
+            <a:r>
+              <a:rPr lang="en-US"/>
+              <a:t>Comparative Protein Modelling</a:t>
+            </a:r>
           </a:p>
         </p:txBody>
       </p:sp>
@@ -4679,24 +5169,25 @@
     </p:spTree>
     <p:extLst>
       <p:ext uri="{BB962C8B-B14F-4D97-AF65-F5344CB8AC3E}">
-        <p14:creationId xmlns:p14="http://schemas.microsoft.com/office/powerpoint/2010/main" val="3826475982"/>
+        <p14:creationId xmlns:p14="http://schemas.microsoft.com/office/powerpoint/2010/main" val="47894617"/>
       </p:ext>
     </p:extLst>
   </p:cSld>
   <p:clrMap bg1="lt1" tx1="dk1" bg2="lt2" tx2="dk2" accent1="accent1" accent2="accent2" accent3="accent3" accent4="accent4" accent5="accent5" accent6="accent6" hlink="hlink" folHlink="folHlink"/>
   <p:sldLayoutIdLst>
-    <p:sldLayoutId id="2147483649" r:id="rId1"/>
-    <p:sldLayoutId id="2147483650" r:id="rId2"/>
-    <p:sldLayoutId id="2147483651" r:id="rId3"/>
-    <p:sldLayoutId id="2147483652" r:id="rId4"/>
-    <p:sldLayoutId id="2147483653" r:id="rId5"/>
-    <p:sldLayoutId id="2147483654" r:id="rId6"/>
-    <p:sldLayoutId id="2147483655" r:id="rId7"/>
-    <p:sldLayoutId id="2147483656" r:id="rId8"/>
-    <p:sldLayoutId id="2147483657" r:id="rId9"/>
-    <p:sldLayoutId id="2147483658" r:id="rId10"/>
-    <p:sldLayoutId id="2147483659" r:id="rId11"/>
+    <p:sldLayoutId id="2147483708" r:id="rId1"/>
+    <p:sldLayoutId id="2147483709" r:id="rId2"/>
+    <p:sldLayoutId id="2147483710" r:id="rId3"/>
+    <p:sldLayoutId id="2147483711" r:id="rId4"/>
+    <p:sldLayoutId id="2147483712" r:id="rId5"/>
+    <p:sldLayoutId id="2147483713" r:id="rId6"/>
+    <p:sldLayoutId id="2147483714" r:id="rId7"/>
+    <p:sldLayoutId id="2147483715" r:id="rId8"/>
+    <p:sldLayoutId id="2147483716" r:id="rId9"/>
+    <p:sldLayoutId id="2147483717" r:id="rId10"/>
+    <p:sldLayoutId id="2147483718" r:id="rId11"/>
   </p:sldLayoutIdLst>
+  <p:hf hdr="0" dt="0"/>
   <p:txStyles>
     <p:titleStyle>
       <a:lvl1pPr algn="l" defTabSz="914400" rtl="0" eaLnBrk="1" latinLnBrk="0" hangingPunct="1">
@@ -4997,12 +5488,4469 @@
           <a:chExt cx="0" cy="0"/>
         </a:xfrm>
       </p:grpSpPr>
+      <p:sp>
+        <p:nvSpPr>
+          <p:cNvPr id="22" name="Rectangle 21"/>
+          <p:cNvSpPr>
+            <a:spLocks noGrp="1" noRot="1" noChangeAspect="1" noMove="1" noResize="1" noEditPoints="1" noAdjustHandles="1" noChangeArrowheads="1" noChangeShapeType="1" noTextEdit="1"/>
+          </p:cNvSpPr>
+          <p:nvPr>
+            <p:extLst>
+              <p:ext uri="{386F3935-93C4-4BCD-93E2-E3B085C9AB24}">
+                <p16:designElem xmlns:p16="http://schemas.microsoft.com/office/powerpoint/2015/main" val="1"/>
+              </p:ext>
+            </p:extLst>
+          </p:nvPr>
+        </p:nvSpPr>
+        <p:spPr>
+          <a:xfrm>
+            <a:off x="5315061" y="-2"/>
+            <a:ext cx="6876939" cy="6858002"/>
+          </a:xfrm>
+          <a:prstGeom prst="rect">
+            <a:avLst/>
+          </a:prstGeom>
+          <a:solidFill>
+            <a:schemeClr val="tx1">
+              <a:lumMod val="85000"/>
+              <a:lumOff val="15000"/>
+            </a:schemeClr>
+          </a:solidFill>
+          <a:ln>
+            <a:noFill/>
+          </a:ln>
+        </p:spPr>
+        <p:style>
+          <a:lnRef idx="2">
+            <a:schemeClr val="accent1">
+              <a:shade val="50000"/>
+            </a:schemeClr>
+          </a:lnRef>
+          <a:fillRef idx="1">
+            <a:schemeClr val="accent1"/>
+          </a:fillRef>
+          <a:effectRef idx="0">
+            <a:schemeClr val="accent1"/>
+          </a:effectRef>
+          <a:fontRef idx="minor">
+            <a:schemeClr val="lt1"/>
+          </a:fontRef>
+        </p:style>
+        <p:txBody>
+          <a:bodyPr rtlCol="0" anchor="ctr"/>
+          <a:lstStyle/>
+          <a:p>
+            <a:pPr algn="ctr"/>
+            <a:endParaRPr lang="en-US"/>
+          </a:p>
+        </p:txBody>
+      </p:sp>
+      <p:sp>
+        <p:nvSpPr>
+          <p:cNvPr id="2" name="Title 1"/>
+          <p:cNvSpPr>
+            <a:spLocks noGrp="1"/>
+          </p:cNvSpPr>
+          <p:nvPr>
+            <p:ph type="title"/>
+          </p:nvPr>
+        </p:nvSpPr>
+        <p:spPr>
+          <a:xfrm>
+            <a:off x="829781" y="2745736"/>
+            <a:ext cx="3698803" cy="1366528"/>
+          </a:xfrm>
+          <a:solidFill>
+            <a:schemeClr val="bg1">
+              <a:alpha val="50000"/>
+            </a:schemeClr>
+          </a:solidFill>
+          <a:ln w="25400" cap="sq">
+            <a:solidFill>
+              <a:schemeClr val="tx1"/>
+            </a:solidFill>
+            <a:miter lim="800000"/>
+          </a:ln>
+        </p:spPr>
+        <p:txBody>
+          <a:bodyPr>
+            <a:normAutofit/>
+          </a:bodyPr>
+          <a:lstStyle/>
+          <a:p>
+            <a:pPr algn="ctr"/>
+            <a:r>
+              <a:rPr lang="en-US" sz="3200"/>
+              <a:t>Project Proposal</a:t>
+            </a:r>
+          </a:p>
+        </p:txBody>
+      </p:sp>
+      <p:sp>
+        <p:nvSpPr>
+          <p:cNvPr id="3" name="Content Placeholder 2"/>
+          <p:cNvSpPr>
+            <a:spLocks noGrp="1"/>
+          </p:cNvSpPr>
+          <p:nvPr>
+            <p:ph idx="1"/>
+          </p:nvPr>
+        </p:nvSpPr>
+        <p:spPr>
+          <a:xfrm>
+            <a:off x="6049182" y="802638"/>
+            <a:ext cx="5408696" cy="5252722"/>
+          </a:xfrm>
+        </p:spPr>
+        <p:txBody>
+          <a:bodyPr anchor="ctr">
+            <a:normAutofit/>
+          </a:bodyPr>
+          <a:lstStyle/>
+          <a:p>
+            <a:r>
+              <a:rPr lang="en-US" sz="2400" dirty="0">
+                <a:solidFill>
+                  <a:schemeClr val="bg1"/>
+                </a:solidFill>
+              </a:rPr>
+              <a:t>Template identification -&gt; Blast (options: </a:t>
+            </a:r>
+            <a:r>
+              <a:rPr lang="en-US" sz="2400" dirty="0" err="1">
+                <a:solidFill>
+                  <a:schemeClr val="bg1"/>
+                </a:solidFill>
+              </a:rPr>
+              <a:t>pdb</a:t>
+            </a:r>
+            <a:r>
+              <a:rPr lang="en-US" sz="2400" dirty="0">
+                <a:solidFill>
+                  <a:schemeClr val="bg1"/>
+                </a:solidFill>
+              </a:rPr>
+              <a:t>; PSI-Blast)</a:t>
+            </a:r>
+          </a:p>
+          <a:p>
+            <a:r>
+              <a:rPr lang="en-US" sz="2400" dirty="0">
+                <a:solidFill>
+                  <a:schemeClr val="bg1"/>
+                </a:solidFill>
+              </a:rPr>
+              <a:t>Sequence alignment -&gt; Needleman Wunch algorithm, T-Coffee</a:t>
+            </a:r>
+          </a:p>
+          <a:p>
+            <a:r>
+              <a:rPr lang="en-US" sz="2400" dirty="0" err="1">
+                <a:solidFill>
+                  <a:schemeClr val="bg1"/>
+                </a:solidFill>
+              </a:rPr>
+              <a:t>Modeller</a:t>
+            </a:r>
+            <a:r>
+              <a:rPr lang="en-US" sz="2400" dirty="0">
+                <a:solidFill>
+                  <a:schemeClr val="bg1"/>
+                </a:solidFill>
+              </a:rPr>
+              <a:t> processing -&gt; Aligned files, </a:t>
+            </a:r>
+            <a:r>
+              <a:rPr lang="en-US" sz="2400" dirty="0" err="1">
+                <a:solidFill>
+                  <a:schemeClr val="bg1"/>
+                </a:solidFill>
+              </a:rPr>
+              <a:t>pdb</a:t>
+            </a:r>
+            <a:r>
+              <a:rPr lang="en-US" sz="2400" dirty="0">
+                <a:solidFill>
+                  <a:schemeClr val="bg1"/>
+                </a:solidFill>
+              </a:rPr>
+              <a:t> files, script files</a:t>
+            </a:r>
+          </a:p>
+          <a:p>
+            <a:r>
+              <a:rPr lang="en-US" sz="2400" dirty="0">
+                <a:solidFill>
+                  <a:schemeClr val="bg1"/>
+                </a:solidFill>
+              </a:rPr>
+              <a:t>Model view and validation -&gt; Chimera, </a:t>
+            </a:r>
+            <a:r>
+              <a:rPr lang="en-US" sz="2400" dirty="0" err="1">
+                <a:solidFill>
+                  <a:schemeClr val="bg1"/>
+                </a:solidFill>
+              </a:rPr>
+              <a:t>Rasmol</a:t>
+            </a:r>
+            <a:r>
+              <a:rPr lang="en-US" sz="2400" dirty="0">
+                <a:solidFill>
+                  <a:schemeClr val="bg1"/>
+                </a:solidFill>
+              </a:rPr>
+              <a:t>, TM-Score, </a:t>
+            </a:r>
+            <a:r>
+              <a:rPr lang="en-US" sz="2400" dirty="0" err="1">
+                <a:solidFill>
+                  <a:schemeClr val="bg1"/>
+                </a:solidFill>
+              </a:rPr>
+              <a:t>Molprobity</a:t>
+            </a:r>
+            <a:r>
+              <a:rPr lang="en-US" sz="2400" dirty="0">
+                <a:solidFill>
+                  <a:schemeClr val="bg1"/>
+                </a:solidFill>
+              </a:rPr>
+              <a:t>, </a:t>
+            </a:r>
+            <a:r>
+              <a:rPr lang="en-US" sz="2400" dirty="0" err="1">
+                <a:solidFill>
+                  <a:schemeClr val="bg1"/>
+                </a:solidFill>
+              </a:rPr>
+              <a:t>Swissmodel</a:t>
+            </a:r>
+            <a:r>
+              <a:rPr lang="en-US" sz="2400" dirty="0">
+                <a:solidFill>
+                  <a:schemeClr val="bg1"/>
+                </a:solidFill>
+              </a:rPr>
+              <a:t> model assessment, CASP Model Verification.</a:t>
+            </a:r>
+          </a:p>
+          <a:p>
+            <a:r>
+              <a:rPr lang="en-US" sz="2400" dirty="0">
+                <a:solidFill>
+                  <a:schemeClr val="bg1"/>
+                </a:solidFill>
+              </a:rPr>
+              <a:t>Refinement -&gt; Blast options, PDB, Sequence alignment.</a:t>
+            </a:r>
+          </a:p>
+        </p:txBody>
+      </p:sp>
+      <p:sp>
+        <p:nvSpPr>
+          <p:cNvPr id="4" name="Footer Placeholder 3"/>
+          <p:cNvSpPr>
+            <a:spLocks noGrp="1"/>
+          </p:cNvSpPr>
+          <p:nvPr>
+            <p:ph type="ftr" sz="quarter" idx="11"/>
+          </p:nvPr>
+        </p:nvSpPr>
+        <p:spPr>
+          <a:xfrm>
+            <a:off x="6049182" y="6296683"/>
+            <a:ext cx="4436815" cy="313300"/>
+          </a:xfrm>
+        </p:spPr>
+        <p:txBody>
+          <a:bodyPr>
+            <a:normAutofit/>
+          </a:bodyPr>
+          <a:lstStyle/>
+          <a:p>
+            <a:pPr algn="l"/>
+            <a:r>
+              <a:rPr lang="en-US" sz="1050">
+                <a:solidFill>
+                  <a:schemeClr val="bg1">
+                    <a:alpha val="70000"/>
+                  </a:schemeClr>
+                </a:solidFill>
+              </a:rPr>
+              <a:t>Comparative Protein Modelling</a:t>
+            </a:r>
+          </a:p>
+        </p:txBody>
+      </p:sp>
+      <p:sp>
+        <p:nvSpPr>
+          <p:cNvPr id="5" name="Slide Number Placeholder 4"/>
+          <p:cNvSpPr>
+            <a:spLocks noGrp="1"/>
+          </p:cNvSpPr>
+          <p:nvPr>
+            <p:ph type="sldNum" sz="quarter" idx="12"/>
+          </p:nvPr>
+        </p:nvSpPr>
+        <p:spPr>
+          <a:xfrm>
+            <a:off x="10575174" y="6270771"/>
+            <a:ext cx="778625" cy="365125"/>
+          </a:xfrm>
+        </p:spPr>
+        <p:txBody>
+          <a:bodyPr>
+            <a:normAutofit/>
+          </a:bodyPr>
+          <a:lstStyle/>
+          <a:p>
+            <a:fld id="{E0B0CD84-942B-4DDE-A335-04A476833DD0}" type="slidenum">
+              <a:rPr lang="en-US" sz="1050" smtClean="0"/>
+              <a:pPr/>
+              <a:t>1</a:t>
+            </a:fld>
+            <a:endParaRPr lang="en-US" sz="1050"/>
+          </a:p>
+        </p:txBody>
+      </p:sp>
+    </p:spTree>
+    <p:extLst>
+      <p:ext uri="{BB962C8B-B14F-4D97-AF65-F5344CB8AC3E}">
+        <p14:creationId xmlns:p14="http://schemas.microsoft.com/office/powerpoint/2010/main" val="4174625290"/>
+      </p:ext>
+    </p:extLst>
+  </p:cSld>
+  <p:clrMapOvr>
+    <a:masterClrMapping/>
+  </p:clrMapOvr>
+</p:sld>
+</file>
+
+<file path=ppt/slides/slide10.xml><?xml version="1.0" encoding="utf-8"?>
+<p:sld xmlns:a="http://schemas.openxmlformats.org/drawingml/2006/main" xmlns:r="http://schemas.openxmlformats.org/officeDocument/2006/relationships" xmlns:p="http://schemas.openxmlformats.org/presentationml/2006/main">
+  <p:cSld>
+    <p:spTree>
+      <p:nvGrpSpPr>
+        <p:cNvPr id="1" name=""/>
+        <p:cNvGrpSpPr/>
+        <p:nvPr/>
+      </p:nvGrpSpPr>
+      <p:grpSpPr>
+        <a:xfrm>
+          <a:off x="0" y="0"/>
+          <a:ext cx="0" cy="0"/>
+          <a:chOff x="0" y="0"/>
+          <a:chExt cx="0" cy="0"/>
+        </a:xfrm>
+      </p:grpSpPr>
+      <p:pic>
+        <p:nvPicPr>
+          <p:cNvPr id="12" name="Picture 11"/>
+          <p:cNvPicPr>
+            <a:picLocks noChangeAspect="1"/>
+          </p:cNvPicPr>
+          <p:nvPr/>
+        </p:nvPicPr>
+        <p:blipFill>
+          <a:blip r:embed="rId2">
+            <a:extLst>
+              <a:ext uri="{28A0092B-C50C-407E-A947-70E740481C1C}">
+                <a14:useLocalDpi xmlns:a14="http://schemas.microsoft.com/office/drawing/2010/main" val="0"/>
+              </a:ext>
+            </a:extLst>
+          </a:blip>
+          <a:stretch>
+            <a:fillRect/>
+          </a:stretch>
+        </p:blipFill>
+        <p:spPr>
+          <a:xfrm>
+            <a:off x="6404488" y="1690688"/>
+            <a:ext cx="5209995" cy="4469480"/>
+          </a:xfrm>
+          <a:prstGeom prst="rect">
+            <a:avLst/>
+          </a:prstGeom>
+        </p:spPr>
+      </p:pic>
+      <p:sp>
+        <p:nvSpPr>
+          <p:cNvPr id="3" name="Title 2"/>
+          <p:cNvSpPr>
+            <a:spLocks noGrp="1"/>
+          </p:cNvSpPr>
+          <p:nvPr>
+            <p:ph type="title"/>
+          </p:nvPr>
+        </p:nvSpPr>
+        <p:spPr/>
+        <p:txBody>
+          <a:bodyPr vert="horz" lIns="91440" tIns="45720" rIns="91440" bIns="45720" rtlCol="0" anchor="b">
+            <a:normAutofit/>
+          </a:bodyPr>
+          <a:lstStyle/>
+          <a:p>
+            <a:pPr algn="ctr">
+              <a:lnSpc>
+                <a:spcPct val="70000"/>
+              </a:lnSpc>
+            </a:pPr>
+            <a:r>
+              <a:rPr lang="en-US" sz="4700" dirty="0"/>
+              <a:t>Sample Protein (T0806) Views</a:t>
+            </a:r>
+            <a:br>
+              <a:rPr lang="en-US" sz="4700" dirty="0"/>
+            </a:br>
+            <a:r>
+              <a:rPr lang="en-US" sz="4700" dirty="0"/>
+              <a:t>With Chimera</a:t>
+            </a:r>
+          </a:p>
+        </p:txBody>
+      </p:sp>
+      <p:pic>
+        <p:nvPicPr>
+          <p:cNvPr id="20" name="Picture 19"/>
+          <p:cNvPicPr>
+            <a:picLocks noChangeAspect="1"/>
+          </p:cNvPicPr>
+          <p:nvPr/>
+        </p:nvPicPr>
+        <p:blipFill>
+          <a:blip r:embed="rId3">
+            <a:extLst>
+              <a:ext uri="{28A0092B-C50C-407E-A947-70E740481C1C}">
+                <a14:useLocalDpi xmlns:a14="http://schemas.microsoft.com/office/drawing/2010/main" val="0"/>
+              </a:ext>
+            </a:extLst>
+          </a:blip>
+          <a:stretch>
+            <a:fillRect/>
+          </a:stretch>
+        </p:blipFill>
+        <p:spPr>
+          <a:xfrm>
+            <a:off x="707266" y="1690688"/>
+            <a:ext cx="5564701" cy="4469480"/>
+          </a:xfrm>
+          <a:prstGeom prst="rect">
+            <a:avLst/>
+          </a:prstGeom>
+        </p:spPr>
+      </p:pic>
+      <p:sp>
+        <p:nvSpPr>
+          <p:cNvPr id="27" name="TextBox 26"/>
+          <p:cNvSpPr txBox="1"/>
+          <p:nvPr/>
+        </p:nvSpPr>
+        <p:spPr>
+          <a:xfrm>
+            <a:off x="839789" y="6288505"/>
+            <a:ext cx="5564700" cy="461665"/>
+          </a:xfrm>
+          <a:prstGeom prst="rect">
+            <a:avLst/>
+          </a:prstGeom>
+          <a:noFill/>
+        </p:spPr>
+        <p:txBody>
+          <a:bodyPr wrap="square" rtlCol="0">
+            <a:spAutoFit/>
+          </a:bodyPr>
+          <a:lstStyle/>
+          <a:p>
+            <a:pPr algn="ctr"/>
+            <a:r>
+              <a:rPr lang="en-US" sz="2400" b="1" dirty="0"/>
+              <a:t>All Atom View</a:t>
+            </a:r>
+          </a:p>
+        </p:txBody>
+      </p:sp>
+      <p:sp>
+        <p:nvSpPr>
+          <p:cNvPr id="28" name="TextBox 27"/>
+          <p:cNvSpPr txBox="1"/>
+          <p:nvPr/>
+        </p:nvSpPr>
+        <p:spPr>
+          <a:xfrm>
+            <a:off x="6404488" y="6248581"/>
+            <a:ext cx="5209995" cy="461665"/>
+          </a:xfrm>
+          <a:prstGeom prst="rect">
+            <a:avLst/>
+          </a:prstGeom>
+          <a:noFill/>
+        </p:spPr>
+        <p:txBody>
+          <a:bodyPr wrap="square" rtlCol="0">
+            <a:spAutoFit/>
+          </a:bodyPr>
+          <a:lstStyle/>
+          <a:p>
+            <a:pPr algn="ctr"/>
+            <a:r>
+              <a:rPr lang="en-US" sz="2400" b="1" dirty="0"/>
+              <a:t>Ribbon View</a:t>
+            </a:r>
+          </a:p>
+        </p:txBody>
+      </p:sp>
+      <p:sp>
+        <p:nvSpPr>
+          <p:cNvPr id="2" name="Footer Placeholder 1"/>
+          <p:cNvSpPr>
+            <a:spLocks noGrp="1"/>
+          </p:cNvSpPr>
+          <p:nvPr>
+            <p:ph type="ftr" sz="quarter" idx="11"/>
+          </p:nvPr>
+        </p:nvSpPr>
+        <p:spPr/>
+        <p:txBody>
+          <a:bodyPr/>
+          <a:lstStyle/>
+          <a:p>
+            <a:r>
+              <a:rPr lang="en-US"/>
+              <a:t>Comparative Protein Modelling</a:t>
+            </a:r>
+          </a:p>
+        </p:txBody>
+      </p:sp>
+      <p:sp>
+        <p:nvSpPr>
+          <p:cNvPr id="4" name="Slide Number Placeholder 3"/>
+          <p:cNvSpPr>
+            <a:spLocks noGrp="1"/>
+          </p:cNvSpPr>
+          <p:nvPr>
+            <p:ph type="sldNum" sz="quarter" idx="12"/>
+          </p:nvPr>
+        </p:nvSpPr>
+        <p:spPr/>
+        <p:txBody>
+          <a:bodyPr/>
+          <a:lstStyle/>
+          <a:p>
+            <a:fld id="{E0B0CD84-942B-4DDE-A335-04A476833DD0}" type="slidenum">
+              <a:rPr lang="en-US" smtClean="0"/>
+              <a:t>10</a:t>
+            </a:fld>
+            <a:endParaRPr lang="en-US"/>
+          </a:p>
+        </p:txBody>
+      </p:sp>
+    </p:spTree>
+    <p:extLst>
+      <p:ext uri="{BB962C8B-B14F-4D97-AF65-F5344CB8AC3E}">
+        <p14:creationId xmlns:p14="http://schemas.microsoft.com/office/powerpoint/2010/main" val="2008606797"/>
+      </p:ext>
+    </p:extLst>
+  </p:cSld>
+  <p:clrMapOvr>
+    <a:masterClrMapping/>
+  </p:clrMapOvr>
+</p:sld>
+</file>
+
+<file path=ppt/slides/slide11.xml><?xml version="1.0" encoding="utf-8"?>
+<p:sld xmlns:a="http://schemas.openxmlformats.org/drawingml/2006/main" xmlns:r="http://schemas.openxmlformats.org/officeDocument/2006/relationships" xmlns:p="http://schemas.openxmlformats.org/presentationml/2006/main">
+  <p:cSld>
+    <p:spTree>
+      <p:nvGrpSpPr>
+        <p:cNvPr id="1" name=""/>
+        <p:cNvGrpSpPr/>
+        <p:nvPr/>
+      </p:nvGrpSpPr>
+      <p:grpSpPr>
+        <a:xfrm>
+          <a:off x="0" y="0"/>
+          <a:ext cx="0" cy="0"/>
+          <a:chOff x="0" y="0"/>
+          <a:chExt cx="0" cy="0"/>
+        </a:xfrm>
+      </p:grpSpPr>
+      <p:sp>
+        <p:nvSpPr>
+          <p:cNvPr id="2" name="Title 1"/>
+          <p:cNvSpPr>
+            <a:spLocks noGrp="1"/>
+          </p:cNvSpPr>
+          <p:nvPr>
+            <p:ph type="title"/>
+          </p:nvPr>
+        </p:nvSpPr>
+        <p:spPr/>
+        <p:txBody>
+          <a:bodyPr/>
+          <a:lstStyle/>
+          <a:p>
+            <a:r>
+              <a:rPr lang="en-US" dirty="0"/>
+              <a:t>Challenges</a:t>
+            </a:r>
+          </a:p>
+        </p:txBody>
+      </p:sp>
+      <p:sp>
+        <p:nvSpPr>
+          <p:cNvPr id="5" name="TextBox 4"/>
+          <p:cNvSpPr txBox="1"/>
+          <p:nvPr/>
+        </p:nvSpPr>
+        <p:spPr>
+          <a:xfrm>
+            <a:off x="1025237" y="1690688"/>
+            <a:ext cx="6830291" cy="369332"/>
+          </a:xfrm>
+          <a:prstGeom prst="rect">
+            <a:avLst/>
+          </a:prstGeom>
+          <a:noFill/>
+        </p:spPr>
+        <p:txBody>
+          <a:bodyPr wrap="square" rtlCol="0">
+            <a:spAutoFit/>
+          </a:bodyPr>
+          <a:lstStyle/>
+          <a:p>
+            <a:r>
+              <a:rPr lang="en-US" dirty="0"/>
+              <a:t>T0651; PSI-BLAST; </a:t>
+            </a:r>
+            <a:r>
+              <a:rPr lang="en-US" dirty="0" err="1"/>
+              <a:t>Modeller</a:t>
+            </a:r>
+            <a:r>
+              <a:rPr lang="en-US" dirty="0"/>
+              <a:t> 9.17, Script4 result:</a:t>
+            </a:r>
+          </a:p>
+        </p:txBody>
+      </p:sp>
+      <p:sp>
+        <p:nvSpPr>
+          <p:cNvPr id="9" name="TextBox 8"/>
+          <p:cNvSpPr txBox="1"/>
+          <p:nvPr/>
+        </p:nvSpPr>
+        <p:spPr>
+          <a:xfrm>
+            <a:off x="8769926" y="4322009"/>
+            <a:ext cx="2466109" cy="707886"/>
+          </a:xfrm>
+          <a:prstGeom prst="rect">
+            <a:avLst/>
+          </a:prstGeom>
+          <a:noFill/>
+        </p:spPr>
+        <p:txBody>
+          <a:bodyPr wrap="square" rtlCol="0">
+            <a:spAutoFit/>
+          </a:bodyPr>
+          <a:lstStyle/>
+          <a:p>
+            <a:r>
+              <a:rPr lang="en-US" sz="4000" dirty="0"/>
+              <a:t>Confusion</a:t>
+            </a:r>
+          </a:p>
+        </p:txBody>
+      </p:sp>
+      <p:pic>
+        <p:nvPicPr>
+          <p:cNvPr id="13" name="Picture 12"/>
+          <p:cNvPicPr>
+            <a:picLocks noChangeAspect="1"/>
+          </p:cNvPicPr>
+          <p:nvPr/>
+        </p:nvPicPr>
+        <p:blipFill>
+          <a:blip r:embed="rId2">
+            <a:extLst>
+              <a:ext uri="{28A0092B-C50C-407E-A947-70E740481C1C}">
+                <a14:useLocalDpi xmlns:a14="http://schemas.microsoft.com/office/drawing/2010/main" val="0"/>
+              </a:ext>
+            </a:extLst>
+          </a:blip>
+          <a:stretch>
+            <a:fillRect/>
+          </a:stretch>
+        </p:blipFill>
+        <p:spPr>
+          <a:xfrm>
+            <a:off x="1259897" y="2157001"/>
+            <a:ext cx="7510029" cy="3076575"/>
+          </a:xfrm>
+          <a:prstGeom prst="rect">
+            <a:avLst/>
+          </a:prstGeom>
+        </p:spPr>
+      </p:pic>
+      <p:pic>
+        <p:nvPicPr>
+          <p:cNvPr id="15" name="Picture 14"/>
+          <p:cNvPicPr>
+            <a:picLocks noChangeAspect="1"/>
+          </p:cNvPicPr>
+          <p:nvPr/>
+        </p:nvPicPr>
+        <p:blipFill>
+          <a:blip r:embed="rId3">
+            <a:extLst>
+              <a:ext uri="{28A0092B-C50C-407E-A947-70E740481C1C}">
+                <a14:useLocalDpi xmlns:a14="http://schemas.microsoft.com/office/drawing/2010/main" val="0"/>
+              </a:ext>
+            </a:extLst>
+          </a:blip>
+          <a:stretch>
+            <a:fillRect/>
+          </a:stretch>
+        </p:blipFill>
+        <p:spPr>
+          <a:xfrm>
+            <a:off x="8257309" y="5233576"/>
+            <a:ext cx="3588327" cy="1436132"/>
+          </a:xfrm>
+          <a:prstGeom prst="rect">
+            <a:avLst/>
+          </a:prstGeom>
+        </p:spPr>
+      </p:pic>
+      <p:sp>
+        <p:nvSpPr>
+          <p:cNvPr id="3" name="Footer Placeholder 2"/>
+          <p:cNvSpPr>
+            <a:spLocks noGrp="1"/>
+          </p:cNvSpPr>
+          <p:nvPr>
+            <p:ph type="ftr" sz="quarter" idx="11"/>
+          </p:nvPr>
+        </p:nvSpPr>
+        <p:spPr/>
+        <p:txBody>
+          <a:bodyPr/>
+          <a:lstStyle/>
+          <a:p>
+            <a:r>
+              <a:rPr lang="en-US"/>
+              <a:t>Comparative Protein Modelling</a:t>
+            </a:r>
+          </a:p>
+        </p:txBody>
+      </p:sp>
+      <p:sp>
+        <p:nvSpPr>
+          <p:cNvPr id="4" name="Slide Number Placeholder 3"/>
+          <p:cNvSpPr>
+            <a:spLocks noGrp="1"/>
+          </p:cNvSpPr>
+          <p:nvPr>
+            <p:ph type="sldNum" sz="quarter" idx="12"/>
+          </p:nvPr>
+        </p:nvSpPr>
+        <p:spPr/>
+        <p:txBody>
+          <a:bodyPr/>
+          <a:lstStyle/>
+          <a:p>
+            <a:fld id="{E0B0CD84-942B-4DDE-A335-04A476833DD0}" type="slidenum">
+              <a:rPr lang="en-US" smtClean="0"/>
+              <a:t>11</a:t>
+            </a:fld>
+            <a:endParaRPr lang="en-US"/>
+          </a:p>
+        </p:txBody>
+      </p:sp>
+    </p:spTree>
+    <p:extLst>
+      <p:ext uri="{BB962C8B-B14F-4D97-AF65-F5344CB8AC3E}">
+        <p14:creationId xmlns:p14="http://schemas.microsoft.com/office/powerpoint/2010/main" val="1483584952"/>
+      </p:ext>
+    </p:extLst>
+  </p:cSld>
+  <p:clrMapOvr>
+    <a:masterClrMapping/>
+  </p:clrMapOvr>
+</p:sld>
+</file>
+
+<file path=ppt/slides/slide12.xml><?xml version="1.0" encoding="utf-8"?>
+<p:sld xmlns:a="http://schemas.openxmlformats.org/drawingml/2006/main" xmlns:r="http://schemas.openxmlformats.org/officeDocument/2006/relationships" xmlns:p="http://schemas.openxmlformats.org/presentationml/2006/main">
+  <p:cSld>
+    <p:spTree>
+      <p:nvGrpSpPr>
+        <p:cNvPr id="1" name=""/>
+        <p:cNvGrpSpPr/>
+        <p:nvPr/>
+      </p:nvGrpSpPr>
+      <p:grpSpPr>
+        <a:xfrm>
+          <a:off x="0" y="0"/>
+          <a:ext cx="0" cy="0"/>
+          <a:chOff x="0" y="0"/>
+          <a:chExt cx="0" cy="0"/>
+        </a:xfrm>
+      </p:grpSpPr>
+      <p:sp>
+        <p:nvSpPr>
+          <p:cNvPr id="2" name="Title 1"/>
+          <p:cNvSpPr>
+            <a:spLocks noGrp="1"/>
+          </p:cNvSpPr>
+          <p:nvPr>
+            <p:ph type="title"/>
+          </p:nvPr>
+        </p:nvSpPr>
+        <p:spPr>
+          <a:xfrm>
+            <a:off x="838200" y="365126"/>
+            <a:ext cx="10515600" cy="999844"/>
+          </a:xfrm>
+        </p:spPr>
+        <p:txBody>
+          <a:bodyPr/>
+          <a:lstStyle/>
+          <a:p>
+            <a:r>
+              <a:rPr lang="en-US" dirty="0"/>
+              <a:t>Challenges </a:t>
+            </a:r>
+            <a:r>
+              <a:rPr lang="en-US"/>
+              <a:t>and Refinement</a:t>
+            </a:r>
+            <a:endParaRPr lang="en-US" dirty="0"/>
+          </a:p>
+        </p:txBody>
+      </p:sp>
+      <p:sp>
+        <p:nvSpPr>
+          <p:cNvPr id="3" name="Content Placeholder 2"/>
+          <p:cNvSpPr>
+            <a:spLocks noGrp="1"/>
+          </p:cNvSpPr>
+          <p:nvPr>
+            <p:ph idx="1"/>
+          </p:nvPr>
+        </p:nvSpPr>
+        <p:spPr>
+          <a:xfrm>
+            <a:off x="838200" y="1424150"/>
+            <a:ext cx="10515600" cy="4351338"/>
+          </a:xfrm>
+        </p:spPr>
+        <p:txBody>
+          <a:bodyPr/>
+          <a:lstStyle/>
+          <a:p>
+            <a:r>
+              <a:rPr lang="en-US" dirty="0"/>
+              <a:t>T0792 protein search in </a:t>
+            </a:r>
+            <a:r>
+              <a:rPr lang="en-US" dirty="0" err="1"/>
+              <a:t>blastp</a:t>
+            </a:r>
+            <a:r>
+              <a:rPr lang="en-US" dirty="0"/>
+              <a:t> </a:t>
+            </a:r>
+          </a:p>
+          <a:p>
+            <a:endParaRPr lang="en-US" dirty="0"/>
+          </a:p>
+          <a:p>
+            <a:endParaRPr lang="en-US" dirty="0"/>
+          </a:p>
+          <a:p>
+            <a:endParaRPr lang="en-US" dirty="0"/>
+          </a:p>
+          <a:p>
+            <a:endParaRPr lang="en-US" dirty="0"/>
+          </a:p>
+          <a:p>
+            <a:r>
+              <a:rPr lang="en-US" dirty="0"/>
+              <a:t>T0792 protein search in </a:t>
+            </a:r>
+            <a:r>
+              <a:rPr lang="en-US" b="1" dirty="0"/>
+              <a:t>PSI blast </a:t>
+            </a:r>
+            <a:endParaRPr lang="en-US" dirty="0"/>
+          </a:p>
+        </p:txBody>
+      </p:sp>
+      <p:pic>
+        <p:nvPicPr>
+          <p:cNvPr id="4" name="Picture 3"/>
+          <p:cNvPicPr>
+            <a:picLocks noChangeAspect="1"/>
+          </p:cNvPicPr>
+          <p:nvPr/>
+        </p:nvPicPr>
+        <p:blipFill>
+          <a:blip r:embed="rId2">
+            <a:extLst>
+              <a:ext uri="{28A0092B-C50C-407E-A947-70E740481C1C}">
+                <a14:useLocalDpi xmlns:a14="http://schemas.microsoft.com/office/drawing/2010/main" val="0"/>
+              </a:ext>
+            </a:extLst>
+          </a:blip>
+          <a:stretch>
+            <a:fillRect/>
+          </a:stretch>
+        </p:blipFill>
+        <p:spPr>
+          <a:xfrm>
+            <a:off x="1537854" y="1933304"/>
+            <a:ext cx="9116291" cy="2105611"/>
+          </a:xfrm>
+          <a:prstGeom prst="rect">
+            <a:avLst/>
+          </a:prstGeom>
+        </p:spPr>
+      </p:pic>
+      <p:pic>
+        <p:nvPicPr>
+          <p:cNvPr id="5" name="Picture 4"/>
+          <p:cNvPicPr>
+            <a:picLocks noChangeAspect="1"/>
+          </p:cNvPicPr>
+          <p:nvPr/>
+        </p:nvPicPr>
+        <p:blipFill>
+          <a:blip r:embed="rId3">
+            <a:extLst>
+              <a:ext uri="{28A0092B-C50C-407E-A947-70E740481C1C}">
+                <a14:useLocalDpi xmlns:a14="http://schemas.microsoft.com/office/drawing/2010/main" val="0"/>
+              </a:ext>
+            </a:extLst>
+          </a:blip>
+          <a:stretch>
+            <a:fillRect/>
+          </a:stretch>
+        </p:blipFill>
+        <p:spPr>
+          <a:xfrm>
+            <a:off x="1537854" y="4548069"/>
+            <a:ext cx="9116291" cy="1875118"/>
+          </a:xfrm>
+          <a:prstGeom prst="rect">
+            <a:avLst/>
+          </a:prstGeom>
+        </p:spPr>
+      </p:pic>
+      <p:sp>
+        <p:nvSpPr>
+          <p:cNvPr id="6" name="Footer Placeholder 5"/>
+          <p:cNvSpPr>
+            <a:spLocks noGrp="1"/>
+          </p:cNvSpPr>
+          <p:nvPr>
+            <p:ph type="ftr" sz="quarter" idx="11"/>
+          </p:nvPr>
+        </p:nvSpPr>
+        <p:spPr/>
+        <p:txBody>
+          <a:bodyPr/>
+          <a:lstStyle/>
+          <a:p>
+            <a:r>
+              <a:rPr lang="en-US"/>
+              <a:t>Comparative Protein Modelling</a:t>
+            </a:r>
+          </a:p>
+        </p:txBody>
+      </p:sp>
+      <p:sp>
+        <p:nvSpPr>
+          <p:cNvPr id="7" name="Slide Number Placeholder 6"/>
+          <p:cNvSpPr>
+            <a:spLocks noGrp="1"/>
+          </p:cNvSpPr>
+          <p:nvPr>
+            <p:ph type="sldNum" sz="quarter" idx="12"/>
+          </p:nvPr>
+        </p:nvSpPr>
+        <p:spPr/>
+        <p:txBody>
+          <a:bodyPr/>
+          <a:lstStyle/>
+          <a:p>
+            <a:fld id="{E0B0CD84-942B-4DDE-A335-04A476833DD0}" type="slidenum">
+              <a:rPr lang="en-US" smtClean="0"/>
+              <a:t>12</a:t>
+            </a:fld>
+            <a:endParaRPr lang="en-US"/>
+          </a:p>
+        </p:txBody>
+      </p:sp>
+    </p:spTree>
+    <p:extLst>
+      <p:ext uri="{BB962C8B-B14F-4D97-AF65-F5344CB8AC3E}">
+        <p14:creationId xmlns:p14="http://schemas.microsoft.com/office/powerpoint/2010/main" val="3565956358"/>
+      </p:ext>
+    </p:extLst>
+  </p:cSld>
+  <p:clrMapOvr>
+    <a:masterClrMapping/>
+  </p:clrMapOvr>
+</p:sld>
+</file>
+
+<file path=ppt/slides/slide13.xml><?xml version="1.0" encoding="utf-8"?>
+<p:sld xmlns:a="http://schemas.openxmlformats.org/drawingml/2006/main" xmlns:r="http://schemas.openxmlformats.org/officeDocument/2006/relationships" xmlns:p="http://schemas.openxmlformats.org/presentationml/2006/main">
+  <p:cSld>
+    <p:spTree>
+      <p:nvGrpSpPr>
+        <p:cNvPr id="1" name=""/>
+        <p:cNvGrpSpPr/>
+        <p:nvPr/>
+      </p:nvGrpSpPr>
+      <p:grpSpPr>
+        <a:xfrm>
+          <a:off x="0" y="0"/>
+          <a:ext cx="0" cy="0"/>
+          <a:chOff x="0" y="0"/>
+          <a:chExt cx="0" cy="0"/>
+        </a:xfrm>
+      </p:grpSpPr>
+      <p:sp>
+        <p:nvSpPr>
+          <p:cNvPr id="6" name="Freeform 12"/>
+          <p:cNvSpPr>
+            <a:spLocks noGrp="1" noRot="1" noChangeAspect="1" noMove="1" noResize="1" noEditPoints="1" noAdjustHandles="1" noChangeArrowheads="1" noChangeShapeType="1" noTextEdit="1"/>
+          </p:cNvSpPr>
+          <p:nvPr>
+            <p:extLst>
+              <p:ext uri="{386F3935-93C4-4BCD-93E2-E3B085C9AB24}">
+                <p16:designElem xmlns:p16="http://schemas.microsoft.com/office/powerpoint/2015/main" val="1"/>
+              </p:ext>
+            </p:extLst>
+          </p:nvPr>
+        </p:nvSpPr>
+        <p:spPr>
+          <a:xfrm>
+            <a:off x="4948518" y="1690688"/>
+            <a:ext cx="7243482" cy="5167312"/>
+          </a:xfrm>
+          <a:custGeom>
+            <a:avLst/>
+            <a:gdLst>
+              <a:gd name="connsiteX0" fmla="*/ 0 w 7243482"/>
+              <a:gd name="connsiteY0" fmla="*/ 0 h 5167312"/>
+              <a:gd name="connsiteX1" fmla="*/ 7243482 w 7243482"/>
+              <a:gd name="connsiteY1" fmla="*/ 0 h 5167312"/>
+              <a:gd name="connsiteX2" fmla="*/ 7243482 w 7243482"/>
+              <a:gd name="connsiteY2" fmla="*/ 5167312 h 5167312"/>
+              <a:gd name="connsiteX3" fmla="*/ 221324 w 7243482"/>
+              <a:gd name="connsiteY3" fmla="*/ 5167312 h 5167312"/>
+              <a:gd name="connsiteX4" fmla="*/ 2615203 w 7243482"/>
+              <a:gd name="connsiteY4" fmla="*/ 952 h 5167312"/>
+              <a:gd name="connsiteX5" fmla="*/ 0 w 7243482"/>
+              <a:gd name="connsiteY5" fmla="*/ 952 h 5167312"/>
+            </a:gdLst>
+            <a:ahLst/>
+            <a:cxnLst>
+              <a:cxn ang="0">
+                <a:pos x="connsiteX0" y="connsiteY0"/>
+              </a:cxn>
+              <a:cxn ang="0">
+                <a:pos x="connsiteX1" y="connsiteY1"/>
+              </a:cxn>
+              <a:cxn ang="0">
+                <a:pos x="connsiteX2" y="connsiteY2"/>
+              </a:cxn>
+              <a:cxn ang="0">
+                <a:pos x="connsiteX3" y="connsiteY3"/>
+              </a:cxn>
+              <a:cxn ang="0">
+                <a:pos x="connsiteX4" y="connsiteY4"/>
+              </a:cxn>
+              <a:cxn ang="0">
+                <a:pos x="connsiteX5" y="connsiteY5"/>
+              </a:cxn>
+            </a:cxnLst>
+            <a:rect l="l" t="t" r="r" b="b"/>
+            <a:pathLst>
+              <a:path w="7243482" h="5167312">
+                <a:moveTo>
+                  <a:pt x="0" y="0"/>
+                </a:moveTo>
+                <a:lnTo>
+                  <a:pt x="7243482" y="0"/>
+                </a:lnTo>
+                <a:lnTo>
+                  <a:pt x="7243482" y="5167312"/>
+                </a:lnTo>
+                <a:lnTo>
+                  <a:pt x="221324" y="5167312"/>
+                </a:lnTo>
+                <a:lnTo>
+                  <a:pt x="2615203" y="952"/>
+                </a:lnTo>
+                <a:lnTo>
+                  <a:pt x="0" y="952"/>
+                </a:lnTo>
+                <a:close/>
+              </a:path>
+            </a:pathLst>
+          </a:custGeom>
+          <a:solidFill>
+            <a:schemeClr val="bg2"/>
+          </a:solidFill>
+          <a:ln>
+            <a:noFill/>
+          </a:ln>
+        </p:spPr>
+        <p:style>
+          <a:lnRef idx="2">
+            <a:schemeClr val="accent1">
+              <a:shade val="50000"/>
+            </a:schemeClr>
+          </a:lnRef>
+          <a:fillRef idx="1">
+            <a:schemeClr val="accent1"/>
+          </a:fillRef>
+          <a:effectRef idx="0">
+            <a:schemeClr val="accent1"/>
+          </a:effectRef>
+          <a:fontRef idx="minor">
+            <a:schemeClr val="lt1"/>
+          </a:fontRef>
+        </p:style>
+        <p:txBody>
+          <a:bodyPr wrap="square" rtlCol="0" anchor="ctr">
+            <a:noAutofit/>
+          </a:bodyPr>
+          <a:lstStyle/>
+          <a:p>
+            <a:pPr algn="ctr"/>
+            <a:endParaRPr lang="en-US"/>
+          </a:p>
+        </p:txBody>
+      </p:sp>
+      <p:sp>
+        <p:nvSpPr>
+          <p:cNvPr id="7" name="Freeform 11"/>
+          <p:cNvSpPr>
+            <a:spLocks noGrp="1" noRot="1" noChangeAspect="1" noMove="1" noResize="1" noEditPoints="1" noAdjustHandles="1" noChangeArrowheads="1" noChangeShapeType="1" noTextEdit="1"/>
+          </p:cNvSpPr>
+          <p:nvPr>
+            <p:extLst>
+              <p:ext uri="{386F3935-93C4-4BCD-93E2-E3B085C9AB24}">
+                <p16:designElem xmlns:p16="http://schemas.microsoft.com/office/powerpoint/2015/main" val="1"/>
+              </p:ext>
+            </p:extLst>
+          </p:nvPr>
+        </p:nvSpPr>
+        <p:spPr>
+          <a:xfrm>
+            <a:off x="0" y="1691640"/>
+            <a:ext cx="7399176" cy="5166360"/>
+          </a:xfrm>
+          <a:custGeom>
+            <a:avLst/>
+            <a:gdLst>
+              <a:gd name="connsiteX0" fmla="*/ 0 w 7399176"/>
+              <a:gd name="connsiteY0" fmla="*/ 0 h 5166360"/>
+              <a:gd name="connsiteX1" fmla="*/ 7399176 w 7399176"/>
+              <a:gd name="connsiteY1" fmla="*/ 0 h 5166360"/>
+              <a:gd name="connsiteX2" fmla="*/ 5005297 w 7399176"/>
+              <a:gd name="connsiteY2" fmla="*/ 5166360 h 5166360"/>
+              <a:gd name="connsiteX3" fmla="*/ 0 w 7399176"/>
+              <a:gd name="connsiteY3" fmla="*/ 5166360 h 5166360"/>
+            </a:gdLst>
+            <a:ahLst/>
+            <a:cxnLst>
+              <a:cxn ang="0">
+                <a:pos x="connsiteX0" y="connsiteY0"/>
+              </a:cxn>
+              <a:cxn ang="0">
+                <a:pos x="connsiteX1" y="connsiteY1"/>
+              </a:cxn>
+              <a:cxn ang="0">
+                <a:pos x="connsiteX2" y="connsiteY2"/>
+              </a:cxn>
+              <a:cxn ang="0">
+                <a:pos x="connsiteX3" y="connsiteY3"/>
+              </a:cxn>
+            </a:cxnLst>
+            <a:rect l="l" t="t" r="r" b="b"/>
+            <a:pathLst>
+              <a:path w="7399176" h="5166360">
+                <a:moveTo>
+                  <a:pt x="0" y="0"/>
+                </a:moveTo>
+                <a:lnTo>
+                  <a:pt x="7399176" y="0"/>
+                </a:lnTo>
+                <a:lnTo>
+                  <a:pt x="5005297" y="5166360"/>
+                </a:lnTo>
+                <a:lnTo>
+                  <a:pt x="0" y="5166360"/>
+                </a:lnTo>
+                <a:close/>
+              </a:path>
+            </a:pathLst>
+          </a:custGeom>
+          <a:solidFill>
+            <a:schemeClr val="tx1">
+              <a:lumMod val="85000"/>
+              <a:lumOff val="15000"/>
+            </a:schemeClr>
+          </a:solidFill>
+          <a:ln>
+            <a:noFill/>
+          </a:ln>
+        </p:spPr>
+        <p:style>
+          <a:lnRef idx="2">
+            <a:schemeClr val="accent1">
+              <a:shade val="50000"/>
+            </a:schemeClr>
+          </a:lnRef>
+          <a:fillRef idx="1">
+            <a:schemeClr val="accent1"/>
+          </a:fillRef>
+          <a:effectRef idx="0">
+            <a:schemeClr val="accent1"/>
+          </a:effectRef>
+          <a:fontRef idx="minor">
+            <a:schemeClr val="lt1"/>
+          </a:fontRef>
+        </p:style>
+        <p:txBody>
+          <a:bodyPr rtlCol="0" anchor="ctr"/>
+          <a:lstStyle/>
+          <a:p>
+            <a:pPr algn="ctr"/>
+            <a:endParaRPr lang="en-US"/>
+          </a:p>
+        </p:txBody>
+      </p:sp>
+      <p:pic>
+        <p:nvPicPr>
+          <p:cNvPr id="8" name="Picture 3"/>
+          <p:cNvPicPr>
+            <a:picLocks noChangeAspect="1"/>
+          </p:cNvPicPr>
+          <p:nvPr/>
+        </p:nvPicPr>
+        <p:blipFill>
+          <a:blip r:embed="rId2">
+            <a:extLst>
+              <a:ext uri="{28A0092B-C50C-407E-A947-70E740481C1C}">
+                <a14:useLocalDpi xmlns:a14="http://schemas.microsoft.com/office/drawing/2010/main" val="0"/>
+              </a:ext>
+            </a:extLst>
+          </a:blip>
+          <a:stretch>
+            <a:fillRect/>
+          </a:stretch>
+        </p:blipFill>
+        <p:spPr>
+          <a:xfrm>
+            <a:off x="7563721" y="2091631"/>
+            <a:ext cx="4296585" cy="3818839"/>
+          </a:xfrm>
+          <a:custGeom>
+            <a:avLst/>
+            <a:gdLst>
+              <a:gd name="connsiteX0" fmla="*/ 0 w 4636009"/>
+              <a:gd name="connsiteY0" fmla="*/ 0 h 5032375"/>
+              <a:gd name="connsiteX1" fmla="*/ 4636009 w 4636009"/>
+              <a:gd name="connsiteY1" fmla="*/ 0 h 5032375"/>
+              <a:gd name="connsiteX2" fmla="*/ 4636009 w 4636009"/>
+              <a:gd name="connsiteY2" fmla="*/ 5032375 h 5032375"/>
+              <a:gd name="connsiteX3" fmla="*/ 0 w 4636009"/>
+              <a:gd name="connsiteY3" fmla="*/ 5032375 h 5032375"/>
+            </a:gdLst>
+            <a:ahLst/>
+            <a:cxnLst>
+              <a:cxn ang="0">
+                <a:pos x="connsiteX0" y="connsiteY0"/>
+              </a:cxn>
+              <a:cxn ang="0">
+                <a:pos x="connsiteX1" y="connsiteY1"/>
+              </a:cxn>
+              <a:cxn ang="0">
+                <a:pos x="connsiteX2" y="connsiteY2"/>
+              </a:cxn>
+              <a:cxn ang="0">
+                <a:pos x="connsiteX3" y="connsiteY3"/>
+              </a:cxn>
+            </a:cxnLst>
+            <a:rect l="l" t="t" r="r" b="b"/>
+            <a:pathLst>
+              <a:path w="4636009" h="5032375">
+                <a:moveTo>
+                  <a:pt x="0" y="0"/>
+                </a:moveTo>
+                <a:lnTo>
+                  <a:pt x="4636009" y="0"/>
+                </a:lnTo>
+                <a:lnTo>
+                  <a:pt x="4636009" y="5032375"/>
+                </a:lnTo>
+                <a:lnTo>
+                  <a:pt x="0" y="5032375"/>
+                </a:lnTo>
+                <a:close/>
+              </a:path>
+            </a:pathLst>
+          </a:custGeom>
+        </p:spPr>
+      </p:pic>
+      <p:sp>
+        <p:nvSpPr>
+          <p:cNvPr id="2" name="Title 1"/>
+          <p:cNvSpPr>
+            <a:spLocks noGrp="1"/>
+          </p:cNvSpPr>
+          <p:nvPr>
+            <p:ph type="title"/>
+          </p:nvPr>
+        </p:nvSpPr>
+        <p:spPr/>
+        <p:txBody>
+          <a:bodyPr>
+            <a:normAutofit/>
+          </a:bodyPr>
+          <a:lstStyle/>
+          <a:p>
+            <a:r>
+              <a:rPr lang="en-US" dirty="0"/>
+              <a:t>Case studies</a:t>
+            </a:r>
+          </a:p>
+        </p:txBody>
+      </p:sp>
+      <p:sp>
+        <p:nvSpPr>
+          <p:cNvPr id="3" name="Content Placeholder 2"/>
+          <p:cNvSpPr>
+            <a:spLocks noGrp="1"/>
+          </p:cNvSpPr>
+          <p:nvPr>
+            <p:ph idx="1"/>
+          </p:nvPr>
+        </p:nvSpPr>
+        <p:spPr>
+          <a:xfrm>
+            <a:off x="838200" y="2012865"/>
+            <a:ext cx="4317322" cy="4164098"/>
+          </a:xfrm>
+        </p:spPr>
+        <p:txBody>
+          <a:bodyPr anchor="ctr">
+            <a:normAutofit/>
+          </a:bodyPr>
+          <a:lstStyle/>
+          <a:p>
+            <a:pPr>
+              <a:buFont typeface="Wingdings" panose="05000000000000000000" pitchFamily="2" charset="2"/>
+              <a:buChar char="v"/>
+            </a:pPr>
+            <a:r>
+              <a:rPr lang="en-US" sz="2000" dirty="0">
+                <a:solidFill>
+                  <a:schemeClr val="bg1"/>
+                </a:solidFill>
+              </a:rPr>
+              <a:t>With alignment of sequences:</a:t>
+            </a:r>
+          </a:p>
+          <a:p>
+            <a:pPr lvl="1"/>
+            <a:r>
+              <a:rPr lang="en-US" sz="2000" dirty="0">
+                <a:solidFill>
+                  <a:schemeClr val="bg1"/>
+                </a:solidFill>
+              </a:rPr>
+              <a:t>T0792 Query with and without alignment</a:t>
+            </a:r>
+          </a:p>
+          <a:p>
+            <a:pPr lvl="2"/>
+            <a:r>
+              <a:rPr lang="en-US" dirty="0">
+                <a:solidFill>
+                  <a:schemeClr val="bg1"/>
+                </a:solidFill>
+              </a:rPr>
+              <a:t>Taken 3s93 as template and identified best model for each</a:t>
+            </a:r>
+          </a:p>
+          <a:p>
+            <a:pPr lvl="2"/>
+            <a:r>
+              <a:rPr lang="en-US" dirty="0">
+                <a:solidFill>
+                  <a:schemeClr val="bg1"/>
+                </a:solidFill>
+              </a:rPr>
+              <a:t>But, in each of the cases the TM-Score is same = </a:t>
+            </a:r>
+            <a:r>
+              <a:rPr lang="en-US" b="1" u="sng" dirty="0">
+                <a:solidFill>
+                  <a:schemeClr val="bg1"/>
+                </a:solidFill>
+              </a:rPr>
+              <a:t>0.4172</a:t>
+            </a:r>
+          </a:p>
+          <a:p>
+            <a:pPr lvl="1"/>
+            <a:r>
+              <a:rPr lang="en-US" sz="2000" dirty="0">
+                <a:solidFill>
+                  <a:schemeClr val="bg1"/>
+                </a:solidFill>
+              </a:rPr>
+              <a:t>Most of the scores changes with template selection*</a:t>
+            </a:r>
+          </a:p>
+          <a:p>
+            <a:pPr>
+              <a:buFont typeface="Wingdings" panose="05000000000000000000" pitchFamily="2" charset="2"/>
+              <a:buChar char="v"/>
+            </a:pPr>
+            <a:r>
+              <a:rPr lang="en-US" sz="2000" dirty="0">
+                <a:solidFill>
+                  <a:schemeClr val="bg1"/>
+                </a:solidFill>
+              </a:rPr>
+              <a:t>With visual interpretation of protein:</a:t>
+            </a:r>
+          </a:p>
+          <a:p>
+            <a:pPr lvl="1"/>
+            <a:r>
+              <a:rPr lang="en-US" sz="1600" dirty="0">
+                <a:solidFill>
+                  <a:schemeClr val="bg1"/>
+                </a:solidFill>
+              </a:rPr>
+              <a:t>TM-Score of the shown protein is: </a:t>
+            </a:r>
+            <a:r>
+              <a:rPr lang="en-US" sz="2000" b="1" u="sng" dirty="0">
+                <a:solidFill>
+                  <a:schemeClr val="bg1"/>
+                </a:solidFill>
+              </a:rPr>
+              <a:t>0.2287</a:t>
+            </a:r>
+          </a:p>
+        </p:txBody>
+      </p:sp>
+      <p:sp>
+        <p:nvSpPr>
+          <p:cNvPr id="4" name="Footer Placeholder 3"/>
+          <p:cNvSpPr>
+            <a:spLocks noGrp="1"/>
+          </p:cNvSpPr>
+          <p:nvPr>
+            <p:ph type="ftr" sz="quarter" idx="11"/>
+          </p:nvPr>
+        </p:nvSpPr>
+        <p:spPr>
+          <a:xfrm>
+            <a:off x="3699588" y="181610"/>
+            <a:ext cx="4114800" cy="365125"/>
+          </a:xfrm>
+        </p:spPr>
+        <p:txBody>
+          <a:bodyPr/>
+          <a:lstStyle/>
+          <a:p>
+            <a:r>
+              <a:rPr lang="en-US" dirty="0"/>
+              <a:t>Comparative Protein Modelling</a:t>
+            </a:r>
+          </a:p>
+        </p:txBody>
+      </p:sp>
+      <p:sp>
+        <p:nvSpPr>
+          <p:cNvPr id="5" name="Slide Number Placeholder 4"/>
+          <p:cNvSpPr>
+            <a:spLocks noGrp="1"/>
+          </p:cNvSpPr>
+          <p:nvPr>
+            <p:ph type="sldNum" sz="quarter" idx="12"/>
+          </p:nvPr>
+        </p:nvSpPr>
+        <p:spPr/>
+        <p:txBody>
+          <a:bodyPr/>
+          <a:lstStyle/>
+          <a:p>
+            <a:fld id="{E0B0CD84-942B-4DDE-A335-04A476833DD0}" type="slidenum">
+              <a:rPr lang="en-US" smtClean="0"/>
+              <a:t>13</a:t>
+            </a:fld>
+            <a:endParaRPr lang="en-US"/>
+          </a:p>
+        </p:txBody>
+      </p:sp>
+      <p:sp>
+        <p:nvSpPr>
+          <p:cNvPr id="9" name="TextBox 8"/>
+          <p:cNvSpPr txBox="1"/>
+          <p:nvPr/>
+        </p:nvSpPr>
+        <p:spPr>
+          <a:xfrm>
+            <a:off x="7699513" y="4492487"/>
+            <a:ext cx="2279374" cy="1477328"/>
+          </a:xfrm>
+          <a:prstGeom prst="rect">
+            <a:avLst/>
+          </a:prstGeom>
+          <a:noFill/>
+        </p:spPr>
+        <p:txBody>
+          <a:bodyPr wrap="square" rtlCol="0">
+            <a:spAutoFit/>
+          </a:bodyPr>
+          <a:lstStyle/>
+          <a:p>
+            <a:r>
+              <a:rPr lang="en-US" dirty="0">
+                <a:solidFill>
+                  <a:schemeClr val="bg1"/>
+                </a:solidFill>
+              </a:rPr>
+              <a:t>Can you guess</a:t>
+            </a:r>
+          </a:p>
+          <a:p>
+            <a:r>
+              <a:rPr lang="en-US" dirty="0">
+                <a:solidFill>
+                  <a:schemeClr val="bg1"/>
+                </a:solidFill>
+              </a:rPr>
+              <a:t>TM-Score??</a:t>
+            </a:r>
+          </a:p>
+          <a:p>
+            <a:endParaRPr lang="en-US" dirty="0">
+              <a:solidFill>
+                <a:schemeClr val="bg1"/>
+              </a:solidFill>
+            </a:endParaRPr>
+          </a:p>
+          <a:p>
+            <a:r>
+              <a:rPr lang="en-US" dirty="0">
+                <a:solidFill>
+                  <a:schemeClr val="bg1"/>
+                </a:solidFill>
+              </a:rPr>
+              <a:t>Model seems to be well structured…</a:t>
+            </a:r>
+          </a:p>
+        </p:txBody>
+      </p:sp>
+    </p:spTree>
+    <p:extLst>
+      <p:ext uri="{BB962C8B-B14F-4D97-AF65-F5344CB8AC3E}">
+        <p14:creationId xmlns:p14="http://schemas.microsoft.com/office/powerpoint/2010/main" val="1268252138"/>
+      </p:ext>
+    </p:extLst>
+  </p:cSld>
+  <p:clrMapOvr>
+    <a:masterClrMapping/>
+  </p:clrMapOvr>
+  <p:timing>
+    <p:tnLst>
+      <p:par>
+        <p:cTn id="1" dur="indefinite" restart="never" nodeType="tmRoot">
+          <p:childTnLst>
+            <p:seq concurrent="1" nextAc="seek">
+              <p:cTn id="2" dur="indefinite" nodeType="mainSeq">
+                <p:childTnLst>
+                  <p:par>
+                    <p:cTn id="3" fill="hold">
+                      <p:stCondLst>
+                        <p:cond delay="indefinite"/>
+                      </p:stCondLst>
+                      <p:childTnLst>
+                        <p:par>
+                          <p:cTn id="4" fill="hold">
+                            <p:stCondLst>
+                              <p:cond delay="0"/>
+                            </p:stCondLst>
+                            <p:childTnLst>
+                              <p:par>
+                                <p:cTn id="5" presetID="10" presetClass="entr" presetSubtype="0" fill="hold" grpId="0" nodeType="clickEffect">
+                                  <p:stCondLst>
+                                    <p:cond delay="0"/>
+                                  </p:stCondLst>
+                                  <p:childTnLst>
+                                    <p:set>
+                                      <p:cBhvr>
+                                        <p:cTn id="6" dur="1" fill="hold">
+                                          <p:stCondLst>
+                                            <p:cond delay="0"/>
+                                          </p:stCondLst>
+                                        </p:cTn>
+                                        <p:tgtEl>
+                                          <p:spTgt spid="3">
+                                            <p:txEl>
+                                              <p:pRg st="0" end="0"/>
+                                            </p:txEl>
+                                          </p:spTgt>
+                                        </p:tgtEl>
+                                        <p:attrNameLst>
+                                          <p:attrName>style.visibility</p:attrName>
+                                        </p:attrNameLst>
+                                      </p:cBhvr>
+                                      <p:to>
+                                        <p:strVal val="visible"/>
+                                      </p:to>
+                                    </p:set>
+                                    <p:animEffect transition="in" filter="fade">
+                                      <p:cBhvr>
+                                        <p:cTn id="7" dur="500"/>
+                                        <p:tgtEl>
+                                          <p:spTgt spid="3">
+                                            <p:txEl>
+                                              <p:pRg st="0" end="0"/>
+                                            </p:txEl>
+                                          </p:spTgt>
+                                        </p:tgtEl>
+                                      </p:cBhvr>
+                                    </p:animEffect>
+                                  </p:childTnLst>
+                                </p:cTn>
+                              </p:par>
+                              <p:par>
+                                <p:cTn id="8" presetID="10" presetClass="entr" presetSubtype="0" fill="hold" grpId="0" nodeType="withEffect">
+                                  <p:stCondLst>
+                                    <p:cond delay="0"/>
+                                  </p:stCondLst>
+                                  <p:childTnLst>
+                                    <p:set>
+                                      <p:cBhvr>
+                                        <p:cTn id="9" dur="1" fill="hold">
+                                          <p:stCondLst>
+                                            <p:cond delay="0"/>
+                                          </p:stCondLst>
+                                        </p:cTn>
+                                        <p:tgtEl>
+                                          <p:spTgt spid="3">
+                                            <p:txEl>
+                                              <p:pRg st="1" end="1"/>
+                                            </p:txEl>
+                                          </p:spTgt>
+                                        </p:tgtEl>
+                                        <p:attrNameLst>
+                                          <p:attrName>style.visibility</p:attrName>
+                                        </p:attrNameLst>
+                                      </p:cBhvr>
+                                      <p:to>
+                                        <p:strVal val="visible"/>
+                                      </p:to>
+                                    </p:set>
+                                    <p:animEffect transition="in" filter="fade">
+                                      <p:cBhvr>
+                                        <p:cTn id="10" dur="500"/>
+                                        <p:tgtEl>
+                                          <p:spTgt spid="3">
+                                            <p:txEl>
+                                              <p:pRg st="1" end="1"/>
+                                            </p:txEl>
+                                          </p:spTgt>
+                                        </p:tgtEl>
+                                      </p:cBhvr>
+                                    </p:animEffect>
+                                  </p:childTnLst>
+                                </p:cTn>
+                              </p:par>
+                              <p:par>
+                                <p:cTn id="11" presetID="10" presetClass="entr" presetSubtype="0" fill="hold" grpId="0" nodeType="withEffect">
+                                  <p:stCondLst>
+                                    <p:cond delay="0"/>
+                                  </p:stCondLst>
+                                  <p:childTnLst>
+                                    <p:set>
+                                      <p:cBhvr>
+                                        <p:cTn id="12" dur="1" fill="hold">
+                                          <p:stCondLst>
+                                            <p:cond delay="0"/>
+                                          </p:stCondLst>
+                                        </p:cTn>
+                                        <p:tgtEl>
+                                          <p:spTgt spid="3">
+                                            <p:txEl>
+                                              <p:pRg st="2" end="2"/>
+                                            </p:txEl>
+                                          </p:spTgt>
+                                        </p:tgtEl>
+                                        <p:attrNameLst>
+                                          <p:attrName>style.visibility</p:attrName>
+                                        </p:attrNameLst>
+                                      </p:cBhvr>
+                                      <p:to>
+                                        <p:strVal val="visible"/>
+                                      </p:to>
+                                    </p:set>
+                                    <p:animEffect transition="in" filter="fade">
+                                      <p:cBhvr>
+                                        <p:cTn id="13" dur="500"/>
+                                        <p:tgtEl>
+                                          <p:spTgt spid="3">
+                                            <p:txEl>
+                                              <p:pRg st="2" end="2"/>
+                                            </p:txEl>
+                                          </p:spTgt>
+                                        </p:tgtEl>
+                                      </p:cBhvr>
+                                    </p:animEffect>
+                                  </p:childTnLst>
+                                </p:cTn>
+                              </p:par>
+                              <p:par>
+                                <p:cTn id="14" presetID="10" presetClass="entr" presetSubtype="0" fill="hold" grpId="0" nodeType="withEffect">
+                                  <p:stCondLst>
+                                    <p:cond delay="0"/>
+                                  </p:stCondLst>
+                                  <p:childTnLst>
+                                    <p:set>
+                                      <p:cBhvr>
+                                        <p:cTn id="15" dur="1" fill="hold">
+                                          <p:stCondLst>
+                                            <p:cond delay="0"/>
+                                          </p:stCondLst>
+                                        </p:cTn>
+                                        <p:tgtEl>
+                                          <p:spTgt spid="3">
+                                            <p:txEl>
+                                              <p:pRg st="3" end="3"/>
+                                            </p:txEl>
+                                          </p:spTgt>
+                                        </p:tgtEl>
+                                        <p:attrNameLst>
+                                          <p:attrName>style.visibility</p:attrName>
+                                        </p:attrNameLst>
+                                      </p:cBhvr>
+                                      <p:to>
+                                        <p:strVal val="visible"/>
+                                      </p:to>
+                                    </p:set>
+                                    <p:animEffect transition="in" filter="fade">
+                                      <p:cBhvr>
+                                        <p:cTn id="16" dur="500"/>
+                                        <p:tgtEl>
+                                          <p:spTgt spid="3">
+                                            <p:txEl>
+                                              <p:pRg st="3" end="3"/>
+                                            </p:txEl>
+                                          </p:spTgt>
+                                        </p:tgtEl>
+                                      </p:cBhvr>
+                                    </p:animEffect>
+                                  </p:childTnLst>
+                                </p:cTn>
+                              </p:par>
+                              <p:par>
+                                <p:cTn id="17" presetID="10" presetClass="entr" presetSubtype="0" fill="hold" grpId="0" nodeType="withEffect">
+                                  <p:stCondLst>
+                                    <p:cond delay="0"/>
+                                  </p:stCondLst>
+                                  <p:childTnLst>
+                                    <p:set>
+                                      <p:cBhvr>
+                                        <p:cTn id="18" dur="1" fill="hold">
+                                          <p:stCondLst>
+                                            <p:cond delay="0"/>
+                                          </p:stCondLst>
+                                        </p:cTn>
+                                        <p:tgtEl>
+                                          <p:spTgt spid="3">
+                                            <p:txEl>
+                                              <p:pRg st="4" end="4"/>
+                                            </p:txEl>
+                                          </p:spTgt>
+                                        </p:tgtEl>
+                                        <p:attrNameLst>
+                                          <p:attrName>style.visibility</p:attrName>
+                                        </p:attrNameLst>
+                                      </p:cBhvr>
+                                      <p:to>
+                                        <p:strVal val="visible"/>
+                                      </p:to>
+                                    </p:set>
+                                    <p:animEffect transition="in" filter="fade">
+                                      <p:cBhvr>
+                                        <p:cTn id="19" dur="500"/>
+                                        <p:tgtEl>
+                                          <p:spTgt spid="3">
+                                            <p:txEl>
+                                              <p:pRg st="4" end="4"/>
+                                            </p:txEl>
+                                          </p:spTgt>
+                                        </p:tgtEl>
+                                      </p:cBhvr>
+                                    </p:animEffect>
+                                  </p:childTnLst>
+                                </p:cTn>
+                              </p:par>
+                            </p:childTnLst>
+                          </p:cTn>
+                        </p:par>
+                      </p:childTnLst>
+                    </p:cTn>
+                  </p:par>
+                  <p:par>
+                    <p:cTn id="20" fill="hold">
+                      <p:stCondLst>
+                        <p:cond delay="indefinite"/>
+                      </p:stCondLst>
+                      <p:childTnLst>
+                        <p:par>
+                          <p:cTn id="21" fill="hold">
+                            <p:stCondLst>
+                              <p:cond delay="0"/>
+                            </p:stCondLst>
+                            <p:childTnLst>
+                              <p:par>
+                                <p:cTn id="22" presetID="1" presetClass="entr" presetSubtype="0" fill="hold" grpId="0" nodeType="clickEffect">
+                                  <p:stCondLst>
+                                    <p:cond delay="0"/>
+                                  </p:stCondLst>
+                                  <p:childTnLst>
+                                    <p:set>
+                                      <p:cBhvr>
+                                        <p:cTn id="23" dur="1" fill="hold">
+                                          <p:stCondLst>
+                                            <p:cond delay="0"/>
+                                          </p:stCondLst>
+                                        </p:cTn>
+                                        <p:tgtEl>
+                                          <p:spTgt spid="9"/>
+                                        </p:tgtEl>
+                                        <p:attrNameLst>
+                                          <p:attrName>style.visibility</p:attrName>
+                                        </p:attrNameLst>
+                                      </p:cBhvr>
+                                      <p:to>
+                                        <p:strVal val="visible"/>
+                                      </p:to>
+                                    </p:set>
+                                  </p:childTnLst>
+                                </p:cTn>
+                              </p:par>
+                            </p:childTnLst>
+                          </p:cTn>
+                        </p:par>
+                      </p:childTnLst>
+                    </p:cTn>
+                  </p:par>
+                  <p:par>
+                    <p:cTn id="24" fill="hold">
+                      <p:stCondLst>
+                        <p:cond delay="indefinite"/>
+                      </p:stCondLst>
+                      <p:childTnLst>
+                        <p:par>
+                          <p:cTn id="25" fill="hold">
+                            <p:stCondLst>
+                              <p:cond delay="0"/>
+                            </p:stCondLst>
+                            <p:childTnLst>
+                              <p:par>
+                                <p:cTn id="26" presetID="10" presetClass="entr" presetSubtype="0" fill="hold" grpId="0" nodeType="clickEffect">
+                                  <p:stCondLst>
+                                    <p:cond delay="0"/>
+                                  </p:stCondLst>
+                                  <p:childTnLst>
+                                    <p:set>
+                                      <p:cBhvr>
+                                        <p:cTn id="27" dur="1" fill="hold">
+                                          <p:stCondLst>
+                                            <p:cond delay="0"/>
+                                          </p:stCondLst>
+                                        </p:cTn>
+                                        <p:tgtEl>
+                                          <p:spTgt spid="3">
+                                            <p:txEl>
+                                              <p:pRg st="5" end="5"/>
+                                            </p:txEl>
+                                          </p:spTgt>
+                                        </p:tgtEl>
+                                        <p:attrNameLst>
+                                          <p:attrName>style.visibility</p:attrName>
+                                        </p:attrNameLst>
+                                      </p:cBhvr>
+                                      <p:to>
+                                        <p:strVal val="visible"/>
+                                      </p:to>
+                                    </p:set>
+                                    <p:animEffect transition="in" filter="fade">
+                                      <p:cBhvr>
+                                        <p:cTn id="28" dur="500"/>
+                                        <p:tgtEl>
+                                          <p:spTgt spid="3">
+                                            <p:txEl>
+                                              <p:pRg st="5" end="5"/>
+                                            </p:txEl>
+                                          </p:spTgt>
+                                        </p:tgtEl>
+                                      </p:cBhvr>
+                                    </p:animEffect>
+                                  </p:childTnLst>
+                                </p:cTn>
+                              </p:par>
+                              <p:par>
+                                <p:cTn id="29" presetID="10" presetClass="entr" presetSubtype="0" fill="hold" grpId="0" nodeType="withEffect">
+                                  <p:stCondLst>
+                                    <p:cond delay="0"/>
+                                  </p:stCondLst>
+                                  <p:childTnLst>
+                                    <p:set>
+                                      <p:cBhvr>
+                                        <p:cTn id="30" dur="1" fill="hold">
+                                          <p:stCondLst>
+                                            <p:cond delay="0"/>
+                                          </p:stCondLst>
+                                        </p:cTn>
+                                        <p:tgtEl>
+                                          <p:spTgt spid="3">
+                                            <p:txEl>
+                                              <p:pRg st="6" end="6"/>
+                                            </p:txEl>
+                                          </p:spTgt>
+                                        </p:tgtEl>
+                                        <p:attrNameLst>
+                                          <p:attrName>style.visibility</p:attrName>
+                                        </p:attrNameLst>
+                                      </p:cBhvr>
+                                      <p:to>
+                                        <p:strVal val="visible"/>
+                                      </p:to>
+                                    </p:set>
+                                    <p:animEffect transition="in" filter="fade">
+                                      <p:cBhvr>
+                                        <p:cTn id="31" dur="500"/>
+                                        <p:tgtEl>
+                                          <p:spTgt spid="3">
+                                            <p:txEl>
+                                              <p:pRg st="6" end="6"/>
+                                            </p:txEl>
+                                          </p:spTgt>
+                                        </p:tgtEl>
+                                      </p:cBhvr>
+                                    </p:animEffect>
+                                  </p:childTnLst>
+                                </p:cTn>
+                              </p:par>
+                            </p:childTnLst>
+                          </p:cTn>
+                        </p:par>
+                      </p:childTnLst>
+                    </p:cTn>
+                  </p:par>
+                </p:childTnLst>
+              </p:cTn>
+              <p:prevCondLst>
+                <p:cond evt="onPrev" delay="0">
+                  <p:tgtEl>
+                    <p:sldTgt/>
+                  </p:tgtEl>
+                </p:cond>
+              </p:prevCondLst>
+              <p:nextCondLst>
+                <p:cond evt="onNext" delay="0">
+                  <p:tgtEl>
+                    <p:sldTgt/>
+                  </p:tgtEl>
+                </p:cond>
+              </p:nextCondLst>
+            </p:seq>
+          </p:childTnLst>
+        </p:cTn>
+      </p:par>
+    </p:tnLst>
+    <p:bldLst>
+      <p:bldP spid="3" grpId="0" uiExpand="1" build="p"/>
+      <p:bldP spid="9" grpId="0"/>
+    </p:bldLst>
+  </p:timing>
+</p:sld>
+</file>
+
+<file path=ppt/slides/slide2.xml><?xml version="1.0" encoding="utf-8"?>
+<p:sld xmlns:a="http://schemas.openxmlformats.org/drawingml/2006/main" xmlns:r="http://schemas.openxmlformats.org/officeDocument/2006/relationships" xmlns:p="http://schemas.openxmlformats.org/presentationml/2006/main">
+  <p:cSld>
+    <p:spTree>
+      <p:nvGrpSpPr>
+        <p:cNvPr id="1" name=""/>
+        <p:cNvGrpSpPr/>
+        <p:nvPr/>
+      </p:nvGrpSpPr>
+      <p:grpSpPr>
+        <a:xfrm>
+          <a:off x="0" y="0"/>
+          <a:ext cx="0" cy="0"/>
+          <a:chOff x="0" y="0"/>
+          <a:chExt cx="0" cy="0"/>
+        </a:xfrm>
+      </p:grpSpPr>
+      <p:sp>
+        <p:nvSpPr>
+          <p:cNvPr id="18" name="Rectangle 17"/>
+          <p:cNvSpPr>
+            <a:spLocks noGrp="1" noRot="1" noChangeAspect="1" noMove="1" noResize="1" noEditPoints="1" noAdjustHandles="1" noChangeArrowheads="1" noChangeShapeType="1" noTextEdit="1"/>
+          </p:cNvSpPr>
+          <p:nvPr>
+            <p:extLst>
+              <p:ext uri="{386F3935-93C4-4BCD-93E2-E3B085C9AB24}">
+                <p16:designElem xmlns:p16="http://schemas.microsoft.com/office/powerpoint/2015/main" val="1"/>
+              </p:ext>
+            </p:extLst>
+          </p:nvPr>
+        </p:nvSpPr>
+        <p:spPr>
+          <a:xfrm>
+            <a:off x="5315061" y="-2"/>
+            <a:ext cx="6876939" cy="6858002"/>
+          </a:xfrm>
+          <a:prstGeom prst="rect">
+            <a:avLst/>
+          </a:prstGeom>
+          <a:solidFill>
+            <a:schemeClr val="tx1">
+              <a:lumMod val="85000"/>
+              <a:lumOff val="15000"/>
+            </a:schemeClr>
+          </a:solidFill>
+          <a:ln>
+            <a:noFill/>
+          </a:ln>
+        </p:spPr>
+        <p:style>
+          <a:lnRef idx="2">
+            <a:schemeClr val="accent1">
+              <a:shade val="50000"/>
+            </a:schemeClr>
+          </a:lnRef>
+          <a:fillRef idx="1">
+            <a:schemeClr val="accent1"/>
+          </a:fillRef>
+          <a:effectRef idx="0">
+            <a:schemeClr val="accent1"/>
+          </a:effectRef>
+          <a:fontRef idx="minor">
+            <a:schemeClr val="lt1"/>
+          </a:fontRef>
+        </p:style>
+        <p:txBody>
+          <a:bodyPr rtlCol="0" anchor="ctr"/>
+          <a:lstStyle/>
+          <a:p>
+            <a:pPr algn="ctr"/>
+            <a:endParaRPr lang="en-US"/>
+          </a:p>
+        </p:txBody>
+      </p:sp>
+      <p:sp>
+        <p:nvSpPr>
+          <p:cNvPr id="2" name="Title 1"/>
+          <p:cNvSpPr>
+            <a:spLocks noGrp="1"/>
+          </p:cNvSpPr>
+          <p:nvPr>
+            <p:ph type="title"/>
+          </p:nvPr>
+        </p:nvSpPr>
+        <p:spPr>
+          <a:xfrm>
+            <a:off x="829781" y="2745736"/>
+            <a:ext cx="3698803" cy="1366528"/>
+          </a:xfrm>
+          <a:solidFill>
+            <a:schemeClr val="bg1">
+              <a:alpha val="50000"/>
+            </a:schemeClr>
+          </a:solidFill>
+          <a:ln w="25400" cap="sq">
+            <a:solidFill>
+              <a:schemeClr val="tx1"/>
+            </a:solidFill>
+            <a:miter lim="800000"/>
+          </a:ln>
+        </p:spPr>
+        <p:txBody>
+          <a:bodyPr>
+            <a:normAutofit/>
+          </a:bodyPr>
+          <a:lstStyle/>
+          <a:p>
+            <a:pPr algn="ctr"/>
+            <a:r>
+              <a:rPr lang="en-US" sz="3200"/>
+              <a:t>pipelining</a:t>
+            </a:r>
+          </a:p>
+        </p:txBody>
+      </p:sp>
+      <p:sp>
+        <p:nvSpPr>
+          <p:cNvPr id="3" name="Content Placeholder 2"/>
+          <p:cNvSpPr>
+            <a:spLocks noGrp="1"/>
+          </p:cNvSpPr>
+          <p:nvPr>
+            <p:ph idx="1"/>
+          </p:nvPr>
+        </p:nvSpPr>
+        <p:spPr>
+          <a:xfrm>
+            <a:off x="6049182" y="802638"/>
+            <a:ext cx="5408696" cy="5252722"/>
+          </a:xfrm>
+        </p:spPr>
+        <p:txBody>
+          <a:bodyPr anchor="ctr">
+            <a:normAutofit/>
+          </a:bodyPr>
+          <a:lstStyle/>
+          <a:p>
+            <a:pPr lvl="1">
+              <a:lnSpc>
+                <a:spcPct val="80000"/>
+              </a:lnSpc>
+            </a:pPr>
+            <a:r>
+              <a:rPr lang="en-US" sz="2200">
+                <a:solidFill>
+                  <a:schemeClr val="bg1"/>
+                </a:solidFill>
+              </a:rPr>
+              <a:t>Generated script file, ask for user input for query sequence; process the query and created query.ali</a:t>
+            </a:r>
+          </a:p>
+          <a:p>
+            <a:pPr lvl="1">
+              <a:lnSpc>
+                <a:spcPct val="80000"/>
+              </a:lnSpc>
+            </a:pPr>
+            <a:r>
+              <a:rPr lang="en-US" sz="2200">
+                <a:solidFill>
+                  <a:schemeClr val="bg1"/>
+                </a:solidFill>
+              </a:rPr>
+              <a:t>Start the modeller with script 1</a:t>
+            </a:r>
+          </a:p>
+          <a:p>
+            <a:pPr lvl="1">
+              <a:lnSpc>
+                <a:spcPct val="80000"/>
+              </a:lnSpc>
+            </a:pPr>
+            <a:r>
+              <a:rPr lang="en-US" sz="2200">
+                <a:solidFill>
+                  <a:schemeClr val="bg1"/>
+                </a:solidFill>
+              </a:rPr>
+              <a:t>Asks for identification of templates, user need to enter the template id’s (Should be pdb names); Alternative, we can use API to download pdb’s according to ID’s.</a:t>
+            </a:r>
+          </a:p>
+          <a:p>
+            <a:pPr lvl="1">
+              <a:lnSpc>
+                <a:spcPct val="80000"/>
+              </a:lnSpc>
+            </a:pPr>
+            <a:r>
+              <a:rPr lang="en-US" sz="2200">
+                <a:solidFill>
+                  <a:schemeClr val="bg1"/>
+                </a:solidFill>
+              </a:rPr>
+              <a:t>Start the next script, ask for user to select the best template by enter template id.</a:t>
+            </a:r>
+          </a:p>
+          <a:p>
+            <a:pPr lvl="1">
+              <a:lnSpc>
+                <a:spcPct val="80000"/>
+              </a:lnSpc>
+            </a:pPr>
+            <a:r>
+              <a:rPr lang="en-US" sz="2200">
+                <a:solidFill>
+                  <a:schemeClr val="bg1"/>
+                </a:solidFill>
+              </a:rPr>
+              <a:t>Runs script 3 and script 4. outputs the models, based on scores obtained user need to enter the best model id</a:t>
+            </a:r>
+          </a:p>
+          <a:p>
+            <a:pPr lvl="1">
+              <a:lnSpc>
+                <a:spcPct val="80000"/>
+              </a:lnSpc>
+            </a:pPr>
+            <a:r>
+              <a:rPr lang="en-US" sz="2200">
+                <a:solidFill>
+                  <a:schemeClr val="bg1"/>
+                </a:solidFill>
+              </a:rPr>
+              <a:t>Finishes the process and outputs are generated.</a:t>
+            </a:r>
+          </a:p>
+          <a:p>
+            <a:pPr>
+              <a:lnSpc>
+                <a:spcPct val="80000"/>
+              </a:lnSpc>
+            </a:pPr>
+            <a:endParaRPr lang="en-US" sz="2200">
+              <a:solidFill>
+                <a:schemeClr val="bg1"/>
+              </a:solidFill>
+            </a:endParaRPr>
+          </a:p>
+        </p:txBody>
+      </p:sp>
+      <p:sp>
+        <p:nvSpPr>
+          <p:cNvPr id="4" name="Footer Placeholder 3"/>
+          <p:cNvSpPr>
+            <a:spLocks noGrp="1"/>
+          </p:cNvSpPr>
+          <p:nvPr>
+            <p:ph type="ftr" sz="quarter" idx="11"/>
+          </p:nvPr>
+        </p:nvSpPr>
+        <p:spPr>
+          <a:xfrm>
+            <a:off x="6049182" y="6296683"/>
+            <a:ext cx="4436815" cy="313300"/>
+          </a:xfrm>
+        </p:spPr>
+        <p:txBody>
+          <a:bodyPr>
+            <a:normAutofit/>
+          </a:bodyPr>
+          <a:lstStyle/>
+          <a:p>
+            <a:pPr algn="l"/>
+            <a:r>
+              <a:rPr lang="en-US" sz="1050">
+                <a:solidFill>
+                  <a:schemeClr val="bg1">
+                    <a:alpha val="70000"/>
+                  </a:schemeClr>
+                </a:solidFill>
+              </a:rPr>
+              <a:t>Comparative Protein Modelling</a:t>
+            </a:r>
+          </a:p>
+        </p:txBody>
+      </p:sp>
+      <p:sp>
+        <p:nvSpPr>
+          <p:cNvPr id="5" name="Slide Number Placeholder 4"/>
+          <p:cNvSpPr>
+            <a:spLocks noGrp="1"/>
+          </p:cNvSpPr>
+          <p:nvPr>
+            <p:ph type="sldNum" sz="quarter" idx="12"/>
+          </p:nvPr>
+        </p:nvSpPr>
+        <p:spPr>
+          <a:xfrm>
+            <a:off x="10575174" y="6270771"/>
+            <a:ext cx="778625" cy="365125"/>
+          </a:xfrm>
+        </p:spPr>
+        <p:txBody>
+          <a:bodyPr>
+            <a:normAutofit/>
+          </a:bodyPr>
+          <a:lstStyle/>
+          <a:p>
+            <a:fld id="{E0B0CD84-942B-4DDE-A335-04A476833DD0}" type="slidenum">
+              <a:rPr lang="en-US" sz="1050" smtClean="0"/>
+              <a:pPr/>
+              <a:t>2</a:t>
+            </a:fld>
+            <a:endParaRPr lang="en-US" sz="1050"/>
+          </a:p>
+        </p:txBody>
+      </p:sp>
+    </p:spTree>
+    <p:extLst>
+      <p:ext uri="{BB962C8B-B14F-4D97-AF65-F5344CB8AC3E}">
+        <p14:creationId xmlns:p14="http://schemas.microsoft.com/office/powerpoint/2010/main" val="711983584"/>
+      </p:ext>
+    </p:extLst>
+  </p:cSld>
+  <p:clrMapOvr>
+    <a:masterClrMapping/>
+  </p:clrMapOvr>
+</p:sld>
+</file>
+
+<file path=ppt/slides/slide3.xml><?xml version="1.0" encoding="utf-8"?>
+<p:sld xmlns:a="http://schemas.openxmlformats.org/drawingml/2006/main" xmlns:r="http://schemas.openxmlformats.org/officeDocument/2006/relationships" xmlns:p="http://schemas.openxmlformats.org/presentationml/2006/main">
+  <p:cSld>
+    <p:bg>
+      <p:bgPr>
+        <a:solidFill>
+          <a:schemeClr val="bg1"/>
+        </a:solidFill>
+        <a:effectLst/>
+      </p:bgPr>
+    </p:bg>
+    <p:spTree>
+      <p:nvGrpSpPr>
+        <p:cNvPr id="1" name=""/>
+        <p:cNvGrpSpPr/>
+        <p:nvPr/>
+      </p:nvGrpSpPr>
+      <p:grpSpPr>
+        <a:xfrm>
+          <a:off x="0" y="0"/>
+          <a:ext cx="0" cy="0"/>
+          <a:chOff x="0" y="0"/>
+          <a:chExt cx="0" cy="0"/>
+        </a:xfrm>
+      </p:grpSpPr>
+      <p:sp>
+        <p:nvSpPr>
+          <p:cNvPr id="2" name="Title 1"/>
+          <p:cNvSpPr>
+            <a:spLocks noGrp="1"/>
+          </p:cNvSpPr>
+          <p:nvPr>
+            <p:ph type="title"/>
+          </p:nvPr>
+        </p:nvSpPr>
+        <p:spPr>
+          <a:solidFill>
+            <a:schemeClr val="tx1"/>
+          </a:solidFill>
+        </p:spPr>
+        <p:txBody>
+          <a:bodyPr/>
+          <a:lstStyle/>
+          <a:p>
+            <a:r>
+              <a:rPr lang="en-US" dirty="0">
+                <a:solidFill>
+                  <a:schemeClr val="bg1"/>
+                </a:solidFill>
+              </a:rPr>
+              <a:t>Sample Pipeline Implemented</a:t>
+            </a:r>
+          </a:p>
+        </p:txBody>
+      </p:sp>
+      <p:pic>
+        <p:nvPicPr>
+          <p:cNvPr id="6" name="Picture 5"/>
+          <p:cNvPicPr>
+            <a:picLocks noChangeAspect="1"/>
+          </p:cNvPicPr>
+          <p:nvPr/>
+        </p:nvPicPr>
+        <p:blipFill>
+          <a:blip r:embed="rId2">
+            <a:extLst>
+              <a:ext uri="{28A0092B-C50C-407E-A947-70E740481C1C}">
+                <a14:useLocalDpi xmlns:a14="http://schemas.microsoft.com/office/drawing/2010/main" val="0"/>
+              </a:ext>
+            </a:extLst>
+          </a:blip>
+          <a:stretch>
+            <a:fillRect/>
+          </a:stretch>
+        </p:blipFill>
+        <p:spPr>
+          <a:xfrm>
+            <a:off x="2827644" y="4312788"/>
+            <a:ext cx="6382641" cy="1943371"/>
+          </a:xfrm>
+          <a:prstGeom prst="rect">
+            <a:avLst/>
+          </a:prstGeom>
+        </p:spPr>
+      </p:pic>
+      <p:pic>
+        <p:nvPicPr>
+          <p:cNvPr id="7" name="Picture 6"/>
+          <p:cNvPicPr>
+            <a:picLocks noChangeAspect="1"/>
+          </p:cNvPicPr>
+          <p:nvPr/>
+        </p:nvPicPr>
+        <p:blipFill>
+          <a:blip r:embed="rId3">
+            <a:extLst>
+              <a:ext uri="{28A0092B-C50C-407E-A947-70E740481C1C}">
+                <a14:useLocalDpi xmlns:a14="http://schemas.microsoft.com/office/drawing/2010/main" val="0"/>
+              </a:ext>
+            </a:extLst>
+          </a:blip>
+          <a:stretch>
+            <a:fillRect/>
+          </a:stretch>
+        </p:blipFill>
+        <p:spPr>
+          <a:xfrm>
+            <a:off x="2827644" y="1833757"/>
+            <a:ext cx="6228571" cy="1586300"/>
+          </a:xfrm>
+          <a:prstGeom prst="rect">
+            <a:avLst/>
+          </a:prstGeom>
+        </p:spPr>
+      </p:pic>
+      <p:sp>
+        <p:nvSpPr>
+          <p:cNvPr id="8" name="TextBox 7"/>
+          <p:cNvSpPr txBox="1"/>
+          <p:nvPr/>
+        </p:nvSpPr>
+        <p:spPr>
+          <a:xfrm>
+            <a:off x="968991" y="2208588"/>
+            <a:ext cx="1201003" cy="923330"/>
+          </a:xfrm>
+          <a:prstGeom prst="rect">
+            <a:avLst/>
+          </a:prstGeom>
+          <a:noFill/>
+        </p:spPr>
+        <p:txBody>
+          <a:bodyPr wrap="square" rtlCol="0">
+            <a:spAutoFit/>
+          </a:bodyPr>
+          <a:lstStyle/>
+          <a:p>
+            <a:r>
+              <a:rPr lang="en-US" dirty="0"/>
+              <a:t>Step 1: Start the process</a:t>
+            </a:r>
+          </a:p>
+        </p:txBody>
+      </p:sp>
+      <p:sp>
+        <p:nvSpPr>
+          <p:cNvPr id="9" name="TextBox 8"/>
+          <p:cNvSpPr txBox="1"/>
+          <p:nvPr/>
+        </p:nvSpPr>
+        <p:spPr>
+          <a:xfrm>
+            <a:off x="968991" y="4822808"/>
+            <a:ext cx="1201003" cy="1200329"/>
+          </a:xfrm>
+          <a:prstGeom prst="rect">
+            <a:avLst/>
+          </a:prstGeom>
+          <a:noFill/>
+        </p:spPr>
+        <p:txBody>
+          <a:bodyPr wrap="square" rtlCol="0">
+            <a:spAutoFit/>
+          </a:bodyPr>
+          <a:lstStyle/>
+          <a:p>
+            <a:r>
+              <a:rPr lang="en-US" dirty="0"/>
+              <a:t>Step 1: Enter Query Sequence</a:t>
+            </a:r>
+          </a:p>
+        </p:txBody>
+      </p:sp>
+      <p:sp>
+        <p:nvSpPr>
+          <p:cNvPr id="3" name="Footer Placeholder 2"/>
+          <p:cNvSpPr>
+            <a:spLocks noGrp="1"/>
+          </p:cNvSpPr>
+          <p:nvPr>
+            <p:ph type="ftr" sz="quarter" idx="11"/>
+          </p:nvPr>
+        </p:nvSpPr>
+        <p:spPr/>
+        <p:txBody>
+          <a:bodyPr/>
+          <a:lstStyle/>
+          <a:p>
+            <a:r>
+              <a:rPr lang="en-US"/>
+              <a:t>Comparative Protein Modelling</a:t>
+            </a:r>
+          </a:p>
+        </p:txBody>
+      </p:sp>
+      <p:sp>
+        <p:nvSpPr>
+          <p:cNvPr id="4" name="Slide Number Placeholder 3"/>
+          <p:cNvSpPr>
+            <a:spLocks noGrp="1"/>
+          </p:cNvSpPr>
+          <p:nvPr>
+            <p:ph type="sldNum" sz="quarter" idx="12"/>
+          </p:nvPr>
+        </p:nvSpPr>
+        <p:spPr/>
+        <p:txBody>
+          <a:bodyPr/>
+          <a:lstStyle/>
+          <a:p>
+            <a:fld id="{E0B0CD84-942B-4DDE-A335-04A476833DD0}" type="slidenum">
+              <a:rPr lang="en-US" smtClean="0"/>
+              <a:t>3</a:t>
+            </a:fld>
+            <a:endParaRPr lang="en-US"/>
+          </a:p>
+        </p:txBody>
+      </p:sp>
+    </p:spTree>
+    <p:extLst>
+      <p:ext uri="{BB962C8B-B14F-4D97-AF65-F5344CB8AC3E}">
+        <p14:creationId xmlns:p14="http://schemas.microsoft.com/office/powerpoint/2010/main" val="616312614"/>
+      </p:ext>
+    </p:extLst>
+  </p:cSld>
+  <p:clrMapOvr>
+    <a:masterClrMapping/>
+  </p:clrMapOvr>
+</p:sld>
+</file>
+
+<file path=ppt/slides/slide4.xml><?xml version="1.0" encoding="utf-8"?>
+<p:sld xmlns:a="http://schemas.openxmlformats.org/drawingml/2006/main" xmlns:r="http://schemas.openxmlformats.org/officeDocument/2006/relationships" xmlns:p="http://schemas.openxmlformats.org/presentationml/2006/main">
+  <p:cSld>
+    <p:spTree>
+      <p:nvGrpSpPr>
+        <p:cNvPr id="1" name=""/>
+        <p:cNvGrpSpPr/>
+        <p:nvPr/>
+      </p:nvGrpSpPr>
+      <p:grpSpPr>
+        <a:xfrm>
+          <a:off x="0" y="0"/>
+          <a:ext cx="0" cy="0"/>
+          <a:chOff x="0" y="0"/>
+          <a:chExt cx="0" cy="0"/>
+        </a:xfrm>
+      </p:grpSpPr>
+      <p:sp>
+        <p:nvSpPr>
+          <p:cNvPr id="2" name="Title 1"/>
+          <p:cNvSpPr>
+            <a:spLocks noGrp="1"/>
+          </p:cNvSpPr>
+          <p:nvPr>
+            <p:ph type="title"/>
+          </p:nvPr>
+        </p:nvSpPr>
+        <p:spPr>
+          <a:solidFill>
+            <a:schemeClr val="tx1"/>
+          </a:solidFill>
+        </p:spPr>
+        <p:txBody>
+          <a:bodyPr/>
+          <a:lstStyle/>
+          <a:p>
+            <a:r>
+              <a:rPr lang="en-US" dirty="0">
+                <a:solidFill>
+                  <a:schemeClr val="bg1"/>
+                </a:solidFill>
+              </a:rPr>
+              <a:t>Sample pipeline implemented</a:t>
+            </a:r>
+          </a:p>
+        </p:txBody>
+      </p:sp>
+      <p:pic>
+        <p:nvPicPr>
+          <p:cNvPr id="4" name="Picture 3"/>
+          <p:cNvPicPr>
+            <a:picLocks noChangeAspect="1"/>
+          </p:cNvPicPr>
+          <p:nvPr/>
+        </p:nvPicPr>
+        <p:blipFill>
+          <a:blip r:embed="rId2">
+            <a:extLst>
+              <a:ext uri="{28A0092B-C50C-407E-A947-70E740481C1C}">
+                <a14:useLocalDpi xmlns:a14="http://schemas.microsoft.com/office/drawing/2010/main" val="0"/>
+              </a:ext>
+            </a:extLst>
+          </a:blip>
+          <a:stretch>
+            <a:fillRect/>
+          </a:stretch>
+        </p:blipFill>
+        <p:spPr>
+          <a:xfrm>
+            <a:off x="2933258" y="1919333"/>
+            <a:ext cx="6630325" cy="1428976"/>
+          </a:xfrm>
+          <a:prstGeom prst="rect">
+            <a:avLst/>
+          </a:prstGeom>
+        </p:spPr>
+      </p:pic>
+      <p:pic>
+        <p:nvPicPr>
+          <p:cNvPr id="6" name="Picture 5"/>
+          <p:cNvPicPr>
+            <a:picLocks noChangeAspect="1"/>
+          </p:cNvPicPr>
+          <p:nvPr/>
+        </p:nvPicPr>
+        <p:blipFill>
+          <a:blip r:embed="rId3"/>
+          <a:stretch>
+            <a:fillRect/>
+          </a:stretch>
+        </p:blipFill>
+        <p:spPr>
+          <a:xfrm>
+            <a:off x="1391851" y="3533740"/>
+            <a:ext cx="1028571" cy="2847619"/>
+          </a:xfrm>
+          <a:prstGeom prst="rect">
+            <a:avLst/>
+          </a:prstGeom>
+        </p:spPr>
+      </p:pic>
+      <p:sp>
+        <p:nvSpPr>
+          <p:cNvPr id="7" name="TextBox 6"/>
+          <p:cNvSpPr txBox="1"/>
+          <p:nvPr/>
+        </p:nvSpPr>
+        <p:spPr>
+          <a:xfrm>
+            <a:off x="1219419" y="1919333"/>
+            <a:ext cx="1201003" cy="923330"/>
+          </a:xfrm>
+          <a:prstGeom prst="rect">
+            <a:avLst/>
+          </a:prstGeom>
+          <a:noFill/>
+        </p:spPr>
+        <p:txBody>
+          <a:bodyPr wrap="square" rtlCol="0">
+            <a:spAutoFit/>
+          </a:bodyPr>
+          <a:lstStyle/>
+          <a:p>
+            <a:r>
+              <a:rPr lang="en-US" dirty="0"/>
+              <a:t>Step 3: Start </a:t>
+            </a:r>
+            <a:r>
+              <a:rPr lang="en-US" dirty="0" err="1"/>
+              <a:t>Modeller</a:t>
+            </a:r>
+            <a:endParaRPr lang="en-US" dirty="0"/>
+          </a:p>
+        </p:txBody>
+      </p:sp>
+      <p:pic>
+        <p:nvPicPr>
+          <p:cNvPr id="8" name="Picture 7"/>
+          <p:cNvPicPr>
+            <a:picLocks noChangeAspect="1"/>
+          </p:cNvPicPr>
+          <p:nvPr/>
+        </p:nvPicPr>
+        <p:blipFill>
+          <a:blip r:embed="rId4">
+            <a:extLst>
+              <a:ext uri="{28A0092B-C50C-407E-A947-70E740481C1C}">
+                <a14:useLocalDpi xmlns:a14="http://schemas.microsoft.com/office/drawing/2010/main" val="0"/>
+              </a:ext>
+            </a:extLst>
+          </a:blip>
+          <a:stretch>
+            <a:fillRect/>
+          </a:stretch>
+        </p:blipFill>
+        <p:spPr>
+          <a:xfrm>
+            <a:off x="2933258" y="4133744"/>
+            <a:ext cx="6630325" cy="1619476"/>
+          </a:xfrm>
+          <a:prstGeom prst="rect">
+            <a:avLst/>
+          </a:prstGeom>
+        </p:spPr>
+      </p:pic>
+      <p:sp>
+        <p:nvSpPr>
+          <p:cNvPr id="3" name="Footer Placeholder 2"/>
+          <p:cNvSpPr>
+            <a:spLocks noGrp="1"/>
+          </p:cNvSpPr>
+          <p:nvPr>
+            <p:ph type="ftr" sz="quarter" idx="11"/>
+          </p:nvPr>
+        </p:nvSpPr>
+        <p:spPr/>
+        <p:txBody>
+          <a:bodyPr/>
+          <a:lstStyle/>
+          <a:p>
+            <a:r>
+              <a:rPr lang="en-US"/>
+              <a:t>Comparative Protein Modelling</a:t>
+            </a:r>
+          </a:p>
+        </p:txBody>
+      </p:sp>
+      <p:sp>
+        <p:nvSpPr>
+          <p:cNvPr id="5" name="Slide Number Placeholder 4"/>
+          <p:cNvSpPr>
+            <a:spLocks noGrp="1"/>
+          </p:cNvSpPr>
+          <p:nvPr>
+            <p:ph type="sldNum" sz="quarter" idx="12"/>
+          </p:nvPr>
+        </p:nvSpPr>
+        <p:spPr/>
+        <p:txBody>
+          <a:bodyPr/>
+          <a:lstStyle/>
+          <a:p>
+            <a:fld id="{E0B0CD84-942B-4DDE-A335-04A476833DD0}" type="slidenum">
+              <a:rPr lang="en-US" smtClean="0"/>
+              <a:t>4</a:t>
+            </a:fld>
+            <a:endParaRPr lang="en-US"/>
+          </a:p>
+        </p:txBody>
+      </p:sp>
+    </p:spTree>
+    <p:extLst>
+      <p:ext uri="{BB962C8B-B14F-4D97-AF65-F5344CB8AC3E}">
+        <p14:creationId xmlns:p14="http://schemas.microsoft.com/office/powerpoint/2010/main" val="4531104"/>
+      </p:ext>
+    </p:extLst>
+  </p:cSld>
+  <p:clrMapOvr>
+    <a:masterClrMapping/>
+  </p:clrMapOvr>
+</p:sld>
+</file>
+
+<file path=ppt/slides/slide5.xml><?xml version="1.0" encoding="utf-8"?>
+<p:sld xmlns:a="http://schemas.openxmlformats.org/drawingml/2006/main" xmlns:r="http://schemas.openxmlformats.org/officeDocument/2006/relationships" xmlns:p="http://schemas.openxmlformats.org/presentationml/2006/main">
+  <p:cSld>
+    <p:spTree>
+      <p:nvGrpSpPr>
+        <p:cNvPr id="1" name=""/>
+        <p:cNvGrpSpPr/>
+        <p:nvPr/>
+      </p:nvGrpSpPr>
+      <p:grpSpPr>
+        <a:xfrm>
+          <a:off x="0" y="0"/>
+          <a:ext cx="0" cy="0"/>
+          <a:chOff x="0" y="0"/>
+          <a:chExt cx="0" cy="0"/>
+        </a:xfrm>
+      </p:grpSpPr>
+      <p:sp>
+        <p:nvSpPr>
+          <p:cNvPr id="10" name="Rectangle 9"/>
+          <p:cNvSpPr>
+            <a:spLocks noGrp="1" noRot="1" noChangeAspect="1" noMove="1" noResize="1" noEditPoints="1" noAdjustHandles="1" noChangeArrowheads="1" noChangeShapeType="1" noTextEdit="1"/>
+          </p:cNvSpPr>
+          <p:nvPr>
+            <p:extLst>
+              <p:ext uri="{386F3935-93C4-4BCD-93E2-E3B085C9AB24}">
+                <p16:designElem xmlns:p16="http://schemas.microsoft.com/office/powerpoint/2015/main" val="1"/>
+              </p:ext>
+            </p:extLst>
+          </p:nvPr>
+        </p:nvSpPr>
+        <p:spPr>
+          <a:xfrm>
+            <a:off x="0" y="2"/>
+            <a:ext cx="4636008" cy="6857998"/>
+          </a:xfrm>
+          <a:prstGeom prst="rect">
+            <a:avLst/>
+          </a:prstGeom>
+          <a:solidFill>
+            <a:schemeClr val="tx1">
+              <a:lumMod val="85000"/>
+              <a:lumOff val="15000"/>
+            </a:schemeClr>
+          </a:solidFill>
+          <a:ln>
+            <a:noFill/>
+          </a:ln>
+          <a:effectLst/>
+        </p:spPr>
+        <p:style>
+          <a:lnRef idx="1">
+            <a:schemeClr val="accent1"/>
+          </a:lnRef>
+          <a:fillRef idx="3">
+            <a:schemeClr val="accent1"/>
+          </a:fillRef>
+          <a:effectRef idx="2">
+            <a:schemeClr val="accent1"/>
+          </a:effectRef>
+          <a:fontRef idx="minor">
+            <a:schemeClr val="lt1"/>
+          </a:fontRef>
+        </p:style>
+        <p:txBody>
+          <a:bodyPr rtlCol="0" anchor="ctr"/>
+          <a:lstStyle/>
+          <a:p>
+            <a:pPr algn="ctr" defTabSz="457200"/>
+            <a:endParaRPr lang="en-US">
+              <a:solidFill>
+                <a:srgbClr val="FFFFFF"/>
+              </a:solidFill>
+              <a:latin typeface="Calibri" panose="020F0502020204030204"/>
+            </a:endParaRPr>
+          </a:p>
+        </p:txBody>
+      </p:sp>
+      <p:pic>
+        <p:nvPicPr>
+          <p:cNvPr id="6" name="Content Placeholder 3"/>
+          <p:cNvPicPr>
+            <a:picLocks noChangeAspect="1"/>
+          </p:cNvPicPr>
+          <p:nvPr/>
+        </p:nvPicPr>
+        <p:blipFill rotWithShape="1">
+          <a:blip r:embed="rId2"/>
+          <a:srcRect t="4408" b="10066"/>
+          <a:stretch/>
+        </p:blipFill>
+        <p:spPr>
+          <a:xfrm>
+            <a:off x="5576484" y="186186"/>
+            <a:ext cx="5952906" cy="4120771"/>
+          </a:xfrm>
+          <a:prstGeom prst="rect">
+            <a:avLst/>
+          </a:prstGeom>
+          <a:effectLst/>
+        </p:spPr>
+      </p:pic>
+      <p:sp>
+        <p:nvSpPr>
+          <p:cNvPr id="2" name="Title 1"/>
+          <p:cNvSpPr>
+            <a:spLocks noGrp="1"/>
+          </p:cNvSpPr>
+          <p:nvPr>
+            <p:ph type="title"/>
+          </p:nvPr>
+        </p:nvSpPr>
+        <p:spPr>
+          <a:xfrm>
+            <a:off x="648929" y="629266"/>
+            <a:ext cx="3667039" cy="1676603"/>
+          </a:xfrm>
+        </p:spPr>
+        <p:txBody>
+          <a:bodyPr>
+            <a:normAutofit/>
+          </a:bodyPr>
+          <a:lstStyle/>
+          <a:p>
+            <a:r>
+              <a:rPr lang="en-US" sz="3600">
+                <a:solidFill>
+                  <a:schemeClr val="bg1"/>
+                </a:solidFill>
+              </a:rPr>
+              <a:t>Modeller Processing</a:t>
+            </a:r>
+          </a:p>
+        </p:txBody>
+      </p:sp>
+      <p:sp>
+        <p:nvSpPr>
+          <p:cNvPr id="8" name="Content Placeholder 7"/>
+          <p:cNvSpPr>
+            <a:spLocks noGrp="1"/>
+          </p:cNvSpPr>
+          <p:nvPr>
+            <p:ph idx="1"/>
+          </p:nvPr>
+        </p:nvSpPr>
+        <p:spPr>
+          <a:xfrm>
+            <a:off x="648931" y="2438401"/>
+            <a:ext cx="3667036" cy="3779520"/>
+          </a:xfrm>
+        </p:spPr>
+        <p:txBody>
+          <a:bodyPr>
+            <a:normAutofit/>
+          </a:bodyPr>
+          <a:lstStyle/>
+          <a:p>
+            <a:r>
+              <a:rPr lang="en-US" sz="1800" dirty="0" err="1">
+                <a:solidFill>
+                  <a:schemeClr val="bg1"/>
+                </a:solidFill>
+              </a:rPr>
+              <a:t>Modeller</a:t>
+            </a:r>
+            <a:r>
+              <a:rPr lang="en-US" sz="1800" dirty="0">
+                <a:solidFill>
+                  <a:schemeClr val="bg1"/>
+                </a:solidFill>
+              </a:rPr>
+              <a:t> start and at each step program ask for I/P query, template ID as needed which are provided based on evaluation</a:t>
+            </a:r>
+          </a:p>
+          <a:p>
+            <a:r>
+              <a:rPr lang="en-US" sz="1800" dirty="0">
+                <a:solidFill>
+                  <a:schemeClr val="bg1"/>
+                </a:solidFill>
+              </a:rPr>
+              <a:t>Drawbacks: Information on console (as off now, can be separated-Refinement)</a:t>
+            </a:r>
+          </a:p>
+          <a:p>
+            <a:endParaRPr lang="en-US" sz="1800" dirty="0">
+              <a:solidFill>
+                <a:schemeClr val="bg1"/>
+              </a:solidFill>
+            </a:endParaRPr>
+          </a:p>
+          <a:p>
+            <a:r>
+              <a:rPr lang="en-US" sz="1800" dirty="0">
+                <a:solidFill>
+                  <a:schemeClr val="bg1"/>
+                </a:solidFill>
+              </a:rPr>
+              <a:t>Sample script for </a:t>
+            </a:r>
+            <a:r>
+              <a:rPr lang="en-US" sz="1800" dirty="0" err="1">
+                <a:solidFill>
+                  <a:schemeClr val="bg1"/>
+                </a:solidFill>
+              </a:rPr>
+              <a:t>pdb</a:t>
+            </a:r>
+            <a:r>
+              <a:rPr lang="en-US" sz="1800" dirty="0">
+                <a:solidFill>
+                  <a:schemeClr val="bg1"/>
+                </a:solidFill>
+              </a:rPr>
+              <a:t> file download</a:t>
+            </a:r>
+          </a:p>
+          <a:p>
+            <a:pPr marL="0" indent="0">
+              <a:buNone/>
+            </a:pPr>
+            <a:endParaRPr lang="en-US" sz="1800" dirty="0">
+              <a:solidFill>
+                <a:schemeClr val="bg1"/>
+              </a:solidFill>
+            </a:endParaRPr>
+          </a:p>
+          <a:p>
+            <a:endParaRPr lang="en-US" sz="1800" dirty="0">
+              <a:solidFill>
+                <a:schemeClr val="bg1"/>
+              </a:solidFill>
+            </a:endParaRPr>
+          </a:p>
+        </p:txBody>
+      </p:sp>
+      <p:sp>
+        <p:nvSpPr>
+          <p:cNvPr id="11" name="Rectangle 3"/>
+          <p:cNvSpPr>
+            <a:spLocks noChangeArrowheads="1"/>
+          </p:cNvSpPr>
+          <p:nvPr/>
+        </p:nvSpPr>
+        <p:spPr bwMode="auto">
+          <a:xfrm>
+            <a:off x="6360616" y="4370988"/>
+            <a:ext cx="3459246" cy="2492990"/>
+          </a:xfrm>
+          <a:prstGeom prst="rect">
+            <a:avLst/>
+          </a:prstGeom>
+          <a:solidFill>
+            <a:srgbClr val="EFF0F1"/>
+          </a:solidFill>
+          <a:ln>
+            <a:noFill/>
+          </a:ln>
+          <a:effectLst/>
+          <a:extLst>
+            <a:ext uri="{91240B29-F687-4F45-9708-019B960494DF}">
+              <a14:hiddenLine xmlns:a14="http://schemas.microsoft.com/office/drawing/2010/main" w="9525">
+                <a:solidFill>
+                  <a:schemeClr val="tx1"/>
+                </a:solidFill>
+                <a:miter lim="800000"/>
+                <a:headEnd/>
+                <a:tailEnd/>
+              </a14:hiddenLine>
+            </a:ext>
+            <a:ext uri="{AF507438-7753-43E0-B8FC-AC1667EBCBE1}">
+              <a14:hiddenEffects xmlns:a14="http://schemas.microsoft.com/office/drawing/2010/main">
+                <a:effectLst>
+                  <a:outerShdw dist="35921" dir="2700000" algn="ctr" rotWithShape="0">
+                    <a:schemeClr val="bg2"/>
+                  </a:outerShdw>
+                </a:effectLst>
+              </a14:hiddenEffects>
+            </a:ext>
+          </a:extLst>
+        </p:spPr>
+        <p:txBody>
+          <a:bodyPr vert="horz" wrap="square" lIns="0" tIns="0" rIns="0" bIns="0" numCol="1" anchor="ctr" anchorCtr="0" compatLnSpc="1">
+            <a:prstTxWarp prst="textNoShape">
+              <a:avLst/>
+            </a:prstTxWarp>
+            <a:spAutoFit/>
+          </a:bodyPr>
+          <a:lstStyle/>
+          <a:p>
+            <a:pPr eaLnBrk="0" fontAlgn="base" hangingPunct="0">
+              <a:spcBef>
+                <a:spcPct val="0"/>
+              </a:spcBef>
+              <a:spcAft>
+                <a:spcPct val="0"/>
+              </a:spcAft>
+            </a:pPr>
+            <a:r>
+              <a:rPr kumimoji="0" lang="en-US" altLang="en-US" sz="1200" b="0" i="0" u="none" strike="noStrike" cap="none" normalizeH="0" baseline="0" dirty="0">
+                <a:ln>
+                  <a:noFill/>
+                </a:ln>
+                <a:solidFill>
+                  <a:srgbClr val="858C93"/>
+                </a:solidFill>
+                <a:effectLst/>
+                <a:latin typeface="Consolas" panose="020B0609020204030204" pitchFamily="49" charset="0"/>
+                <a:cs typeface="Consolas" panose="020B0609020204030204" pitchFamily="49" charset="0"/>
+              </a:rPr>
+              <a:t>#Processing as follows:</a:t>
+            </a:r>
+            <a:r>
+              <a:rPr kumimoji="0" lang="en-US" altLang="en-US" sz="1200" b="0" i="0" u="none" strike="noStrike" cap="none" normalizeH="0" baseline="0" dirty="0">
+                <a:ln>
+                  <a:noFill/>
+                </a:ln>
+                <a:solidFill>
+                  <a:srgbClr val="303336"/>
+                </a:solidFill>
+                <a:effectLst/>
+                <a:latin typeface="Consolas" panose="020B0609020204030204" pitchFamily="49" charset="0"/>
+                <a:cs typeface="Consolas" panose="020B0609020204030204" pitchFamily="49" charset="0"/>
+              </a:rPr>
+              <a:t> </a:t>
+            </a:r>
+          </a:p>
+          <a:p>
+            <a:pPr eaLnBrk="0" fontAlgn="base" hangingPunct="0">
+              <a:spcBef>
+                <a:spcPct val="0"/>
+              </a:spcBef>
+              <a:spcAft>
+                <a:spcPct val="0"/>
+              </a:spcAft>
+            </a:pPr>
+            <a:r>
+              <a:rPr kumimoji="0" lang="en-US" altLang="en-US" sz="1200" b="0" i="0" u="none" strike="noStrike" cap="none" normalizeH="0" baseline="0" dirty="0" err="1">
+                <a:ln>
+                  <a:noFill/>
+                </a:ln>
+                <a:solidFill>
+                  <a:srgbClr val="2B91AF"/>
+                </a:solidFill>
+                <a:effectLst/>
+                <a:latin typeface="Consolas" panose="020B0609020204030204" pitchFamily="49" charset="0"/>
+                <a:cs typeface="Consolas" panose="020B0609020204030204" pitchFamily="49" charset="0"/>
+              </a:rPr>
+              <a:t>TemplateList</a:t>
+            </a:r>
+            <a:r>
+              <a:rPr kumimoji="0" lang="en-US" altLang="en-US" sz="1200" b="0" i="0" u="none" strike="noStrike" cap="none" normalizeH="0" baseline="0" dirty="0">
+                <a:ln>
+                  <a:noFill/>
+                </a:ln>
+                <a:solidFill>
+                  <a:srgbClr val="303336"/>
+                </a:solidFill>
+                <a:effectLst/>
+                <a:latin typeface="Consolas" panose="020B0609020204030204" pitchFamily="49" charset="0"/>
+                <a:cs typeface="Consolas" panose="020B0609020204030204" pitchFamily="49" charset="0"/>
+              </a:rPr>
+              <a:t> = [] </a:t>
+            </a:r>
+            <a:r>
+              <a:rPr kumimoji="0" lang="en-US" altLang="en-US" sz="1200" b="0" i="0" u="none" strike="noStrike" cap="none" normalizeH="0" baseline="0" dirty="0">
+                <a:ln>
+                  <a:noFill/>
+                </a:ln>
+                <a:solidFill>
+                  <a:srgbClr val="858C93"/>
+                </a:solidFill>
+                <a:effectLst/>
+                <a:latin typeface="Consolas" panose="020B0609020204030204" pitchFamily="49" charset="0"/>
+                <a:cs typeface="Consolas" panose="020B0609020204030204" pitchFamily="49" charset="0"/>
+              </a:rPr>
+              <a:t>#C1</a:t>
+            </a:r>
+            <a:r>
+              <a:rPr kumimoji="0" lang="en-US" altLang="en-US" sz="1200" b="0" i="0" u="none" strike="noStrike" cap="none" normalizeH="0" baseline="0" dirty="0">
+                <a:ln>
+                  <a:noFill/>
+                </a:ln>
+                <a:solidFill>
+                  <a:srgbClr val="303336"/>
+                </a:solidFill>
+                <a:effectLst/>
+                <a:latin typeface="Consolas" panose="020B0609020204030204" pitchFamily="49" charset="0"/>
+                <a:cs typeface="Consolas" panose="020B0609020204030204" pitchFamily="49" charset="0"/>
+              </a:rPr>
+              <a:t> </a:t>
+            </a:r>
+            <a:r>
+              <a:rPr kumimoji="0" lang="en-US" altLang="en-US" sz="1200" b="0" i="0" u="none" strike="noStrike" cap="none" normalizeH="0" baseline="0" dirty="0">
+                <a:ln>
+                  <a:noFill/>
+                </a:ln>
+                <a:solidFill>
+                  <a:srgbClr val="101094"/>
+                </a:solidFill>
+                <a:effectLst/>
+                <a:latin typeface="Consolas" panose="020B0609020204030204" pitchFamily="49" charset="0"/>
+                <a:cs typeface="Consolas" panose="020B0609020204030204" pitchFamily="49" charset="0"/>
+              </a:rPr>
+              <a:t>with</a:t>
+            </a:r>
+            <a:r>
+              <a:rPr kumimoji="0" lang="en-US" altLang="en-US" sz="1200" b="0" i="0" u="none" strike="noStrike" cap="none" normalizeH="0" baseline="0" dirty="0">
+                <a:ln>
+                  <a:noFill/>
+                </a:ln>
+                <a:solidFill>
+                  <a:srgbClr val="303336"/>
+                </a:solidFill>
+                <a:effectLst/>
+                <a:latin typeface="Consolas" panose="020B0609020204030204" pitchFamily="49" charset="0"/>
+                <a:cs typeface="Consolas" panose="020B0609020204030204" pitchFamily="49" charset="0"/>
+              </a:rPr>
+              <a:t> open(</a:t>
+            </a:r>
+            <a:r>
+              <a:rPr kumimoji="0" lang="en-US" altLang="en-US" sz="1200" b="0" i="0" u="none" strike="noStrike" cap="none" normalizeH="0" baseline="0" dirty="0">
+                <a:ln>
+                  <a:noFill/>
+                </a:ln>
+                <a:solidFill>
+                  <a:srgbClr val="7D2727"/>
+                </a:solidFill>
+                <a:effectLst/>
+                <a:latin typeface="Consolas" panose="020B0609020204030204" pitchFamily="49" charset="0"/>
+                <a:cs typeface="Consolas" panose="020B0609020204030204" pitchFamily="49" charset="0"/>
+              </a:rPr>
+              <a:t>'</a:t>
+            </a:r>
+            <a:r>
+              <a:rPr kumimoji="0" lang="en-US" altLang="en-US" sz="1200" b="0" i="0" u="none" strike="noStrike" cap="none" normalizeH="0" baseline="0" dirty="0" err="1">
+                <a:ln>
+                  <a:noFill/>
+                </a:ln>
+                <a:solidFill>
+                  <a:srgbClr val="7D2727"/>
+                </a:solidFill>
+                <a:effectLst/>
+                <a:latin typeface="Consolas" panose="020B0609020204030204" pitchFamily="49" charset="0"/>
+                <a:cs typeface="Consolas" panose="020B0609020204030204" pitchFamily="49" charset="0"/>
+              </a:rPr>
+              <a:t>RefinedPDBCodeList</a:t>
+            </a:r>
+            <a:r>
+              <a:rPr kumimoji="0" lang="en-US" altLang="en-US" sz="1200" b="0" i="0" u="none" strike="noStrike" cap="none" normalizeH="0" baseline="0" dirty="0">
+                <a:ln>
+                  <a:noFill/>
+                </a:ln>
+                <a:solidFill>
+                  <a:srgbClr val="7D2727"/>
+                </a:solidFill>
+                <a:effectLst/>
+                <a:latin typeface="Consolas" panose="020B0609020204030204" pitchFamily="49" charset="0"/>
+                <a:cs typeface="Consolas" panose="020B0609020204030204" pitchFamily="49" charset="0"/>
+              </a:rPr>
+              <a:t>'</a:t>
+            </a:r>
+            <a:r>
+              <a:rPr kumimoji="0" lang="en-US" altLang="en-US" sz="1200" b="0" i="0" u="none" strike="noStrike" cap="none" normalizeH="0" baseline="0" dirty="0">
+                <a:ln>
+                  <a:noFill/>
+                </a:ln>
+                <a:solidFill>
+                  <a:srgbClr val="303336"/>
+                </a:solidFill>
+                <a:effectLst/>
+                <a:latin typeface="Consolas" panose="020B0609020204030204" pitchFamily="49" charset="0"/>
+                <a:cs typeface="Consolas" panose="020B0609020204030204" pitchFamily="49" charset="0"/>
+              </a:rPr>
+              <a:t>) </a:t>
+            </a:r>
+            <a:r>
+              <a:rPr kumimoji="0" lang="en-US" altLang="en-US" sz="1200" b="0" i="0" u="none" strike="noStrike" cap="none" normalizeH="0" baseline="0" dirty="0">
+                <a:ln>
+                  <a:noFill/>
+                </a:ln>
+                <a:solidFill>
+                  <a:srgbClr val="101094"/>
+                </a:solidFill>
+                <a:effectLst/>
+                <a:latin typeface="Consolas" panose="020B0609020204030204" pitchFamily="49" charset="0"/>
+                <a:cs typeface="Consolas" panose="020B0609020204030204" pitchFamily="49" charset="0"/>
+              </a:rPr>
+              <a:t>as</a:t>
+            </a:r>
+            <a:r>
+              <a:rPr kumimoji="0" lang="en-US" altLang="en-US" sz="1200" b="0" i="0" u="none" strike="noStrike" cap="none" normalizeH="0" baseline="0" dirty="0">
+                <a:ln>
+                  <a:noFill/>
+                </a:ln>
+                <a:solidFill>
+                  <a:srgbClr val="303336"/>
+                </a:solidFill>
+                <a:effectLst/>
+                <a:latin typeface="Consolas" panose="020B0609020204030204" pitchFamily="49" charset="0"/>
+                <a:cs typeface="Consolas" panose="020B0609020204030204" pitchFamily="49" charset="0"/>
+              </a:rPr>
+              <a:t> </a:t>
+            </a:r>
+            <a:r>
+              <a:rPr kumimoji="0" lang="en-US" altLang="en-US" sz="1200" b="0" i="0" u="none" strike="noStrike" cap="none" normalizeH="0" baseline="0" dirty="0" err="1">
+                <a:ln>
+                  <a:noFill/>
+                </a:ln>
+                <a:solidFill>
+                  <a:srgbClr val="303336"/>
+                </a:solidFill>
+                <a:effectLst/>
+                <a:latin typeface="Consolas" panose="020B0609020204030204" pitchFamily="49" charset="0"/>
+                <a:cs typeface="Consolas" panose="020B0609020204030204" pitchFamily="49" charset="0"/>
+              </a:rPr>
+              <a:t>inputfile</a:t>
+            </a:r>
+            <a:r>
+              <a:rPr kumimoji="0" lang="en-US" altLang="en-US" sz="1200" b="0" i="0" u="none" strike="noStrike" cap="none" normalizeH="0" baseline="0" dirty="0">
+                <a:ln>
+                  <a:noFill/>
+                </a:ln>
+                <a:solidFill>
+                  <a:srgbClr val="303336"/>
+                </a:solidFill>
+                <a:effectLst/>
+                <a:latin typeface="Consolas" panose="020B0609020204030204" pitchFamily="49" charset="0"/>
+                <a:cs typeface="Consolas" panose="020B0609020204030204" pitchFamily="49" charset="0"/>
+              </a:rPr>
+              <a:t>: </a:t>
+            </a:r>
+            <a:r>
+              <a:rPr kumimoji="0" lang="en-US" altLang="en-US" sz="1200" b="0" i="0" u="none" strike="noStrike" cap="none" normalizeH="0" baseline="0" dirty="0">
+                <a:ln>
+                  <a:noFill/>
+                </a:ln>
+                <a:solidFill>
+                  <a:srgbClr val="101094"/>
+                </a:solidFill>
+                <a:effectLst/>
+                <a:latin typeface="Consolas" panose="020B0609020204030204" pitchFamily="49" charset="0"/>
+                <a:cs typeface="Consolas" panose="020B0609020204030204" pitchFamily="49" charset="0"/>
+              </a:rPr>
+              <a:t>for</a:t>
+            </a:r>
+            <a:r>
+              <a:rPr kumimoji="0" lang="en-US" altLang="en-US" sz="1200" b="0" i="0" u="none" strike="noStrike" cap="none" normalizeH="0" baseline="0" dirty="0">
+                <a:ln>
+                  <a:noFill/>
+                </a:ln>
+                <a:solidFill>
+                  <a:srgbClr val="303336"/>
+                </a:solidFill>
+                <a:effectLst/>
+                <a:latin typeface="Consolas" panose="020B0609020204030204" pitchFamily="49" charset="0"/>
+                <a:cs typeface="Consolas" panose="020B0609020204030204" pitchFamily="49" charset="0"/>
+              </a:rPr>
+              <a:t> line </a:t>
+            </a:r>
+            <a:r>
+              <a:rPr kumimoji="0" lang="en-US" altLang="en-US" sz="1200" b="0" i="0" u="none" strike="noStrike" cap="none" normalizeH="0" baseline="0" dirty="0">
+                <a:ln>
+                  <a:noFill/>
+                </a:ln>
+                <a:solidFill>
+                  <a:srgbClr val="101094"/>
+                </a:solidFill>
+                <a:effectLst/>
+                <a:latin typeface="Consolas" panose="020B0609020204030204" pitchFamily="49" charset="0"/>
+                <a:cs typeface="Consolas" panose="020B0609020204030204" pitchFamily="49" charset="0"/>
+              </a:rPr>
+              <a:t>in</a:t>
+            </a:r>
+            <a:r>
+              <a:rPr kumimoji="0" lang="en-US" altLang="en-US" sz="1200" b="0" i="0" u="none" strike="noStrike" cap="none" normalizeH="0" baseline="0" dirty="0">
+                <a:ln>
+                  <a:noFill/>
+                </a:ln>
+                <a:solidFill>
+                  <a:srgbClr val="303336"/>
+                </a:solidFill>
+                <a:effectLst/>
+                <a:latin typeface="Consolas" panose="020B0609020204030204" pitchFamily="49" charset="0"/>
+                <a:cs typeface="Consolas" panose="020B0609020204030204" pitchFamily="49" charset="0"/>
+              </a:rPr>
+              <a:t> </a:t>
+            </a:r>
+            <a:r>
+              <a:rPr kumimoji="0" lang="en-US" altLang="en-US" sz="1200" b="0" i="0" u="none" strike="noStrike" cap="none" normalizeH="0" baseline="0" dirty="0" err="1">
+                <a:ln>
+                  <a:noFill/>
+                </a:ln>
+                <a:solidFill>
+                  <a:srgbClr val="303336"/>
+                </a:solidFill>
+                <a:effectLst/>
+                <a:latin typeface="Consolas" panose="020B0609020204030204" pitchFamily="49" charset="0"/>
+                <a:cs typeface="Consolas" panose="020B0609020204030204" pitchFamily="49" charset="0"/>
+              </a:rPr>
+              <a:t>inputfile</a:t>
+            </a:r>
+            <a:r>
+              <a:rPr kumimoji="0" lang="en-US" altLang="en-US" sz="1200" b="0" i="0" u="none" strike="noStrike" cap="none" normalizeH="0" baseline="0" dirty="0">
+                <a:ln>
+                  <a:noFill/>
+                </a:ln>
+                <a:solidFill>
+                  <a:srgbClr val="303336"/>
+                </a:solidFill>
+                <a:effectLst/>
+                <a:latin typeface="Consolas" panose="020B0609020204030204" pitchFamily="49" charset="0"/>
+                <a:cs typeface="Consolas" panose="020B0609020204030204" pitchFamily="49" charset="0"/>
+              </a:rPr>
+              <a:t>: </a:t>
+            </a:r>
+            <a:r>
+              <a:rPr kumimoji="0" lang="en-US" altLang="en-US" sz="1200" b="0" i="0" u="none" strike="noStrike" cap="none" normalizeH="0" baseline="0" dirty="0" err="1">
+                <a:ln>
+                  <a:noFill/>
+                </a:ln>
+                <a:solidFill>
+                  <a:srgbClr val="2B91AF"/>
+                </a:solidFill>
+                <a:effectLst/>
+                <a:latin typeface="Consolas" panose="020B0609020204030204" pitchFamily="49" charset="0"/>
+                <a:cs typeface="Consolas" panose="020B0609020204030204" pitchFamily="49" charset="0"/>
+              </a:rPr>
+              <a:t>RefinedPDBCodeList</a:t>
+            </a:r>
+            <a:r>
+              <a:rPr kumimoji="0" lang="en-US" altLang="en-US" sz="1200" b="0" i="0" u="none" strike="noStrike" cap="none" normalizeH="0" baseline="0" dirty="0" err="1">
+                <a:ln>
+                  <a:noFill/>
+                </a:ln>
+                <a:solidFill>
+                  <a:srgbClr val="303336"/>
+                </a:solidFill>
+                <a:effectLst/>
+                <a:latin typeface="Consolas" panose="020B0609020204030204" pitchFamily="49" charset="0"/>
+                <a:cs typeface="Consolas" panose="020B0609020204030204" pitchFamily="49" charset="0"/>
+              </a:rPr>
+              <a:t>.append</a:t>
+            </a:r>
+            <a:r>
+              <a:rPr kumimoji="0" lang="en-US" altLang="en-US" sz="1200" b="0" i="0" u="none" strike="noStrike" cap="none" normalizeH="0" baseline="0" dirty="0">
+                <a:ln>
+                  <a:noFill/>
+                </a:ln>
+                <a:solidFill>
+                  <a:srgbClr val="303336"/>
+                </a:solidFill>
+                <a:effectLst/>
+                <a:latin typeface="Consolas" panose="020B0609020204030204" pitchFamily="49" charset="0"/>
+                <a:cs typeface="Consolas" panose="020B0609020204030204" pitchFamily="49" charset="0"/>
+              </a:rPr>
+              <a:t>(</a:t>
+            </a:r>
+            <a:r>
+              <a:rPr kumimoji="0" lang="en-US" altLang="en-US" sz="1200" b="0" i="0" u="none" strike="noStrike" cap="none" normalizeH="0" baseline="0" dirty="0" err="1">
+                <a:ln>
+                  <a:noFill/>
+                </a:ln>
+                <a:solidFill>
+                  <a:srgbClr val="303336"/>
+                </a:solidFill>
+                <a:effectLst/>
+                <a:latin typeface="Consolas" panose="020B0609020204030204" pitchFamily="49" charset="0"/>
+                <a:cs typeface="Consolas" panose="020B0609020204030204" pitchFamily="49" charset="0"/>
+              </a:rPr>
+              <a:t>line.strip</a:t>
+            </a:r>
+            <a:r>
+              <a:rPr kumimoji="0" lang="en-US" altLang="en-US" sz="1200" b="0" i="0" u="none" strike="noStrike" cap="none" normalizeH="0" baseline="0" dirty="0">
+                <a:ln>
+                  <a:noFill/>
+                </a:ln>
+                <a:solidFill>
+                  <a:srgbClr val="303336"/>
+                </a:solidFill>
+                <a:effectLst/>
+                <a:latin typeface="Consolas" panose="020B0609020204030204" pitchFamily="49" charset="0"/>
+                <a:cs typeface="Consolas" panose="020B0609020204030204" pitchFamily="49" charset="0"/>
+              </a:rPr>
+              <a:t>().split(</a:t>
+            </a:r>
+            <a:r>
+              <a:rPr kumimoji="0" lang="en-US" altLang="en-US" sz="1200" b="0" i="0" u="none" strike="noStrike" cap="none" normalizeH="0" baseline="0" dirty="0">
+                <a:ln>
+                  <a:noFill/>
+                </a:ln>
+                <a:solidFill>
+                  <a:srgbClr val="7D2727"/>
+                </a:solidFill>
+                <a:effectLst/>
+                <a:latin typeface="Consolas" panose="020B0609020204030204" pitchFamily="49" charset="0"/>
+                <a:cs typeface="Consolas" panose="020B0609020204030204" pitchFamily="49" charset="0"/>
+              </a:rPr>
+              <a:t>','</a:t>
+            </a:r>
+            <a:r>
+              <a:rPr kumimoji="0" lang="en-US" altLang="en-US" sz="1200" b="0" i="0" u="none" strike="noStrike" cap="none" normalizeH="0" baseline="0" dirty="0">
+                <a:ln>
+                  <a:noFill/>
+                </a:ln>
+                <a:solidFill>
+                  <a:srgbClr val="303336"/>
+                </a:solidFill>
+                <a:effectLst/>
+                <a:latin typeface="Consolas" panose="020B0609020204030204" pitchFamily="49" charset="0"/>
+                <a:cs typeface="Consolas" panose="020B0609020204030204" pitchFamily="49" charset="0"/>
+              </a:rPr>
+              <a:t>)) </a:t>
+            </a:r>
+            <a:r>
+              <a:rPr kumimoji="0" lang="en-US" altLang="en-US" sz="1200" b="0" i="0" u="none" strike="noStrike" cap="none" normalizeH="0" baseline="0" dirty="0">
+                <a:ln>
+                  <a:noFill/>
+                </a:ln>
+                <a:solidFill>
+                  <a:srgbClr val="101094"/>
+                </a:solidFill>
+                <a:effectLst/>
+                <a:latin typeface="Consolas" panose="020B0609020204030204" pitchFamily="49" charset="0"/>
+                <a:cs typeface="Consolas" panose="020B0609020204030204" pitchFamily="49" charset="0"/>
+              </a:rPr>
+              <a:t>print</a:t>
+            </a:r>
+            <a:r>
+              <a:rPr kumimoji="0" lang="en-US" altLang="en-US" sz="1200" b="0" i="0" u="none" strike="noStrike" cap="none" normalizeH="0" baseline="0" dirty="0">
+                <a:ln>
+                  <a:noFill/>
+                </a:ln>
+                <a:solidFill>
+                  <a:srgbClr val="303336"/>
+                </a:solidFill>
+                <a:effectLst/>
+                <a:latin typeface="Consolas" panose="020B0609020204030204" pitchFamily="49" charset="0"/>
+                <a:cs typeface="Consolas" panose="020B0609020204030204" pitchFamily="49" charset="0"/>
+              </a:rPr>
+              <a:t>(</a:t>
+            </a:r>
+            <a:r>
+              <a:rPr kumimoji="0" lang="en-US" altLang="en-US" sz="1200" b="0" i="0" u="none" strike="noStrike" cap="none" normalizeH="0" baseline="0" dirty="0" err="1">
+                <a:ln>
+                  <a:noFill/>
+                </a:ln>
+                <a:solidFill>
+                  <a:srgbClr val="2B91AF"/>
+                </a:solidFill>
+                <a:effectLst/>
+                <a:latin typeface="Consolas" panose="020B0609020204030204" pitchFamily="49" charset="0"/>
+                <a:cs typeface="Consolas" panose="020B0609020204030204" pitchFamily="49" charset="0"/>
+              </a:rPr>
+              <a:t>RefinedPDBCodeList</a:t>
+            </a:r>
+            <a:r>
+              <a:rPr kumimoji="0" lang="en-US" altLang="en-US" sz="1200" b="0" i="0" u="none" strike="noStrike" cap="none" normalizeH="0" baseline="0" dirty="0">
+                <a:ln>
+                  <a:noFill/>
+                </a:ln>
+                <a:solidFill>
+                  <a:srgbClr val="303336"/>
+                </a:solidFill>
+                <a:effectLst/>
+                <a:latin typeface="Consolas" panose="020B0609020204030204" pitchFamily="49" charset="0"/>
+                <a:cs typeface="Consolas" panose="020B0609020204030204" pitchFamily="49" charset="0"/>
+              </a:rPr>
+              <a:t>[</a:t>
+            </a:r>
+            <a:r>
+              <a:rPr kumimoji="0" lang="en-US" altLang="en-US" sz="1200" b="0" i="0" u="none" strike="noStrike" cap="none" normalizeH="0" baseline="0" dirty="0">
+                <a:ln>
+                  <a:noFill/>
+                </a:ln>
+                <a:solidFill>
+                  <a:srgbClr val="7D2727"/>
+                </a:solidFill>
+                <a:effectLst/>
+                <a:latin typeface="Consolas" panose="020B0609020204030204" pitchFamily="49" charset="0"/>
+                <a:cs typeface="Consolas" panose="020B0609020204030204" pitchFamily="49" charset="0"/>
+              </a:rPr>
+              <a:t>0</a:t>
+            </a:r>
+            <a:r>
+              <a:rPr kumimoji="0" lang="en-US" altLang="en-US" sz="1200" b="0" i="0" u="none" strike="noStrike" cap="none" normalizeH="0" baseline="0" dirty="0">
+                <a:ln>
+                  <a:noFill/>
+                </a:ln>
+                <a:solidFill>
+                  <a:srgbClr val="303336"/>
+                </a:solidFill>
+                <a:effectLst/>
+                <a:latin typeface="Consolas" panose="020B0609020204030204" pitchFamily="49" charset="0"/>
+                <a:cs typeface="Consolas" panose="020B0609020204030204" pitchFamily="49" charset="0"/>
+              </a:rPr>
+              <a:t>]) [</a:t>
+            </a:r>
+            <a:r>
+              <a:rPr kumimoji="0" lang="en-US" altLang="en-US" sz="1200" b="0" i="0" u="none" strike="noStrike" cap="none" normalizeH="0" baseline="0" dirty="0">
+                <a:ln>
+                  <a:noFill/>
+                </a:ln>
+                <a:solidFill>
+                  <a:srgbClr val="7D2727"/>
+                </a:solidFill>
+                <a:effectLst/>
+                <a:latin typeface="Consolas" panose="020B0609020204030204" pitchFamily="49" charset="0"/>
+                <a:cs typeface="Consolas" panose="020B0609020204030204" pitchFamily="49" charset="0"/>
+              </a:rPr>
+              <a:t>'</a:t>
+            </a:r>
+            <a:r>
+              <a:rPr lang="en-US" altLang="en-US" sz="1200" dirty="0">
+                <a:solidFill>
+                  <a:srgbClr val="000000"/>
+                </a:solidFill>
+                <a:latin typeface="Courier New" panose="02070309020205020404" pitchFamily="49" charset="0"/>
+                <a:cs typeface="Courier New" panose="02070309020205020404" pitchFamily="49" charset="0"/>
+              </a:rPr>
+              <a:t>5TF3</a:t>
+            </a:r>
+            <a:r>
+              <a:rPr kumimoji="0" lang="en-US" altLang="en-US" sz="1200" b="0" i="0" u="none" strike="noStrike" cap="none" normalizeH="0" baseline="0" dirty="0">
+                <a:ln>
+                  <a:noFill/>
+                </a:ln>
+                <a:solidFill>
+                  <a:srgbClr val="7D2727"/>
+                </a:solidFill>
+                <a:effectLst/>
+                <a:latin typeface="Consolas" panose="020B0609020204030204" pitchFamily="49" charset="0"/>
+                <a:cs typeface="Consolas" panose="020B0609020204030204" pitchFamily="49" charset="0"/>
+              </a:rPr>
+              <a:t>.pdb'</a:t>
+            </a:r>
+            <a:r>
+              <a:rPr kumimoji="0" lang="en-US" altLang="en-US" sz="1200" b="0" i="0" u="none" strike="noStrike" cap="none" normalizeH="0" baseline="0" dirty="0">
+                <a:ln>
+                  <a:noFill/>
+                </a:ln>
+                <a:solidFill>
+                  <a:srgbClr val="303336"/>
+                </a:solidFill>
+                <a:effectLst/>
+                <a:latin typeface="Consolas" panose="020B0609020204030204" pitchFamily="49" charset="0"/>
+                <a:cs typeface="Consolas" panose="020B0609020204030204" pitchFamily="49" charset="0"/>
+              </a:rPr>
+              <a:t>] </a:t>
+            </a:r>
+            <a:r>
+              <a:rPr kumimoji="0" lang="en-US" altLang="en-US" sz="1200" b="0" i="0" u="none" strike="noStrike" cap="none" normalizeH="0" baseline="0" dirty="0">
+                <a:ln>
+                  <a:noFill/>
+                </a:ln>
+                <a:solidFill>
+                  <a:srgbClr val="101094"/>
+                </a:solidFill>
+                <a:effectLst/>
+                <a:latin typeface="Consolas" panose="020B0609020204030204" pitchFamily="49" charset="0"/>
+                <a:cs typeface="Consolas" panose="020B0609020204030204" pitchFamily="49" charset="0"/>
+              </a:rPr>
+              <a:t>import</a:t>
+            </a:r>
+            <a:r>
+              <a:rPr kumimoji="0" lang="en-US" altLang="en-US" sz="1200" b="0" i="0" u="none" strike="noStrike" cap="none" normalizeH="0" baseline="0" dirty="0">
+                <a:ln>
+                  <a:noFill/>
+                </a:ln>
+                <a:solidFill>
+                  <a:srgbClr val="303336"/>
+                </a:solidFill>
+                <a:effectLst/>
+                <a:latin typeface="Consolas" panose="020B0609020204030204" pitchFamily="49" charset="0"/>
+                <a:cs typeface="Consolas" panose="020B0609020204030204" pitchFamily="49" charset="0"/>
+              </a:rPr>
+              <a:t> </a:t>
+            </a:r>
+            <a:r>
+              <a:rPr kumimoji="0" lang="en-US" altLang="en-US" sz="1200" b="0" i="0" u="none" strike="noStrike" cap="none" normalizeH="0" baseline="0" dirty="0" err="1">
+                <a:ln>
+                  <a:noFill/>
+                </a:ln>
+                <a:solidFill>
+                  <a:srgbClr val="303336"/>
+                </a:solidFill>
+                <a:effectLst/>
+                <a:latin typeface="Consolas" panose="020B0609020204030204" pitchFamily="49" charset="0"/>
+                <a:cs typeface="Consolas" panose="020B0609020204030204" pitchFamily="49" charset="0"/>
+              </a:rPr>
+              <a:t>urllib.request</a:t>
+            </a:r>
+            <a:r>
+              <a:rPr kumimoji="0" lang="en-US" altLang="en-US" sz="1200" b="0" i="0" u="none" strike="noStrike" cap="none" normalizeH="0" baseline="0" dirty="0">
+                <a:ln>
+                  <a:noFill/>
+                </a:ln>
+                <a:solidFill>
+                  <a:srgbClr val="303336"/>
+                </a:solidFill>
+                <a:effectLst/>
+                <a:latin typeface="Consolas" panose="020B0609020204030204" pitchFamily="49" charset="0"/>
+                <a:cs typeface="Consolas" panose="020B0609020204030204" pitchFamily="49" charset="0"/>
+              </a:rPr>
+              <a:t> </a:t>
+            </a:r>
+            <a:r>
+              <a:rPr kumimoji="0" lang="en-US" altLang="en-US" sz="1200" b="0" i="0" u="none" strike="noStrike" cap="none" normalizeH="0" baseline="0" dirty="0">
+                <a:ln>
+                  <a:noFill/>
+                </a:ln>
+                <a:solidFill>
+                  <a:srgbClr val="101094"/>
+                </a:solidFill>
+                <a:effectLst/>
+                <a:latin typeface="Consolas" panose="020B0609020204030204" pitchFamily="49" charset="0"/>
+                <a:cs typeface="Consolas" panose="020B0609020204030204" pitchFamily="49" charset="0"/>
+              </a:rPr>
+              <a:t>for</a:t>
+            </a:r>
+            <a:r>
+              <a:rPr kumimoji="0" lang="en-US" altLang="en-US" sz="1200" b="0" i="0" u="none" strike="noStrike" cap="none" normalizeH="0" baseline="0" dirty="0">
+                <a:ln>
+                  <a:noFill/>
+                </a:ln>
+                <a:solidFill>
+                  <a:srgbClr val="303336"/>
+                </a:solidFill>
+                <a:effectLst/>
+                <a:latin typeface="Consolas" panose="020B0609020204030204" pitchFamily="49" charset="0"/>
+                <a:cs typeface="Consolas" panose="020B0609020204030204" pitchFamily="49" charset="0"/>
+              </a:rPr>
+              <a:t> </a:t>
+            </a:r>
+            <a:r>
+              <a:rPr kumimoji="0" lang="en-US" altLang="en-US" sz="1200" b="0" i="0" u="none" strike="noStrike" cap="none" normalizeH="0" baseline="0" dirty="0" err="1">
+                <a:ln>
+                  <a:noFill/>
+                </a:ln>
+                <a:solidFill>
+                  <a:srgbClr val="303336"/>
+                </a:solidFill>
+                <a:effectLst/>
+                <a:latin typeface="Consolas" panose="020B0609020204030204" pitchFamily="49" charset="0"/>
+                <a:cs typeface="Consolas" panose="020B0609020204030204" pitchFamily="49" charset="0"/>
+              </a:rPr>
+              <a:t>i</a:t>
+            </a:r>
+            <a:r>
+              <a:rPr kumimoji="0" lang="en-US" altLang="en-US" sz="1200" b="0" i="0" u="none" strike="noStrike" cap="none" normalizeH="0" baseline="0" dirty="0">
+                <a:ln>
+                  <a:noFill/>
+                </a:ln>
+                <a:solidFill>
+                  <a:srgbClr val="303336"/>
+                </a:solidFill>
+                <a:effectLst/>
+                <a:latin typeface="Consolas" panose="020B0609020204030204" pitchFamily="49" charset="0"/>
+                <a:cs typeface="Consolas" panose="020B0609020204030204" pitchFamily="49" charset="0"/>
+              </a:rPr>
+              <a:t> </a:t>
+            </a:r>
+            <a:r>
+              <a:rPr kumimoji="0" lang="en-US" altLang="en-US" sz="1200" b="0" i="0" u="none" strike="noStrike" cap="none" normalizeH="0" baseline="0" dirty="0">
+                <a:ln>
+                  <a:noFill/>
+                </a:ln>
+                <a:solidFill>
+                  <a:srgbClr val="101094"/>
+                </a:solidFill>
+                <a:effectLst/>
+                <a:latin typeface="Consolas" panose="020B0609020204030204" pitchFamily="49" charset="0"/>
+                <a:cs typeface="Consolas" panose="020B0609020204030204" pitchFamily="49" charset="0"/>
+              </a:rPr>
+              <a:t>in</a:t>
+            </a:r>
+            <a:r>
+              <a:rPr kumimoji="0" lang="en-US" altLang="en-US" sz="1200" b="0" i="0" u="none" strike="noStrike" cap="none" normalizeH="0" baseline="0" dirty="0">
+                <a:ln>
+                  <a:noFill/>
+                </a:ln>
+                <a:solidFill>
+                  <a:srgbClr val="303336"/>
+                </a:solidFill>
+                <a:effectLst/>
+                <a:latin typeface="Consolas" panose="020B0609020204030204" pitchFamily="49" charset="0"/>
+                <a:cs typeface="Consolas" panose="020B0609020204030204" pitchFamily="49" charset="0"/>
+              </a:rPr>
+              <a:t> range(</a:t>
+            </a:r>
+            <a:r>
+              <a:rPr kumimoji="0" lang="en-US" altLang="en-US" sz="1200" b="0" i="0" u="none" strike="noStrike" cap="none" normalizeH="0" baseline="0" dirty="0">
+                <a:ln>
+                  <a:noFill/>
+                </a:ln>
+                <a:solidFill>
+                  <a:srgbClr val="7D2727"/>
+                </a:solidFill>
+                <a:effectLst/>
+                <a:latin typeface="Consolas" panose="020B0609020204030204" pitchFamily="49" charset="0"/>
+                <a:cs typeface="Consolas" panose="020B0609020204030204" pitchFamily="49" charset="0"/>
+              </a:rPr>
+              <a:t>0</a:t>
+            </a:r>
+            <a:r>
+              <a:rPr kumimoji="0" lang="en-US" altLang="en-US" sz="1200" b="0" i="0" u="none" strike="noStrike" cap="none" normalizeH="0" baseline="0" dirty="0">
+                <a:ln>
+                  <a:noFill/>
+                </a:ln>
+                <a:solidFill>
+                  <a:srgbClr val="303336"/>
+                </a:solidFill>
+                <a:effectLst/>
+                <a:latin typeface="Consolas" panose="020B0609020204030204" pitchFamily="49" charset="0"/>
+                <a:cs typeface="Consolas" panose="020B0609020204030204" pitchFamily="49" charset="0"/>
+              </a:rPr>
+              <a:t>, </a:t>
+            </a:r>
+            <a:r>
+              <a:rPr kumimoji="0" lang="en-US" altLang="en-US" sz="1200" b="0" i="0" u="none" strike="noStrike" cap="none" normalizeH="0" baseline="0" dirty="0">
+                <a:ln>
+                  <a:noFill/>
+                </a:ln>
+                <a:solidFill>
+                  <a:srgbClr val="7D2727"/>
+                </a:solidFill>
+                <a:effectLst/>
+                <a:latin typeface="Consolas" panose="020B0609020204030204" pitchFamily="49" charset="0"/>
+                <a:cs typeface="Consolas" panose="020B0609020204030204" pitchFamily="49" charset="0"/>
+              </a:rPr>
+              <a:t>1</a:t>
+            </a:r>
+            <a:r>
+              <a:rPr kumimoji="0" lang="en-US" altLang="en-US" sz="1200" b="0" i="0" u="none" strike="noStrike" cap="none" normalizeH="0" baseline="0" dirty="0">
+                <a:ln>
+                  <a:noFill/>
+                </a:ln>
+                <a:solidFill>
+                  <a:srgbClr val="303336"/>
+                </a:solidFill>
+                <a:effectLst/>
+                <a:latin typeface="Consolas" panose="020B0609020204030204" pitchFamily="49" charset="0"/>
+                <a:cs typeface="Consolas" panose="020B0609020204030204" pitchFamily="49" charset="0"/>
+              </a:rPr>
+              <a:t>): </a:t>
+            </a:r>
+            <a:r>
+              <a:rPr kumimoji="0" lang="en-US" altLang="en-US" sz="1200" b="0" i="0" u="none" strike="noStrike" cap="none" normalizeH="0" baseline="0" dirty="0">
+                <a:ln>
+                  <a:noFill/>
+                </a:ln>
+                <a:solidFill>
+                  <a:srgbClr val="858C93"/>
+                </a:solidFill>
+                <a:effectLst/>
+                <a:latin typeface="Consolas" panose="020B0609020204030204" pitchFamily="49" charset="0"/>
+                <a:cs typeface="Consolas" panose="020B0609020204030204" pitchFamily="49" charset="0"/>
+              </a:rPr>
+              <a:t>#S2 - range(0, </a:t>
+            </a:r>
+            <a:r>
+              <a:rPr kumimoji="0" lang="en-US" altLang="en-US" sz="1200" b="0" i="0" u="none" strike="noStrike" cap="none" normalizeH="0" baseline="0" dirty="0" err="1">
+                <a:ln>
+                  <a:noFill/>
+                </a:ln>
+                <a:solidFill>
+                  <a:srgbClr val="858C93"/>
+                </a:solidFill>
+                <a:effectLst/>
+                <a:latin typeface="Consolas" panose="020B0609020204030204" pitchFamily="49" charset="0"/>
+                <a:cs typeface="Consolas" panose="020B0609020204030204" pitchFamily="49" charset="0"/>
+              </a:rPr>
+              <a:t>len</a:t>
+            </a:r>
+            <a:r>
+              <a:rPr kumimoji="0" lang="en-US" altLang="en-US" sz="1200" b="0" i="0" u="none" strike="noStrike" cap="none" normalizeH="0" baseline="0" dirty="0">
+                <a:ln>
+                  <a:noFill/>
+                </a:ln>
+                <a:solidFill>
+                  <a:srgbClr val="858C93"/>
+                </a:solidFill>
+                <a:effectLst/>
+                <a:latin typeface="Consolas" panose="020B0609020204030204" pitchFamily="49" charset="0"/>
+                <a:cs typeface="Consolas" panose="020B0609020204030204" pitchFamily="49" charset="0"/>
+              </a:rPr>
+              <a:t>(</a:t>
+            </a:r>
+            <a:r>
+              <a:rPr kumimoji="0" lang="en-US" altLang="en-US" sz="1200" b="0" i="0" u="none" strike="noStrike" cap="none" normalizeH="0" baseline="0" dirty="0" err="1">
+                <a:ln>
+                  <a:noFill/>
+                </a:ln>
+                <a:solidFill>
+                  <a:srgbClr val="858C93"/>
+                </a:solidFill>
+                <a:effectLst/>
+                <a:latin typeface="Consolas" panose="020B0609020204030204" pitchFamily="49" charset="0"/>
+                <a:cs typeface="Consolas" panose="020B0609020204030204" pitchFamily="49" charset="0"/>
+              </a:rPr>
+              <a:t>RefinedPDBCodeList</a:t>
+            </a:r>
+            <a:r>
+              <a:rPr kumimoji="0" lang="en-US" altLang="en-US" sz="1200" b="0" i="0" u="none" strike="noStrike" cap="none" normalizeH="0" baseline="0" dirty="0">
+                <a:ln>
+                  <a:noFill/>
+                </a:ln>
+                <a:solidFill>
+                  <a:srgbClr val="858C93"/>
+                </a:solidFill>
+                <a:effectLst/>
+                <a:latin typeface="Consolas" panose="020B0609020204030204" pitchFamily="49" charset="0"/>
+                <a:cs typeface="Consolas" panose="020B0609020204030204" pitchFamily="49" charset="0"/>
+              </a:rPr>
+              <a:t>)):</a:t>
+            </a:r>
+            <a:r>
+              <a:rPr kumimoji="0" lang="en-US" altLang="en-US" sz="1200" b="0" i="0" u="none" strike="noStrike" cap="none" normalizeH="0" baseline="0" dirty="0">
+                <a:ln>
+                  <a:noFill/>
+                </a:ln>
+                <a:solidFill>
+                  <a:srgbClr val="303336"/>
+                </a:solidFill>
+                <a:effectLst/>
+                <a:latin typeface="Consolas" panose="020B0609020204030204" pitchFamily="49" charset="0"/>
+                <a:cs typeface="Consolas" panose="020B0609020204030204" pitchFamily="49" charset="0"/>
+              </a:rPr>
+              <a:t> path=</a:t>
+            </a:r>
+            <a:r>
+              <a:rPr lang="en-US" altLang="en-US" sz="1200" dirty="0" err="1">
+                <a:solidFill>
+                  <a:srgbClr val="303336"/>
+                </a:solidFill>
+                <a:latin typeface="Consolas" panose="020B0609020204030204" pitchFamily="49" charset="0"/>
+                <a:cs typeface="Consolas" panose="020B0609020204030204" pitchFamily="49" charset="0"/>
+              </a:rPr>
+              <a:t>urllib.request.urlretrieve</a:t>
+            </a:r>
+            <a:r>
+              <a:rPr lang="en-US" altLang="en-US" sz="1200" dirty="0">
+                <a:solidFill>
+                  <a:srgbClr val="303336"/>
+                </a:solidFill>
+                <a:latin typeface="Consolas" panose="020B0609020204030204" pitchFamily="49" charset="0"/>
+                <a:cs typeface="Consolas" panose="020B0609020204030204" pitchFamily="49" charset="0"/>
+              </a:rPr>
+              <a:t>(</a:t>
+            </a:r>
+            <a:r>
+              <a:rPr lang="en-US" altLang="en-US" sz="1200" dirty="0">
+                <a:solidFill>
+                  <a:srgbClr val="7D2727"/>
+                </a:solidFill>
+                <a:latin typeface="Consolas" panose="020B0609020204030204" pitchFamily="49" charset="0"/>
+                <a:cs typeface="Consolas" panose="020B0609020204030204" pitchFamily="49" charset="0"/>
+              </a:rPr>
+              <a:t>'http://files.rcsb.org/download/101M.pdb'</a:t>
+            </a:r>
+            <a:r>
+              <a:rPr lang="en-US" altLang="en-US" sz="1200" dirty="0">
+                <a:solidFill>
+                  <a:srgbClr val="303336"/>
+                </a:solidFill>
+                <a:latin typeface="Consolas" panose="020B0609020204030204" pitchFamily="49" charset="0"/>
+                <a:cs typeface="Consolas" panose="020B0609020204030204" pitchFamily="49" charset="0"/>
+              </a:rPr>
+              <a:t>, </a:t>
+            </a:r>
+            <a:r>
+              <a:rPr lang="en-US" altLang="en-US" sz="1200" dirty="0">
+                <a:solidFill>
+                  <a:srgbClr val="7D2727"/>
+                </a:solidFill>
+                <a:latin typeface="Consolas" panose="020B0609020204030204" pitchFamily="49" charset="0"/>
+                <a:cs typeface="Consolas" panose="020B0609020204030204" pitchFamily="49" charset="0"/>
+              </a:rPr>
+              <a:t>'</a:t>
+            </a:r>
+            <a:r>
+              <a:rPr lang="en-US" altLang="en-US" sz="1200" dirty="0">
+                <a:solidFill>
+                  <a:srgbClr val="000000"/>
+                </a:solidFill>
+                <a:latin typeface="Courier New" panose="02070309020205020404" pitchFamily="49" charset="0"/>
+                <a:cs typeface="Courier New" panose="02070309020205020404" pitchFamily="49" charset="0"/>
+              </a:rPr>
+              <a:t>5TF3</a:t>
+            </a:r>
+            <a:r>
+              <a:rPr lang="en-US" altLang="en-US" sz="1200" dirty="0">
+                <a:solidFill>
+                  <a:srgbClr val="7D2727"/>
+                </a:solidFill>
+                <a:latin typeface="Consolas" panose="020B0609020204030204" pitchFamily="49" charset="0"/>
+                <a:cs typeface="Consolas" panose="020B0609020204030204" pitchFamily="49" charset="0"/>
+              </a:rPr>
+              <a:t>.pdb'</a:t>
+            </a:r>
+            <a:r>
+              <a:rPr lang="en-US" altLang="en-US" sz="1200" dirty="0">
+                <a:solidFill>
+                  <a:srgbClr val="303336"/>
+                </a:solidFill>
+                <a:latin typeface="Consolas" panose="020B0609020204030204" pitchFamily="49" charset="0"/>
+                <a:cs typeface="Consolas" panose="020B0609020204030204" pitchFamily="49" charset="0"/>
+              </a:rPr>
+              <a:t>)</a:t>
+            </a:r>
+            <a:r>
+              <a:rPr lang="en-US" altLang="en-US" dirty="0"/>
+              <a:t> </a:t>
+            </a:r>
+            <a:endParaRPr lang="en-US" altLang="en-US" sz="3200" dirty="0">
+              <a:latin typeface="Arial" panose="020B0604020202020204" pitchFamily="34" charset="0"/>
+            </a:endParaRPr>
+          </a:p>
+          <a:p>
+            <a:pPr marL="0" marR="0" lvl="0" indent="0" algn="l" defTabSz="914400" rtl="0" eaLnBrk="0" fontAlgn="base" latinLnBrk="0" hangingPunct="0">
+              <a:lnSpc>
+                <a:spcPct val="100000"/>
+              </a:lnSpc>
+              <a:spcBef>
+                <a:spcPct val="0"/>
+              </a:spcBef>
+              <a:spcAft>
+                <a:spcPct val="0"/>
+              </a:spcAft>
+              <a:buClrTx/>
+              <a:buSzTx/>
+              <a:buFontTx/>
+              <a:buNone/>
+              <a:tabLst/>
+            </a:pPr>
+            <a:endParaRPr kumimoji="0" lang="en-US" altLang="en-US" sz="1200" b="0" i="0" u="none" strike="noStrike" cap="none" normalizeH="0" baseline="0" dirty="0">
+              <a:ln>
+                <a:noFill/>
+              </a:ln>
+              <a:solidFill>
+                <a:schemeClr val="tx1"/>
+              </a:solidFill>
+              <a:effectLst/>
+              <a:latin typeface="Arial" panose="020B0604020202020204" pitchFamily="34" charset="0"/>
+            </a:endParaRPr>
+          </a:p>
+        </p:txBody>
+      </p:sp>
+      <p:cxnSp>
+        <p:nvCxnSpPr>
+          <p:cNvPr id="15" name="Straight Arrow Connector 14"/>
+          <p:cNvCxnSpPr/>
+          <p:nvPr/>
+        </p:nvCxnSpPr>
+        <p:spPr>
+          <a:xfrm>
+            <a:off x="3460652" y="4994031"/>
+            <a:ext cx="2579923" cy="280334"/>
+          </a:xfrm>
+          <a:prstGeom prst="straightConnector1">
+            <a:avLst/>
+          </a:prstGeom>
+          <a:ln>
+            <a:tailEnd type="triangle"/>
+          </a:ln>
+        </p:spPr>
+        <p:style>
+          <a:lnRef idx="3">
+            <a:schemeClr val="accent1"/>
+          </a:lnRef>
+          <a:fillRef idx="0">
+            <a:schemeClr val="accent1"/>
+          </a:fillRef>
+          <a:effectRef idx="2">
+            <a:schemeClr val="accent1"/>
+          </a:effectRef>
+          <a:fontRef idx="minor">
+            <a:schemeClr val="tx1"/>
+          </a:fontRef>
+        </p:style>
+      </p:cxnSp>
+      <p:sp>
+        <p:nvSpPr>
+          <p:cNvPr id="3" name="Footer Placeholder 2"/>
+          <p:cNvSpPr>
+            <a:spLocks noGrp="1"/>
+          </p:cNvSpPr>
+          <p:nvPr>
+            <p:ph type="ftr" sz="quarter" idx="11"/>
+          </p:nvPr>
+        </p:nvSpPr>
+        <p:spPr>
+          <a:xfrm>
+            <a:off x="260604" y="6430853"/>
+            <a:ext cx="4114800" cy="365125"/>
+          </a:xfrm>
+        </p:spPr>
+        <p:txBody>
+          <a:bodyPr/>
+          <a:lstStyle/>
+          <a:p>
+            <a:r>
+              <a:rPr lang="en-US" dirty="0"/>
+              <a:t>Comparative Protein Modelling</a:t>
+            </a:r>
+          </a:p>
+        </p:txBody>
+      </p:sp>
+      <p:sp>
+        <p:nvSpPr>
+          <p:cNvPr id="4" name="Slide Number Placeholder 3"/>
+          <p:cNvSpPr>
+            <a:spLocks noGrp="1"/>
+          </p:cNvSpPr>
+          <p:nvPr>
+            <p:ph type="sldNum" sz="quarter" idx="12"/>
+          </p:nvPr>
+        </p:nvSpPr>
+        <p:spPr/>
+        <p:txBody>
+          <a:bodyPr/>
+          <a:lstStyle/>
+          <a:p>
+            <a:fld id="{E0B0CD84-942B-4DDE-A335-04A476833DD0}" type="slidenum">
+              <a:rPr lang="en-US" smtClean="0"/>
+              <a:t>5</a:t>
+            </a:fld>
+            <a:endParaRPr lang="en-US"/>
+          </a:p>
+        </p:txBody>
+      </p:sp>
+    </p:spTree>
+    <p:extLst>
+      <p:ext uri="{BB962C8B-B14F-4D97-AF65-F5344CB8AC3E}">
+        <p14:creationId xmlns:p14="http://schemas.microsoft.com/office/powerpoint/2010/main" val="1155496688"/>
+      </p:ext>
+    </p:extLst>
+  </p:cSld>
+  <p:clrMapOvr>
+    <a:masterClrMapping/>
+  </p:clrMapOvr>
+</p:sld>
+</file>
+
+<file path=ppt/slides/slide6.xml><?xml version="1.0" encoding="utf-8"?>
+<p:sld xmlns:a="http://schemas.openxmlformats.org/drawingml/2006/main" xmlns:r="http://schemas.openxmlformats.org/officeDocument/2006/relationships" xmlns:p="http://schemas.openxmlformats.org/presentationml/2006/main">
+  <p:cSld>
+    <p:bg>
+      <p:bgPr>
+        <a:solidFill>
+          <a:schemeClr val="tx1"/>
+        </a:solidFill>
+        <a:effectLst/>
+      </p:bgPr>
+    </p:bg>
+    <p:spTree>
+      <p:nvGrpSpPr>
+        <p:cNvPr id="1" name=""/>
+        <p:cNvGrpSpPr/>
+        <p:nvPr/>
+      </p:nvGrpSpPr>
+      <p:grpSpPr>
+        <a:xfrm>
+          <a:off x="0" y="0"/>
+          <a:ext cx="0" cy="0"/>
+          <a:chOff x="0" y="0"/>
+          <a:chExt cx="0" cy="0"/>
+        </a:xfrm>
+      </p:grpSpPr>
+      <p:sp>
+        <p:nvSpPr>
+          <p:cNvPr id="11" name="Rectangle 7"/>
+          <p:cNvSpPr>
+            <a:spLocks noGrp="1" noRot="1" noChangeAspect="1" noMove="1" noResize="1" noEditPoints="1" noAdjustHandles="1" noChangeArrowheads="1" noChangeShapeType="1" noTextEdit="1"/>
+          </p:cNvSpPr>
+          <p:nvPr>
+            <p:extLst>
+              <p:ext uri="{386F3935-93C4-4BCD-93E2-E3B085C9AB24}">
+                <p16:designElem xmlns:p16="http://schemas.microsoft.com/office/powerpoint/2015/main" val="1"/>
+              </p:ext>
+            </p:extLst>
+          </p:nvPr>
+        </p:nvSpPr>
+        <p:spPr bwMode="white">
+          <a:xfrm>
+            <a:off x="0" y="0"/>
+            <a:ext cx="12192000" cy="6858000"/>
+          </a:xfrm>
+          <a:prstGeom prst="rect">
+            <a:avLst/>
+          </a:prstGeom>
+          <a:solidFill>
+            <a:schemeClr val="bg1"/>
+          </a:solidFill>
+          <a:ln>
+            <a:noFill/>
+          </a:ln>
+          <a:effectLst/>
+        </p:spPr>
+      </p:sp>
+      <p:sp>
+        <p:nvSpPr>
+          <p:cNvPr id="9" name="Rectangle 8"/>
+          <p:cNvSpPr>
+            <a:spLocks noGrp="1" noRot="1" noChangeAspect="1" noMove="1" noResize="1" noEditPoints="1" noAdjustHandles="1" noChangeArrowheads="1" noChangeShapeType="1" noTextEdit="1"/>
+          </p:cNvSpPr>
+          <p:nvPr>
+            <p:extLst>
+              <p:ext uri="{386F3935-93C4-4BCD-93E2-E3B085C9AB24}">
+                <p16:designElem xmlns:p16="http://schemas.microsoft.com/office/powerpoint/2015/main" val="1"/>
+              </p:ext>
+            </p:extLst>
+          </p:nvPr>
+        </p:nvSpPr>
+        <p:spPr>
+          <a:xfrm>
+            <a:off x="0" y="0"/>
+            <a:ext cx="5468548" cy="6858000"/>
+          </a:xfrm>
+          <a:prstGeom prst="rect">
+            <a:avLst/>
+          </a:prstGeom>
+          <a:solidFill>
+            <a:srgbClr val="373A59"/>
+          </a:solidFill>
+          <a:ln>
+            <a:noFill/>
+          </a:ln>
+        </p:spPr>
+        <p:style>
+          <a:lnRef idx="2">
+            <a:schemeClr val="accent1">
+              <a:shade val="50000"/>
+            </a:schemeClr>
+          </a:lnRef>
+          <a:fillRef idx="1">
+            <a:schemeClr val="accent1"/>
+          </a:fillRef>
+          <a:effectRef idx="0">
+            <a:schemeClr val="accent1"/>
+          </a:effectRef>
+          <a:fontRef idx="minor">
+            <a:schemeClr val="lt1"/>
+          </a:fontRef>
+        </p:style>
+        <p:txBody>
+          <a:bodyPr rtlCol="0" anchor="ctr"/>
+          <a:lstStyle/>
+          <a:p>
+            <a:pPr algn="ctr"/>
+            <a:endParaRPr lang="en-US"/>
+          </a:p>
+        </p:txBody>
+      </p:sp>
+      <p:cxnSp>
+        <p:nvCxnSpPr>
+          <p:cNvPr id="10" name="Straight Connector 9"/>
+          <p:cNvCxnSpPr>
+            <a:cxnSpLocks noGrp="1" noRot="1" noChangeAspect="1" noMove="1" noResize="1" noEditPoints="1" noAdjustHandles="1" noChangeArrowheads="1" noChangeShapeType="1"/>
+          </p:cNvCxnSpPr>
+          <p:nvPr>
+            <p:extLst>
+              <p:ext uri="{386F3935-93C4-4BCD-93E2-E3B085C9AB24}">
+                <p16:designElem xmlns:p16="http://schemas.microsoft.com/office/powerpoint/2015/main" val="1"/>
+              </p:ext>
+            </p:extLst>
+          </p:nvPr>
+        </p:nvCxnSpPr>
+        <p:spPr>
+          <a:xfrm>
+            <a:off x="786679" y="3928939"/>
+            <a:ext cx="3931920" cy="0"/>
+          </a:xfrm>
+          <a:prstGeom prst="line">
+            <a:avLst/>
+          </a:prstGeom>
+          <a:ln w="19050">
+            <a:solidFill>
+              <a:srgbClr val="FFFFFF">
+                <a:alpha val="80000"/>
+              </a:srgbClr>
+            </a:solidFill>
+          </a:ln>
+        </p:spPr>
+        <p:style>
+          <a:lnRef idx="1">
+            <a:schemeClr val="accent1"/>
+          </a:lnRef>
+          <a:fillRef idx="0">
+            <a:schemeClr val="accent1"/>
+          </a:fillRef>
+          <a:effectRef idx="0">
+            <a:schemeClr val="accent1"/>
+          </a:effectRef>
+          <a:fontRef idx="minor">
+            <a:schemeClr val="tx1"/>
+          </a:fontRef>
+        </p:style>
+      </p:cxnSp>
+      <p:pic>
+        <p:nvPicPr>
+          <p:cNvPr id="6" name="Picture 5"/>
+          <p:cNvPicPr>
+            <a:picLocks noChangeAspect="1"/>
+          </p:cNvPicPr>
+          <p:nvPr/>
+        </p:nvPicPr>
+        <p:blipFill>
+          <a:blip r:embed="rId2">
+            <a:extLst>
+              <a:ext uri="{28A0092B-C50C-407E-A947-70E740481C1C}">
+                <a14:useLocalDpi xmlns:a14="http://schemas.microsoft.com/office/drawing/2010/main" val="0"/>
+              </a:ext>
+            </a:extLst>
+          </a:blip>
+          <a:stretch>
+            <a:fillRect/>
+          </a:stretch>
+        </p:blipFill>
+        <p:spPr>
+          <a:xfrm>
+            <a:off x="6096000" y="1245700"/>
+            <a:ext cx="5459470" cy="4367576"/>
+          </a:xfrm>
+          <a:prstGeom prst="rect">
+            <a:avLst/>
+          </a:prstGeom>
+        </p:spPr>
+      </p:pic>
+      <p:sp>
+        <p:nvSpPr>
+          <p:cNvPr id="2" name="Title 1"/>
+          <p:cNvSpPr>
+            <a:spLocks noGrp="1"/>
+          </p:cNvSpPr>
+          <p:nvPr>
+            <p:ph type="title"/>
+          </p:nvPr>
+        </p:nvSpPr>
+        <p:spPr>
+          <a:xfrm>
+            <a:off x="634276" y="803705"/>
+            <a:ext cx="4208656" cy="3034857"/>
+          </a:xfrm>
+        </p:spPr>
+        <p:txBody>
+          <a:bodyPr vert="horz" lIns="91440" tIns="45720" rIns="91440" bIns="45720" rtlCol="0" anchor="b">
+            <a:normAutofit/>
+          </a:bodyPr>
+          <a:lstStyle/>
+          <a:p>
+            <a:pPr algn="r"/>
+            <a:r>
+              <a:rPr lang="en-US" sz="5400">
+                <a:solidFill>
+                  <a:srgbClr val="FFFFFF"/>
+                </a:solidFill>
+              </a:rPr>
+              <a:t>Results</a:t>
+            </a:r>
+          </a:p>
+        </p:txBody>
+      </p:sp>
+      <p:sp>
+        <p:nvSpPr>
+          <p:cNvPr id="4" name="Footer Placeholder 3"/>
+          <p:cNvSpPr>
+            <a:spLocks noGrp="1"/>
+          </p:cNvSpPr>
+          <p:nvPr>
+            <p:ph type="ftr" sz="quarter" idx="11"/>
+          </p:nvPr>
+        </p:nvSpPr>
+        <p:spPr>
+          <a:xfrm>
+            <a:off x="6094362" y="6356350"/>
+            <a:ext cx="4281671" cy="365125"/>
+          </a:xfrm>
+        </p:spPr>
+        <p:txBody>
+          <a:bodyPr vert="horz" lIns="91440" tIns="45720" rIns="91440" bIns="45720" rtlCol="0" anchor="ctr">
+            <a:normAutofit/>
+          </a:bodyPr>
+          <a:lstStyle/>
+          <a:p>
+            <a:pPr algn="l"/>
+            <a:r>
+              <a:rPr lang="en-US"/>
+              <a:t>Comparative Protein Modelling</a:t>
+            </a:r>
+          </a:p>
+        </p:txBody>
+      </p:sp>
+      <p:sp>
+        <p:nvSpPr>
+          <p:cNvPr id="5" name="Slide Number Placeholder 4"/>
+          <p:cNvSpPr>
+            <a:spLocks noGrp="1"/>
+          </p:cNvSpPr>
+          <p:nvPr>
+            <p:ph type="sldNum" sz="quarter" idx="12"/>
+          </p:nvPr>
+        </p:nvSpPr>
+        <p:spPr>
+          <a:xfrm>
+            <a:off x="10491536" y="6356350"/>
+            <a:ext cx="862263" cy="365125"/>
+          </a:xfrm>
+        </p:spPr>
+        <p:txBody>
+          <a:bodyPr vert="horz" lIns="91440" tIns="45720" rIns="91440" bIns="45720" rtlCol="0" anchor="ctr">
+            <a:normAutofit/>
+          </a:bodyPr>
+          <a:lstStyle/>
+          <a:p>
+            <a:fld id="{E0B0CD84-942B-4DDE-A335-04A476833DD0}" type="slidenum">
+              <a:rPr lang="en-US" smtClean="0"/>
+              <a:t>6</a:t>
+            </a:fld>
+            <a:endParaRPr lang="en-US"/>
+          </a:p>
+        </p:txBody>
+      </p:sp>
+    </p:spTree>
+    <p:extLst>
+      <p:ext uri="{BB962C8B-B14F-4D97-AF65-F5344CB8AC3E}">
+        <p14:creationId xmlns:p14="http://schemas.microsoft.com/office/powerpoint/2010/main" val="3928465969"/>
+      </p:ext>
+    </p:extLst>
+  </p:cSld>
+  <p:clrMapOvr>
+    <a:masterClrMapping/>
+  </p:clrMapOvr>
+</p:sld>
+</file>
+
+<file path=ppt/slides/slide7.xml><?xml version="1.0" encoding="utf-8"?>
+<p:sld xmlns:a="http://schemas.openxmlformats.org/drawingml/2006/main" xmlns:r="http://schemas.openxmlformats.org/officeDocument/2006/relationships" xmlns:p="http://schemas.openxmlformats.org/presentationml/2006/main">
+  <p:cSld>
+    <p:spTree>
+      <p:nvGrpSpPr>
+        <p:cNvPr id="1" name=""/>
+        <p:cNvGrpSpPr/>
+        <p:nvPr/>
+      </p:nvGrpSpPr>
+      <p:grpSpPr>
+        <a:xfrm>
+          <a:off x="0" y="0"/>
+          <a:ext cx="0" cy="0"/>
+          <a:chOff x="0" y="0"/>
+          <a:chExt cx="0" cy="0"/>
+        </a:xfrm>
+      </p:grpSpPr>
+      <p:sp>
+        <p:nvSpPr>
+          <p:cNvPr id="5" name="Title 4"/>
+          <p:cNvSpPr>
+            <a:spLocks noGrp="1"/>
+          </p:cNvSpPr>
+          <p:nvPr>
+            <p:ph type="title"/>
+          </p:nvPr>
+        </p:nvSpPr>
+        <p:spPr/>
+        <p:txBody>
+          <a:bodyPr/>
+          <a:lstStyle/>
+          <a:p>
+            <a:r>
+              <a:rPr lang="en-US" dirty="0"/>
+              <a:t>Model TM-Score vs CASP TM-Score</a:t>
+            </a:r>
+          </a:p>
+        </p:txBody>
+      </p:sp>
       <p:graphicFrame>
         <p:nvGraphicFramePr>
-          <p:cNvPr id="4" name="Chart 3">
+          <p:cNvPr id="6" name="Chart 5">
             <a:extLst>
               <a:ext uri="{FF2B5EF4-FFF2-40B4-BE49-F238E27FC236}">
-                <a16:creationId xmlns:a16="http://schemas.microsoft.com/office/drawing/2014/main" id="{D12EA473-4B86-4BBD-9550-BC7BF99B394C}"/>
+                <a16:creationId xmlns:a16="http://schemas.microsoft.com/office/drawing/2014/main" id="{643C05E4-5DE6-45C8-B79D-07D21C08902C}"/>
               </a:ext>
             </a:extLst>
           </p:cNvPr>
@@ -5012,14 +9960,14 @@
           <p:nvPr>
             <p:extLst>
               <p:ext uri="{D42A27DB-BD31-4B8C-83A1-F6EECF244321}">
-                <p14:modId xmlns:p14="http://schemas.microsoft.com/office/powerpoint/2010/main" val="4134509320"/>
+                <p14:modId xmlns:p14="http://schemas.microsoft.com/office/powerpoint/2010/main" val="1976923840"/>
               </p:ext>
             </p:extLst>
           </p:nvPr>
         </p:nvGraphicFramePr>
         <p:xfrm>
-          <a:off x="838200" y="1690688"/>
-          <a:ext cx="10515599" cy="4694070"/>
+          <a:off x="408709" y="1496725"/>
+          <a:ext cx="11374582" cy="5153457"/>
         </p:xfrm>
         <a:graphic>
           <a:graphicData uri="http://schemas.openxmlformats.org/drawingml/2006/chart">
@@ -5029,23 +9977,51 @@
       </p:graphicFrame>
       <p:sp>
         <p:nvSpPr>
-          <p:cNvPr id="5" name="Title 4"/>
+          <p:cNvPr id="2" name="Footer Placeholder 1"/>
           <p:cNvSpPr>
             <a:spLocks noGrp="1"/>
           </p:cNvSpPr>
           <p:nvPr>
-            <p:ph type="title"/>
+            <p:ph type="ftr" sz="quarter" idx="11"/>
           </p:nvPr>
         </p:nvSpPr>
-        <p:spPr/>
+        <p:spPr>
+          <a:xfrm>
+            <a:off x="3654287" y="182562"/>
+            <a:ext cx="4114800" cy="365125"/>
+          </a:xfrm>
+        </p:spPr>
         <p:txBody>
           <a:bodyPr/>
           <a:lstStyle/>
           <a:p>
             <a:r>
               <a:rPr lang="en-US" dirty="0"/>
-              <a:t>Model TM-Score vs CASP TM-Score</a:t>
-            </a:r>
+              <a:t>Comparative Protein Modelling</a:t>
+            </a:r>
+          </a:p>
+        </p:txBody>
+      </p:sp>
+      <p:sp>
+        <p:nvSpPr>
+          <p:cNvPr id="3" name="Slide Number Placeholder 2"/>
+          <p:cNvSpPr>
+            <a:spLocks noGrp="1"/>
+          </p:cNvSpPr>
+          <p:nvPr>
+            <p:ph type="sldNum" sz="quarter" idx="12"/>
+          </p:nvPr>
+        </p:nvSpPr>
+        <p:spPr/>
+        <p:txBody>
+          <a:bodyPr/>
+          <a:lstStyle/>
+          <a:p>
+            <a:fld id="{E0B0CD84-942B-4DDE-A335-04A476833DD0}" type="slidenum">
+              <a:rPr lang="en-US" smtClean="0"/>
+              <a:t>7</a:t>
+            </a:fld>
+            <a:endParaRPr lang="en-US"/>
           </a:p>
         </p:txBody>
       </p:sp>
@@ -5062,7 +10038,7 @@
 </p:sld>
 </file>
 
-<file path=ppt/slides/slide2.xml><?xml version="1.0" encoding="utf-8"?>
+<file path=ppt/slides/slide8.xml><?xml version="1.0" encoding="utf-8"?>
 <p:sld xmlns:a="http://schemas.openxmlformats.org/drawingml/2006/main" xmlns:r="http://schemas.openxmlformats.org/officeDocument/2006/relationships" xmlns:p="http://schemas.openxmlformats.org/presentationml/2006/main">
   <p:cSld>
     <p:spTree>
@@ -6266,12 +11242,12 @@
                     <a:p>
                       <a:pPr algn="ctr" fontAlgn="b"/>
                       <a:r>
-                        <a:rPr lang="en-US" sz="2000" u="none" strike="noStrike">
+                        <a:rPr lang="en-US" sz="2000" u="none" strike="noStrike" dirty="0">
                           <a:effectLst/>
                         </a:rPr>
                         <a:t>3.02</a:t>
                       </a:r>
-                      <a:endParaRPr lang="en-US" sz="2000" b="0" i="0" u="none" strike="noStrike">
+                      <a:endParaRPr lang="en-US" sz="2000" b="0" i="0" u="none" strike="noStrike" dirty="0">
                         <a:solidFill>
                           <a:srgbClr val="000000"/>
                         </a:solidFill>
@@ -6426,12 +11402,12 @@
                     <a:p>
                       <a:pPr algn="ctr" fontAlgn="b"/>
                       <a:r>
-                        <a:rPr lang="en-US" sz="2000" u="none" strike="noStrike">
+                        <a:rPr lang="en-US" sz="2000" u="none" strike="noStrike" dirty="0">
                           <a:effectLst/>
                         </a:rPr>
                         <a:t>2.21</a:t>
                       </a:r>
-                      <a:endParaRPr lang="en-US" sz="2000" b="0" i="0" u="none" strike="noStrike">
+                      <a:endParaRPr lang="en-US" sz="2000" b="0" i="0" u="none" strike="noStrike" dirty="0">
                         <a:solidFill>
                           <a:srgbClr val="000000"/>
                         </a:solidFill>
@@ -6556,6 +11532,51 @@
           </a:p>
         </p:txBody>
       </p:sp>
+      <p:sp>
+        <p:nvSpPr>
+          <p:cNvPr id="2" name="Footer Placeholder 1"/>
+          <p:cNvSpPr>
+            <a:spLocks noGrp="1"/>
+          </p:cNvSpPr>
+          <p:nvPr>
+            <p:ph type="ftr" sz="quarter" idx="11"/>
+          </p:nvPr>
+        </p:nvSpPr>
+        <p:spPr/>
+        <p:txBody>
+          <a:bodyPr/>
+          <a:lstStyle/>
+          <a:p>
+            <a:r>
+              <a:rPr lang="en-US"/>
+              <a:t>Comparative Protein Modelling</a:t>
+            </a:r>
+          </a:p>
+        </p:txBody>
+      </p:sp>
+      <p:sp>
+        <p:nvSpPr>
+          <p:cNvPr id="5" name="Slide Number Placeholder 4"/>
+          <p:cNvSpPr>
+            <a:spLocks noGrp="1"/>
+          </p:cNvSpPr>
+          <p:nvPr>
+            <p:ph type="sldNum" sz="quarter" idx="12"/>
+          </p:nvPr>
+        </p:nvSpPr>
+        <p:spPr/>
+        <p:txBody>
+          <a:bodyPr/>
+          <a:lstStyle/>
+          <a:p>
+            <a:fld id="{E0B0CD84-942B-4DDE-A335-04A476833DD0}" type="slidenum">
+              <a:rPr lang="en-US" smtClean="0"/>
+              <a:t>8</a:t>
+            </a:fld>
+            <a:endParaRPr lang="en-US"/>
+          </a:p>
+        </p:txBody>
+      </p:sp>
     </p:spTree>
     <p:extLst>
       <p:ext uri="{BB962C8B-B14F-4D97-AF65-F5344CB8AC3E}">
@@ -6569,7 +11590,7 @@
 </p:sld>
 </file>
 
-<file path=ppt/slides/slide3.xml><?xml version="1.0" encoding="utf-8"?>
+<file path=ppt/slides/slide9.xml><?xml version="1.0" encoding="utf-8"?>
 <p:sld xmlns:a="http://schemas.openxmlformats.org/drawingml/2006/main" xmlns:r="http://schemas.openxmlformats.org/officeDocument/2006/relationships" xmlns:p="http://schemas.openxmlformats.org/presentationml/2006/main">
   <p:cSld>
     <p:spTree>
@@ -6642,196 +11663,55 @@
           </a:graphicData>
         </a:graphic>
       </p:graphicFrame>
+      <p:sp>
+        <p:nvSpPr>
+          <p:cNvPr id="3" name="Footer Placeholder 2"/>
+          <p:cNvSpPr>
+            <a:spLocks noGrp="1"/>
+          </p:cNvSpPr>
+          <p:nvPr>
+            <p:ph type="ftr" sz="quarter" idx="11"/>
+          </p:nvPr>
+        </p:nvSpPr>
+        <p:spPr/>
+        <p:txBody>
+          <a:bodyPr/>
+          <a:lstStyle/>
+          <a:p>
+            <a:r>
+              <a:rPr lang="en-US"/>
+              <a:t>Comparative Protein Modelling</a:t>
+            </a:r>
+          </a:p>
+        </p:txBody>
+      </p:sp>
+      <p:sp>
+        <p:nvSpPr>
+          <p:cNvPr id="5" name="Slide Number Placeholder 4"/>
+          <p:cNvSpPr>
+            <a:spLocks noGrp="1"/>
+          </p:cNvSpPr>
+          <p:nvPr>
+            <p:ph type="sldNum" sz="quarter" idx="12"/>
+          </p:nvPr>
+        </p:nvSpPr>
+        <p:spPr/>
+        <p:txBody>
+          <a:bodyPr/>
+          <a:lstStyle/>
+          <a:p>
+            <a:fld id="{E0B0CD84-942B-4DDE-A335-04A476833DD0}" type="slidenum">
+              <a:rPr lang="en-US" smtClean="0"/>
+              <a:t>9</a:t>
+            </a:fld>
+            <a:endParaRPr lang="en-US"/>
+          </a:p>
+        </p:txBody>
+      </p:sp>
     </p:spTree>
     <p:extLst>
       <p:ext uri="{BB962C8B-B14F-4D97-AF65-F5344CB8AC3E}">
         <p14:creationId xmlns:p14="http://schemas.microsoft.com/office/powerpoint/2010/main" val="2391670202"/>
-      </p:ext>
-    </p:extLst>
-  </p:cSld>
-  <p:clrMapOvr>
-    <a:masterClrMapping/>
-  </p:clrMapOvr>
-</p:sld>
-</file>
-
-<file path=ppt/slides/slide4.xml><?xml version="1.0" encoding="utf-8"?>
-<p:sld xmlns:a="http://schemas.openxmlformats.org/drawingml/2006/main" xmlns:r="http://schemas.openxmlformats.org/officeDocument/2006/relationships" xmlns:p="http://schemas.openxmlformats.org/presentationml/2006/main">
-  <p:cSld>
-    <p:spTree>
-      <p:nvGrpSpPr>
-        <p:cNvPr id="1" name=""/>
-        <p:cNvGrpSpPr/>
-        <p:nvPr/>
-      </p:nvGrpSpPr>
-      <p:grpSpPr>
-        <a:xfrm>
-          <a:off x="0" y="0"/>
-          <a:ext cx="0" cy="0"/>
-          <a:chOff x="0" y="0"/>
-          <a:chExt cx="0" cy="0"/>
-        </a:xfrm>
-      </p:grpSpPr>
-      <p:pic>
-        <p:nvPicPr>
-          <p:cNvPr id="12" name="Picture 11"/>
-          <p:cNvPicPr>
-            <a:picLocks noChangeAspect="1"/>
-          </p:cNvPicPr>
-          <p:nvPr/>
-        </p:nvPicPr>
-        <p:blipFill>
-          <a:blip r:embed="rId2">
-            <a:extLst>
-              <a:ext uri="{28A0092B-C50C-407E-A947-70E740481C1C}">
-                <a14:useLocalDpi xmlns:a14="http://schemas.microsoft.com/office/drawing/2010/main" val="0"/>
-              </a:ext>
-            </a:extLst>
-          </a:blip>
-          <a:stretch>
-            <a:fillRect/>
-          </a:stretch>
-        </p:blipFill>
-        <p:spPr>
-          <a:xfrm>
-            <a:off x="6404488" y="1690688"/>
-            <a:ext cx="5209995" cy="4469480"/>
-          </a:xfrm>
-          <a:prstGeom prst="rect">
-            <a:avLst/>
-          </a:prstGeom>
-        </p:spPr>
-      </p:pic>
-      <p:sp>
-        <p:nvSpPr>
-          <p:cNvPr id="3" name="Title 2"/>
-          <p:cNvSpPr>
-            <a:spLocks noGrp="1"/>
-          </p:cNvSpPr>
-          <p:nvPr>
-            <p:ph type="title"/>
-          </p:nvPr>
-        </p:nvSpPr>
-        <p:spPr/>
-        <p:txBody>
-          <a:bodyPr vert="horz" lIns="91440" tIns="45720" rIns="91440" bIns="45720" rtlCol="0" anchor="b">
-            <a:normAutofit/>
-          </a:bodyPr>
-          <a:lstStyle/>
-          <a:p>
-            <a:pPr algn="ctr">
-              <a:lnSpc>
-                <a:spcPct val="70000"/>
-              </a:lnSpc>
-            </a:pPr>
-            <a:r>
-              <a:rPr lang="en-US" sz="4700" dirty="0"/>
-              <a:t>Sample Protein (T0806) Views</a:t>
-            </a:r>
-            <a:br>
-              <a:rPr lang="en-US" sz="4700" dirty="0"/>
-            </a:br>
-            <a:r>
-              <a:rPr lang="en-US" sz="4700" dirty="0"/>
-              <a:t>With Chimera</a:t>
-            </a:r>
-          </a:p>
-        </p:txBody>
-      </p:sp>
-      <p:pic>
-        <p:nvPicPr>
-          <p:cNvPr id="20" name="Picture 19"/>
-          <p:cNvPicPr>
-            <a:picLocks noChangeAspect="1"/>
-          </p:cNvPicPr>
-          <p:nvPr/>
-        </p:nvPicPr>
-        <p:blipFill>
-          <a:blip r:embed="rId3">
-            <a:extLst>
-              <a:ext uri="{28A0092B-C50C-407E-A947-70E740481C1C}">
-                <a14:useLocalDpi xmlns:a14="http://schemas.microsoft.com/office/drawing/2010/main" val="0"/>
-              </a:ext>
-            </a:extLst>
-          </a:blip>
-          <a:stretch>
-            <a:fillRect/>
-          </a:stretch>
-        </p:blipFill>
-        <p:spPr>
-          <a:xfrm>
-            <a:off x="839788" y="1690688"/>
-            <a:ext cx="5564701" cy="4469480"/>
-          </a:xfrm>
-          <a:prstGeom prst="rect">
-            <a:avLst/>
-          </a:prstGeom>
-        </p:spPr>
-      </p:pic>
-      <p:sp>
-        <p:nvSpPr>
-          <p:cNvPr id="27" name="TextBox 26"/>
-          <p:cNvSpPr txBox="1"/>
-          <p:nvPr/>
-        </p:nvSpPr>
-        <p:spPr>
-          <a:xfrm>
-            <a:off x="839789" y="6288505"/>
-            <a:ext cx="5564700" cy="461665"/>
-          </a:xfrm>
-          <a:prstGeom prst="rect">
-            <a:avLst/>
-          </a:prstGeom>
-          <a:noFill/>
-        </p:spPr>
-        <p:txBody>
-          <a:bodyPr wrap="square" rtlCol="0">
-            <a:spAutoFit/>
-          </a:bodyPr>
-          <a:lstStyle/>
-          <a:p>
-            <a:pPr algn="ctr"/>
-            <a:r>
-              <a:rPr lang="en-US" sz="2400" b="1" dirty="0"/>
-              <a:t>All Atom View</a:t>
-            </a:r>
-          </a:p>
-        </p:txBody>
-      </p:sp>
-      <p:sp>
-        <p:nvSpPr>
-          <p:cNvPr id="28" name="TextBox 27"/>
-          <p:cNvSpPr txBox="1"/>
-          <p:nvPr/>
-        </p:nvSpPr>
-        <p:spPr>
-          <a:xfrm>
-            <a:off x="6404488" y="6248581"/>
-            <a:ext cx="5209995" cy="461665"/>
-          </a:xfrm>
-          <a:prstGeom prst="rect">
-            <a:avLst/>
-          </a:prstGeom>
-          <a:noFill/>
-        </p:spPr>
-        <p:txBody>
-          <a:bodyPr wrap="square" rtlCol="0">
-            <a:spAutoFit/>
-          </a:bodyPr>
-          <a:lstStyle/>
-          <a:p>
-            <a:pPr algn="ctr"/>
-            <a:r>
-              <a:rPr lang="en-US" sz="2400" b="1" dirty="0"/>
-              <a:t>Ribbon View</a:t>
-            </a:r>
-          </a:p>
-        </p:txBody>
-      </p:sp>
-    </p:spTree>
-    <p:extLst>
-      <p:ext uri="{BB962C8B-B14F-4D97-AF65-F5344CB8AC3E}">
-        <p14:creationId xmlns:p14="http://schemas.microsoft.com/office/powerpoint/2010/main" val="2008606797"/>
       </p:ext>
     </p:extLst>
   </p:cSld>
@@ -7134,4 +12014,299 @@
     </a:ext>
   </a:extLst>
 </a:theme>
+</file>
+
+<file path=ppt/theme/theme2.xml><?xml version="1.0" encoding="utf-8"?>
+<a:theme xmlns:a="http://schemas.openxmlformats.org/drawingml/2006/main" name="Office Theme">
+  <a:themeElements>
+    <a:clrScheme name="Office">
+      <a:dk1>
+        <a:sysClr val="windowText" lastClr="000000"/>
+      </a:dk1>
+      <a:lt1>
+        <a:sysClr val="window" lastClr="FFFFFF"/>
+      </a:lt1>
+      <a:dk2>
+        <a:srgbClr val="44546A"/>
+      </a:dk2>
+      <a:lt2>
+        <a:srgbClr val="E7E6E6"/>
+      </a:lt2>
+      <a:accent1>
+        <a:srgbClr val="5B9BD5"/>
+      </a:accent1>
+      <a:accent2>
+        <a:srgbClr val="ED7D31"/>
+      </a:accent2>
+      <a:accent3>
+        <a:srgbClr val="A5A5A5"/>
+      </a:accent3>
+      <a:accent4>
+        <a:srgbClr val="FFC000"/>
+      </a:accent4>
+      <a:accent5>
+        <a:srgbClr val="4472C4"/>
+      </a:accent5>
+      <a:accent6>
+        <a:srgbClr val="70AD47"/>
+      </a:accent6>
+      <a:hlink>
+        <a:srgbClr val="0563C1"/>
+      </a:hlink>
+      <a:folHlink>
+        <a:srgbClr val="954F72"/>
+      </a:folHlink>
+    </a:clrScheme>
+    <a:fontScheme name="Office">
+      <a:majorFont>
+        <a:latin typeface="Calibri Light" panose="020F0302020204030204"/>
+        <a:ea typeface=""/>
+        <a:cs typeface=""/>
+        <a:font script="Jpan" typeface="游ゴシック Light"/>
+        <a:font script="Hang" typeface="맑은 고딕"/>
+        <a:font script="Hans" typeface="等线 Light"/>
+        <a:font script="Hant" typeface="新細明體"/>
+        <a:font script="Arab" typeface="Times New Roman"/>
+        <a:font script="Hebr" typeface="Times New Roman"/>
+        <a:font script="Thai" typeface="Angsana New"/>
+        <a:font script="Ethi" typeface="Nyala"/>
+        <a:font script="Beng" typeface="Vrinda"/>
+        <a:font script="Gujr" typeface="Shruti"/>
+        <a:font script="Khmr" typeface="MoolBoran"/>
+        <a:font script="Knda" typeface="Tunga"/>
+        <a:font script="Guru" typeface="Raavi"/>
+        <a:font script="Cans" typeface="Euphemia"/>
+        <a:font script="Cher" typeface="Plantagenet Cherokee"/>
+        <a:font script="Yiii" typeface="Microsoft Yi Baiti"/>
+        <a:font script="Tibt" typeface="Microsoft Himalaya"/>
+        <a:font script="Thaa" typeface="MV Boli"/>
+        <a:font script="Deva" typeface="Mangal"/>
+        <a:font script="Telu" typeface="Gautami"/>
+        <a:font script="Taml" typeface="Latha"/>
+        <a:font script="Syrc" typeface="Estrangelo Edessa"/>
+        <a:font script="Orya" typeface="Kalinga"/>
+        <a:font script="Mlym" typeface="Kartika"/>
+        <a:font script="Laoo" typeface="DokChampa"/>
+        <a:font script="Sinh" typeface="Iskoola Pota"/>
+        <a:font script="Mong" typeface="Mongolian Baiti"/>
+        <a:font script="Viet" typeface="Times New Roman"/>
+        <a:font script="Uigh" typeface="Microsoft Uighur"/>
+        <a:font script="Geor" typeface="Sylfaen"/>
+        <a:font script="Armn" typeface="Arial"/>
+        <a:font script="Bugi" typeface="Leelawadee UI"/>
+        <a:font script="Bopo" typeface="Microsoft JhengHei"/>
+        <a:font script="Java" typeface="Javanese Text"/>
+        <a:font script="Lisu" typeface="Segoe UI"/>
+        <a:font script="Mymr" typeface="Myanmar Text"/>
+        <a:font script="Nkoo" typeface="Ebrima"/>
+        <a:font script="Olck" typeface="Nirmala UI"/>
+        <a:font script="Osma" typeface="Ebrima"/>
+        <a:font script="Phag" typeface="Phagspa"/>
+        <a:font script="Syrn" typeface="Estrangelo Edessa"/>
+        <a:font script="Syrj" typeface="Estrangelo Edessa"/>
+        <a:font script="Syre" typeface="Estrangelo Edessa"/>
+        <a:font script="Sora" typeface="Nirmala UI"/>
+        <a:font script="Tale" typeface="Microsoft Tai Le"/>
+        <a:font script="Talu" typeface="Microsoft New Tai Lue"/>
+        <a:font script="Tfng" typeface="Ebrima"/>
+      </a:majorFont>
+      <a:minorFont>
+        <a:latin typeface="Calibri" panose="020F0502020204030204"/>
+        <a:ea typeface=""/>
+        <a:cs typeface=""/>
+        <a:font script="Jpan" typeface="游ゴシック"/>
+        <a:font script="Hang" typeface="맑은 고딕"/>
+        <a:font script="Hans" typeface="等线"/>
+        <a:font script="Hant" typeface="新細明體"/>
+        <a:font script="Arab" typeface="Arial"/>
+        <a:font script="Hebr" typeface="Arial"/>
+        <a:font script="Thai" typeface="Cordia New"/>
+        <a:font script="Ethi" typeface="Nyala"/>
+        <a:font script="Beng" typeface="Vrinda"/>
+        <a:font script="Gujr" typeface="Shruti"/>
+        <a:font script="Khmr" typeface="DaunPenh"/>
+        <a:font script="Knda" typeface="Tunga"/>
+        <a:font script="Guru" typeface="Raavi"/>
+        <a:font script="Cans" typeface="Euphemia"/>
+        <a:font script="Cher" typeface="Plantagenet Cherokee"/>
+        <a:font script="Yiii" typeface="Microsoft Yi Baiti"/>
+        <a:font script="Tibt" typeface="Microsoft Himalaya"/>
+        <a:font script="Thaa" typeface="MV Boli"/>
+        <a:font script="Deva" typeface="Mangal"/>
+        <a:font script="Telu" typeface="Gautami"/>
+        <a:font script="Taml" typeface="Latha"/>
+        <a:font script="Syrc" typeface="Estrangelo Edessa"/>
+        <a:font script="Orya" typeface="Kalinga"/>
+        <a:font script="Mlym" typeface="Kartika"/>
+        <a:font script="Laoo" typeface="DokChampa"/>
+        <a:font script="Sinh" typeface="Iskoola Pota"/>
+        <a:font script="Mong" typeface="Mongolian Baiti"/>
+        <a:font script="Viet" typeface="Arial"/>
+        <a:font script="Uigh" typeface="Microsoft Uighur"/>
+        <a:font script="Geor" typeface="Sylfaen"/>
+        <a:font script="Armn" typeface="Arial"/>
+        <a:font script="Bugi" typeface="Leelawadee UI"/>
+        <a:font script="Bopo" typeface="Microsoft JhengHei"/>
+        <a:font script="Java" typeface="Javanese Text"/>
+        <a:font script="Lisu" typeface="Segoe UI"/>
+        <a:font script="Mymr" typeface="Myanmar Text"/>
+        <a:font script="Nkoo" typeface="Ebrima"/>
+        <a:font script="Olck" typeface="Nirmala UI"/>
+        <a:font script="Osma" typeface="Ebrima"/>
+        <a:font script="Phag" typeface="Phagspa"/>
+        <a:font script="Syrn" typeface="Estrangelo Edessa"/>
+        <a:font script="Syrj" typeface="Estrangelo Edessa"/>
+        <a:font script="Syre" typeface="Estrangelo Edessa"/>
+        <a:font script="Sora" typeface="Nirmala UI"/>
+        <a:font script="Tale" typeface="Microsoft Tai Le"/>
+        <a:font script="Talu" typeface="Microsoft New Tai Lue"/>
+        <a:font script="Tfng" typeface="Ebrima"/>
+      </a:minorFont>
+    </a:fontScheme>
+    <a:fmtScheme name="Office">
+      <a:fillStyleLst>
+        <a:solidFill>
+          <a:schemeClr val="phClr"/>
+        </a:solidFill>
+        <a:gradFill rotWithShape="1">
+          <a:gsLst>
+            <a:gs pos="0">
+              <a:schemeClr val="phClr">
+                <a:lumMod val="110000"/>
+                <a:satMod val="105000"/>
+                <a:tint val="67000"/>
+              </a:schemeClr>
+            </a:gs>
+            <a:gs pos="50000">
+              <a:schemeClr val="phClr">
+                <a:lumMod val="105000"/>
+                <a:satMod val="103000"/>
+                <a:tint val="73000"/>
+              </a:schemeClr>
+            </a:gs>
+            <a:gs pos="100000">
+              <a:schemeClr val="phClr">
+                <a:lumMod val="105000"/>
+                <a:satMod val="109000"/>
+                <a:tint val="81000"/>
+              </a:schemeClr>
+            </a:gs>
+          </a:gsLst>
+          <a:lin ang="5400000" scaled="0"/>
+        </a:gradFill>
+        <a:gradFill rotWithShape="1">
+          <a:gsLst>
+            <a:gs pos="0">
+              <a:schemeClr val="phClr">
+                <a:satMod val="103000"/>
+                <a:lumMod val="102000"/>
+                <a:tint val="94000"/>
+              </a:schemeClr>
+            </a:gs>
+            <a:gs pos="50000">
+              <a:schemeClr val="phClr">
+                <a:satMod val="110000"/>
+                <a:lumMod val="100000"/>
+                <a:shade val="100000"/>
+              </a:schemeClr>
+            </a:gs>
+            <a:gs pos="100000">
+              <a:schemeClr val="phClr">
+                <a:lumMod val="99000"/>
+                <a:satMod val="120000"/>
+                <a:shade val="78000"/>
+              </a:schemeClr>
+            </a:gs>
+          </a:gsLst>
+          <a:lin ang="5400000" scaled="0"/>
+        </a:gradFill>
+      </a:fillStyleLst>
+      <a:lnStyleLst>
+        <a:ln w="6350" cap="flat" cmpd="sng" algn="ctr">
+          <a:solidFill>
+            <a:schemeClr val="phClr"/>
+          </a:solidFill>
+          <a:prstDash val="solid"/>
+          <a:miter lim="800000"/>
+        </a:ln>
+        <a:ln w="12700" cap="flat" cmpd="sng" algn="ctr">
+          <a:solidFill>
+            <a:schemeClr val="phClr"/>
+          </a:solidFill>
+          <a:prstDash val="solid"/>
+          <a:miter lim="800000"/>
+        </a:ln>
+        <a:ln w="19050" cap="flat" cmpd="sng" algn="ctr">
+          <a:solidFill>
+            <a:schemeClr val="phClr"/>
+          </a:solidFill>
+          <a:prstDash val="solid"/>
+          <a:miter lim="800000"/>
+        </a:ln>
+      </a:lnStyleLst>
+      <a:effectStyleLst>
+        <a:effectStyle>
+          <a:effectLst/>
+        </a:effectStyle>
+        <a:effectStyle>
+          <a:effectLst/>
+        </a:effectStyle>
+        <a:effectStyle>
+          <a:effectLst>
+            <a:outerShdw blurRad="57150" dist="19050" dir="5400000" algn="ctr" rotWithShape="0">
+              <a:srgbClr val="000000">
+                <a:alpha val="63000"/>
+              </a:srgbClr>
+            </a:outerShdw>
+          </a:effectLst>
+        </a:effectStyle>
+      </a:effectStyleLst>
+      <a:bgFillStyleLst>
+        <a:solidFill>
+          <a:schemeClr val="phClr"/>
+        </a:solidFill>
+        <a:solidFill>
+          <a:schemeClr val="phClr">
+            <a:tint val="95000"/>
+            <a:satMod val="170000"/>
+          </a:schemeClr>
+        </a:solidFill>
+        <a:gradFill rotWithShape="1">
+          <a:gsLst>
+            <a:gs pos="0">
+              <a:schemeClr val="phClr">
+                <a:tint val="93000"/>
+                <a:satMod val="150000"/>
+                <a:shade val="98000"/>
+                <a:lumMod val="102000"/>
+              </a:schemeClr>
+            </a:gs>
+            <a:gs pos="50000">
+              <a:schemeClr val="phClr">
+                <a:tint val="98000"/>
+                <a:satMod val="130000"/>
+                <a:shade val="90000"/>
+                <a:lumMod val="103000"/>
+              </a:schemeClr>
+            </a:gs>
+            <a:gs pos="100000">
+              <a:schemeClr val="phClr">
+                <a:shade val="63000"/>
+                <a:satMod val="120000"/>
+              </a:schemeClr>
+            </a:gs>
+          </a:gsLst>
+          <a:lin ang="5400000" scaled="0"/>
+        </a:gradFill>
+      </a:bgFillStyleLst>
+    </a:fmtScheme>
+  </a:themeElements>
+  <a:objectDefaults/>
+  <a:extraClrSchemeLst/>
+  <a:extLst>
+    <a:ext uri="{05A4C25C-085E-4340-85A3-A5531E510DB2}">
+      <thm15:themeFamily xmlns:thm15="http://schemas.microsoft.com/office/thememl/2012/main" name="Office Theme" id="{62F939B6-93AF-4DB8-9C6B-D6C7DFDC589F}" vid="{4A3C46E8-61CC-4603-A589-7422A47A8E4A}"/>
+    </a:ext>
+  </a:extLst>
+</a:theme>
 </file>
--- a/ComparativeProteinSequence.pptx
+++ b/ComparativeProteinSequence.pptx
@@ -5,22 +5,23 @@
     <p:sldMasterId id="2147483707" r:id="rId1"/>
   </p:sldMasterIdLst>
   <p:notesMasterIdLst>
-    <p:notesMasterId r:id="rId15"/>
+    <p:notesMasterId r:id="rId16"/>
   </p:notesMasterIdLst>
   <p:sldIdLst>
     <p:sldId id="263" r:id="rId2"/>
     <p:sldId id="264" r:id="rId3"/>
     <p:sldId id="268" r:id="rId4"/>
     <p:sldId id="269" r:id="rId5"/>
-    <p:sldId id="270" r:id="rId6"/>
-    <p:sldId id="271" r:id="rId7"/>
-    <p:sldId id="259" r:id="rId8"/>
-    <p:sldId id="260" r:id="rId9"/>
-    <p:sldId id="262" r:id="rId10"/>
-    <p:sldId id="261" r:id="rId11"/>
-    <p:sldId id="265" r:id="rId12"/>
-    <p:sldId id="266" r:id="rId13"/>
-    <p:sldId id="267" r:id="rId14"/>
+    <p:sldId id="272" r:id="rId6"/>
+    <p:sldId id="270" r:id="rId7"/>
+    <p:sldId id="271" r:id="rId8"/>
+    <p:sldId id="259" r:id="rId9"/>
+    <p:sldId id="273" r:id="rId10"/>
+    <p:sldId id="262" r:id="rId11"/>
+    <p:sldId id="261" r:id="rId12"/>
+    <p:sldId id="265" r:id="rId13"/>
+    <p:sldId id="266" r:id="rId14"/>
+    <p:sldId id="267" r:id="rId15"/>
   </p:sldIdLst>
   <p:sldSz cx="12192000" cy="6858000"/>
   <p:notesSz cx="6858000" cy="9144000"/>
@@ -5771,7 +5772,7 @@
           <a:p>
             <a:pPr algn="l"/>
             <a:r>
-              <a:rPr lang="en-US" sz="1050">
+              <a:rPr lang="en-US" sz="1050" dirty="0">
                 <a:solidFill>
                   <a:schemeClr val="bg1">
                     <a:alpha val="70000"/>
@@ -5828,6 +5829,137 @@
 </file>
 
 <file path=ppt/slides/slide10.xml><?xml version="1.0" encoding="utf-8"?>
+<p:sld xmlns:a="http://schemas.openxmlformats.org/drawingml/2006/main" xmlns:r="http://schemas.openxmlformats.org/officeDocument/2006/relationships" xmlns:p="http://schemas.openxmlformats.org/presentationml/2006/main">
+  <p:cSld>
+    <p:spTree>
+      <p:nvGrpSpPr>
+        <p:cNvPr id="1" name=""/>
+        <p:cNvGrpSpPr/>
+        <p:nvPr/>
+      </p:nvGrpSpPr>
+      <p:grpSpPr>
+        <a:xfrm>
+          <a:off x="0" y="0"/>
+          <a:ext cx="0" cy="0"/>
+          <a:chOff x="0" y="0"/>
+          <a:chExt cx="0" cy="0"/>
+        </a:xfrm>
+      </p:grpSpPr>
+      <p:sp>
+        <p:nvSpPr>
+          <p:cNvPr id="2" name="Title 1"/>
+          <p:cNvSpPr>
+            <a:spLocks noGrp="1"/>
+          </p:cNvSpPr>
+          <p:nvPr>
+            <p:ph type="title"/>
+          </p:nvPr>
+        </p:nvSpPr>
+        <p:spPr/>
+        <p:txBody>
+          <a:bodyPr/>
+          <a:lstStyle/>
+          <a:p>
+            <a:r>
+              <a:rPr lang="en-US" dirty="0"/>
+              <a:t>All atom – Clash Scores (</a:t>
+            </a:r>
+            <a:r>
+              <a:rPr lang="en-US" dirty="0" err="1"/>
+              <a:t>Molprobity</a:t>
+            </a:r>
+            <a:r>
+              <a:rPr lang="en-US" dirty="0"/>
+              <a:t>)</a:t>
+            </a:r>
+          </a:p>
+        </p:txBody>
+      </p:sp>
+      <p:graphicFrame>
+        <p:nvGraphicFramePr>
+          <p:cNvPr id="4" name="Chart 3">
+            <a:extLst/>
+          </p:cNvPr>
+          <p:cNvGraphicFramePr>
+            <a:graphicFrameLocks/>
+          </p:cNvGraphicFramePr>
+          <p:nvPr>
+            <p:extLst>
+              <p:ext uri="{D42A27DB-BD31-4B8C-83A1-F6EECF244321}">
+                <p14:modId xmlns:p14="http://schemas.microsoft.com/office/powerpoint/2010/main" val="3874308293"/>
+              </p:ext>
+            </p:extLst>
+          </p:nvPr>
+        </p:nvGraphicFramePr>
+        <p:xfrm>
+          <a:off x="2163753" y="2174451"/>
+          <a:ext cx="7864493" cy="4143916"/>
+        </p:xfrm>
+        <a:graphic>
+          <a:graphicData uri="http://schemas.openxmlformats.org/drawingml/2006/chart">
+            <c:chart xmlns:c="http://schemas.openxmlformats.org/drawingml/2006/chart" xmlns:r="http://schemas.openxmlformats.org/officeDocument/2006/relationships" r:id="rId2"/>
+          </a:graphicData>
+        </a:graphic>
+      </p:graphicFrame>
+      <p:sp>
+        <p:nvSpPr>
+          <p:cNvPr id="3" name="Footer Placeholder 2"/>
+          <p:cNvSpPr>
+            <a:spLocks noGrp="1"/>
+          </p:cNvSpPr>
+          <p:nvPr>
+            <p:ph type="ftr" sz="quarter" idx="11"/>
+          </p:nvPr>
+        </p:nvSpPr>
+        <p:spPr/>
+        <p:txBody>
+          <a:bodyPr/>
+          <a:lstStyle/>
+          <a:p>
+            <a:r>
+              <a:rPr lang="en-US"/>
+              <a:t>Comparative Protein Modelling</a:t>
+            </a:r>
+          </a:p>
+        </p:txBody>
+      </p:sp>
+      <p:sp>
+        <p:nvSpPr>
+          <p:cNvPr id="5" name="Slide Number Placeholder 4"/>
+          <p:cNvSpPr>
+            <a:spLocks noGrp="1"/>
+          </p:cNvSpPr>
+          <p:nvPr>
+            <p:ph type="sldNum" sz="quarter" idx="12"/>
+          </p:nvPr>
+        </p:nvSpPr>
+        <p:spPr/>
+        <p:txBody>
+          <a:bodyPr/>
+          <a:lstStyle/>
+          <a:p>
+            <a:fld id="{E0B0CD84-942B-4DDE-A335-04A476833DD0}" type="slidenum">
+              <a:rPr lang="en-US" smtClean="0"/>
+              <a:t>10</a:t>
+            </a:fld>
+            <a:endParaRPr lang="en-US"/>
+          </a:p>
+        </p:txBody>
+      </p:sp>
+    </p:spTree>
+    <p:extLst>
+      <p:ext uri="{BB962C8B-B14F-4D97-AF65-F5344CB8AC3E}">
+        <p14:creationId xmlns:p14="http://schemas.microsoft.com/office/powerpoint/2010/main" val="2391670202"/>
+      </p:ext>
+    </p:extLst>
+  </p:cSld>
+  <p:clrMapOvr>
+    <a:masterClrMapping/>
+  </p:clrMapOvr>
+</p:sld>
+</file>
+
+<file path=ppt/slides/slide11.xml><?xml version="1.0" encoding="utf-8"?>
 <p:sld xmlns:a="http://schemas.openxmlformats.org/drawingml/2006/main" xmlns:r="http://schemas.openxmlformats.org/officeDocument/2006/relationships" xmlns:p="http://schemas.openxmlformats.org/presentationml/2006/main">
   <p:cSld>
     <p:spTree>
@@ -6039,7 +6171,7 @@
           <a:p>
             <a:fld id="{E0B0CD84-942B-4DDE-A335-04A476833DD0}" type="slidenum">
               <a:rPr lang="en-US" smtClean="0"/>
-              <a:t>10</a:t>
+              <a:t>11</a:t>
             </a:fld>
             <a:endParaRPr lang="en-US"/>
           </a:p>
@@ -6058,7 +6190,7 @@
 </p:sld>
 </file>
 
-<file path=ppt/slides/slide11.xml><?xml version="1.0" encoding="utf-8"?>
+<file path=ppt/slides/slide12.xml><?xml version="1.0" encoding="utf-8"?>
 <p:sld xmlns:a="http://schemas.openxmlformats.org/drawingml/2006/main" xmlns:r="http://schemas.openxmlformats.org/officeDocument/2006/relationships" xmlns:p="http://schemas.openxmlformats.org/presentationml/2006/main">
   <p:cSld>
     <p:spTree>
@@ -6262,7 +6394,7 @@
           <a:p>
             <a:fld id="{E0B0CD84-942B-4DDE-A335-04A476833DD0}" type="slidenum">
               <a:rPr lang="en-US" smtClean="0"/>
-              <a:t>11</a:t>
+              <a:t>12</a:t>
             </a:fld>
             <a:endParaRPr lang="en-US"/>
           </a:p>
@@ -6281,7 +6413,7 @@
 </p:sld>
 </file>
 
-<file path=ppt/slides/slide12.xml><?xml version="1.0" encoding="utf-8"?>
+<file path=ppt/slides/slide13.xml><?xml version="1.0" encoding="utf-8"?>
 <p:sld xmlns:a="http://schemas.openxmlformats.org/drawingml/2006/main" xmlns:r="http://schemas.openxmlformats.org/officeDocument/2006/relationships" xmlns:p="http://schemas.openxmlformats.org/presentationml/2006/main">
   <p:cSld>
     <p:spTree>
@@ -6487,7 +6619,7 @@
           <a:p>
             <a:fld id="{E0B0CD84-942B-4DDE-A335-04A476833DD0}" type="slidenum">
               <a:rPr lang="en-US" smtClean="0"/>
-              <a:t>12</a:t>
+              <a:t>13</a:t>
             </a:fld>
             <a:endParaRPr lang="en-US"/>
           </a:p>
@@ -6506,7 +6638,7 @@
 </p:sld>
 </file>
 
-<file path=ppt/slides/slide13.xml><?xml version="1.0" encoding="utf-8"?>
+<file path=ppt/slides/slide14.xml><?xml version="1.0" encoding="utf-8"?>
 <p:sld xmlns:a="http://schemas.openxmlformats.org/drawingml/2006/main" xmlns:r="http://schemas.openxmlformats.org/officeDocument/2006/relationships" xmlns:p="http://schemas.openxmlformats.org/presentationml/2006/main">
   <p:cSld>
     <p:spTree>
@@ -7001,7 +7133,7 @@
           <a:p>
             <a:fld id="{E0B0CD84-942B-4DDE-A335-04A476833DD0}" type="slidenum">
               <a:rPr lang="en-US" smtClean="0"/>
-              <a:t>13</a:t>
+              <a:t>14</a:t>
             </a:fld>
             <a:endParaRPr lang="en-US"/>
           </a:p>
@@ -7515,7 +7647,7 @@
       </p:grpSpPr>
       <p:sp>
         <p:nvSpPr>
-          <p:cNvPr id="18" name="Rectangle 17"/>
+          <p:cNvPr id="20" name="Rectangle 19"/>
           <p:cNvSpPr>
             <a:spLocks noGrp="1" noRot="1" noChangeAspect="1" noMove="1" noResize="1" noEditPoints="1" noAdjustHandles="1" noChangeArrowheads="1" noChangeShapeType="1" noTextEdit="1"/>
           </p:cNvSpPr>
@@ -7527,22 +7659,23 @@
             </p:extLst>
           </p:nvPr>
         </p:nvSpPr>
-        <p:spPr>
+        <p:spPr bwMode="ltGray">
           <a:xfrm>
-            <a:off x="5315061" y="-2"/>
-            <a:ext cx="6876939" cy="6858002"/>
+            <a:off x="321564" y="320040"/>
+            <a:ext cx="11548872" cy="6217920"/>
           </a:xfrm>
           <a:prstGeom prst="rect">
             <a:avLst/>
           </a:prstGeom>
           <a:solidFill>
             <a:schemeClr val="tx1">
-              <a:lumMod val="85000"/>
-              <a:lumOff val="15000"/>
+              <a:alpha val="10000"/>
             </a:schemeClr>
           </a:solidFill>
-          <a:ln>
-            <a:noFill/>
+          <a:ln w="127000" cap="sq" cmpd="thinThick">
+            <a:solidFill>
+              <a:schemeClr val="bg2"/>
+            </a:solidFill>
           </a:ln>
         </p:spPr>
         <p:style>
@@ -7582,20 +7715,9 @@
         </p:nvSpPr>
         <p:spPr>
           <a:xfrm>
-            <a:off x="829781" y="2745736"/>
-            <a:ext cx="3698803" cy="1366528"/>
+            <a:off x="838200" y="631826"/>
+            <a:ext cx="10515600" cy="959264"/>
           </a:xfrm>
-          <a:solidFill>
-            <a:schemeClr val="bg1">
-              <a:alpha val="50000"/>
-            </a:schemeClr>
-          </a:solidFill>
-          <a:ln w="25400" cap="sq">
-            <a:solidFill>
-              <a:schemeClr val="tx1"/>
-            </a:solidFill>
-            <a:miter lim="800000"/>
-          </a:ln>
         </p:spPr>
         <p:txBody>
           <a:bodyPr>
@@ -7603,9 +7725,8 @@
           </a:bodyPr>
           <a:lstStyle/>
           <a:p>
-            <a:pPr algn="ctr"/>
-            <a:r>
-              <a:rPr lang="en-US" sz="3200"/>
+            <a:r>
+              <a:rPr lang="en-US" dirty="0"/>
               <a:t>pipelining</a:t>
             </a:r>
           </a:p>
@@ -7623,12 +7744,12 @@
         </p:nvSpPr>
         <p:spPr>
           <a:xfrm>
-            <a:off x="6049182" y="802638"/>
-            <a:ext cx="5408696" cy="5252722"/>
+            <a:off x="838200" y="1686339"/>
+            <a:ext cx="10515600" cy="3871762"/>
           </a:xfrm>
         </p:spPr>
         <p:txBody>
-          <a:bodyPr anchor="ctr">
+          <a:bodyPr>
             <a:normAutofit/>
           </a:bodyPr>
           <a:lstStyle/>
@@ -7639,13 +7760,54 @@
               </a:lnSpc>
             </a:pPr>
             <a:r>
-              <a:rPr lang="en-US" sz="2200">
-                <a:solidFill>
-                  <a:schemeClr val="bg1"/>
-                </a:solidFill>
-              </a:rPr>
-              <a:t>Generated script file, ask for user input for query sequence; process the query and created query.ali</a:t>
-            </a:r>
+              <a:rPr lang="en-US" dirty="0"/>
+              <a:t>Start the pipeline by calling start.py file</a:t>
+            </a:r>
+          </a:p>
+          <a:p>
+            <a:pPr marL="457200" lvl="1" indent="0">
+              <a:lnSpc>
+                <a:spcPct val="80000"/>
+              </a:lnSpc>
+              <a:buNone/>
+            </a:pPr>
+            <a:endParaRPr lang="en-US" dirty="0"/>
+          </a:p>
+          <a:p>
+            <a:pPr marL="457200" lvl="1" indent="0">
+              <a:lnSpc>
+                <a:spcPct val="80000"/>
+              </a:lnSpc>
+              <a:buNone/>
+            </a:pPr>
+            <a:endParaRPr lang="en-US" dirty="0"/>
+          </a:p>
+          <a:p>
+            <a:pPr marL="457200" lvl="1" indent="0">
+              <a:lnSpc>
+                <a:spcPct val="80000"/>
+              </a:lnSpc>
+              <a:buNone/>
+            </a:pPr>
+            <a:endParaRPr lang="en-US" dirty="0"/>
+          </a:p>
+          <a:p>
+            <a:pPr marL="457200" lvl="1" indent="0">
+              <a:lnSpc>
+                <a:spcPct val="80000"/>
+              </a:lnSpc>
+              <a:buNone/>
+            </a:pPr>
+            <a:endParaRPr lang="en-US" dirty="0"/>
+          </a:p>
+          <a:p>
+            <a:pPr marL="457200" lvl="1" indent="0">
+              <a:lnSpc>
+                <a:spcPct val="80000"/>
+              </a:lnSpc>
+              <a:buNone/>
+            </a:pPr>
+            <a:endParaRPr lang="en-US" dirty="0"/>
           </a:p>
           <a:p>
             <a:pPr lvl="1">
@@ -7654,12 +7816,24 @@
               </a:lnSpc>
             </a:pPr>
             <a:r>
-              <a:rPr lang="en-US" sz="2200">
-                <a:solidFill>
-                  <a:schemeClr val="bg1"/>
-                </a:solidFill>
-              </a:rPr>
-              <a:t>Start the modeller with script 1</a:t>
+              <a:rPr lang="en-US" dirty="0"/>
+              <a:t>Generated script file, ask for user input for </a:t>
+            </a:r>
+            <a:r>
+              <a:rPr lang="en-US" b="1" dirty="0"/>
+              <a:t>query (CASP) sequence</a:t>
+            </a:r>
+            <a:r>
+              <a:rPr lang="en-US" dirty="0"/>
+              <a:t>; process the query and it automatically creates </a:t>
+            </a:r>
+            <a:r>
+              <a:rPr lang="en-US" dirty="0" err="1"/>
+              <a:t>query.ali</a:t>
+            </a:r>
+            <a:r>
+              <a:rPr lang="en-US" dirty="0"/>
+              <a:t> (In PIR format)</a:t>
             </a:r>
           </a:p>
           <a:p>
@@ -7668,59 +7842,7 @@
                 <a:spcPct val="80000"/>
               </a:lnSpc>
             </a:pPr>
-            <a:r>
-              <a:rPr lang="en-US" sz="2200">
-                <a:solidFill>
-                  <a:schemeClr val="bg1"/>
-                </a:solidFill>
-              </a:rPr>
-              <a:t>Asks for identification of templates, user need to enter the template id’s (Should be pdb names); Alternative, we can use API to download pdb’s according to ID’s.</a:t>
-            </a:r>
-          </a:p>
-          <a:p>
-            <a:pPr lvl="1">
-              <a:lnSpc>
-                <a:spcPct val="80000"/>
-              </a:lnSpc>
-            </a:pPr>
-            <a:r>
-              <a:rPr lang="en-US" sz="2200">
-                <a:solidFill>
-                  <a:schemeClr val="bg1"/>
-                </a:solidFill>
-              </a:rPr>
-              <a:t>Start the next script, ask for user to select the best template by enter template id.</a:t>
-            </a:r>
-          </a:p>
-          <a:p>
-            <a:pPr lvl="1">
-              <a:lnSpc>
-                <a:spcPct val="80000"/>
-              </a:lnSpc>
-            </a:pPr>
-            <a:r>
-              <a:rPr lang="en-US" sz="2200">
-                <a:solidFill>
-                  <a:schemeClr val="bg1"/>
-                </a:solidFill>
-              </a:rPr>
-              <a:t>Runs script 3 and script 4. outputs the models, based on scores obtained user need to enter the best model id</a:t>
-            </a:r>
-          </a:p>
-          <a:p>
-            <a:pPr lvl="1">
-              <a:lnSpc>
-                <a:spcPct val="80000"/>
-              </a:lnSpc>
-            </a:pPr>
-            <a:r>
-              <a:rPr lang="en-US" sz="2200">
-                <a:solidFill>
-                  <a:schemeClr val="bg1"/>
-                </a:solidFill>
-              </a:rPr>
-              <a:t>Finishes the process and outputs are generated.</a:t>
-            </a:r>
+            <a:endParaRPr lang="en-US" dirty="0"/>
           </a:p>
           <a:p>
             <a:pPr>
@@ -7728,11 +7850,7 @@
                 <a:spcPct val="80000"/>
               </a:lnSpc>
             </a:pPr>
-            <a:endParaRPr lang="en-US" sz="2200">
-              <a:solidFill>
-                <a:schemeClr val="bg1"/>
-              </a:solidFill>
-            </a:endParaRPr>
+            <a:endParaRPr lang="en-US" sz="2400" dirty="0"/>
           </a:p>
         </p:txBody>
       </p:sp>
@@ -7748,8 +7866,8 @@
         </p:nvSpPr>
         <p:spPr>
           <a:xfrm>
-            <a:off x="6049182" y="6296683"/>
-            <a:ext cx="4436815" cy="313300"/>
+            <a:off x="4038600" y="6077585"/>
+            <a:ext cx="4114800" cy="365125"/>
           </a:xfrm>
         </p:spPr>
         <p:txBody>
@@ -7758,15 +7876,8 @@
           </a:bodyPr>
           <a:lstStyle/>
           <a:p>
-            <a:pPr algn="l"/>
-            <a:r>
-              <a:rPr lang="en-US" sz="1050">
-                <a:solidFill>
-                  <a:schemeClr val="bg1">
-                    <a:alpha val="70000"/>
-                  </a:schemeClr>
-                </a:solidFill>
-              </a:rPr>
+            <a:r>
+              <a:rPr lang="en-US"/>
               <a:t>Comparative Protein Modelling</a:t>
             </a:r>
           </a:p>
@@ -7784,8 +7895,8 @@
         </p:nvSpPr>
         <p:spPr>
           <a:xfrm>
-            <a:off x="10575174" y="6270771"/>
-            <a:ext cx="778625" cy="365125"/>
+            <a:off x="8610600" y="6077585"/>
+            <a:ext cx="2743200" cy="365125"/>
           </a:xfrm>
         </p:spPr>
         <p:txBody>
@@ -7795,14 +7906,74 @@
           <a:lstStyle/>
           <a:p>
             <a:fld id="{E0B0CD84-942B-4DDE-A335-04A476833DD0}" type="slidenum">
-              <a:rPr lang="en-US" sz="1050" smtClean="0"/>
+              <a:rPr lang="en-US" smtClean="0"/>
               <a:pPr/>
               <a:t>2</a:t>
             </a:fld>
-            <a:endParaRPr lang="en-US" sz="1050"/>
-          </a:p>
-        </p:txBody>
-      </p:sp>
+            <a:endParaRPr lang="en-US" dirty="0"/>
+          </a:p>
+        </p:txBody>
+      </p:sp>
+      <p:pic>
+        <p:nvPicPr>
+          <p:cNvPr id="8" name="Picture 7"/>
+          <p:cNvPicPr>
+            <a:picLocks noChangeAspect="1"/>
+          </p:cNvPicPr>
+          <p:nvPr/>
+        </p:nvPicPr>
+        <p:blipFill>
+          <a:blip r:embed="rId2">
+            <a:extLst>
+              <a:ext uri="{28A0092B-C50C-407E-A947-70E740481C1C}">
+                <a14:useLocalDpi xmlns:a14="http://schemas.microsoft.com/office/drawing/2010/main" val="0"/>
+              </a:ext>
+            </a:extLst>
+          </a:blip>
+          <a:stretch>
+            <a:fillRect/>
+          </a:stretch>
+        </p:blipFill>
+        <p:spPr>
+          <a:xfrm>
+            <a:off x="2787888" y="2110574"/>
+            <a:ext cx="6382641" cy="1586300"/>
+          </a:xfrm>
+          <a:prstGeom prst="rect">
+            <a:avLst/>
+          </a:prstGeom>
+        </p:spPr>
+      </p:pic>
+      <p:pic>
+        <p:nvPicPr>
+          <p:cNvPr id="9" name="Picture 8"/>
+          <p:cNvPicPr>
+            <a:picLocks noChangeAspect="1"/>
+          </p:cNvPicPr>
+          <p:nvPr/>
+        </p:nvPicPr>
+        <p:blipFill>
+          <a:blip r:embed="rId3">
+            <a:extLst>
+              <a:ext uri="{28A0092B-C50C-407E-A947-70E740481C1C}">
+                <a14:useLocalDpi xmlns:a14="http://schemas.microsoft.com/office/drawing/2010/main" val="0"/>
+              </a:ext>
+            </a:extLst>
+          </a:blip>
+          <a:stretch>
+            <a:fillRect/>
+          </a:stretch>
+        </p:blipFill>
+        <p:spPr>
+          <a:xfrm>
+            <a:off x="2787888" y="4499340"/>
+            <a:ext cx="6382641" cy="1578246"/>
+          </a:xfrm>
+          <a:prstGeom prst="rect">
+            <a:avLst/>
+          </a:prstGeom>
+        </p:spPr>
+      </p:pic>
     </p:spTree>
     <p:extLst>
       <p:ext uri="{BB962C8B-B14F-4D97-AF65-F5344CB8AC3E}">
@@ -7893,8 +8064,77 @@
         </p:blipFill>
         <p:spPr>
           <a:xfrm>
-            <a:off x="2827644" y="4312788"/>
-            <a:ext cx="6382641" cy="1943371"/>
+            <a:off x="2904679" y="2080147"/>
+            <a:ext cx="6630325" cy="1943371"/>
+          </a:xfrm>
+          <a:prstGeom prst="rect">
+            <a:avLst/>
+          </a:prstGeom>
+        </p:spPr>
+      </p:pic>
+      <p:sp>
+        <p:nvSpPr>
+          <p:cNvPr id="3" name="Footer Placeholder 2"/>
+          <p:cNvSpPr>
+            <a:spLocks noGrp="1"/>
+          </p:cNvSpPr>
+          <p:nvPr>
+            <p:ph type="ftr" sz="quarter" idx="11"/>
+          </p:nvPr>
+        </p:nvSpPr>
+        <p:spPr/>
+        <p:txBody>
+          <a:bodyPr/>
+          <a:lstStyle/>
+          <a:p>
+            <a:r>
+              <a:rPr lang="en-US"/>
+              <a:t>Comparative Protein Modelling</a:t>
+            </a:r>
+          </a:p>
+        </p:txBody>
+      </p:sp>
+      <p:sp>
+        <p:nvSpPr>
+          <p:cNvPr id="4" name="Slide Number Placeholder 3"/>
+          <p:cNvSpPr>
+            <a:spLocks noGrp="1"/>
+          </p:cNvSpPr>
+          <p:nvPr>
+            <p:ph type="sldNum" sz="quarter" idx="12"/>
+          </p:nvPr>
+        </p:nvSpPr>
+        <p:spPr/>
+        <p:txBody>
+          <a:bodyPr/>
+          <a:lstStyle/>
+          <a:p>
+            <a:fld id="{E0B0CD84-942B-4DDE-A335-04A476833DD0}" type="slidenum">
+              <a:rPr lang="en-US" smtClean="0"/>
+              <a:t>3</a:t>
+            </a:fld>
+            <a:endParaRPr lang="en-US"/>
+          </a:p>
+        </p:txBody>
+      </p:sp>
+      <p:pic>
+        <p:nvPicPr>
+          <p:cNvPr id="11" name="Picture 10"/>
+          <p:cNvPicPr>
+            <a:picLocks noChangeAspect="1"/>
+          </p:cNvPicPr>
+          <p:nvPr/>
+        </p:nvPicPr>
+        <p:blipFill>
+          <a:blip r:embed="rId3"/>
+          <a:stretch>
+            <a:fillRect/>
+          </a:stretch>
+        </p:blipFill>
+        <p:spPr>
+          <a:xfrm>
+            <a:off x="1408473" y="3170707"/>
+            <a:ext cx="1028571" cy="2847619"/>
           </a:xfrm>
           <a:prstGeom prst="rect">
             <a:avLst/>
@@ -7903,14 +8143,14 @@
       </p:pic>
       <p:pic>
         <p:nvPicPr>
-          <p:cNvPr id="7" name="Picture 6"/>
+          <p:cNvPr id="12" name="Picture 11"/>
           <p:cNvPicPr>
             <a:picLocks noChangeAspect="1"/>
           </p:cNvPicPr>
           <p:nvPr/>
         </p:nvPicPr>
         <p:blipFill>
-          <a:blip r:embed="rId3">
+          <a:blip r:embed="rId4">
             <a:extLst>
               <a:ext uri="{28A0092B-C50C-407E-A947-70E740481C1C}">
                 <a14:useLocalDpi xmlns:a14="http://schemas.microsoft.com/office/drawing/2010/main" val="0"/>
@@ -7923,117 +8163,14 @@
         </p:blipFill>
         <p:spPr>
           <a:xfrm>
-            <a:off x="2827644" y="1833757"/>
-            <a:ext cx="6228571" cy="1586300"/>
+            <a:off x="2904679" y="4263554"/>
+            <a:ext cx="6630325" cy="1619476"/>
           </a:xfrm>
           <a:prstGeom prst="rect">
             <a:avLst/>
           </a:prstGeom>
         </p:spPr>
       </p:pic>
-      <p:sp>
-        <p:nvSpPr>
-          <p:cNvPr id="8" name="TextBox 7"/>
-          <p:cNvSpPr txBox="1"/>
-          <p:nvPr/>
-        </p:nvSpPr>
-        <p:spPr>
-          <a:xfrm>
-            <a:off x="968991" y="2208588"/>
-            <a:ext cx="1201003" cy="923330"/>
-          </a:xfrm>
-          <a:prstGeom prst="rect">
-            <a:avLst/>
-          </a:prstGeom>
-          <a:noFill/>
-        </p:spPr>
-        <p:txBody>
-          <a:bodyPr wrap="square" rtlCol="0">
-            <a:spAutoFit/>
-          </a:bodyPr>
-          <a:lstStyle/>
-          <a:p>
-            <a:r>
-              <a:rPr lang="en-US" dirty="0"/>
-              <a:t>Step 1: Start the process</a:t>
-            </a:r>
-          </a:p>
-        </p:txBody>
-      </p:sp>
-      <p:sp>
-        <p:nvSpPr>
-          <p:cNvPr id="9" name="TextBox 8"/>
-          <p:cNvSpPr txBox="1"/>
-          <p:nvPr/>
-        </p:nvSpPr>
-        <p:spPr>
-          <a:xfrm>
-            <a:off x="968991" y="4822808"/>
-            <a:ext cx="1201003" cy="1200329"/>
-          </a:xfrm>
-          <a:prstGeom prst="rect">
-            <a:avLst/>
-          </a:prstGeom>
-          <a:noFill/>
-        </p:spPr>
-        <p:txBody>
-          <a:bodyPr wrap="square" rtlCol="0">
-            <a:spAutoFit/>
-          </a:bodyPr>
-          <a:lstStyle/>
-          <a:p>
-            <a:r>
-              <a:rPr lang="en-US" dirty="0"/>
-              <a:t>Step 1: Enter Query Sequence</a:t>
-            </a:r>
-          </a:p>
-        </p:txBody>
-      </p:sp>
-      <p:sp>
-        <p:nvSpPr>
-          <p:cNvPr id="3" name="Footer Placeholder 2"/>
-          <p:cNvSpPr>
-            <a:spLocks noGrp="1"/>
-          </p:cNvSpPr>
-          <p:nvPr>
-            <p:ph type="ftr" sz="quarter" idx="11"/>
-          </p:nvPr>
-        </p:nvSpPr>
-        <p:spPr/>
-        <p:txBody>
-          <a:bodyPr/>
-          <a:lstStyle/>
-          <a:p>
-            <a:r>
-              <a:rPr lang="en-US"/>
-              <a:t>Comparative Protein Modelling</a:t>
-            </a:r>
-          </a:p>
-        </p:txBody>
-      </p:sp>
-      <p:sp>
-        <p:nvSpPr>
-          <p:cNvPr id="4" name="Slide Number Placeholder 3"/>
-          <p:cNvSpPr>
-            <a:spLocks noGrp="1"/>
-          </p:cNvSpPr>
-          <p:nvPr>
-            <p:ph type="sldNum" sz="quarter" idx="12"/>
-          </p:nvPr>
-        </p:nvSpPr>
-        <p:spPr/>
-        <p:txBody>
-          <a:bodyPr/>
-          <a:lstStyle/>
-          <a:p>
-            <a:fld id="{E0B0CD84-942B-4DDE-A335-04A476833DD0}" type="slidenum">
-              <a:rPr lang="en-US" smtClean="0"/>
-              <a:t>3</a:t>
-            </a:fld>
-            <a:endParaRPr lang="en-US"/>
-          </a:p>
-        </p:txBody>
-      </p:sp>
     </p:spTree>
     <p:extLst>
       <p:ext uri="{BB962C8B-B14F-4D97-AF65-F5344CB8AC3E}">
@@ -8094,9 +8231,89 @@
           </a:p>
         </p:txBody>
       </p:sp>
+      <p:sp>
+        <p:nvSpPr>
+          <p:cNvPr id="3" name="Footer Placeholder 2"/>
+          <p:cNvSpPr>
+            <a:spLocks noGrp="1"/>
+          </p:cNvSpPr>
+          <p:nvPr>
+            <p:ph type="ftr" sz="quarter" idx="11"/>
+          </p:nvPr>
+        </p:nvSpPr>
+        <p:spPr/>
+        <p:txBody>
+          <a:bodyPr/>
+          <a:lstStyle/>
+          <a:p>
+            <a:r>
+              <a:rPr lang="en-US"/>
+              <a:t>Comparative Protein Modelling</a:t>
+            </a:r>
+          </a:p>
+        </p:txBody>
+      </p:sp>
+      <p:sp>
+        <p:nvSpPr>
+          <p:cNvPr id="5" name="Slide Number Placeholder 4"/>
+          <p:cNvSpPr>
+            <a:spLocks noGrp="1"/>
+          </p:cNvSpPr>
+          <p:nvPr>
+            <p:ph type="sldNum" sz="quarter" idx="12"/>
+          </p:nvPr>
+        </p:nvSpPr>
+        <p:spPr/>
+        <p:txBody>
+          <a:bodyPr/>
+          <a:lstStyle/>
+          <a:p>
+            <a:fld id="{E0B0CD84-942B-4DDE-A335-04A476833DD0}" type="slidenum">
+              <a:rPr lang="en-US" smtClean="0"/>
+              <a:t>4</a:t>
+            </a:fld>
+            <a:endParaRPr lang="en-US" dirty="0"/>
+          </a:p>
+        </p:txBody>
+      </p:sp>
+      <p:sp>
+        <p:nvSpPr>
+          <p:cNvPr id="9" name="Rectangle 8"/>
+          <p:cNvSpPr/>
+          <p:nvPr/>
+        </p:nvSpPr>
+        <p:spPr>
+          <a:xfrm>
+            <a:off x="838200" y="2188652"/>
+            <a:ext cx="10515600" cy="319446"/>
+          </a:xfrm>
+          <a:prstGeom prst="rect">
+            <a:avLst/>
+          </a:prstGeom>
+        </p:spPr>
+        <p:txBody>
+          <a:bodyPr wrap="square">
+            <a:spAutoFit/>
+          </a:bodyPr>
+          <a:lstStyle/>
+          <a:p>
+            <a:pPr marL="742950" lvl="1" indent="-285750">
+              <a:lnSpc>
+                <a:spcPct val="80000"/>
+              </a:lnSpc>
+              <a:buFont typeface="Arial" panose="020B0604020202020204" pitchFamily="34" charset="0"/>
+              <a:buChar char="•"/>
+            </a:pPr>
+            <a:r>
+              <a:rPr lang="en-US" dirty="0"/>
+              <a:t>Press enter after the verification (If needed to start running the modeler script files)</a:t>
+            </a:r>
+          </a:p>
+        </p:txBody>
+      </p:sp>
       <p:pic>
         <p:nvPicPr>
-          <p:cNvPr id="4" name="Picture 3"/>
+          <p:cNvPr id="10" name="Picture 9"/>
           <p:cNvPicPr>
             <a:picLocks noChangeAspect="1"/>
           </p:cNvPicPr>
@@ -8116,82 +8333,67 @@
         </p:blipFill>
         <p:spPr>
           <a:xfrm>
-            <a:off x="2933258" y="1919333"/>
-            <a:ext cx="6630325" cy="1428976"/>
+            <a:off x="2780837" y="2594401"/>
+            <a:ext cx="6630325" cy="1751519"/>
           </a:xfrm>
           <a:prstGeom prst="rect">
             <a:avLst/>
           </a:prstGeom>
         </p:spPr>
       </p:pic>
+      <p:sp>
+        <p:nvSpPr>
+          <p:cNvPr id="11" name="Rectangle 10"/>
+          <p:cNvSpPr/>
+          <p:nvPr/>
+        </p:nvSpPr>
+        <p:spPr>
+          <a:xfrm>
+            <a:off x="838200" y="4432223"/>
+            <a:ext cx="10515600" cy="319446"/>
+          </a:xfrm>
+          <a:prstGeom prst="rect">
+            <a:avLst/>
+          </a:prstGeom>
+        </p:spPr>
+        <p:txBody>
+          <a:bodyPr wrap="square">
+            <a:spAutoFit/>
+          </a:bodyPr>
+          <a:lstStyle/>
+          <a:p>
+            <a:pPr marL="742950" lvl="1" indent="-285750">
+              <a:lnSpc>
+                <a:spcPct val="80000"/>
+              </a:lnSpc>
+              <a:buFont typeface="Arial" panose="020B0604020202020204" pitchFamily="34" charset="0"/>
+              <a:buChar char="•"/>
+            </a:pPr>
+            <a:r>
+              <a:rPr lang="en-US" dirty="0"/>
+              <a:t>Start the </a:t>
+            </a:r>
+            <a:r>
+              <a:rPr lang="en-US" dirty="0" err="1"/>
+              <a:t>modeller</a:t>
+            </a:r>
+            <a:r>
+              <a:rPr lang="en-US" dirty="0"/>
+              <a:t> with script 1</a:t>
+            </a:r>
+          </a:p>
+        </p:txBody>
+      </p:sp>
       <p:pic>
         <p:nvPicPr>
-          <p:cNvPr id="6" name="Picture 5"/>
+          <p:cNvPr id="12" name="Picture 11"/>
           <p:cNvPicPr>
             <a:picLocks noChangeAspect="1"/>
           </p:cNvPicPr>
           <p:nvPr/>
         </p:nvPicPr>
         <p:blipFill>
-          <a:blip r:embed="rId3"/>
-          <a:stretch>
-            <a:fillRect/>
-          </a:stretch>
-        </p:blipFill>
-        <p:spPr>
-          <a:xfrm>
-            <a:off x="1391851" y="3533740"/>
-            <a:ext cx="1028571" cy="2847619"/>
-          </a:xfrm>
-          <a:prstGeom prst="rect">
-            <a:avLst/>
-          </a:prstGeom>
-        </p:spPr>
-      </p:pic>
-      <p:sp>
-        <p:nvSpPr>
-          <p:cNvPr id="7" name="TextBox 6"/>
-          <p:cNvSpPr txBox="1"/>
-          <p:nvPr/>
-        </p:nvSpPr>
-        <p:spPr>
-          <a:xfrm>
-            <a:off x="1219419" y="1919333"/>
-            <a:ext cx="1201003" cy="923330"/>
-          </a:xfrm>
-          <a:prstGeom prst="rect">
-            <a:avLst/>
-          </a:prstGeom>
-          <a:noFill/>
-        </p:spPr>
-        <p:txBody>
-          <a:bodyPr wrap="square" rtlCol="0">
-            <a:spAutoFit/>
-          </a:bodyPr>
-          <a:lstStyle/>
-          <a:p>
-            <a:r>
-              <a:rPr lang="en-US" dirty="0"/>
-              <a:t>Step 3: Start </a:t>
-            </a:r>
-            <a:r>
-              <a:rPr lang="en-US" dirty="0" err="1"/>
-              <a:t>Modeller</a:t>
-            </a:r>
-            <a:endParaRPr lang="en-US" dirty="0"/>
-          </a:p>
-        </p:txBody>
-      </p:sp>
-      <p:pic>
-        <p:nvPicPr>
-          <p:cNvPr id="8" name="Picture 7"/>
-          <p:cNvPicPr>
-            <a:picLocks noChangeAspect="1"/>
-          </p:cNvPicPr>
-          <p:nvPr/>
-        </p:nvPicPr>
-        <p:blipFill>
-          <a:blip r:embed="rId4">
+          <a:blip r:embed="rId3">
             <a:extLst>
               <a:ext uri="{28A0092B-C50C-407E-A947-70E740481C1C}">
                 <a14:useLocalDpi xmlns:a14="http://schemas.microsoft.com/office/drawing/2010/main" val="0"/>
@@ -8204,8 +8406,8 @@
         </p:blipFill>
         <p:spPr>
           <a:xfrm>
-            <a:off x="2933258" y="4133744"/>
-            <a:ext cx="6630325" cy="1619476"/>
+            <a:off x="1204229" y="4864599"/>
+            <a:ext cx="9783540" cy="1086002"/>
           </a:xfrm>
           <a:prstGeom prst="rect">
             <a:avLst/>
@@ -8214,45 +8416,146 @@
       </p:pic>
       <p:sp>
         <p:nvSpPr>
-          <p:cNvPr id="3" name="Footer Placeholder 2"/>
-          <p:cNvSpPr>
-            <a:spLocks noGrp="1"/>
-          </p:cNvSpPr>
-          <p:nvPr>
-            <p:ph type="ftr" sz="quarter" idx="11"/>
-          </p:nvPr>
-        </p:nvSpPr>
-        <p:spPr/>
-        <p:txBody>
-          <a:bodyPr/>
+          <p:cNvPr id="13" name="TextBox 12"/>
+          <p:cNvSpPr txBox="1"/>
+          <p:nvPr/>
+        </p:nvSpPr>
+        <p:spPr>
+          <a:xfrm>
+            <a:off x="9982200" y="3650345"/>
+            <a:ext cx="1497496" cy="1200329"/>
+          </a:xfrm>
+          <a:prstGeom prst="rect">
+            <a:avLst/>
+          </a:prstGeom>
+          <a:noFill/>
+        </p:spPr>
+        <p:txBody>
+          <a:bodyPr wrap="square" rtlCol="0">
+            <a:spAutoFit/>
+          </a:bodyPr>
           <a:lstStyle/>
           <a:p>
             <a:r>
-              <a:rPr lang="en-US"/>
-              <a:t>Comparative Protein Modelling</a:t>
-            </a:r>
-          </a:p>
-        </p:txBody>
-      </p:sp>
-      <p:sp>
-        <p:nvSpPr>
-          <p:cNvPr id="5" name="Slide Number Placeholder 4"/>
-          <p:cNvSpPr>
-            <a:spLocks noGrp="1"/>
-          </p:cNvSpPr>
-          <p:nvPr>
-            <p:ph type="sldNum" sz="quarter" idx="12"/>
-          </p:nvPr>
-        </p:nvSpPr>
-        <p:spPr/>
-        <p:txBody>
-          <a:bodyPr/>
+              <a:rPr lang="en-US" dirty="0"/>
+              <a:t>Sample log O/P file generated by modeler</a:t>
+            </a:r>
+          </a:p>
+        </p:txBody>
+      </p:sp>
+      <p:cxnSp>
+        <p:nvCxnSpPr>
+          <p:cNvPr id="15" name="Straight Arrow Connector 14"/>
+          <p:cNvCxnSpPr>
+            <a:endCxn id="13" idx="1"/>
+          </p:cNvCxnSpPr>
+          <p:nvPr/>
+        </p:nvCxnSpPr>
+        <p:spPr>
+          <a:xfrm flipV="1">
+            <a:off x="9236765" y="4250510"/>
+            <a:ext cx="745435" cy="614089"/>
+          </a:xfrm>
+          <a:prstGeom prst="straightConnector1">
+            <a:avLst/>
+          </a:prstGeom>
+          <a:ln>
+            <a:tailEnd type="triangle"/>
+          </a:ln>
+        </p:spPr>
+        <p:style>
+          <a:lnRef idx="1">
+            <a:schemeClr val="accent1"/>
+          </a:lnRef>
+          <a:fillRef idx="0">
+            <a:schemeClr val="accent1"/>
+          </a:fillRef>
+          <a:effectRef idx="0">
+            <a:schemeClr val="accent1"/>
+          </a:effectRef>
+          <a:fontRef idx="minor">
+            <a:schemeClr val="tx1"/>
+          </a:fontRef>
+        </p:style>
+      </p:cxnSp>
+      <p:sp>
+        <p:nvSpPr>
+          <p:cNvPr id="16" name="Oval 15"/>
+          <p:cNvSpPr/>
+          <p:nvPr/>
+        </p:nvSpPr>
+        <p:spPr>
+          <a:xfrm>
+            <a:off x="954156" y="4850674"/>
+            <a:ext cx="1325218" cy="1198932"/>
+          </a:xfrm>
+          <a:prstGeom prst="ellipse">
+            <a:avLst/>
+          </a:prstGeom>
+          <a:noFill/>
+        </p:spPr>
+        <p:style>
+          <a:lnRef idx="2">
+            <a:schemeClr val="accent1">
+              <a:shade val="50000"/>
+            </a:schemeClr>
+          </a:lnRef>
+          <a:fillRef idx="1">
+            <a:schemeClr val="accent1"/>
+          </a:fillRef>
+          <a:effectRef idx="0">
+            <a:schemeClr val="accent1"/>
+          </a:effectRef>
+          <a:fontRef idx="minor">
+            <a:schemeClr val="lt1"/>
+          </a:fontRef>
+        </p:style>
+        <p:txBody>
+          <a:bodyPr rtlCol="0" anchor="ctr"/>
           <a:lstStyle/>
           <a:p>
-            <a:fld id="{E0B0CD84-942B-4DDE-A335-04A476833DD0}" type="slidenum">
-              <a:rPr lang="en-US" smtClean="0"/>
-              <a:t>4</a:t>
-            </a:fld>
+            <a:pPr algn="ctr"/>
+            <a:endParaRPr lang="en-US"/>
+          </a:p>
+        </p:txBody>
+      </p:sp>
+      <p:sp>
+        <p:nvSpPr>
+          <p:cNvPr id="17" name="Oval 16"/>
+          <p:cNvSpPr/>
+          <p:nvPr/>
+        </p:nvSpPr>
+        <p:spPr>
+          <a:xfrm>
+            <a:off x="6539947" y="4864599"/>
+            <a:ext cx="1325218" cy="1198932"/>
+          </a:xfrm>
+          <a:prstGeom prst="ellipse">
+            <a:avLst/>
+          </a:prstGeom>
+          <a:noFill/>
+        </p:spPr>
+        <p:style>
+          <a:lnRef idx="2">
+            <a:schemeClr val="accent1">
+              <a:shade val="50000"/>
+            </a:schemeClr>
+          </a:lnRef>
+          <a:fillRef idx="1">
+            <a:schemeClr val="accent1"/>
+          </a:fillRef>
+          <a:effectRef idx="0">
+            <a:schemeClr val="accent1"/>
+          </a:effectRef>
+          <a:fontRef idx="minor">
+            <a:schemeClr val="lt1"/>
+          </a:fontRef>
+        </p:style>
+        <p:txBody>
+          <a:bodyPr rtlCol="0" anchor="ctr"/>
+          <a:lstStyle/>
+          <a:p>
+            <a:pPr algn="ctr"/>
             <a:endParaRPr lang="en-US"/>
           </a:p>
         </p:txBody>
@@ -8271,6 +8574,202 @@
 </file>
 
 <file path=ppt/slides/slide5.xml><?xml version="1.0" encoding="utf-8"?>
+<p:sld xmlns:a="http://schemas.openxmlformats.org/drawingml/2006/main" xmlns:r="http://schemas.openxmlformats.org/officeDocument/2006/relationships" xmlns:p="http://schemas.openxmlformats.org/presentationml/2006/main">
+  <p:cSld>
+    <p:spTree>
+      <p:nvGrpSpPr>
+        <p:cNvPr id="1" name=""/>
+        <p:cNvGrpSpPr/>
+        <p:nvPr/>
+      </p:nvGrpSpPr>
+      <p:grpSpPr>
+        <a:xfrm>
+          <a:off x="0" y="0"/>
+          <a:ext cx="0" cy="0"/>
+          <a:chOff x="0" y="0"/>
+          <a:chExt cx="0" cy="0"/>
+        </a:xfrm>
+      </p:grpSpPr>
+      <p:sp>
+        <p:nvSpPr>
+          <p:cNvPr id="2" name="Title 1"/>
+          <p:cNvSpPr>
+            <a:spLocks noGrp="1"/>
+          </p:cNvSpPr>
+          <p:nvPr>
+            <p:ph type="title"/>
+          </p:nvPr>
+        </p:nvSpPr>
+        <p:spPr/>
+        <p:txBody>
+          <a:bodyPr/>
+          <a:lstStyle/>
+          <a:p>
+            <a:r>
+              <a:rPr lang="en-US" dirty="0"/>
+              <a:t>Pipelining steps</a:t>
+            </a:r>
+          </a:p>
+        </p:txBody>
+      </p:sp>
+      <p:sp>
+        <p:nvSpPr>
+          <p:cNvPr id="3" name="Content Placeholder 2"/>
+          <p:cNvSpPr>
+            <a:spLocks noGrp="1"/>
+          </p:cNvSpPr>
+          <p:nvPr>
+            <p:ph idx="1"/>
+          </p:nvPr>
+        </p:nvSpPr>
+        <p:spPr/>
+        <p:txBody>
+          <a:bodyPr/>
+          <a:lstStyle/>
+          <a:p>
+            <a:pPr marL="742950" lvl="1" indent="-285750">
+              <a:lnSpc>
+                <a:spcPct val="80000"/>
+              </a:lnSpc>
+            </a:pPr>
+            <a:endParaRPr lang="en-US" dirty="0"/>
+          </a:p>
+          <a:p>
+            <a:pPr marL="457200" lvl="1" indent="0">
+              <a:lnSpc>
+                <a:spcPct val="80000"/>
+              </a:lnSpc>
+              <a:buNone/>
+            </a:pPr>
+            <a:r>
+              <a:rPr lang="en-US" dirty="0"/>
+              <a:t>Similarly the other scripts are implemented as follows:</a:t>
+            </a:r>
+          </a:p>
+          <a:p>
+            <a:pPr marL="742950" lvl="1" indent="-285750">
+              <a:lnSpc>
+                <a:spcPct val="80000"/>
+              </a:lnSpc>
+            </a:pPr>
+            <a:r>
+              <a:rPr lang="en-US" dirty="0"/>
+              <a:t>Next for script 2, Asks for identification of templates, user need to enter the template id’s (Should be </a:t>
+            </a:r>
+            <a:r>
+              <a:rPr lang="en-US" dirty="0" err="1"/>
+              <a:t>pdb</a:t>
+            </a:r>
+            <a:r>
+              <a:rPr lang="en-US" dirty="0"/>
+              <a:t> names); Alternative, we can use API to download </a:t>
+            </a:r>
+            <a:r>
+              <a:rPr lang="en-US" dirty="0" err="1"/>
+              <a:t>pdb’s</a:t>
+            </a:r>
+            <a:r>
+              <a:rPr lang="en-US" dirty="0"/>
+              <a:t> according to ID’s.</a:t>
+            </a:r>
+          </a:p>
+          <a:p>
+            <a:pPr marL="742950" lvl="1" indent="-285750">
+              <a:lnSpc>
+                <a:spcPct val="80000"/>
+              </a:lnSpc>
+            </a:pPr>
+            <a:r>
+              <a:rPr lang="en-US" dirty="0"/>
+              <a:t>Start the next script, ask for user to select the best template by enter template id.</a:t>
+            </a:r>
+          </a:p>
+          <a:p>
+            <a:pPr marL="742950" lvl="1" indent="-285750">
+              <a:lnSpc>
+                <a:spcPct val="80000"/>
+              </a:lnSpc>
+            </a:pPr>
+            <a:r>
+              <a:rPr lang="en-US" dirty="0"/>
+              <a:t>Runs script 3 and script 4. outputs the models, based on scores obtained user need to enter the best model id</a:t>
+            </a:r>
+          </a:p>
+          <a:p>
+            <a:pPr marL="742950" lvl="1" indent="-285750">
+              <a:lnSpc>
+                <a:spcPct val="80000"/>
+              </a:lnSpc>
+            </a:pPr>
+            <a:r>
+              <a:rPr lang="en-US" dirty="0"/>
+              <a:t>Finishes the process and outputs are generated.</a:t>
+            </a:r>
+          </a:p>
+          <a:p>
+            <a:endParaRPr lang="en-US" dirty="0"/>
+          </a:p>
+        </p:txBody>
+      </p:sp>
+      <p:sp>
+        <p:nvSpPr>
+          <p:cNvPr id="4" name="Footer Placeholder 3"/>
+          <p:cNvSpPr>
+            <a:spLocks noGrp="1"/>
+          </p:cNvSpPr>
+          <p:nvPr>
+            <p:ph type="ftr" sz="quarter" idx="11"/>
+          </p:nvPr>
+        </p:nvSpPr>
+        <p:spPr/>
+        <p:txBody>
+          <a:bodyPr/>
+          <a:lstStyle/>
+          <a:p>
+            <a:r>
+              <a:rPr lang="en-US"/>
+              <a:t>Comparative Protein Modelling</a:t>
+            </a:r>
+          </a:p>
+        </p:txBody>
+      </p:sp>
+      <p:sp>
+        <p:nvSpPr>
+          <p:cNvPr id="5" name="Slide Number Placeholder 4"/>
+          <p:cNvSpPr>
+            <a:spLocks noGrp="1"/>
+          </p:cNvSpPr>
+          <p:nvPr>
+            <p:ph type="sldNum" sz="quarter" idx="12"/>
+          </p:nvPr>
+        </p:nvSpPr>
+        <p:spPr/>
+        <p:txBody>
+          <a:bodyPr/>
+          <a:lstStyle/>
+          <a:p>
+            <a:fld id="{E0B0CD84-942B-4DDE-A335-04A476833DD0}" type="slidenum">
+              <a:rPr lang="en-US" smtClean="0"/>
+              <a:t>5</a:t>
+            </a:fld>
+            <a:endParaRPr lang="en-US" dirty="0"/>
+          </a:p>
+        </p:txBody>
+      </p:sp>
+    </p:spTree>
+    <p:extLst>
+      <p:ext uri="{BB962C8B-B14F-4D97-AF65-F5344CB8AC3E}">
+        <p14:creationId xmlns:p14="http://schemas.microsoft.com/office/powerpoint/2010/main" val="4043351925"/>
+      </p:ext>
+    </p:extLst>
+  </p:cSld>
+  <p:clrMapOvr>
+    <a:masterClrMapping/>
+  </p:clrMapOvr>
+</p:sld>
+</file>
+
+<file path=ppt/slides/slide6.xml><?xml version="1.0" encoding="utf-8"?>
 <p:sld xmlns:a="http://schemas.openxmlformats.org/drawingml/2006/main" xmlns:r="http://schemas.openxmlformats.org/officeDocument/2006/relationships" xmlns:p="http://schemas.openxmlformats.org/presentationml/2006/main">
   <p:cSld>
     <p:spTree>
@@ -8428,30 +8927,12 @@
           <a:lstStyle/>
           <a:p>
             <a:r>
-              <a:rPr lang="en-US" sz="1800" dirty="0" err="1">
-                <a:solidFill>
-                  <a:schemeClr val="bg1"/>
-                </a:solidFill>
-              </a:rPr>
-              <a:t>Modeller</a:t>
-            </a:r>
-            <a:r>
               <a:rPr lang="en-US" sz="1800" dirty="0">
                 <a:solidFill>
                   <a:schemeClr val="bg1"/>
                 </a:solidFill>
               </a:rPr>
-              <a:t> start and at each step program ask for I/P query, template ID as needed which are provided based on evaluation</a:t>
-            </a:r>
-          </a:p>
-          <a:p>
-            <a:r>
-              <a:rPr lang="en-US" sz="1800" dirty="0">
-                <a:solidFill>
-                  <a:schemeClr val="bg1"/>
-                </a:solidFill>
-              </a:rPr>
-              <a:t>Drawbacks: Information on console (as off now, can be separated-Refinement)</a:t>
+              <a:t>Drawbacks: Information on console (as off now, can be separated - Refinement)</a:t>
             </a:r>
           </a:p>
           <a:p>
@@ -9595,9 +10076,9 @@
           <a:p>
             <a:fld id="{E0B0CD84-942B-4DDE-A335-04A476833DD0}" type="slidenum">
               <a:rPr lang="en-US" smtClean="0"/>
-              <a:t>5</a:t>
+              <a:t>6</a:t>
             </a:fld>
-            <a:endParaRPr lang="en-US"/>
+            <a:endParaRPr lang="en-US" dirty="0"/>
           </a:p>
         </p:txBody>
       </p:sp>
@@ -9614,7 +10095,7 @@
 </p:sld>
 </file>
 
-<file path=ppt/slides/slide6.xml><?xml version="1.0" encoding="utf-8"?>
+<file path=ppt/slides/slide7.xml><?xml version="1.0" encoding="utf-8"?>
 <p:sld xmlns:a="http://schemas.openxmlformats.org/drawingml/2006/main" xmlns:r="http://schemas.openxmlformats.org/officeDocument/2006/relationships" xmlns:p="http://schemas.openxmlformats.org/presentationml/2006/main">
   <p:cSld>
     <p:bg>
@@ -9887,7 +10368,7 @@
           <a:p>
             <a:fld id="{E0B0CD84-942B-4DDE-A335-04A476833DD0}" type="slidenum">
               <a:rPr lang="en-US" smtClean="0"/>
-              <a:t>6</a:t>
+              <a:t>7</a:t>
             </a:fld>
             <a:endParaRPr lang="en-US"/>
           </a:p>
@@ -9906,7 +10387,7 @@
 </p:sld>
 </file>
 
-<file path=ppt/slides/slide7.xml><?xml version="1.0" encoding="utf-8"?>
+<file path=ppt/slides/slide8.xml><?xml version="1.0" encoding="utf-8"?>
 <p:sld xmlns:a="http://schemas.openxmlformats.org/drawingml/2006/main" xmlns:r="http://schemas.openxmlformats.org/officeDocument/2006/relationships" xmlns:p="http://schemas.openxmlformats.org/presentationml/2006/main">
   <p:cSld>
     <p:spTree>
@@ -10019,7 +10500,7 @@
           <a:p>
             <a:fld id="{E0B0CD84-942B-4DDE-A335-04A476833DD0}" type="slidenum">
               <a:rPr lang="en-US" smtClean="0"/>
-              <a:t>7</a:t>
+              <a:t>8</a:t>
             </a:fld>
             <a:endParaRPr lang="en-US"/>
           </a:p>
@@ -10038,7 +10519,7 @@
 </p:sld>
 </file>
 
-<file path=ppt/slides/slide8.xml><?xml version="1.0" encoding="utf-8"?>
+<file path=ppt/slides/slide9.xml><?xml version="1.0" encoding="utf-8"?>
 <p:sld xmlns:a="http://schemas.openxmlformats.org/drawingml/2006/main" xmlns:r="http://schemas.openxmlformats.org/officeDocument/2006/relationships" xmlns:p="http://schemas.openxmlformats.org/presentationml/2006/main">
   <p:cSld>
     <p:spTree>
@@ -10062,16 +10543,12 @@
             <a:graphicFrameLocks noGrp="1"/>
           </p:cNvGraphicFramePr>
           <p:nvPr>
-            <p:extLst>
-              <p:ext uri="{D42A27DB-BD31-4B8C-83A1-F6EECF244321}">
-                <p14:modId xmlns:p14="http://schemas.microsoft.com/office/powerpoint/2010/main" val="3598962592"/>
-              </p:ext>
-            </p:extLst>
+            <p:extLst/>
           </p:nvPr>
         </p:nvGraphicFramePr>
         <p:xfrm>
-          <a:off x="838200" y="2186764"/>
-          <a:ext cx="10515599" cy="3932970"/>
+          <a:off x="838200" y="1747471"/>
+          <a:ext cx="10515599" cy="4189503"/>
         </p:xfrm>
         <a:graphic>
           <a:graphicData uri="http://schemas.openxmlformats.org/drawingml/2006/table">
@@ -10102,7 +10579,7 @@
                   </a:extLst>
                 </a:gridCol>
               </a:tblGrid>
-              <a:tr h="984885">
+              <a:tr h="954095">
                 <a:tc>
                   <a:txBody>
                     <a:bodyPr/>
@@ -10248,25 +10725,13 @@
                     <a:p>
                       <a:pPr algn="ctr" fontAlgn="b"/>
                       <a:r>
-                        <a:rPr lang="en-US" sz="3200" i="1" u="none" strike="noStrike" dirty="0">
-                          <a:solidFill>
-                            <a:schemeClr val="bg1"/>
-                          </a:solidFill>
-                          <a:effectLst/>
-                        </a:rPr>
-                        <a:t>CASP</a:t>
-                      </a:r>
-                    </a:p>
-                    <a:p>
-                      <a:pPr algn="ctr" fontAlgn="b"/>
-                      <a:r>
                         <a:rPr lang="en-US" sz="3200" i="1" u="none" strike="noStrike" dirty="0" err="1">
                           <a:solidFill>
                             <a:schemeClr val="bg1"/>
                           </a:solidFill>
                           <a:effectLst/>
                         </a:rPr>
-                        <a:t>Molprobity</a:t>
+                        <a:t>CASPMolprobity</a:t>
                       </a:r>
                       <a:endParaRPr lang="en-US" sz="3200" b="0" i="1" u="none" strike="noStrike" dirty="0">
                         <a:solidFill>
@@ -10329,7 +10794,7 @@
                   </a:ext>
                 </a:extLst>
               </a:tr>
-              <a:tr h="421155">
+              <a:tr h="407988">
                 <a:tc>
                   <a:txBody>
                     <a:bodyPr/>
@@ -10501,7 +10966,7 @@
                   </a:ext>
                 </a:extLst>
               </a:tr>
-              <a:tr h="421155">
+              <a:tr h="407988">
                 <a:tc>
                   <a:txBody>
                     <a:bodyPr/>
@@ -10670,7 +11135,7 @@
                   </a:ext>
                 </a:extLst>
               </a:tr>
-              <a:tr h="421155">
+              <a:tr h="407988">
                 <a:tc>
                   <a:txBody>
                     <a:bodyPr/>
@@ -10842,7 +11307,7 @@
                   </a:ext>
                 </a:extLst>
               </a:tr>
-              <a:tr h="421155">
+              <a:tr h="407988">
                 <a:tc>
                   <a:txBody>
                     <a:bodyPr/>
@@ -10904,7 +11369,19 @@
                         <a:rPr lang="en-US" sz="2000" u="none" strike="noStrike" dirty="0">
                           <a:effectLst/>
                         </a:rPr>
-                        <a:t>2.02</a:t>
+                        <a:t>2.02(5</a:t>
+                      </a:r>
+                      <a:r>
+                        <a:rPr lang="en-US" sz="2000" u="none" strike="noStrike" baseline="30000" dirty="0">
+                          <a:effectLst/>
+                        </a:rPr>
+                        <a:t>th</a:t>
+                      </a:r>
+                      <a:r>
+                        <a:rPr lang="en-US" sz="2000" u="none" strike="noStrike" dirty="0">
+                          <a:effectLst/>
+                        </a:rPr>
+                        <a:t> in the list)</a:t>
                       </a:r>
                       <a:endParaRPr lang="en-US" sz="2000" b="0" i="0" u="none" strike="noStrike" dirty="0">
                         <a:solidFill>
@@ -11014,7 +11491,7 @@
                   </a:ext>
                 </a:extLst>
               </a:tr>
-              <a:tr h="421155">
+              <a:tr h="407988">
                 <a:tc>
                   <a:txBody>
                     <a:bodyPr/>
@@ -11183,7 +11660,7 @@
                   </a:ext>
                 </a:extLst>
               </a:tr>
-              <a:tr h="421155">
+              <a:tr h="407988">
                 <a:tc>
                   <a:txBody>
                     <a:bodyPr/>
@@ -11352,7 +11829,7 @@
                   </a:ext>
                 </a:extLst>
               </a:tr>
-              <a:tr h="421155">
+              <a:tr h="399744">
                 <a:tc>
                   <a:txBody>
                     <a:bodyPr/>
@@ -11360,12 +11837,12 @@
                     <a:p>
                       <a:pPr algn="ctr" fontAlgn="b"/>
                       <a:r>
-                        <a:rPr lang="en-US" sz="2000" u="none" strike="noStrike">
+                        <a:rPr lang="en-US" sz="2000" u="none" strike="noStrike" dirty="0">
                           <a:effectLst/>
                         </a:rPr>
                         <a:t>T0694</a:t>
                       </a:r>
-                      <a:endParaRPr lang="en-US" sz="2000" b="0" i="0" u="none" strike="noStrike">
+                      <a:endParaRPr lang="en-US" sz="2000" b="0" i="0" u="none" strike="noStrike" dirty="0">
                         <a:solidFill>
                           <a:srgbClr val="000000"/>
                         </a:solidFill>
@@ -11393,6 +11870,15 @@
                       <a:headEnd type="none" w="med" len="med"/>
                       <a:tailEnd type="none" w="med" len="med"/>
                     </a:lnT>
+                    <a:lnB w="12700" cap="flat" cmpd="sng" algn="ctr">
+                      <a:solidFill>
+                        <a:schemeClr val="tx1"/>
+                      </a:solidFill>
+                      <a:prstDash val="solid"/>
+                      <a:round/>
+                      <a:headEnd type="none" w="med" len="med"/>
+                      <a:tailEnd type="none" w="med" len="med"/>
+                    </a:lnB>
                   </a:tcPr>
                 </a:tc>
                 <a:tc>
@@ -11444,6 +11930,15 @@
                       <a:headEnd type="none" w="med" len="med"/>
                       <a:tailEnd type="none" w="med" len="med"/>
                     </a:lnT>
+                    <a:lnB w="12700" cap="flat" cmpd="sng" algn="ctr">
+                      <a:solidFill>
+                        <a:schemeClr val="tx1"/>
+                      </a:solidFill>
+                      <a:prstDash val="solid"/>
+                      <a:round/>
+                      <a:headEnd type="none" w="med" len="med"/>
+                      <a:tailEnd type="none" w="med" len="med"/>
+                    </a:lnB>
                   </a:tcPr>
                 </a:tc>
                 <a:tc>
@@ -11486,6 +11981,15 @@
                       <a:headEnd type="none" w="med" len="med"/>
                       <a:tailEnd type="none" w="med" len="med"/>
                     </a:lnT>
+                    <a:lnB w="12700" cap="flat" cmpd="sng" algn="ctr">
+                      <a:solidFill>
+                        <a:schemeClr val="tx1"/>
+                      </a:solidFill>
+                      <a:prstDash val="solid"/>
+                      <a:round/>
+                      <a:headEnd type="none" w="med" len="med"/>
+                      <a:tailEnd type="none" w="med" len="med"/>
+                    </a:lnB>
                   </a:tcPr>
                 </a:tc>
                 <a:extLst>
@@ -11494,6 +11998,172 @@
                   </a:ext>
                 </a:extLst>
               </a:tr>
+              <a:tr h="387736">
+                <a:tc>
+                  <a:txBody>
+                    <a:bodyPr/>
+                    <a:lstStyle/>
+                    <a:p>
+                      <a:pPr algn="ctr" fontAlgn="b"/>
+                      <a:r>
+                        <a:rPr lang="en-US" sz="2000" b="0" i="0" u="none" strike="noStrike" dirty="0">
+                          <a:solidFill>
+                            <a:srgbClr val="000000"/>
+                          </a:solidFill>
+                          <a:effectLst/>
+                          <a:latin typeface="Calibri" panose="020F0502020204030204" pitchFamily="34" charset="0"/>
+                        </a:rPr>
+                        <a:t>T0651</a:t>
+                      </a:r>
+                    </a:p>
+                  </a:txBody>
+                  <a:tcPr marL="9525" marR="9525" marT="9525" marB="0" anchor="b">
+                    <a:lnR w="12700" cap="flat" cmpd="sng" algn="ctr">
+                      <a:solidFill>
+                        <a:schemeClr val="tx1"/>
+                      </a:solidFill>
+                      <a:prstDash val="solid"/>
+                      <a:round/>
+                      <a:headEnd type="none" w="med" len="med"/>
+                      <a:tailEnd type="none" w="med" len="med"/>
+                    </a:lnR>
+                    <a:lnT w="12700" cap="flat" cmpd="sng" algn="ctr">
+                      <a:solidFill>
+                        <a:schemeClr val="tx1"/>
+                      </a:solidFill>
+                      <a:prstDash val="solid"/>
+                      <a:round/>
+                      <a:headEnd type="none" w="med" len="med"/>
+                      <a:tailEnd type="none" w="med" len="med"/>
+                    </a:lnT>
+                  </a:tcPr>
+                </a:tc>
+                <a:tc>
+                  <a:txBody>
+                    <a:bodyPr/>
+                    <a:lstStyle/>
+                    <a:p>
+                      <a:pPr algn="ctr" fontAlgn="b"/>
+                      <a:r>
+                        <a:rPr lang="en-US" sz="2000" b="0" i="0" u="none" strike="noStrike" dirty="0">
+                          <a:solidFill>
+                            <a:srgbClr val="000000"/>
+                          </a:solidFill>
+                          <a:effectLst/>
+                          <a:latin typeface="Calibri" panose="020F0502020204030204" pitchFamily="34" charset="0"/>
+                        </a:rPr>
+                        <a:t>2.18 (13</a:t>
+                      </a:r>
+                      <a:r>
+                        <a:rPr lang="en-US" sz="2000" b="0" i="0" u="none" strike="noStrike" baseline="30000" dirty="0">
+                          <a:solidFill>
+                            <a:srgbClr val="000000"/>
+                          </a:solidFill>
+                          <a:effectLst/>
+                          <a:latin typeface="Calibri" panose="020F0502020204030204" pitchFamily="34" charset="0"/>
+                        </a:rPr>
+                        <a:t>th</a:t>
+                      </a:r>
+                      <a:r>
+                        <a:rPr lang="en-US" sz="2000" b="0" i="0" u="none" strike="noStrike" baseline="0" dirty="0">
+                          <a:solidFill>
+                            <a:srgbClr val="000000"/>
+                          </a:solidFill>
+                          <a:effectLst/>
+                          <a:latin typeface="Calibri" panose="020F0502020204030204" pitchFamily="34" charset="0"/>
+                        </a:rPr>
+                        <a:t> in CASP List</a:t>
+                      </a:r>
+                      <a:r>
+                        <a:rPr lang="en-US" sz="2000" b="0" i="0" u="none" strike="noStrike" dirty="0">
+                          <a:solidFill>
+                            <a:srgbClr val="000000"/>
+                          </a:solidFill>
+                          <a:effectLst/>
+                          <a:latin typeface="Calibri" panose="020F0502020204030204" pitchFamily="34" charset="0"/>
+                        </a:rPr>
+                        <a:t>)</a:t>
+                      </a:r>
+                    </a:p>
+                  </a:txBody>
+                  <a:tcPr marL="9525" marR="9525" marT="9525" marB="0" anchor="b">
+                    <a:lnL w="12700" cap="flat" cmpd="sng" algn="ctr">
+                      <a:solidFill>
+                        <a:schemeClr val="tx1"/>
+                      </a:solidFill>
+                      <a:prstDash val="solid"/>
+                      <a:round/>
+                      <a:headEnd type="none" w="med" len="med"/>
+                      <a:tailEnd type="none" w="med" len="med"/>
+                    </a:lnL>
+                    <a:lnR w="12700" cap="flat" cmpd="sng" algn="ctr">
+                      <a:solidFill>
+                        <a:schemeClr val="tx1"/>
+                      </a:solidFill>
+                      <a:prstDash val="solid"/>
+                      <a:round/>
+                      <a:headEnd type="none" w="med" len="med"/>
+                      <a:tailEnd type="none" w="med" len="med"/>
+                    </a:lnR>
+                    <a:lnT w="12700" cap="flat" cmpd="sng" algn="ctr">
+                      <a:solidFill>
+                        <a:schemeClr val="tx1"/>
+                      </a:solidFill>
+                      <a:prstDash val="solid"/>
+                      <a:round/>
+                      <a:headEnd type="none" w="med" len="med"/>
+                      <a:tailEnd type="none" w="med" len="med"/>
+                    </a:lnT>
+                    <a:solidFill>
+                      <a:srgbClr val="FFFF00"/>
+                    </a:solidFill>
+                  </a:tcPr>
+                </a:tc>
+                <a:tc>
+                  <a:txBody>
+                    <a:bodyPr/>
+                    <a:lstStyle/>
+                    <a:p>
+                      <a:pPr algn="ctr" fontAlgn="b"/>
+                      <a:r>
+                        <a:rPr lang="en-US" sz="2000" b="0" i="0" u="none" strike="noStrike" dirty="0">
+                          <a:solidFill>
+                            <a:srgbClr val="000000"/>
+                          </a:solidFill>
+                          <a:effectLst/>
+                          <a:latin typeface="Calibri" panose="020F0502020204030204" pitchFamily="34" charset="0"/>
+                        </a:rPr>
+                        <a:t>1.27</a:t>
+                      </a:r>
+                    </a:p>
+                  </a:txBody>
+                  <a:tcPr marL="9525" marR="9525" marT="9525" marB="0" anchor="b">
+                    <a:lnL w="12700" cap="flat" cmpd="sng" algn="ctr">
+                      <a:solidFill>
+                        <a:schemeClr val="tx1"/>
+                      </a:solidFill>
+                      <a:prstDash val="solid"/>
+                      <a:round/>
+                      <a:headEnd type="none" w="med" len="med"/>
+                      <a:tailEnd type="none" w="med" len="med"/>
+                    </a:lnL>
+                    <a:lnT w="12700" cap="flat" cmpd="sng" algn="ctr">
+                      <a:solidFill>
+                        <a:schemeClr val="tx1"/>
+                      </a:solidFill>
+                      <a:prstDash val="solid"/>
+                      <a:round/>
+                      <a:headEnd type="none" w="med" len="med"/>
+                      <a:tailEnd type="none" w="med" len="med"/>
+                    </a:lnT>
+                  </a:tcPr>
+                </a:tc>
+                <a:extLst>
+                  <a:ext uri="{0D108BD9-81ED-4DB2-BD59-A6C34878D82A}">
+                    <a16:rowId xmlns:a16="http://schemas.microsoft.com/office/drawing/2014/main" val="3950036097"/>
+                  </a:ext>
+                </a:extLst>
+              </a:tr>
             </a:tbl>
           </a:graphicData>
         </a:graphic>
@@ -11571,7 +12241,7 @@
           <a:p>
             <a:fld id="{E0B0CD84-942B-4DDE-A335-04A476833DD0}" type="slidenum">
               <a:rPr lang="en-US" smtClean="0"/>
-              <a:t>8</a:t>
+              <a:t>9</a:t>
             </a:fld>
             <a:endParaRPr lang="en-US"/>
           </a:p>
@@ -11581,137 +12251,6 @@
     <p:extLst>
       <p:ext uri="{BB962C8B-B14F-4D97-AF65-F5344CB8AC3E}">
         <p14:creationId xmlns:p14="http://schemas.microsoft.com/office/powerpoint/2010/main" val="1879548496"/>
-      </p:ext>
-    </p:extLst>
-  </p:cSld>
-  <p:clrMapOvr>
-    <a:masterClrMapping/>
-  </p:clrMapOvr>
-</p:sld>
-</file>
-
-<file path=ppt/slides/slide9.xml><?xml version="1.0" encoding="utf-8"?>
-<p:sld xmlns:a="http://schemas.openxmlformats.org/drawingml/2006/main" xmlns:r="http://schemas.openxmlformats.org/officeDocument/2006/relationships" xmlns:p="http://schemas.openxmlformats.org/presentationml/2006/main">
-  <p:cSld>
-    <p:spTree>
-      <p:nvGrpSpPr>
-        <p:cNvPr id="1" name=""/>
-        <p:cNvGrpSpPr/>
-        <p:nvPr/>
-      </p:nvGrpSpPr>
-      <p:grpSpPr>
-        <a:xfrm>
-          <a:off x="0" y="0"/>
-          <a:ext cx="0" cy="0"/>
-          <a:chOff x="0" y="0"/>
-          <a:chExt cx="0" cy="0"/>
-        </a:xfrm>
-      </p:grpSpPr>
-      <p:sp>
-        <p:nvSpPr>
-          <p:cNvPr id="2" name="Title 1"/>
-          <p:cNvSpPr>
-            <a:spLocks noGrp="1"/>
-          </p:cNvSpPr>
-          <p:nvPr>
-            <p:ph type="title"/>
-          </p:nvPr>
-        </p:nvSpPr>
-        <p:spPr/>
-        <p:txBody>
-          <a:bodyPr/>
-          <a:lstStyle/>
-          <a:p>
-            <a:r>
-              <a:rPr lang="en-US" dirty="0"/>
-              <a:t>All atom – Clash Scores (</a:t>
-            </a:r>
-            <a:r>
-              <a:rPr lang="en-US" dirty="0" err="1"/>
-              <a:t>Molprobity</a:t>
-            </a:r>
-            <a:r>
-              <a:rPr lang="en-US" dirty="0"/>
-              <a:t>)</a:t>
-            </a:r>
-          </a:p>
-        </p:txBody>
-      </p:sp>
-      <p:graphicFrame>
-        <p:nvGraphicFramePr>
-          <p:cNvPr id="4" name="Chart 3">
-            <a:extLst/>
-          </p:cNvPr>
-          <p:cNvGraphicFramePr>
-            <a:graphicFrameLocks/>
-          </p:cNvGraphicFramePr>
-          <p:nvPr>
-            <p:extLst>
-              <p:ext uri="{D42A27DB-BD31-4B8C-83A1-F6EECF244321}">
-                <p14:modId xmlns:p14="http://schemas.microsoft.com/office/powerpoint/2010/main" val="3874308293"/>
-              </p:ext>
-            </p:extLst>
-          </p:nvPr>
-        </p:nvGraphicFramePr>
-        <p:xfrm>
-          <a:off x="2163753" y="2174451"/>
-          <a:ext cx="7864493" cy="4143916"/>
-        </p:xfrm>
-        <a:graphic>
-          <a:graphicData uri="http://schemas.openxmlformats.org/drawingml/2006/chart">
-            <c:chart xmlns:c="http://schemas.openxmlformats.org/drawingml/2006/chart" xmlns:r="http://schemas.openxmlformats.org/officeDocument/2006/relationships" r:id="rId2"/>
-          </a:graphicData>
-        </a:graphic>
-      </p:graphicFrame>
-      <p:sp>
-        <p:nvSpPr>
-          <p:cNvPr id="3" name="Footer Placeholder 2"/>
-          <p:cNvSpPr>
-            <a:spLocks noGrp="1"/>
-          </p:cNvSpPr>
-          <p:nvPr>
-            <p:ph type="ftr" sz="quarter" idx="11"/>
-          </p:nvPr>
-        </p:nvSpPr>
-        <p:spPr/>
-        <p:txBody>
-          <a:bodyPr/>
-          <a:lstStyle/>
-          <a:p>
-            <a:r>
-              <a:rPr lang="en-US"/>
-              <a:t>Comparative Protein Modelling</a:t>
-            </a:r>
-          </a:p>
-        </p:txBody>
-      </p:sp>
-      <p:sp>
-        <p:nvSpPr>
-          <p:cNvPr id="5" name="Slide Number Placeholder 4"/>
-          <p:cNvSpPr>
-            <a:spLocks noGrp="1"/>
-          </p:cNvSpPr>
-          <p:nvPr>
-            <p:ph type="sldNum" sz="quarter" idx="12"/>
-          </p:nvPr>
-        </p:nvSpPr>
-        <p:spPr/>
-        <p:txBody>
-          <a:bodyPr/>
-          <a:lstStyle/>
-          <a:p>
-            <a:fld id="{E0B0CD84-942B-4DDE-A335-04A476833DD0}" type="slidenum">
-              <a:rPr lang="en-US" smtClean="0"/>
-              <a:t>9</a:t>
-            </a:fld>
-            <a:endParaRPr lang="en-US"/>
-          </a:p>
-        </p:txBody>
-      </p:sp>
-    </p:spTree>
-    <p:extLst>
-      <p:ext uri="{BB962C8B-B14F-4D97-AF65-F5344CB8AC3E}">
-        <p14:creationId xmlns:p14="http://schemas.microsoft.com/office/powerpoint/2010/main" val="2391670202"/>
       </p:ext>
     </p:extLst>
   </p:cSld>

--- a/ComparativeProteinSequence.pptx
+++ b/ComparativeProteinSequence.pptx
@@ -1398,7 +1398,7 @@
           <a:p>
             <a:fld id="{4AE80D50-86C4-4E75-A9A5-E37063E4CC22}" type="datetimeFigureOut">
               <a:rPr lang="en-US" smtClean="0"/>
-              <a:t>11/30/2016</a:t>
+              <a:t>12/7/2016</a:t>
             </a:fld>
             <a:endParaRPr lang="en-US"/>
           </a:p>
@@ -1794,7 +1794,7 @@
           <a:p>
             <a:fld id="{30C66A6D-F989-4EC4-8F9E-A3329706D682}" type="datetime1">
               <a:rPr lang="en-US" smtClean="0"/>
-              <a:t>11/30/2016</a:t>
+              <a:t>12/7/2016</a:t>
             </a:fld>
             <a:endParaRPr lang="en-US"/>
           </a:p>
@@ -1965,7 +1965,7 @@
           <a:p>
             <a:fld id="{244054AA-5E0C-497D-AC9E-2D24CD6655C1}" type="datetime1">
               <a:rPr lang="en-US" smtClean="0"/>
-              <a:t>11/30/2016</a:t>
+              <a:t>12/7/2016</a:t>
             </a:fld>
             <a:endParaRPr lang="en-US"/>
           </a:p>
@@ -2146,7 +2146,7 @@
           <a:p>
             <a:fld id="{DD9FB7E8-0E6C-4955-A9F3-7AE291B03E0B}" type="datetime1">
               <a:rPr lang="en-US" smtClean="0"/>
-              <a:t>11/30/2016</a:t>
+              <a:t>12/7/2016</a:t>
             </a:fld>
             <a:endParaRPr lang="en-US"/>
           </a:p>
@@ -2317,7 +2317,7 @@
           <a:p>
             <a:fld id="{39A7CB58-BB33-46F7-A434-F97A7221B99C}" type="datetime1">
               <a:rPr lang="en-US" smtClean="0"/>
-              <a:t>11/30/2016</a:t>
+              <a:t>12/7/2016</a:t>
             </a:fld>
             <a:endParaRPr lang="en-US"/>
           </a:p>
@@ -2565,7 +2565,7 @@
           <a:p>
             <a:fld id="{5D3C9F66-72DB-4234-A775-F9D2C9277BDF}" type="datetime1">
               <a:rPr lang="en-US" smtClean="0"/>
-              <a:t>11/30/2016</a:t>
+              <a:t>12/7/2016</a:t>
             </a:fld>
             <a:endParaRPr lang="en-US"/>
           </a:p>
@@ -2797,7 +2797,7 @@
           <a:p>
             <a:fld id="{D475F186-8ABA-4E59-9DF1-94CD3EA439A1}" type="datetime1">
               <a:rPr lang="en-US" smtClean="0"/>
-              <a:t>11/30/2016</a:t>
+              <a:t>12/7/2016</a:t>
             </a:fld>
             <a:endParaRPr lang="en-US"/>
           </a:p>
@@ -3164,7 +3164,7 @@
           <a:p>
             <a:fld id="{6377FFB3-418B-4222-8F57-C109B964DAB2}" type="datetime1">
               <a:rPr lang="en-US" smtClean="0"/>
-              <a:t>11/30/2016</a:t>
+              <a:t>12/7/2016</a:t>
             </a:fld>
             <a:endParaRPr lang="en-US"/>
           </a:p>
@@ -3284,7 +3284,7 @@
           <a:p>
             <a:fld id="{3BF838BC-2FC5-41BC-BF5C-329976C828BA}" type="datetime1">
               <a:rPr lang="en-US" smtClean="0"/>
-              <a:t>11/30/2016</a:t>
+              <a:t>12/7/2016</a:t>
             </a:fld>
             <a:endParaRPr lang="en-US"/>
           </a:p>
@@ -3382,7 +3382,7 @@
           <a:p>
             <a:fld id="{9825A280-D773-4BB8-9766-11B38554BEFB}" type="datetime1">
               <a:rPr lang="en-US" smtClean="0"/>
-              <a:t>11/30/2016</a:t>
+              <a:t>12/7/2016</a:t>
             </a:fld>
             <a:endParaRPr lang="en-US"/>
           </a:p>
@@ -3660,7 +3660,7 @@
           <a:p>
             <a:fld id="{02B8B5FD-45D2-4366-B800-F542608F3406}" type="datetime1">
               <a:rPr lang="en-US" smtClean="0"/>
-              <a:t>11/30/2016</a:t>
+              <a:t>12/7/2016</a:t>
             </a:fld>
             <a:endParaRPr lang="en-US"/>
           </a:p>
@@ -3915,7 +3915,7 @@
           <a:p>
             <a:fld id="{21DBE8E5-7384-457D-AA2E-746548A2AE9F}" type="datetime1">
               <a:rPr lang="en-US" smtClean="0"/>
-              <a:t>11/30/2016</a:t>
+              <a:t>12/7/2016</a:t>
             </a:fld>
             <a:endParaRPr lang="en-US"/>
           </a:p>
@@ -4129,7 +4129,7 @@
           <a:p>
             <a:fld id="{F1B85748-94F4-4614-9A48-7C67C90F9DB8}" type="datetime1">
               <a:rPr lang="en-US" smtClean="0"/>
-              <a:t>11/30/2016</a:t>
+              <a:t>12/7/2016</a:t>
             </a:fld>
             <a:endParaRPr lang="en-US"/>
           </a:p>
@@ -4794,18 +4794,18 @@
             </a:endParaRPr>
           </a:p>
           <a:p>
-            <a:pPr algn="r">
+            <a:pPr>
               <a:lnSpc>
                 <a:spcPct val="80000"/>
               </a:lnSpc>
             </a:pPr>
             <a:r>
-              <a:rPr lang="en-US" sz="2200" dirty="0" err="1">
+              <a:rPr lang="en-US" sz="2200">
                 <a:solidFill>
                   <a:schemeClr val="accent1"/>
                 </a:solidFill>
               </a:rPr>
-              <a:t>Deepika</a:t>
+              <a:t>Bio </a:t>
             </a:r>
             <a:r>
               <a:rPr lang="en-US" sz="2200" dirty="0">
@@ -4813,22 +4813,7 @@
                   <a:schemeClr val="accent1"/>
                 </a:solidFill>
               </a:rPr>
-              <a:t> Joseph</a:t>
-            </a:r>
-          </a:p>
-          <a:p>
-            <a:pPr>
-              <a:lnSpc>
-                <a:spcPct val="80000"/>
-              </a:lnSpc>
-            </a:pPr>
-            <a:r>
-              <a:rPr lang="en-US" sz="2200" dirty="0">
-                <a:solidFill>
-                  <a:schemeClr val="accent1"/>
-                </a:solidFill>
-              </a:rPr>
-              <a:t>Bio Informatics</a:t>
+              <a:t>Informatics</a:t>
             </a:r>
           </a:p>
           <a:p>

--- a/ComparativeProteinSequence.pptx
+++ b/ComparativeProteinSequence.pptx
@@ -300,9 +300,9 @@
           </c:dLbls>
           <c:cat>
             <c:strRef>
-              <c:f>'TM and RMSD'!$A$2:$A$9</c:f>
+              <c:f>'TM and RMSD'!$A$2:$A$10</c:f>
               <c:strCache>
-                <c:ptCount val="8"/>
+                <c:ptCount val="9"/>
                 <c:pt idx="0">
                   <c:v>T0843</c:v>
                 </c:pt>
@@ -325,6 +325,9 @@
                   <c:v>T0694</c:v>
                 </c:pt>
                 <c:pt idx="7">
+                  <c:v>T0678</c:v>
+                </c:pt>
+                <c:pt idx="8">
                   <c:v>T0651</c:v>
                 </c:pt>
               </c:strCache>
@@ -332,10 +335,10 @@
           </c:cat>
           <c:val>
             <c:numRef>
-              <c:f>'TM and RMSD'!$B$2:$B$9</c:f>
+              <c:f>'TM and RMSD'!$B$2:$B$10</c:f>
               <c:numCache>
                 <c:formatCode>General</c:formatCode>
-                <c:ptCount val="8"/>
+                <c:ptCount val="9"/>
                 <c:pt idx="0">
                   <c:v>0.88660000000000005</c:v>
                 </c:pt>
@@ -358,6 +361,9 @@
                   <c:v>0.95760000000000001</c:v>
                 </c:pt>
                 <c:pt idx="7">
+                  <c:v>0.92220000000000002</c:v>
+                </c:pt>
+                <c:pt idx="8">
                   <c:v>0.9788</c:v>
                 </c:pt>
               </c:numCache>
@@ -480,9 +486,9 @@
           </c:dLbls>
           <c:cat>
             <c:strRef>
-              <c:f>'TM and RMSD'!$A$2:$A$9</c:f>
+              <c:f>'TM and RMSD'!$A$2:$A$10</c:f>
               <c:strCache>
-                <c:ptCount val="8"/>
+                <c:ptCount val="9"/>
                 <c:pt idx="0">
                   <c:v>T0843</c:v>
                 </c:pt>
@@ -505,6 +511,9 @@
                   <c:v>T0694</c:v>
                 </c:pt>
                 <c:pt idx="7">
+                  <c:v>T0678</c:v>
+                </c:pt>
+                <c:pt idx="8">
                   <c:v>T0651</c:v>
                 </c:pt>
               </c:strCache>
@@ -512,10 +521,10 @@
           </c:cat>
           <c:val>
             <c:numRef>
-              <c:f>'TM and RMSD'!$C$2:$C$9</c:f>
+              <c:f>'TM and RMSD'!$C$2:$C$10</c:f>
               <c:numCache>
                 <c:formatCode>General</c:formatCode>
-                <c:ptCount val="8"/>
+                <c:ptCount val="9"/>
                 <c:pt idx="0">
                   <c:v>0.94</c:v>
                 </c:pt>
@@ -5009,7 +5018,7 @@
           <p:nvPr>
             <p:extLst>
               <p:ext uri="{D42A27DB-BD31-4B8C-83A1-F6EECF244321}">
-                <p14:modId xmlns:p14="http://schemas.microsoft.com/office/powerpoint/2010/main" val="2300600100"/>
+                <p14:modId xmlns:p14="http://schemas.microsoft.com/office/powerpoint/2010/main" val="3694612097"/>
               </p:ext>
             </p:extLst>
           </p:nvPr>
@@ -5063,14 +5072,14 @@
           <p:nvPr>
             <p:extLst>
               <p:ext uri="{D42A27DB-BD31-4B8C-83A1-F6EECF244321}">
-                <p14:modId xmlns:p14="http://schemas.microsoft.com/office/powerpoint/2010/main" val="1438833704"/>
+                <p14:modId xmlns:p14="http://schemas.microsoft.com/office/powerpoint/2010/main" val="564885608"/>
               </p:ext>
             </p:extLst>
           </p:nvPr>
         </p:nvGraphicFramePr>
         <p:xfrm>
-          <a:off x="838200" y="1747471"/>
-          <a:ext cx="10515599" cy="4220293"/>
+          <a:off x="838200" y="1378225"/>
+          <a:ext cx="10515599" cy="4697254"/>
         </p:xfrm>
         <a:graphic>
           <a:graphicData uri="http://schemas.openxmlformats.org/drawingml/2006/table">
@@ -5079,21 +5088,28 @@
                 <a:tableStyleId>{69012ECD-51FC-41F1-AA8D-1B2483CD663E}</a:tableStyleId>
               </a:tblPr>
               <a:tblGrid>
-                <a:gridCol w="3189566">
+                <a:gridCol w="2447267">
                   <a:extLst>
                     <a:ext uri="{9D8B030D-6E8A-4147-A177-3AD203B41FA5}">
                       <a16:colId xmlns:a16="http://schemas.microsoft.com/office/drawing/2014/main" val="3101889724"/>
                     </a:ext>
                   </a:extLst>
                 </a:gridCol>
-                <a:gridCol w="4136467">
+                <a:gridCol w="2447267">
+                  <a:extLst>
+                    <a:ext uri="{9D8B030D-6E8A-4147-A177-3AD203B41FA5}">
+                      <a16:colId xmlns:a16="http://schemas.microsoft.com/office/drawing/2014/main" val="3711497806"/>
+                    </a:ext>
+                  </a:extLst>
+                </a:gridCol>
+                <a:gridCol w="3173798">
                   <a:extLst>
                     <a:ext uri="{9D8B030D-6E8A-4147-A177-3AD203B41FA5}">
                       <a16:colId xmlns:a16="http://schemas.microsoft.com/office/drawing/2014/main" val="3602528146"/>
                     </a:ext>
                   </a:extLst>
                 </a:gridCol>
-                <a:gridCol w="3189566">
+                <a:gridCol w="2447267">
                   <a:extLst>
                     <a:ext uri="{9D8B030D-6E8A-4147-A177-3AD203B41FA5}">
                       <a16:colId xmlns:a16="http://schemas.microsoft.com/office/drawing/2014/main" val="195374431"/>
@@ -5101,7 +5117,7 @@
                   </a:extLst>
                 </a:gridCol>
               </a:tblGrid>
-              <a:tr h="984885">
+              <a:tr h="1539601">
                 <a:tc>
                   <a:txBody>
                     <a:bodyPr/>
@@ -5124,6 +5140,69 @@
                         <a:effectLst/>
                         <a:latin typeface="+mn-lt"/>
                       </a:endParaRPr>
+                    </a:p>
+                  </a:txBody>
+                  <a:tcPr marL="9525" marR="9525" marT="9525" marB="0" anchor="b">
+                    <a:lnL w="12700" cap="flat" cmpd="sng" algn="ctr">
+                      <a:solidFill>
+                        <a:schemeClr val="tx1"/>
+                      </a:solidFill>
+                      <a:prstDash val="solid"/>
+                      <a:round/>
+                      <a:headEnd type="none" w="med" len="med"/>
+                      <a:tailEnd type="none" w="med" len="med"/>
+                    </a:lnL>
+                    <a:lnR w="12700" cap="flat" cmpd="sng" algn="ctr">
+                      <a:solidFill>
+                        <a:schemeClr val="tx1"/>
+                      </a:solidFill>
+                      <a:prstDash val="solid"/>
+                      <a:round/>
+                      <a:headEnd type="none" w="med" len="med"/>
+                      <a:tailEnd type="none" w="med" len="med"/>
+                    </a:lnR>
+                    <a:lnT w="12700" cap="flat" cmpd="sng" algn="ctr">
+                      <a:solidFill>
+                        <a:schemeClr val="tx1"/>
+                      </a:solidFill>
+                      <a:prstDash val="solid"/>
+                      <a:round/>
+                      <a:headEnd type="none" w="med" len="med"/>
+                      <a:tailEnd type="none" w="med" len="med"/>
+                    </a:lnT>
+                    <a:lnB w="12700" cap="flat" cmpd="sng" algn="ctr">
+                      <a:solidFill>
+                        <a:schemeClr val="tx1"/>
+                      </a:solidFill>
+                      <a:prstDash val="solid"/>
+                      <a:round/>
+                      <a:headEnd type="none" w="med" len="med"/>
+                      <a:tailEnd type="none" w="med" len="med"/>
+                    </a:lnB>
+                    <a:solidFill>
+                      <a:schemeClr val="tx1">
+                        <a:lumMod val="95000"/>
+                        <a:lumOff val="5000"/>
+                      </a:schemeClr>
+                    </a:solidFill>
+                  </a:tcPr>
+                </a:tc>
+                <a:tc>
+                  <a:txBody>
+                    <a:bodyPr/>
+                    <a:lstStyle/>
+                    <a:p>
+                      <a:pPr algn="ctr" fontAlgn="b"/>
+                      <a:r>
+                        <a:rPr lang="en-US" sz="3200" b="0" i="1" u="none" strike="noStrike" dirty="0">
+                          <a:solidFill>
+                            <a:schemeClr val="bg1"/>
+                          </a:solidFill>
+                          <a:effectLst/>
+                          <a:latin typeface="+mn-lt"/>
+                        </a:rPr>
+                        <a:t>Alignment Used</a:t>
+                      </a:r>
                     </a:p>
                   </a:txBody>
                   <a:tcPr marL="9525" marR="9525" marT="9525" marB="0" anchor="b">
@@ -5343,7 +5422,7 @@
                   </a:ext>
                 </a:extLst>
               </a:tr>
-              <a:tr h="407988">
+              <a:tr h="314701">
                 <a:tc>
                   <a:txBody>
                     <a:bodyPr/>
@@ -5366,6 +5445,63 @@
                     </a:p>
                   </a:txBody>
                   <a:tcPr marL="9525" marR="9525" marT="9525" marB="0" anchor="b">
+                    <a:lnR w="12700" cap="flat" cmpd="sng" algn="ctr">
+                      <a:solidFill>
+                        <a:schemeClr val="tx1"/>
+                      </a:solidFill>
+                      <a:prstDash val="solid"/>
+                      <a:round/>
+                      <a:headEnd type="none" w="med" len="med"/>
+                      <a:tailEnd type="none" w="med" len="med"/>
+                    </a:lnR>
+                    <a:lnT w="12700" cap="flat" cmpd="sng" algn="ctr">
+                      <a:solidFill>
+                        <a:schemeClr val="tx1"/>
+                      </a:solidFill>
+                      <a:prstDash val="solid"/>
+                      <a:round/>
+                      <a:headEnd type="none" w="med" len="med"/>
+                      <a:tailEnd type="none" w="med" len="med"/>
+                    </a:lnT>
+                    <a:lnB w="12700" cap="flat" cmpd="sng" algn="ctr">
+                      <a:solidFill>
+                        <a:schemeClr val="tx1"/>
+                      </a:solidFill>
+                      <a:prstDash val="solid"/>
+                      <a:round/>
+                      <a:headEnd type="none" w="med" len="med"/>
+                      <a:tailEnd type="none" w="med" len="med"/>
+                    </a:lnB>
+                  </a:tcPr>
+                </a:tc>
+                <a:tc>
+                  <a:txBody>
+                    <a:bodyPr/>
+                    <a:lstStyle/>
+                    <a:p>
+                      <a:pPr algn="ctr" fontAlgn="b"/>
+                      <a:r>
+                        <a:rPr lang="en-US" sz="2000" b="0" i="0" u="none" strike="noStrike" dirty="0">
+                          <a:solidFill>
+                            <a:srgbClr val="000000"/>
+                          </a:solidFill>
+                          <a:effectLst/>
+                          <a:latin typeface="Calibri" panose="020F0502020204030204" pitchFamily="34" charset="0"/>
+                        </a:rPr>
+                        <a:t>Multiple sequence</a:t>
+                      </a:r>
+                    </a:p>
+                  </a:txBody>
+                  <a:tcPr marL="9525" marR="9525" marT="9525" marB="0" anchor="b">
+                    <a:lnL w="12700" cap="flat" cmpd="sng" algn="ctr">
+                      <a:solidFill>
+                        <a:schemeClr val="tx1"/>
+                      </a:solidFill>
+                      <a:prstDash val="solid"/>
+                      <a:round/>
+                      <a:headEnd type="none" w="med" len="med"/>
+                      <a:tailEnd type="none" w="med" len="med"/>
+                    </a:lnL>
                     <a:lnR w="12700" cap="flat" cmpd="sng" algn="ctr">
                       <a:solidFill>
                         <a:schemeClr val="tx1"/>
@@ -5515,7 +5651,7 @@
                   </a:ext>
                 </a:extLst>
               </a:tr>
-              <a:tr h="407988">
+              <a:tr h="314701">
                 <a:tc>
                   <a:txBody>
                     <a:bodyPr/>
@@ -5538,6 +5674,63 @@
                     </a:p>
                   </a:txBody>
                   <a:tcPr marL="9525" marR="9525" marT="9525" marB="0" anchor="b">
+                    <a:lnR w="12700" cap="flat" cmpd="sng" algn="ctr">
+                      <a:solidFill>
+                        <a:schemeClr val="tx1"/>
+                      </a:solidFill>
+                      <a:prstDash val="solid"/>
+                      <a:round/>
+                      <a:headEnd type="none" w="med" len="med"/>
+                      <a:tailEnd type="none" w="med" len="med"/>
+                    </a:lnR>
+                    <a:lnT w="12700" cap="flat" cmpd="sng" algn="ctr">
+                      <a:solidFill>
+                        <a:schemeClr val="tx1"/>
+                      </a:solidFill>
+                      <a:prstDash val="solid"/>
+                      <a:round/>
+                      <a:headEnd type="none" w="med" len="med"/>
+                      <a:tailEnd type="none" w="med" len="med"/>
+                    </a:lnT>
+                    <a:lnB w="12700" cap="flat" cmpd="sng" algn="ctr">
+                      <a:solidFill>
+                        <a:schemeClr val="tx1"/>
+                      </a:solidFill>
+                      <a:prstDash val="solid"/>
+                      <a:round/>
+                      <a:headEnd type="none" w="med" len="med"/>
+                      <a:tailEnd type="none" w="med" len="med"/>
+                    </a:lnB>
+                  </a:tcPr>
+                </a:tc>
+                <a:tc>
+                  <a:txBody>
+                    <a:bodyPr/>
+                    <a:lstStyle/>
+                    <a:p>
+                      <a:pPr algn="ctr" fontAlgn="b"/>
+                      <a:r>
+                        <a:rPr lang="en-US" sz="2000" b="0" i="0" u="none" strike="noStrike" dirty="0">
+                          <a:solidFill>
+                            <a:srgbClr val="000000"/>
+                          </a:solidFill>
+                          <a:effectLst/>
+                          <a:latin typeface="Calibri" panose="020F0502020204030204" pitchFamily="34" charset="0"/>
+                        </a:rPr>
+                        <a:t>Pair-wise</a:t>
+                      </a:r>
+                    </a:p>
+                  </a:txBody>
+                  <a:tcPr marL="9525" marR="9525" marT="9525" marB="0" anchor="b">
+                    <a:lnL w="12700" cap="flat" cmpd="sng" algn="ctr">
+                      <a:solidFill>
+                        <a:schemeClr val="tx1"/>
+                      </a:solidFill>
+                      <a:prstDash val="solid"/>
+                      <a:round/>
+                      <a:headEnd type="none" w="med" len="med"/>
+                      <a:tailEnd type="none" w="med" len="med"/>
+                    </a:lnL>
                     <a:lnR w="12700" cap="flat" cmpd="sng" algn="ctr">
                       <a:solidFill>
                         <a:schemeClr val="tx1"/>
@@ -5684,7 +5877,7 @@
                   </a:ext>
                 </a:extLst>
               </a:tr>
-              <a:tr h="407988">
+              <a:tr h="314701">
                 <a:tc>
                   <a:txBody>
                     <a:bodyPr/>
@@ -5707,6 +5900,63 @@
                     </a:p>
                   </a:txBody>
                   <a:tcPr marL="9525" marR="9525" marT="9525" marB="0" anchor="b">
+                    <a:lnR w="12700" cap="flat" cmpd="sng" algn="ctr">
+                      <a:solidFill>
+                        <a:schemeClr val="tx1"/>
+                      </a:solidFill>
+                      <a:prstDash val="solid"/>
+                      <a:round/>
+                      <a:headEnd type="none" w="med" len="med"/>
+                      <a:tailEnd type="none" w="med" len="med"/>
+                    </a:lnR>
+                    <a:lnT w="12700" cap="flat" cmpd="sng" algn="ctr">
+                      <a:solidFill>
+                        <a:schemeClr val="tx1"/>
+                      </a:solidFill>
+                      <a:prstDash val="solid"/>
+                      <a:round/>
+                      <a:headEnd type="none" w="med" len="med"/>
+                      <a:tailEnd type="none" w="med" len="med"/>
+                    </a:lnT>
+                    <a:lnB w="12700" cap="flat" cmpd="sng" algn="ctr">
+                      <a:solidFill>
+                        <a:schemeClr val="tx1"/>
+                      </a:solidFill>
+                      <a:prstDash val="solid"/>
+                      <a:round/>
+                      <a:headEnd type="none" w="med" len="med"/>
+                      <a:tailEnd type="none" w="med" len="med"/>
+                    </a:lnB>
+                  </a:tcPr>
+                </a:tc>
+                <a:tc>
+                  <a:txBody>
+                    <a:bodyPr/>
+                    <a:lstStyle/>
+                    <a:p>
+                      <a:pPr algn="ctr" fontAlgn="b"/>
+                      <a:r>
+                        <a:rPr lang="en-US" sz="2000" b="0" i="0" u="none" strike="noStrike" dirty="0">
+                          <a:solidFill>
+                            <a:srgbClr val="000000"/>
+                          </a:solidFill>
+                          <a:effectLst/>
+                          <a:latin typeface="Calibri" panose="020F0502020204030204" pitchFamily="34" charset="0"/>
+                        </a:rPr>
+                        <a:t>Pair-wise</a:t>
+                      </a:r>
+                    </a:p>
+                  </a:txBody>
+                  <a:tcPr marL="9525" marR="9525" marT="9525" marB="0" anchor="b">
+                    <a:lnL w="12700" cap="flat" cmpd="sng" algn="ctr">
+                      <a:solidFill>
+                        <a:schemeClr val="tx1"/>
+                      </a:solidFill>
+                      <a:prstDash val="solid"/>
+                      <a:round/>
+                      <a:headEnd type="none" w="med" len="med"/>
+                      <a:tailEnd type="none" w="med" len="med"/>
+                    </a:lnL>
                     <a:lnR w="12700" cap="flat" cmpd="sng" algn="ctr">
                       <a:solidFill>
                         <a:schemeClr val="tx1"/>
@@ -5856,7 +6106,7 @@
                   </a:ext>
                 </a:extLst>
               </a:tr>
-              <a:tr h="407988">
+              <a:tr h="314701">
                 <a:tc>
                   <a:txBody>
                     <a:bodyPr/>
@@ -5879,6 +6129,63 @@
                     </a:p>
                   </a:txBody>
                   <a:tcPr marL="9525" marR="9525" marT="9525" marB="0" anchor="b">
+                    <a:lnR w="12700" cap="flat" cmpd="sng" algn="ctr">
+                      <a:solidFill>
+                        <a:schemeClr val="tx1"/>
+                      </a:solidFill>
+                      <a:prstDash val="solid"/>
+                      <a:round/>
+                      <a:headEnd type="none" w="med" len="med"/>
+                      <a:tailEnd type="none" w="med" len="med"/>
+                    </a:lnR>
+                    <a:lnT w="12700" cap="flat" cmpd="sng" algn="ctr">
+                      <a:solidFill>
+                        <a:schemeClr val="tx1"/>
+                      </a:solidFill>
+                      <a:prstDash val="solid"/>
+                      <a:round/>
+                      <a:headEnd type="none" w="med" len="med"/>
+                      <a:tailEnd type="none" w="med" len="med"/>
+                    </a:lnT>
+                    <a:lnB w="12700" cap="flat" cmpd="sng" algn="ctr">
+                      <a:solidFill>
+                        <a:schemeClr val="tx1"/>
+                      </a:solidFill>
+                      <a:prstDash val="solid"/>
+                      <a:round/>
+                      <a:headEnd type="none" w="med" len="med"/>
+                      <a:tailEnd type="none" w="med" len="med"/>
+                    </a:lnB>
+                  </a:tcPr>
+                </a:tc>
+                <a:tc>
+                  <a:txBody>
+                    <a:bodyPr/>
+                    <a:lstStyle/>
+                    <a:p>
+                      <a:pPr algn="ctr" fontAlgn="b"/>
+                      <a:r>
+                        <a:rPr lang="en-US" sz="2000" b="0" i="0" u="none" strike="noStrike" dirty="0">
+                          <a:solidFill>
+                            <a:srgbClr val="000000"/>
+                          </a:solidFill>
+                          <a:effectLst/>
+                          <a:latin typeface="Calibri" panose="020F0502020204030204" pitchFamily="34" charset="0"/>
+                        </a:rPr>
+                        <a:t>Pair-wise</a:t>
+                      </a:r>
+                    </a:p>
+                  </a:txBody>
+                  <a:tcPr marL="9525" marR="9525" marT="9525" marB="0" anchor="b">
+                    <a:lnL w="12700" cap="flat" cmpd="sng" algn="ctr">
+                      <a:solidFill>
+                        <a:schemeClr val="tx1"/>
+                      </a:solidFill>
+                      <a:prstDash val="solid"/>
+                      <a:round/>
+                      <a:headEnd type="none" w="med" len="med"/>
+                      <a:tailEnd type="none" w="med" len="med"/>
+                    </a:lnL>
                     <a:lnR w="12700" cap="flat" cmpd="sng" algn="ctr">
                       <a:solidFill>
                         <a:schemeClr val="tx1"/>
@@ -6040,7 +6347,7 @@
                   </a:ext>
                 </a:extLst>
               </a:tr>
-              <a:tr h="407988">
+              <a:tr h="314701">
                 <a:tc>
                   <a:txBody>
                     <a:bodyPr/>
@@ -6063,6 +6370,63 @@
                     </a:p>
                   </a:txBody>
                   <a:tcPr marL="9525" marR="9525" marT="9525" marB="0" anchor="b">
+                    <a:lnR w="12700" cap="flat" cmpd="sng" algn="ctr">
+                      <a:solidFill>
+                        <a:schemeClr val="tx1"/>
+                      </a:solidFill>
+                      <a:prstDash val="solid"/>
+                      <a:round/>
+                      <a:headEnd type="none" w="med" len="med"/>
+                      <a:tailEnd type="none" w="med" len="med"/>
+                    </a:lnR>
+                    <a:lnT w="12700" cap="flat" cmpd="sng" algn="ctr">
+                      <a:solidFill>
+                        <a:schemeClr val="tx1"/>
+                      </a:solidFill>
+                      <a:prstDash val="solid"/>
+                      <a:round/>
+                      <a:headEnd type="none" w="med" len="med"/>
+                      <a:tailEnd type="none" w="med" len="med"/>
+                    </a:lnT>
+                    <a:lnB w="12700" cap="flat" cmpd="sng" algn="ctr">
+                      <a:solidFill>
+                        <a:schemeClr val="tx1"/>
+                      </a:solidFill>
+                      <a:prstDash val="solid"/>
+                      <a:round/>
+                      <a:headEnd type="none" w="med" len="med"/>
+                      <a:tailEnd type="none" w="med" len="med"/>
+                    </a:lnB>
+                  </a:tcPr>
+                </a:tc>
+                <a:tc>
+                  <a:txBody>
+                    <a:bodyPr/>
+                    <a:lstStyle/>
+                    <a:p>
+                      <a:pPr algn="ctr" fontAlgn="b"/>
+                      <a:r>
+                        <a:rPr lang="en-US" sz="2000" b="0" i="0" u="none" strike="noStrike" dirty="0">
+                          <a:solidFill>
+                            <a:srgbClr val="000000"/>
+                          </a:solidFill>
+                          <a:effectLst/>
+                          <a:latin typeface="Calibri" panose="020F0502020204030204" pitchFamily="34" charset="0"/>
+                        </a:rPr>
+                        <a:t>Multiple sequence</a:t>
+                      </a:r>
+                    </a:p>
+                  </a:txBody>
+                  <a:tcPr marL="9525" marR="9525" marT="9525" marB="0" anchor="b">
+                    <a:lnL w="12700" cap="flat" cmpd="sng" algn="ctr">
+                      <a:solidFill>
+                        <a:schemeClr val="tx1"/>
+                      </a:solidFill>
+                      <a:prstDash val="solid"/>
+                      <a:round/>
+                      <a:headEnd type="none" w="med" len="med"/>
+                      <a:tailEnd type="none" w="med" len="med"/>
+                    </a:lnL>
                     <a:lnR w="12700" cap="flat" cmpd="sng" algn="ctr">
                       <a:solidFill>
                         <a:schemeClr val="tx1"/>
@@ -6209,7 +6573,7 @@
                   </a:ext>
                 </a:extLst>
               </a:tr>
-              <a:tr h="407988">
+              <a:tr h="314701">
                 <a:tc>
                   <a:txBody>
                     <a:bodyPr/>
@@ -6232,6 +6596,70 @@
                     </a:p>
                   </a:txBody>
                   <a:tcPr marL="9525" marR="9525" marT="9525" marB="0" anchor="b">
+                    <a:lnR w="12700" cap="flat" cmpd="sng" algn="ctr">
+                      <a:solidFill>
+                        <a:schemeClr val="tx1"/>
+                      </a:solidFill>
+                      <a:prstDash val="solid"/>
+                      <a:round/>
+                      <a:headEnd type="none" w="med" len="med"/>
+                      <a:tailEnd type="none" w="med" len="med"/>
+                    </a:lnR>
+                    <a:lnT w="12700" cap="flat" cmpd="sng" algn="ctr">
+                      <a:solidFill>
+                        <a:schemeClr val="tx1"/>
+                      </a:solidFill>
+                      <a:prstDash val="solid"/>
+                      <a:round/>
+                      <a:headEnd type="none" w="med" len="med"/>
+                      <a:tailEnd type="none" w="med" len="med"/>
+                    </a:lnT>
+                    <a:lnB w="12700" cap="flat" cmpd="sng" algn="ctr">
+                      <a:solidFill>
+                        <a:schemeClr val="tx1"/>
+                      </a:solidFill>
+                      <a:prstDash val="solid"/>
+                      <a:round/>
+                      <a:headEnd type="none" w="med" len="med"/>
+                      <a:tailEnd type="none" w="med" len="med"/>
+                    </a:lnB>
+                  </a:tcPr>
+                </a:tc>
+                <a:tc>
+                  <a:txBody>
+                    <a:bodyPr/>
+                    <a:lstStyle/>
+                    <a:p>
+                      <a:pPr algn="ctr" fontAlgn="b"/>
+                      <a:r>
+                        <a:rPr lang="en-US" sz="2000" b="0" i="0" u="none" strike="noStrike">
+                          <a:solidFill>
+                            <a:srgbClr val="000000"/>
+                          </a:solidFill>
+                          <a:effectLst/>
+                          <a:latin typeface="Calibri" panose="020F0502020204030204" pitchFamily="34" charset="0"/>
+                        </a:rPr>
+                        <a:t>Multiple sequence</a:t>
+                      </a:r>
+                      <a:endParaRPr lang="en-US" sz="2000" b="0" i="0" u="none" strike="noStrike" dirty="0">
+                        <a:solidFill>
+                          <a:srgbClr val="000000"/>
+                        </a:solidFill>
+                        <a:effectLst/>
+                        <a:latin typeface="Calibri" panose="020F0502020204030204" pitchFamily="34" charset="0"/>
+                      </a:endParaRPr>
+                    </a:p>
+                  </a:txBody>
+                  <a:tcPr marL="9525" marR="9525" marT="9525" marB="0" anchor="b">
+                    <a:lnL w="12700" cap="flat" cmpd="sng" algn="ctr">
+                      <a:solidFill>
+                        <a:schemeClr val="tx1"/>
+                      </a:solidFill>
+                      <a:prstDash val="solid"/>
+                      <a:round/>
+                      <a:headEnd type="none" w="med" len="med"/>
+                      <a:tailEnd type="none" w="med" len="med"/>
+                    </a:lnL>
                     <a:lnR w="12700" cap="flat" cmpd="sng" algn="ctr">
                       <a:solidFill>
                         <a:schemeClr val="tx1"/>
@@ -6378,7 +6806,7 @@
                   </a:ext>
                 </a:extLst>
               </a:tr>
-              <a:tr h="399744">
+              <a:tr h="314325">
                 <a:tc>
                   <a:txBody>
                     <a:bodyPr/>
@@ -6401,6 +6829,63 @@
                     </a:p>
                   </a:txBody>
                   <a:tcPr marL="9525" marR="9525" marT="9525" marB="0" anchor="b">
+                    <a:lnR w="12700" cap="flat" cmpd="sng" algn="ctr">
+                      <a:solidFill>
+                        <a:schemeClr val="tx1"/>
+                      </a:solidFill>
+                      <a:prstDash val="solid"/>
+                      <a:round/>
+                      <a:headEnd type="none" w="med" len="med"/>
+                      <a:tailEnd type="none" w="med" len="med"/>
+                    </a:lnR>
+                    <a:lnT w="12700" cap="flat" cmpd="sng" algn="ctr">
+                      <a:solidFill>
+                        <a:schemeClr val="tx1"/>
+                      </a:solidFill>
+                      <a:prstDash val="solid"/>
+                      <a:round/>
+                      <a:headEnd type="none" w="med" len="med"/>
+                      <a:tailEnd type="none" w="med" len="med"/>
+                    </a:lnT>
+                    <a:lnB w="12700" cap="flat" cmpd="sng" algn="ctr">
+                      <a:solidFill>
+                        <a:schemeClr val="tx1"/>
+                      </a:solidFill>
+                      <a:prstDash val="solid"/>
+                      <a:round/>
+                      <a:headEnd type="none" w="med" len="med"/>
+                      <a:tailEnd type="none" w="med" len="med"/>
+                    </a:lnB>
+                  </a:tcPr>
+                </a:tc>
+                <a:tc>
+                  <a:txBody>
+                    <a:bodyPr/>
+                    <a:lstStyle/>
+                    <a:p>
+                      <a:pPr algn="ctr" fontAlgn="b"/>
+                      <a:r>
+                        <a:rPr lang="en-US" sz="2000" b="0" i="0" u="none" strike="noStrike" dirty="0">
+                          <a:solidFill>
+                            <a:srgbClr val="000000"/>
+                          </a:solidFill>
+                          <a:effectLst/>
+                          <a:latin typeface="Calibri" panose="020F0502020204030204" pitchFamily="34" charset="0"/>
+                        </a:rPr>
+                        <a:t>Multiple sequence</a:t>
+                      </a:r>
+                    </a:p>
+                  </a:txBody>
+                  <a:tcPr marL="9525" marR="9525" marT="9525" marB="0" anchor="b">
+                    <a:lnL w="12700" cap="flat" cmpd="sng" algn="ctr">
+                      <a:solidFill>
+                        <a:schemeClr val="tx1"/>
+                      </a:solidFill>
+                      <a:prstDash val="solid"/>
+                      <a:round/>
+                      <a:headEnd type="none" w="med" len="med"/>
+                      <a:tailEnd type="none" w="med" len="med"/>
+                    </a:lnL>
                     <a:lnR w="12700" cap="flat" cmpd="sng" algn="ctr">
                       <a:solidFill>
                         <a:schemeClr val="tx1"/>
@@ -6547,7 +7032,7 @@
                   </a:ext>
                 </a:extLst>
               </a:tr>
-              <a:tr h="387736">
+              <a:tr h="477561">
                 <a:tc>
                   <a:txBody>
                     <a:bodyPr/>
@@ -6585,6 +7070,72 @@
                       <a:headEnd type="none" w="med" len="med"/>
                       <a:tailEnd type="none" w="med" len="med"/>
                     </a:lnT>
+                    <a:lnB w="12700" cap="flat" cmpd="sng" algn="ctr">
+                      <a:solidFill>
+                        <a:schemeClr val="tx1"/>
+                      </a:solidFill>
+                      <a:prstDash val="solid"/>
+                      <a:round/>
+                      <a:headEnd type="none" w="med" len="med"/>
+                      <a:tailEnd type="none" w="med" len="med"/>
+                    </a:lnB>
+                  </a:tcPr>
+                </a:tc>
+                <a:tc>
+                  <a:txBody>
+                    <a:bodyPr/>
+                    <a:lstStyle/>
+                    <a:p>
+                      <a:pPr algn="ctr" fontAlgn="b"/>
+                      <a:r>
+                        <a:rPr lang="en-US" sz="2000" b="0" i="0" u="none" strike="noStrike" dirty="0">
+                          <a:solidFill>
+                            <a:srgbClr val="000000"/>
+                          </a:solidFill>
+                          <a:effectLst/>
+                          <a:latin typeface="Calibri" panose="020F0502020204030204" pitchFamily="34" charset="0"/>
+                        </a:rPr>
+                        <a:t>Multiple sequence</a:t>
+                      </a:r>
+                    </a:p>
+                  </a:txBody>
+                  <a:tcPr marL="9525" marR="9525" marT="9525" marB="0" anchor="b">
+                    <a:lnL w="12700" cap="flat" cmpd="sng" algn="ctr">
+                      <a:solidFill>
+                        <a:schemeClr val="tx1"/>
+                      </a:solidFill>
+                      <a:prstDash val="solid"/>
+                      <a:round/>
+                      <a:headEnd type="none" w="med" len="med"/>
+                      <a:tailEnd type="none" w="med" len="med"/>
+                    </a:lnL>
+                    <a:lnR w="12700" cap="flat" cmpd="sng" algn="ctr">
+                      <a:solidFill>
+                        <a:schemeClr val="tx1"/>
+                      </a:solidFill>
+                      <a:prstDash val="solid"/>
+                      <a:round/>
+                      <a:headEnd type="none" w="med" len="med"/>
+                      <a:tailEnd type="none" w="med" len="med"/>
+                    </a:lnR>
+                    <a:lnT w="12700" cap="flat" cmpd="sng" algn="ctr">
+                      <a:solidFill>
+                        <a:schemeClr val="tx1"/>
+                      </a:solidFill>
+                      <a:prstDash val="solid"/>
+                      <a:round/>
+                      <a:headEnd type="none" w="med" len="med"/>
+                      <a:tailEnd type="none" w="med" len="med"/>
+                    </a:lnT>
+                    <a:lnB w="12700" cap="flat" cmpd="sng" algn="ctr">
+                      <a:solidFill>
+                        <a:schemeClr val="tx1"/>
+                      </a:solidFill>
+                      <a:prstDash val="solid"/>
+                      <a:round/>
+                      <a:headEnd type="none" w="med" len="med"/>
+                      <a:tailEnd type="none" w="med" len="med"/>
+                    </a:lnB>
                   </a:tcPr>
                 </a:tc>
                 <a:tc>
@@ -6663,6 +7214,15 @@
                       <a:headEnd type="none" w="med" len="med"/>
                       <a:tailEnd type="none" w="med" len="med"/>
                     </a:lnT>
+                    <a:lnB w="12700" cap="flat" cmpd="sng" algn="ctr">
+                      <a:solidFill>
+                        <a:schemeClr val="tx1"/>
+                      </a:solidFill>
+                      <a:prstDash val="solid"/>
+                      <a:round/>
+                      <a:headEnd type="none" w="med" len="med"/>
+                      <a:tailEnd type="none" w="med" len="med"/>
+                    </a:lnB>
                     <a:solidFill>
                       <a:srgbClr val="FFFF00"/>
                     </a:solidFill>
@@ -6705,11 +7265,210 @@
                       <a:headEnd type="none" w="med" len="med"/>
                       <a:tailEnd type="none" w="med" len="med"/>
                     </a:lnT>
+                    <a:lnB w="12700" cap="flat" cmpd="sng" algn="ctr">
+                      <a:solidFill>
+                        <a:schemeClr val="tx1"/>
+                      </a:solidFill>
+                      <a:prstDash val="solid"/>
+                      <a:round/>
+                      <a:headEnd type="none" w="med" len="med"/>
+                      <a:tailEnd type="none" w="med" len="med"/>
+                    </a:lnB>
                   </a:tcPr>
                 </a:tc>
                 <a:extLst>
                   <a:ext uri="{0D108BD9-81ED-4DB2-BD59-A6C34878D82A}">
                     <a16:rowId xmlns:a16="http://schemas.microsoft.com/office/drawing/2014/main" val="3950036097"/>
+                  </a:ext>
+                </a:extLst>
+              </a:tr>
+              <a:tr h="477561">
+                <a:tc>
+                  <a:txBody>
+                    <a:bodyPr/>
+                    <a:lstStyle/>
+                    <a:p>
+                      <a:pPr algn="ctr" fontAlgn="b"/>
+                      <a:r>
+                        <a:rPr lang="en-US" sz="2000" b="0" i="0" u="none" strike="noStrike" dirty="0">
+                          <a:solidFill>
+                            <a:srgbClr val="000000"/>
+                          </a:solidFill>
+                          <a:effectLst/>
+                          <a:latin typeface="Calibri" panose="020F0502020204030204" pitchFamily="34" charset="0"/>
+                        </a:rPr>
+                        <a:t>T0678</a:t>
+                      </a:r>
+                    </a:p>
+                  </a:txBody>
+                  <a:tcPr marL="9525" marR="9525" marT="9525" marB="0" anchor="b">
+                    <a:lnR w="12700" cap="flat" cmpd="sng" algn="ctr">
+                      <a:solidFill>
+                        <a:schemeClr val="tx1"/>
+                      </a:solidFill>
+                      <a:prstDash val="solid"/>
+                      <a:round/>
+                      <a:headEnd type="none" w="med" len="med"/>
+                      <a:tailEnd type="none" w="med" len="med"/>
+                    </a:lnR>
+                    <a:lnT w="12700" cap="flat" cmpd="sng" algn="ctr">
+                      <a:solidFill>
+                        <a:schemeClr val="tx1"/>
+                      </a:solidFill>
+                      <a:prstDash val="solid"/>
+                      <a:round/>
+                      <a:headEnd type="none" w="med" len="med"/>
+                      <a:tailEnd type="none" w="med" len="med"/>
+                    </a:lnT>
+                  </a:tcPr>
+                </a:tc>
+                <a:tc>
+                  <a:txBody>
+                    <a:bodyPr/>
+                    <a:lstStyle/>
+                    <a:p>
+                      <a:pPr algn="ctr" fontAlgn="b"/>
+                      <a:r>
+                        <a:rPr lang="en-US" sz="2000" b="0" i="0" u="none" strike="noStrike" dirty="0">
+                          <a:solidFill>
+                            <a:srgbClr val="000000"/>
+                          </a:solidFill>
+                          <a:effectLst/>
+                          <a:latin typeface="Calibri" panose="020F0502020204030204" pitchFamily="34" charset="0"/>
+                        </a:rPr>
+                        <a:t>Pair-wise </a:t>
+                      </a:r>
+                    </a:p>
+                  </a:txBody>
+                  <a:tcPr marL="9525" marR="9525" marT="9525" marB="0" anchor="b">
+                    <a:lnL w="12700" cap="flat" cmpd="sng" algn="ctr">
+                      <a:solidFill>
+                        <a:schemeClr val="tx1"/>
+                      </a:solidFill>
+                      <a:prstDash val="solid"/>
+                      <a:round/>
+                      <a:headEnd type="none" w="med" len="med"/>
+                      <a:tailEnd type="none" w="med" len="med"/>
+                    </a:lnL>
+                    <a:lnR w="12700" cap="flat" cmpd="sng" algn="ctr">
+                      <a:solidFill>
+                        <a:schemeClr val="tx1"/>
+                      </a:solidFill>
+                      <a:prstDash val="solid"/>
+                      <a:round/>
+                      <a:headEnd type="none" w="med" len="med"/>
+                      <a:tailEnd type="none" w="med" len="med"/>
+                    </a:lnR>
+                    <a:lnT w="12700" cap="flat" cmpd="sng" algn="ctr">
+                      <a:solidFill>
+                        <a:schemeClr val="tx1"/>
+                      </a:solidFill>
+                      <a:prstDash val="solid"/>
+                      <a:round/>
+                      <a:headEnd type="none" w="med" len="med"/>
+                      <a:tailEnd type="none" w="med" len="med"/>
+                    </a:lnT>
+                  </a:tcPr>
+                </a:tc>
+                <a:tc>
+                  <a:txBody>
+                    <a:bodyPr/>
+                    <a:lstStyle/>
+                    <a:p>
+                      <a:pPr algn="ctr" fontAlgn="b"/>
+                      <a:r>
+                        <a:rPr lang="en-US" sz="1800" kern="1200" dirty="0">
+                          <a:solidFill>
+                            <a:schemeClr val="tx1"/>
+                          </a:solidFill>
+                          <a:effectLst/>
+                          <a:latin typeface="+mn-lt"/>
+                          <a:ea typeface="+mn-ea"/>
+                          <a:cs typeface="+mn-cs"/>
+                        </a:rPr>
+                        <a:t>2.19</a:t>
+                      </a:r>
+                      <a:endParaRPr lang="en-US" sz="2000" b="0" i="0" u="none" strike="noStrike" dirty="0">
+                        <a:solidFill>
+                          <a:srgbClr val="000000"/>
+                        </a:solidFill>
+                        <a:effectLst/>
+                        <a:latin typeface="Calibri" panose="020F0502020204030204" pitchFamily="34" charset="0"/>
+                      </a:endParaRPr>
+                    </a:p>
+                  </a:txBody>
+                  <a:tcPr marL="9525" marR="9525" marT="9525" marB="0" anchor="b">
+                    <a:lnL w="12700" cap="flat" cmpd="sng" algn="ctr">
+                      <a:solidFill>
+                        <a:schemeClr val="tx1"/>
+                      </a:solidFill>
+                      <a:prstDash val="solid"/>
+                      <a:round/>
+                      <a:headEnd type="none" w="med" len="med"/>
+                      <a:tailEnd type="none" w="med" len="med"/>
+                    </a:lnL>
+                    <a:lnR w="12700" cap="flat" cmpd="sng" algn="ctr">
+                      <a:solidFill>
+                        <a:schemeClr val="tx1"/>
+                      </a:solidFill>
+                      <a:prstDash val="solid"/>
+                      <a:round/>
+                      <a:headEnd type="none" w="med" len="med"/>
+                      <a:tailEnd type="none" w="med" len="med"/>
+                    </a:lnR>
+                    <a:lnT w="12700" cap="flat" cmpd="sng" algn="ctr">
+                      <a:solidFill>
+                        <a:schemeClr val="tx1"/>
+                      </a:solidFill>
+                      <a:prstDash val="solid"/>
+                      <a:round/>
+                      <a:headEnd type="none" w="med" len="med"/>
+                      <a:tailEnd type="none" w="med" len="med"/>
+                    </a:lnT>
+                    <a:solidFill>
+                      <a:srgbClr val="FFFF00"/>
+                    </a:solidFill>
+                  </a:tcPr>
+                </a:tc>
+                <a:tc>
+                  <a:txBody>
+                    <a:bodyPr/>
+                    <a:lstStyle/>
+                    <a:p>
+                      <a:pPr algn="ctr" fontAlgn="b"/>
+                      <a:endParaRPr lang="en-US" sz="2000" b="0" i="0" u="none" strike="noStrike" dirty="0">
+                        <a:solidFill>
+                          <a:srgbClr val="000000"/>
+                        </a:solidFill>
+                        <a:effectLst/>
+                        <a:latin typeface="Calibri" panose="020F0502020204030204" pitchFamily="34" charset="0"/>
+                      </a:endParaRPr>
+                    </a:p>
+                  </a:txBody>
+                  <a:tcPr marL="9525" marR="9525" marT="9525" marB="0" anchor="b">
+                    <a:lnL w="12700" cap="flat" cmpd="sng" algn="ctr">
+                      <a:solidFill>
+                        <a:schemeClr val="tx1"/>
+                      </a:solidFill>
+                      <a:prstDash val="solid"/>
+                      <a:round/>
+                      <a:headEnd type="none" w="med" len="med"/>
+                      <a:tailEnd type="none" w="med" len="med"/>
+                    </a:lnL>
+                    <a:lnT w="12700" cap="flat" cmpd="sng" algn="ctr">
+                      <a:solidFill>
+                        <a:schemeClr val="tx1"/>
+                      </a:solidFill>
+                      <a:prstDash val="solid"/>
+                      <a:round/>
+                      <a:headEnd type="none" w="med" len="med"/>
+                      <a:tailEnd type="none" w="med" len="med"/>
+                    </a:lnT>
+                  </a:tcPr>
+                </a:tc>
+                <a:extLst>
+                  <a:ext uri="{0D108BD9-81ED-4DB2-BD59-A6C34878D82A}">
+                    <a16:rowId xmlns:a16="http://schemas.microsoft.com/office/drawing/2014/main" val="1362744531"/>
                   </a:ext>
                 </a:extLst>
               </a:tr>

--- a/ComparativeProteinSequence.pptx
+++ b/ComparativeProteinSequence.pptx
@@ -5072,14 +5072,14 @@
           <p:nvPr>
             <p:extLst>
               <p:ext uri="{D42A27DB-BD31-4B8C-83A1-F6EECF244321}">
-                <p14:modId xmlns:p14="http://schemas.microsoft.com/office/powerpoint/2010/main" val="564885608"/>
+                <p14:modId xmlns:p14="http://schemas.microsoft.com/office/powerpoint/2010/main" val="1990415340"/>
               </p:ext>
             </p:extLst>
           </p:nvPr>
         </p:nvGraphicFramePr>
         <p:xfrm>
           <a:off x="838200" y="1378225"/>
-          <a:ext cx="10515599" cy="4697254"/>
+          <a:ext cx="10515599" cy="5174815"/>
         </p:xfrm>
         <a:graphic>
           <a:graphicData uri="http://schemas.openxmlformats.org/drawingml/2006/table">
@@ -7320,6 +7320,15 @@
                       <a:headEnd type="none" w="med" len="med"/>
                       <a:tailEnd type="none" w="med" len="med"/>
                     </a:lnT>
+                    <a:lnB w="12700" cap="flat" cmpd="sng" algn="ctr">
+                      <a:solidFill>
+                        <a:schemeClr val="tx1"/>
+                      </a:solidFill>
+                      <a:prstDash val="solid"/>
+                      <a:round/>
+                      <a:headEnd type="none" w="med" len="med"/>
+                      <a:tailEnd type="none" w="med" len="med"/>
+                    </a:lnB>
                   </a:tcPr>
                 </a:tc>
                 <a:tc>
@@ -7368,6 +7377,15 @@
                       <a:headEnd type="none" w="med" len="med"/>
                       <a:tailEnd type="none" w="med" len="med"/>
                     </a:lnT>
+                    <a:lnB w="12700" cap="flat" cmpd="sng" algn="ctr">
+                      <a:solidFill>
+                        <a:schemeClr val="tx1"/>
+                      </a:solidFill>
+                      <a:prstDash val="solid"/>
+                      <a:round/>
+                      <a:headEnd type="none" w="med" len="med"/>
+                      <a:tailEnd type="none" w="med" len="med"/>
+                    </a:lnB>
                   </a:tcPr>
                 </a:tc>
                 <a:tc>
@@ -7425,6 +7443,15 @@
                       <a:headEnd type="none" w="med" len="med"/>
                       <a:tailEnd type="none" w="med" len="med"/>
                     </a:lnT>
+                    <a:lnB w="12700" cap="flat" cmpd="sng" algn="ctr">
+                      <a:solidFill>
+                        <a:schemeClr val="tx1"/>
+                      </a:solidFill>
+                      <a:prstDash val="solid"/>
+                      <a:round/>
+                      <a:headEnd type="none" w="med" len="med"/>
+                      <a:tailEnd type="none" w="med" len="med"/>
+                    </a:lnB>
                     <a:solidFill>
                       <a:srgbClr val="FFFF00"/>
                     </a:solidFill>
@@ -7436,13 +7463,209 @@
                     <a:lstStyle/>
                     <a:p>
                       <a:pPr algn="ctr" fontAlgn="b"/>
-                      <a:endParaRPr lang="en-US" sz="2000" b="0" i="0" u="none" strike="noStrike" dirty="0">
-                        <a:solidFill>
-                          <a:srgbClr val="000000"/>
-                        </a:solidFill>
-                        <a:effectLst/>
-                        <a:latin typeface="Calibri" panose="020F0502020204030204" pitchFamily="34" charset="0"/>
-                      </a:endParaRPr>
+                      <a:r>
+                        <a:rPr lang="en-US" sz="2000" b="0" i="0" u="none" strike="noStrike" dirty="0">
+                          <a:solidFill>
+                            <a:srgbClr val="000000"/>
+                          </a:solidFill>
+                          <a:effectLst/>
+                          <a:latin typeface="Calibri" panose="020F0502020204030204" pitchFamily="34" charset="0"/>
+                        </a:rPr>
+                        <a:t>0.74</a:t>
+                      </a:r>
+                    </a:p>
+                  </a:txBody>
+                  <a:tcPr marL="9525" marR="9525" marT="9525" marB="0" anchor="b">
+                    <a:lnL w="12700" cap="flat" cmpd="sng" algn="ctr">
+                      <a:solidFill>
+                        <a:schemeClr val="tx1"/>
+                      </a:solidFill>
+                      <a:prstDash val="solid"/>
+                      <a:round/>
+                      <a:headEnd type="none" w="med" len="med"/>
+                      <a:tailEnd type="none" w="med" len="med"/>
+                    </a:lnL>
+                    <a:lnT w="12700" cap="flat" cmpd="sng" algn="ctr">
+                      <a:solidFill>
+                        <a:schemeClr val="tx1"/>
+                      </a:solidFill>
+                      <a:prstDash val="solid"/>
+                      <a:round/>
+                      <a:headEnd type="none" w="med" len="med"/>
+                      <a:tailEnd type="none" w="med" len="med"/>
+                    </a:lnT>
+                    <a:lnB w="12700" cap="flat" cmpd="sng" algn="ctr">
+                      <a:solidFill>
+                        <a:schemeClr val="tx1"/>
+                      </a:solidFill>
+                      <a:prstDash val="solid"/>
+                      <a:round/>
+                      <a:headEnd type="none" w="med" len="med"/>
+                      <a:tailEnd type="none" w="med" len="med"/>
+                    </a:lnB>
+                  </a:tcPr>
+                </a:tc>
+                <a:extLst>
+                  <a:ext uri="{0D108BD9-81ED-4DB2-BD59-A6C34878D82A}">
+                    <a16:rowId xmlns:a16="http://schemas.microsoft.com/office/drawing/2014/main" val="1362744531"/>
+                  </a:ext>
+                </a:extLst>
+              </a:tr>
+              <a:tr h="477561">
+                <a:tc>
+                  <a:txBody>
+                    <a:bodyPr/>
+                    <a:lstStyle/>
+                    <a:p>
+                      <a:pPr algn="ctr" fontAlgn="b"/>
+                      <a:r>
+                        <a:rPr lang="en-US" sz="2000" b="0" i="0" u="none" strike="noStrike" dirty="0">
+                          <a:solidFill>
+                            <a:srgbClr val="000000"/>
+                          </a:solidFill>
+                          <a:effectLst/>
+                          <a:latin typeface="Calibri" panose="020F0502020204030204" pitchFamily="34" charset="0"/>
+                        </a:rPr>
+                        <a:t>T0856</a:t>
+                      </a:r>
+                    </a:p>
+                  </a:txBody>
+                  <a:tcPr marL="9525" marR="9525" marT="9525" marB="0" anchor="b">
+                    <a:lnR w="12700" cap="flat" cmpd="sng" algn="ctr">
+                      <a:solidFill>
+                        <a:schemeClr val="tx1"/>
+                      </a:solidFill>
+                      <a:prstDash val="solid"/>
+                      <a:round/>
+                      <a:headEnd type="none" w="med" len="med"/>
+                      <a:tailEnd type="none" w="med" len="med"/>
+                    </a:lnR>
+                    <a:lnT w="12700" cap="flat" cmpd="sng" algn="ctr">
+                      <a:solidFill>
+                        <a:schemeClr val="tx1"/>
+                      </a:solidFill>
+                      <a:prstDash val="solid"/>
+                      <a:round/>
+                      <a:headEnd type="none" w="med" len="med"/>
+                      <a:tailEnd type="none" w="med" len="med"/>
+                    </a:lnT>
+                  </a:tcPr>
+                </a:tc>
+                <a:tc>
+                  <a:txBody>
+                    <a:bodyPr/>
+                    <a:lstStyle/>
+                    <a:p>
+                      <a:pPr algn="ctr" fontAlgn="b"/>
+                      <a:r>
+                        <a:rPr lang="en-US" sz="2000" b="0" i="0" u="none" strike="noStrike" dirty="0">
+                          <a:solidFill>
+                            <a:srgbClr val="000000"/>
+                          </a:solidFill>
+                          <a:effectLst/>
+                          <a:latin typeface="Calibri" panose="020F0502020204030204" pitchFamily="34" charset="0"/>
+                        </a:rPr>
+                        <a:t>Pair-wise</a:t>
+                      </a:r>
+                    </a:p>
+                  </a:txBody>
+                  <a:tcPr marL="9525" marR="9525" marT="9525" marB="0" anchor="b">
+                    <a:lnL w="12700" cap="flat" cmpd="sng" algn="ctr">
+                      <a:solidFill>
+                        <a:schemeClr val="tx1"/>
+                      </a:solidFill>
+                      <a:prstDash val="solid"/>
+                      <a:round/>
+                      <a:headEnd type="none" w="med" len="med"/>
+                      <a:tailEnd type="none" w="med" len="med"/>
+                    </a:lnL>
+                    <a:lnR w="12700" cap="flat" cmpd="sng" algn="ctr">
+                      <a:solidFill>
+                        <a:schemeClr val="tx1"/>
+                      </a:solidFill>
+                      <a:prstDash val="solid"/>
+                      <a:round/>
+                      <a:headEnd type="none" w="med" len="med"/>
+                      <a:tailEnd type="none" w="med" len="med"/>
+                    </a:lnR>
+                    <a:lnT w="12700" cap="flat" cmpd="sng" algn="ctr">
+                      <a:solidFill>
+                        <a:schemeClr val="tx1"/>
+                      </a:solidFill>
+                      <a:prstDash val="solid"/>
+                      <a:round/>
+                      <a:headEnd type="none" w="med" len="med"/>
+                      <a:tailEnd type="none" w="med" len="med"/>
+                    </a:lnT>
+                  </a:tcPr>
+                </a:tc>
+                <a:tc>
+                  <a:txBody>
+                    <a:bodyPr/>
+                    <a:lstStyle/>
+                    <a:p>
+                      <a:pPr algn="ctr" fontAlgn="b"/>
+                      <a:r>
+                        <a:rPr lang="en-US" sz="2000" b="0" i="0" u="none" strike="noStrike" dirty="0">
+                          <a:solidFill>
+                            <a:srgbClr val="000000"/>
+                          </a:solidFill>
+                          <a:effectLst/>
+                          <a:latin typeface="Calibri" panose="020F0502020204030204" pitchFamily="34" charset="0"/>
+                        </a:rPr>
+                        <a:t>2.82</a:t>
+                      </a:r>
+                    </a:p>
+                  </a:txBody>
+                  <a:tcPr marL="9525" marR="9525" marT="9525" marB="0" anchor="b">
+                    <a:lnL w="12700" cap="flat" cmpd="sng" algn="ctr">
+                      <a:solidFill>
+                        <a:schemeClr val="tx1"/>
+                      </a:solidFill>
+                      <a:prstDash val="solid"/>
+                      <a:round/>
+                      <a:headEnd type="none" w="med" len="med"/>
+                      <a:tailEnd type="none" w="med" len="med"/>
+                    </a:lnL>
+                    <a:lnR w="12700" cap="flat" cmpd="sng" algn="ctr">
+                      <a:solidFill>
+                        <a:schemeClr val="tx1"/>
+                      </a:solidFill>
+                      <a:prstDash val="solid"/>
+                      <a:round/>
+                      <a:headEnd type="none" w="med" len="med"/>
+                      <a:tailEnd type="none" w="med" len="med"/>
+                    </a:lnR>
+                    <a:lnT w="12700" cap="flat" cmpd="sng" algn="ctr">
+                      <a:solidFill>
+                        <a:schemeClr val="tx1"/>
+                      </a:solidFill>
+                      <a:prstDash val="solid"/>
+                      <a:round/>
+                      <a:headEnd type="none" w="med" len="med"/>
+                      <a:tailEnd type="none" w="med" len="med"/>
+                    </a:lnT>
+                    <a:solidFill>
+                      <a:srgbClr val="FFFF00"/>
+                    </a:solidFill>
+                  </a:tcPr>
+                </a:tc>
+                <a:tc>
+                  <a:txBody>
+                    <a:bodyPr/>
+                    <a:lstStyle/>
+                    <a:p>
+                      <a:pPr algn="ctr" fontAlgn="b"/>
+                      <a:r>
+                        <a:rPr lang="en-US" sz="2000" b="0" i="0" u="none" strike="noStrike" dirty="0">
+                          <a:solidFill>
+                            <a:srgbClr val="000000"/>
+                          </a:solidFill>
+                          <a:effectLst/>
+                          <a:latin typeface="Calibri" panose="020F0502020204030204" pitchFamily="34" charset="0"/>
+                        </a:rPr>
+                        <a:t>1.66</a:t>
+                      </a:r>
                     </a:p>
                   </a:txBody>
                   <a:tcPr marL="9525" marR="9525" marT="9525" marB="0" anchor="b">
@@ -7468,7 +7691,7 @@
                 </a:tc>
                 <a:extLst>
                   <a:ext uri="{0D108BD9-81ED-4DB2-BD59-A6C34878D82A}">
-                    <a16:rowId xmlns:a16="http://schemas.microsoft.com/office/drawing/2014/main" val="1362744531"/>
+                    <a16:rowId xmlns:a16="http://schemas.microsoft.com/office/drawing/2014/main" val="2666064273"/>
                   </a:ext>
                 </a:extLst>
               </a:tr>
@@ -8517,7 +8740,7 @@
         </p:blipFill>
         <p:spPr>
           <a:xfrm>
-            <a:off x="1259897" y="2157001"/>
+            <a:off x="1259897" y="2060020"/>
             <a:ext cx="7510029" cy="3076575"/>
           </a:xfrm>
           <a:prstGeom prst="rect">
